--- a/Test Driven Development/materials/pptx/7. TDD-BDD.pptx
+++ b/Test Driven Development/materials/pptx/7. TDD-BDD.pptx
@@ -7,14 +7,25 @@
     <p:sldMasterId id="2147483694" r:id="rId3"/>
   </p:sldMasterIdLst>
   <p:notesMasterIdLst>
-    <p:notesMasterId r:id="rId9"/>
+    <p:notesMasterId r:id="rId20"/>
   </p:notesMasterIdLst>
   <p:sldIdLst>
     <p:sldId id="355" r:id="rId4"/>
-    <p:sldId id="257" r:id="rId5"/>
-    <p:sldId id="375" r:id="rId6"/>
-    <p:sldId id="357" r:id="rId7"/>
-    <p:sldId id="356" r:id="rId8"/>
+    <p:sldId id="375" r:id="rId5"/>
+    <p:sldId id="389" r:id="rId6"/>
+    <p:sldId id="376" r:id="rId7"/>
+    <p:sldId id="385" r:id="rId8"/>
+    <p:sldId id="386" r:id="rId9"/>
+    <p:sldId id="387" r:id="rId10"/>
+    <p:sldId id="384" r:id="rId11"/>
+    <p:sldId id="383" r:id="rId12"/>
+    <p:sldId id="388" r:id="rId13"/>
+    <p:sldId id="378" r:id="rId14"/>
+    <p:sldId id="379" r:id="rId15"/>
+    <p:sldId id="380" r:id="rId16"/>
+    <p:sldId id="381" r:id="rId17"/>
+    <p:sldId id="357" r:id="rId18"/>
+    <p:sldId id="356" r:id="rId19"/>
   </p:sldIdLst>
   <p:sldSz cx="9144000" cy="6858000" type="screen4x3"/>
   <p:notesSz cx="6858000" cy="9144000"/>
@@ -198,7 +209,7 @@
           <a:p>
             <a:fld id="{B946ECE3-FD69-FE4C-B5B3-E9526994F809}" type="datetimeFigureOut">
               <a:rPr lang="en-US" smtClean="0"/>
-              <a:t>8/4/12</a:t>
+              <a:t>12/10/2012</a:t>
             </a:fld>
             <a:endParaRPr lang="en-US"/>
           </a:p>
@@ -548,7 +559,7 @@
           <a:p>
             <a:fld id="{3A3568CC-110C-4346-A0AE-B1FBECAA9176}" type="slidenum">
               <a:rPr lang="en-US" smtClean="0"/>
-              <a:t>3</a:t>
+              <a:t>2</a:t>
             </a:fld>
             <a:endParaRPr lang="en-US" dirty="0"/>
           </a:p>
@@ -558,6 +569,1679 @@
     <p:extLst>
       <p:ext uri="{BB962C8B-B14F-4D97-AF65-F5344CB8AC3E}">
         <p14:creationId xmlns:p14="http://schemas.microsoft.com/office/powerpoint/2010/main" val="2905857953"/>
+      </p:ext>
+    </p:extLst>
+  </p:cSld>
+  <p:clrMapOvr>
+    <a:masterClrMapping/>
+  </p:clrMapOvr>
+</p:notes>
+</file>
+
+<file path=ppt/notesSlides/notesSlide10.xml><?xml version="1.0" encoding="utf-8"?>
+<p:notes xmlns:a="http://schemas.openxmlformats.org/drawingml/2006/main" xmlns:r="http://schemas.openxmlformats.org/officeDocument/2006/relationships" xmlns:p="http://schemas.openxmlformats.org/presentationml/2006/main">
+  <p:cSld>
+    <p:spTree>
+      <p:nvGrpSpPr>
+        <p:cNvPr id="1" name=""/>
+        <p:cNvGrpSpPr/>
+        <p:nvPr/>
+      </p:nvGrpSpPr>
+      <p:grpSpPr>
+        <a:xfrm>
+          <a:off x="0" y="0"/>
+          <a:ext cx="0" cy="0"/>
+          <a:chOff x="0" y="0"/>
+          <a:chExt cx="0" cy="0"/>
+        </a:xfrm>
+      </p:grpSpPr>
+      <p:sp>
+        <p:nvSpPr>
+          <p:cNvPr id="2" name="Slide Image Placeholder 1"/>
+          <p:cNvSpPr>
+            <a:spLocks noGrp="1" noRot="1" noChangeAspect="1"/>
+          </p:cNvSpPr>
+          <p:nvPr>
+            <p:ph type="sldImg"/>
+          </p:nvPr>
+        </p:nvSpPr>
+        <p:spPr/>
+      </p:sp>
+      <p:sp>
+        <p:nvSpPr>
+          <p:cNvPr id="3" name="Notes Placeholder 2"/>
+          <p:cNvSpPr>
+            <a:spLocks noGrp="1"/>
+          </p:cNvSpPr>
+          <p:nvPr>
+            <p:ph type="body" idx="1"/>
+          </p:nvPr>
+        </p:nvSpPr>
+        <p:spPr/>
+        <p:txBody>
+          <a:bodyPr/>
+          <a:lstStyle/>
+          <a:p>
+            <a:r>
+              <a:rPr lang="ru-RU" sz="1200" b="0" i="0" kern="1200" dirty="0" smtClean="0">
+                <a:solidFill>
+                  <a:schemeClr val="tx1"/>
+                </a:solidFill>
+                <a:effectLst/>
+                <a:latin typeface="+mn-lt"/>
+                <a:ea typeface="+mn-ea"/>
+                <a:cs typeface="+mn-cs"/>
+              </a:rPr>
+              <a:t>Мышление в терминах функциональности (того, что код должен делать), приводит к подходу, когда сначала пишутся классы для проверки спецификации, которые, в свою очередь, могут оказаться очень эффективным инструментом реализации</a:t>
+            </a:r>
+            <a:endParaRPr lang="en-US" sz="1200" b="0" i="0" kern="1200" dirty="0" smtClean="0">
+              <a:solidFill>
+                <a:schemeClr val="tx1"/>
+              </a:solidFill>
+              <a:effectLst/>
+              <a:latin typeface="+mn-lt"/>
+              <a:ea typeface="+mn-ea"/>
+              <a:cs typeface="+mn-cs"/>
+            </a:endParaRPr>
+          </a:p>
+          <a:p>
+            <a:endParaRPr lang="en-US" sz="1200" b="0" i="0" kern="1200" dirty="0" smtClean="0">
+              <a:solidFill>
+                <a:schemeClr val="tx1"/>
+              </a:solidFill>
+              <a:effectLst/>
+              <a:latin typeface="+mn-lt"/>
+              <a:ea typeface="+mn-ea"/>
+              <a:cs typeface="+mn-cs"/>
+            </a:endParaRPr>
+          </a:p>
+          <a:p>
+            <a:r>
+              <a:rPr lang="en-US" sz="1200" b="0" i="0" kern="1200" dirty="0" smtClean="0">
+                <a:solidFill>
+                  <a:schemeClr val="tx1"/>
+                </a:solidFill>
+                <a:effectLst/>
+                <a:latin typeface="+mn-lt"/>
+                <a:ea typeface="+mn-ea"/>
+                <a:cs typeface="+mn-cs"/>
+                <a:hlinkClick r:id="rId3"/>
+              </a:rPr>
+              <a:t>BDD</a:t>
+            </a:r>
+            <a:r>
+              <a:rPr lang="en-US" sz="1200" b="0" i="0" kern="1200" dirty="0" smtClean="0">
+                <a:solidFill>
+                  <a:schemeClr val="tx1"/>
+                </a:solidFill>
+                <a:effectLst/>
+                <a:latin typeface="+mn-lt"/>
+                <a:ea typeface="+mn-ea"/>
+                <a:cs typeface="+mn-cs"/>
+              </a:rPr>
+              <a:t> aims to bridge the gap between the differing views of computer systems held by Business users and Technologists. It is deeply rooted in the success of </a:t>
+            </a:r>
+            <a:r>
+              <a:rPr lang="en-US" sz="1200" b="0" i="0" kern="1200" dirty="0" smtClean="0">
+                <a:solidFill>
+                  <a:schemeClr val="tx1"/>
+                </a:solidFill>
+                <a:effectLst/>
+                <a:latin typeface="+mn-lt"/>
+                <a:ea typeface="+mn-ea"/>
+                <a:cs typeface="+mn-cs"/>
+                <a:hlinkClick r:id="rId4"/>
+              </a:rPr>
+              <a:t>TDD</a:t>
+            </a:r>
+            <a:r>
+              <a:rPr lang="en-US" sz="1200" b="0" i="0" kern="1200" dirty="0" smtClean="0">
+                <a:solidFill>
+                  <a:schemeClr val="tx1"/>
+                </a:solidFill>
+                <a:effectLst/>
+                <a:latin typeface="+mn-lt"/>
+                <a:ea typeface="+mn-ea"/>
+                <a:cs typeface="+mn-cs"/>
+              </a:rPr>
+              <a:t> and is influenced by ideas like </a:t>
+            </a:r>
+            <a:r>
+              <a:rPr lang="en-US" sz="1200" b="0" i="0" kern="1200" dirty="0" smtClean="0">
+                <a:solidFill>
+                  <a:schemeClr val="tx1"/>
+                </a:solidFill>
+                <a:effectLst/>
+                <a:latin typeface="+mn-lt"/>
+                <a:ea typeface="+mn-ea"/>
+                <a:cs typeface="+mn-cs"/>
+                <a:hlinkClick r:id="rId5"/>
+              </a:rPr>
+              <a:t>Domain </a:t>
+            </a:r>
+            <a:r>
+              <a:rPr lang="en-US" sz="1200" b="0" i="0" kern="1200" dirty="0" smtClean="0">
+                <a:solidFill>
+                  <a:srgbClr val="FF0000"/>
+                </a:solidFill>
+                <a:effectLst/>
+                <a:latin typeface="+mn-lt"/>
+                <a:ea typeface="+mn-ea"/>
+                <a:cs typeface="+mn-cs"/>
+                <a:hlinkClick r:id="rId5"/>
+              </a:rPr>
+              <a:t>Driven</a:t>
+            </a:r>
+            <a:r>
+              <a:rPr lang="en-US" sz="1200" b="0" i="0" kern="1200" dirty="0" smtClean="0">
+                <a:solidFill>
+                  <a:schemeClr val="tx1"/>
+                </a:solidFill>
+                <a:effectLst/>
+                <a:latin typeface="+mn-lt"/>
+                <a:ea typeface="+mn-ea"/>
+                <a:cs typeface="+mn-cs"/>
+                <a:hlinkClick r:id="rId5"/>
+              </a:rPr>
+              <a:t> Design</a:t>
+            </a:r>
+            <a:r>
+              <a:rPr lang="en-US" sz="1200" b="0" i="0" kern="1200" dirty="0" smtClean="0">
+                <a:solidFill>
+                  <a:schemeClr val="tx1"/>
+                </a:solidFill>
+                <a:effectLst/>
+                <a:latin typeface="+mn-lt"/>
+                <a:ea typeface="+mn-ea"/>
+                <a:cs typeface="+mn-cs"/>
+              </a:rPr>
+              <a:t>. Its focus is on minimizing the hurdles between specification, design, implementation and confirmation of the </a:t>
+            </a:r>
+            <a:r>
+              <a:rPr lang="en-US" sz="1200" b="0" i="0" kern="1200" dirty="0" err="1" smtClean="0">
+                <a:solidFill>
+                  <a:schemeClr val="tx1"/>
+                </a:solidFill>
+                <a:effectLst/>
+                <a:latin typeface="+mn-lt"/>
+                <a:ea typeface="+mn-ea"/>
+                <a:cs typeface="+mn-cs"/>
+              </a:rPr>
+              <a:t>behaviour</a:t>
+            </a:r>
+            <a:r>
+              <a:rPr lang="en-US" sz="1200" b="0" i="0" kern="1200" dirty="0" smtClean="0">
+                <a:solidFill>
+                  <a:schemeClr val="tx1"/>
+                </a:solidFill>
+                <a:effectLst/>
+                <a:latin typeface="+mn-lt"/>
+                <a:ea typeface="+mn-ea"/>
+                <a:cs typeface="+mn-cs"/>
+              </a:rPr>
+              <a:t> of a system. Thus enabling the incremental delivery of business systems, and in particular in allowing teams new to agile development to quickly get up to speed using </a:t>
+            </a:r>
+            <a:r>
+              <a:rPr lang="en-US" sz="1200" b="0" i="0" kern="1200" dirty="0" smtClean="0">
+                <a:solidFill>
+                  <a:srgbClr val="FF0000"/>
+                </a:solidFill>
+                <a:effectLst/>
+                <a:latin typeface="+mn-lt"/>
+                <a:ea typeface="+mn-ea"/>
+                <a:cs typeface="+mn-cs"/>
+              </a:rPr>
+              <a:t>these</a:t>
+            </a:r>
+            <a:r>
+              <a:rPr lang="en-US" sz="1200" b="0" i="0" kern="1200" dirty="0" smtClean="0">
+                <a:solidFill>
+                  <a:schemeClr val="tx1"/>
+                </a:solidFill>
+                <a:effectLst/>
+                <a:latin typeface="+mn-lt"/>
+                <a:ea typeface="+mn-ea"/>
+                <a:cs typeface="+mn-cs"/>
+              </a:rPr>
+              <a:t> extremely productive techniques.</a:t>
+            </a:r>
+          </a:p>
+          <a:p>
+            <a:endParaRPr lang="en-US" sz="1200" b="0" i="0" kern="1200" dirty="0" smtClean="0">
+              <a:solidFill>
+                <a:schemeClr val="tx1"/>
+              </a:solidFill>
+              <a:effectLst/>
+              <a:latin typeface="+mn-lt"/>
+              <a:ea typeface="+mn-ea"/>
+              <a:cs typeface="+mn-cs"/>
+            </a:endParaRPr>
+          </a:p>
+          <a:p>
+            <a:r>
+              <a:rPr lang="en-US" sz="1200" b="0" i="0" kern="1200" dirty="0" smtClean="0">
+                <a:solidFill>
+                  <a:schemeClr val="tx1"/>
+                </a:solidFill>
+                <a:effectLst/>
+                <a:latin typeface="+mn-lt"/>
+                <a:ea typeface="+mn-ea"/>
+                <a:cs typeface="+mn-cs"/>
+                <a:hlinkClick r:id="rId3"/>
+              </a:rPr>
+              <a:t>BDD</a:t>
+            </a:r>
+            <a:r>
+              <a:rPr lang="en-US" sz="1200" b="0" i="0" kern="1200" dirty="0" smtClean="0">
+                <a:solidFill>
+                  <a:schemeClr val="tx1"/>
+                </a:solidFill>
+                <a:effectLst/>
+                <a:latin typeface="+mn-lt"/>
+                <a:ea typeface="+mn-ea"/>
+                <a:cs typeface="+mn-cs"/>
+              </a:rPr>
+              <a:t> relies on the use of a very specific (and small) vocabulary to minimize miscommunication and to ensure that everyone – the business, developers, testers, analysts and managers – are not only on the same page but using the same words. It must be stressed that </a:t>
+            </a:r>
+            <a:r>
+              <a:rPr lang="en-US" sz="1200" b="0" i="0" kern="1200" dirty="0" smtClean="0">
+                <a:solidFill>
+                  <a:schemeClr val="tx1"/>
+                </a:solidFill>
+                <a:effectLst/>
+                <a:latin typeface="+mn-lt"/>
+                <a:ea typeface="+mn-ea"/>
+                <a:cs typeface="+mn-cs"/>
+                <a:hlinkClick r:id="rId3"/>
+              </a:rPr>
+              <a:t>BDD</a:t>
+            </a:r>
+            <a:r>
+              <a:rPr lang="en-US" sz="1200" b="0" i="0" kern="1200" dirty="0" smtClean="0">
+                <a:solidFill>
+                  <a:schemeClr val="tx1"/>
+                </a:solidFill>
+                <a:effectLst/>
+                <a:latin typeface="+mn-lt"/>
+                <a:ea typeface="+mn-ea"/>
+                <a:cs typeface="+mn-cs"/>
+              </a:rPr>
+              <a:t> is a rephrasing of existing good practice, it is not a radically new departure. Its aim is to bring together existing, well-established techniques under a common banner and with a consistent and unambiguous terminology. In fact, </a:t>
+            </a:r>
+            <a:r>
+              <a:rPr lang="en-US" sz="1200" b="0" i="0" kern="1200" dirty="0" smtClean="0">
+                <a:solidFill>
+                  <a:schemeClr val="tx1"/>
+                </a:solidFill>
+                <a:effectLst/>
+                <a:latin typeface="+mn-lt"/>
+                <a:ea typeface="+mn-ea"/>
+                <a:cs typeface="+mn-cs"/>
+                <a:hlinkClick r:id="rId6"/>
+              </a:rPr>
+              <a:t>“Getting the Words Right”</a:t>
+            </a:r>
+            <a:r>
+              <a:rPr lang="en-US" sz="1200" b="0" i="0" kern="1200" dirty="0" smtClean="0">
+                <a:solidFill>
+                  <a:schemeClr val="tx1"/>
+                </a:solidFill>
+                <a:effectLst/>
+                <a:latin typeface="+mn-lt"/>
+                <a:ea typeface="+mn-ea"/>
+                <a:cs typeface="+mn-cs"/>
+              </a:rPr>
+              <a:t> was the starting point for the development of </a:t>
+            </a:r>
+            <a:r>
+              <a:rPr lang="en-US" sz="1200" b="0" i="0" kern="1200" dirty="0" smtClean="0">
+                <a:solidFill>
+                  <a:schemeClr val="tx1"/>
+                </a:solidFill>
+                <a:effectLst/>
+                <a:latin typeface="+mn-lt"/>
+                <a:ea typeface="+mn-ea"/>
+                <a:cs typeface="+mn-cs"/>
+                <a:hlinkClick r:id="rId3"/>
+              </a:rPr>
+              <a:t>BDD</a:t>
+            </a:r>
+            <a:r>
+              <a:rPr lang="en-US" sz="1200" b="0" i="0" kern="1200" dirty="0" smtClean="0">
+                <a:solidFill>
+                  <a:schemeClr val="tx1"/>
+                </a:solidFill>
+                <a:effectLst/>
+                <a:latin typeface="+mn-lt"/>
+                <a:ea typeface="+mn-ea"/>
+                <a:cs typeface="+mn-cs"/>
+              </a:rPr>
+              <a:t>, and is still very much at its core. </a:t>
+            </a:r>
+            <a:r>
+              <a:rPr lang="en-US" sz="1200" b="0" i="0" kern="1200" dirty="0" smtClean="0">
+                <a:solidFill>
+                  <a:schemeClr val="tx1"/>
+                </a:solidFill>
+                <a:effectLst/>
+                <a:latin typeface="+mn-lt"/>
+                <a:ea typeface="+mn-ea"/>
+                <a:cs typeface="+mn-cs"/>
+                <a:hlinkClick r:id="rId6"/>
+              </a:rPr>
+              <a:t>“Getting the Words Right”</a:t>
+            </a:r>
+            <a:r>
+              <a:rPr lang="en-US" sz="1200" b="0" i="0" kern="1200" dirty="0" smtClean="0">
+                <a:solidFill>
+                  <a:schemeClr val="tx1"/>
+                </a:solidFill>
+                <a:effectLst/>
+                <a:latin typeface="+mn-lt"/>
+                <a:ea typeface="+mn-ea"/>
+                <a:cs typeface="+mn-cs"/>
+              </a:rPr>
+              <a:t> is intended to produce a vocabulary that is accurate, accessible, descriptive and consistent.</a:t>
+            </a:r>
+          </a:p>
+          <a:p>
+            <a:endParaRPr lang="ru-RU" dirty="0"/>
+          </a:p>
+        </p:txBody>
+      </p:sp>
+      <p:sp>
+        <p:nvSpPr>
+          <p:cNvPr id="4" name="Slide Number Placeholder 3"/>
+          <p:cNvSpPr>
+            <a:spLocks noGrp="1"/>
+          </p:cNvSpPr>
+          <p:nvPr>
+            <p:ph type="sldNum" sz="quarter" idx="10"/>
+          </p:nvPr>
+        </p:nvSpPr>
+        <p:spPr/>
+        <p:txBody>
+          <a:bodyPr/>
+          <a:lstStyle/>
+          <a:p>
+            <a:fld id="{3A3568CC-110C-4346-A0AE-B1FBECAA9176}" type="slidenum">
+              <a:rPr lang="en-US" smtClean="0"/>
+              <a:t>11</a:t>
+            </a:fld>
+            <a:endParaRPr lang="en-US"/>
+          </a:p>
+        </p:txBody>
+      </p:sp>
+    </p:spTree>
+    <p:extLst>
+      <p:ext uri="{BB962C8B-B14F-4D97-AF65-F5344CB8AC3E}">
+        <p14:creationId xmlns:p14="http://schemas.microsoft.com/office/powerpoint/2010/main" val="2202391838"/>
+      </p:ext>
+    </p:extLst>
+  </p:cSld>
+  <p:clrMapOvr>
+    <a:masterClrMapping/>
+  </p:clrMapOvr>
+</p:notes>
+</file>
+
+<file path=ppt/notesSlides/notesSlide2.xml><?xml version="1.0" encoding="utf-8"?>
+<p:notes xmlns:a="http://schemas.openxmlformats.org/drawingml/2006/main" xmlns:r="http://schemas.openxmlformats.org/officeDocument/2006/relationships" xmlns:p="http://schemas.openxmlformats.org/presentationml/2006/main">
+  <p:cSld>
+    <p:spTree>
+      <p:nvGrpSpPr>
+        <p:cNvPr id="1" name=""/>
+        <p:cNvGrpSpPr/>
+        <p:nvPr/>
+      </p:nvGrpSpPr>
+      <p:grpSpPr>
+        <a:xfrm>
+          <a:off x="0" y="0"/>
+          <a:ext cx="0" cy="0"/>
+          <a:chOff x="0" y="0"/>
+          <a:chExt cx="0" cy="0"/>
+        </a:xfrm>
+      </p:grpSpPr>
+      <p:sp>
+        <p:nvSpPr>
+          <p:cNvPr id="2" name="Slide Image Placeholder 1"/>
+          <p:cNvSpPr>
+            <a:spLocks noGrp="1" noRot="1" noChangeAspect="1"/>
+          </p:cNvSpPr>
+          <p:nvPr>
+            <p:ph type="sldImg"/>
+          </p:nvPr>
+        </p:nvSpPr>
+        <p:spPr/>
+      </p:sp>
+      <p:sp>
+        <p:nvSpPr>
+          <p:cNvPr id="3" name="Notes Placeholder 2"/>
+          <p:cNvSpPr>
+            <a:spLocks noGrp="1"/>
+          </p:cNvSpPr>
+          <p:nvPr>
+            <p:ph type="body" idx="1"/>
+          </p:nvPr>
+        </p:nvSpPr>
+        <p:spPr/>
+        <p:txBody>
+          <a:bodyPr/>
+          <a:lstStyle/>
+          <a:p>
+            <a:r>
+              <a:rPr lang="en-US" sz="1200" b="0" i="0" kern="1200" dirty="0" smtClean="0">
+                <a:solidFill>
+                  <a:schemeClr val="tx1"/>
+                </a:solidFill>
+                <a:effectLst/>
+                <a:latin typeface="+mn-lt"/>
+                <a:ea typeface="+mn-ea"/>
+                <a:cs typeface="+mn-cs"/>
+              </a:rPr>
+              <a:t>So why BDD?</a:t>
+            </a:r>
+          </a:p>
+          <a:p>
+            <a:r>
+              <a:rPr lang="en-US" sz="1200" b="0" i="0" kern="1200" dirty="0" smtClean="0">
+                <a:solidFill>
+                  <a:schemeClr val="tx1"/>
+                </a:solidFill>
+                <a:effectLst/>
+                <a:latin typeface="+mn-lt"/>
+                <a:ea typeface="+mn-ea"/>
+                <a:cs typeface="+mn-cs"/>
+              </a:rPr>
+              <a:t>Doing TDD right and understanding what it is all about is hard.</a:t>
+            </a:r>
+            <a:endParaRPr lang="ru-RU" dirty="0"/>
+          </a:p>
+        </p:txBody>
+      </p:sp>
+      <p:sp>
+        <p:nvSpPr>
+          <p:cNvPr id="4" name="Slide Number Placeholder 3"/>
+          <p:cNvSpPr>
+            <a:spLocks noGrp="1"/>
+          </p:cNvSpPr>
+          <p:nvPr>
+            <p:ph type="sldNum" sz="quarter" idx="10"/>
+          </p:nvPr>
+        </p:nvSpPr>
+        <p:spPr/>
+        <p:txBody>
+          <a:bodyPr/>
+          <a:lstStyle/>
+          <a:p>
+            <a:fld id="{3A3568CC-110C-4346-A0AE-B1FBECAA9176}" type="slidenum">
+              <a:rPr lang="en-US" smtClean="0"/>
+              <a:t>3</a:t>
+            </a:fld>
+            <a:endParaRPr lang="en-US"/>
+          </a:p>
+        </p:txBody>
+      </p:sp>
+    </p:spTree>
+    <p:extLst>
+      <p:ext uri="{BB962C8B-B14F-4D97-AF65-F5344CB8AC3E}">
+        <p14:creationId xmlns:p14="http://schemas.microsoft.com/office/powerpoint/2010/main" val="2202391838"/>
+      </p:ext>
+    </p:extLst>
+  </p:cSld>
+  <p:clrMapOvr>
+    <a:masterClrMapping/>
+  </p:clrMapOvr>
+</p:notes>
+</file>
+
+<file path=ppt/notesSlides/notesSlide3.xml><?xml version="1.0" encoding="utf-8"?>
+<p:notes xmlns:a="http://schemas.openxmlformats.org/drawingml/2006/main" xmlns:r="http://schemas.openxmlformats.org/officeDocument/2006/relationships" xmlns:p="http://schemas.openxmlformats.org/presentationml/2006/main">
+  <p:cSld>
+    <p:spTree>
+      <p:nvGrpSpPr>
+        <p:cNvPr id="1" name=""/>
+        <p:cNvGrpSpPr/>
+        <p:nvPr/>
+      </p:nvGrpSpPr>
+      <p:grpSpPr>
+        <a:xfrm>
+          <a:off x="0" y="0"/>
+          <a:ext cx="0" cy="0"/>
+          <a:chOff x="0" y="0"/>
+          <a:chExt cx="0" cy="0"/>
+        </a:xfrm>
+      </p:grpSpPr>
+      <p:sp>
+        <p:nvSpPr>
+          <p:cNvPr id="2" name="Slide Image Placeholder 1"/>
+          <p:cNvSpPr>
+            <a:spLocks noGrp="1" noRot="1" noChangeAspect="1"/>
+          </p:cNvSpPr>
+          <p:nvPr>
+            <p:ph type="sldImg"/>
+          </p:nvPr>
+        </p:nvSpPr>
+        <p:spPr/>
+      </p:sp>
+      <p:sp>
+        <p:nvSpPr>
+          <p:cNvPr id="3" name="Notes Placeholder 2"/>
+          <p:cNvSpPr>
+            <a:spLocks noGrp="1"/>
+          </p:cNvSpPr>
+          <p:nvPr>
+            <p:ph type="body" idx="1"/>
+          </p:nvPr>
+        </p:nvSpPr>
+        <p:spPr/>
+        <p:txBody>
+          <a:bodyPr/>
+          <a:lstStyle/>
+          <a:p>
+            <a:endParaRPr lang="ru-RU" dirty="0"/>
+          </a:p>
+        </p:txBody>
+      </p:sp>
+      <p:sp>
+        <p:nvSpPr>
+          <p:cNvPr id="4" name="Slide Number Placeholder 3"/>
+          <p:cNvSpPr>
+            <a:spLocks noGrp="1"/>
+          </p:cNvSpPr>
+          <p:nvPr>
+            <p:ph type="sldNum" sz="quarter" idx="10"/>
+          </p:nvPr>
+        </p:nvSpPr>
+        <p:spPr/>
+        <p:txBody>
+          <a:bodyPr/>
+          <a:lstStyle/>
+          <a:p>
+            <a:fld id="{3A3568CC-110C-4346-A0AE-B1FBECAA9176}" type="slidenum">
+              <a:rPr lang="en-US" smtClean="0"/>
+              <a:t>4</a:t>
+            </a:fld>
+            <a:endParaRPr lang="en-US"/>
+          </a:p>
+        </p:txBody>
+      </p:sp>
+    </p:spTree>
+    <p:extLst>
+      <p:ext uri="{BB962C8B-B14F-4D97-AF65-F5344CB8AC3E}">
+        <p14:creationId xmlns:p14="http://schemas.microsoft.com/office/powerpoint/2010/main" val="2202391838"/>
+      </p:ext>
+    </p:extLst>
+  </p:cSld>
+  <p:clrMapOvr>
+    <a:masterClrMapping/>
+  </p:clrMapOvr>
+</p:notes>
+</file>
+
+<file path=ppt/notesSlides/notesSlide4.xml><?xml version="1.0" encoding="utf-8"?>
+<p:notes xmlns:a="http://schemas.openxmlformats.org/drawingml/2006/main" xmlns:r="http://schemas.openxmlformats.org/officeDocument/2006/relationships" xmlns:p="http://schemas.openxmlformats.org/presentationml/2006/main">
+  <p:cSld>
+    <p:spTree>
+      <p:nvGrpSpPr>
+        <p:cNvPr id="1" name=""/>
+        <p:cNvGrpSpPr/>
+        <p:nvPr/>
+      </p:nvGrpSpPr>
+      <p:grpSpPr>
+        <a:xfrm>
+          <a:off x="0" y="0"/>
+          <a:ext cx="0" cy="0"/>
+          <a:chOff x="0" y="0"/>
+          <a:chExt cx="0" cy="0"/>
+        </a:xfrm>
+      </p:grpSpPr>
+      <p:sp>
+        <p:nvSpPr>
+          <p:cNvPr id="2" name="Slide Image Placeholder 1"/>
+          <p:cNvSpPr>
+            <a:spLocks noGrp="1" noRot="1" noChangeAspect="1"/>
+          </p:cNvSpPr>
+          <p:nvPr>
+            <p:ph type="sldImg"/>
+          </p:nvPr>
+        </p:nvSpPr>
+        <p:spPr/>
+      </p:sp>
+      <p:sp>
+        <p:nvSpPr>
+          <p:cNvPr id="3" name="Notes Placeholder 2"/>
+          <p:cNvSpPr>
+            <a:spLocks noGrp="1"/>
+          </p:cNvSpPr>
+          <p:nvPr>
+            <p:ph type="body" idx="1"/>
+          </p:nvPr>
+        </p:nvSpPr>
+        <p:spPr/>
+        <p:txBody>
+          <a:bodyPr/>
+          <a:lstStyle/>
+          <a:p>
+            <a:r>
+              <a:rPr lang="en-US" sz="1200" b="0" i="0" u="none" strike="noStrike" kern="1200" baseline="0" dirty="0" smtClean="0">
+                <a:solidFill>
+                  <a:schemeClr val="tx1"/>
+                </a:solidFill>
+                <a:latin typeface="+mn-lt"/>
+                <a:ea typeface="+mn-ea"/>
+                <a:cs typeface="+mn-cs"/>
+              </a:rPr>
+              <a:t>I had a problem. While using and teaching agile practices like test-driven development (TDD) on projects in different environments, I kept coming across the same confusion and misunderstandings. </a:t>
+            </a:r>
+          </a:p>
+          <a:p>
+            <a:endParaRPr lang="en-US" sz="1200" b="0" i="0" u="none" strike="noStrike" kern="1200" baseline="0" dirty="0" smtClean="0">
+              <a:solidFill>
+                <a:schemeClr val="tx1"/>
+              </a:solidFill>
+              <a:latin typeface="+mn-lt"/>
+              <a:ea typeface="+mn-ea"/>
+              <a:cs typeface="+mn-cs"/>
+            </a:endParaRPr>
+          </a:p>
+          <a:p>
+            <a:r>
+              <a:rPr lang="en-US" sz="1200" b="0" i="0" u="none" strike="noStrike" kern="1200" baseline="0" dirty="0" smtClean="0">
+                <a:solidFill>
+                  <a:schemeClr val="tx1"/>
+                </a:solidFill>
+                <a:latin typeface="+mn-lt"/>
+                <a:ea typeface="+mn-ea"/>
+                <a:cs typeface="+mn-cs"/>
+              </a:rPr>
+              <a:t>Programmers wanted to know where to start, what to test and what not to test, how much to test in one go, what to call their tests, and how to understand why a test fails.</a:t>
+            </a:r>
+            <a:endParaRPr lang="ru-RU" dirty="0"/>
+          </a:p>
+        </p:txBody>
+      </p:sp>
+      <p:sp>
+        <p:nvSpPr>
+          <p:cNvPr id="4" name="Slide Number Placeholder 3"/>
+          <p:cNvSpPr>
+            <a:spLocks noGrp="1"/>
+          </p:cNvSpPr>
+          <p:nvPr>
+            <p:ph type="sldNum" sz="quarter" idx="10"/>
+          </p:nvPr>
+        </p:nvSpPr>
+        <p:spPr/>
+        <p:txBody>
+          <a:bodyPr/>
+          <a:lstStyle/>
+          <a:p>
+            <a:fld id="{3A3568CC-110C-4346-A0AE-B1FBECAA9176}" type="slidenum">
+              <a:rPr lang="en-US" smtClean="0"/>
+              <a:t>5</a:t>
+            </a:fld>
+            <a:endParaRPr lang="en-US"/>
+          </a:p>
+        </p:txBody>
+      </p:sp>
+    </p:spTree>
+    <p:extLst>
+      <p:ext uri="{BB962C8B-B14F-4D97-AF65-F5344CB8AC3E}">
+        <p14:creationId xmlns:p14="http://schemas.microsoft.com/office/powerpoint/2010/main" val="2202391838"/>
+      </p:ext>
+    </p:extLst>
+  </p:cSld>
+  <p:clrMapOvr>
+    <a:masterClrMapping/>
+  </p:clrMapOvr>
+</p:notes>
+</file>
+
+<file path=ppt/notesSlides/notesSlide5.xml><?xml version="1.0" encoding="utf-8"?>
+<p:notes xmlns:a="http://schemas.openxmlformats.org/drawingml/2006/main" xmlns:r="http://schemas.openxmlformats.org/officeDocument/2006/relationships" xmlns:p="http://schemas.openxmlformats.org/presentationml/2006/main">
+  <p:cSld>
+    <p:spTree>
+      <p:nvGrpSpPr>
+        <p:cNvPr id="1" name=""/>
+        <p:cNvGrpSpPr/>
+        <p:nvPr/>
+      </p:nvGrpSpPr>
+      <p:grpSpPr>
+        <a:xfrm>
+          <a:off x="0" y="0"/>
+          <a:ext cx="0" cy="0"/>
+          <a:chOff x="0" y="0"/>
+          <a:chExt cx="0" cy="0"/>
+        </a:xfrm>
+      </p:grpSpPr>
+      <p:sp>
+        <p:nvSpPr>
+          <p:cNvPr id="2" name="Slide Image Placeholder 1"/>
+          <p:cNvSpPr>
+            <a:spLocks noGrp="1" noRot="1" noChangeAspect="1"/>
+          </p:cNvSpPr>
+          <p:nvPr>
+            <p:ph type="sldImg"/>
+          </p:nvPr>
+        </p:nvSpPr>
+        <p:spPr/>
+      </p:sp>
+      <p:sp>
+        <p:nvSpPr>
+          <p:cNvPr id="3" name="Notes Placeholder 2"/>
+          <p:cNvSpPr>
+            <a:spLocks noGrp="1"/>
+          </p:cNvSpPr>
+          <p:nvPr>
+            <p:ph type="body" idx="1"/>
+          </p:nvPr>
+        </p:nvSpPr>
+        <p:spPr/>
+        <p:txBody>
+          <a:bodyPr/>
+          <a:lstStyle/>
+          <a:p>
+            <a:r>
+              <a:rPr lang="en-US" sz="1200" b="0" i="0" u="none" strike="noStrike" kern="1200" baseline="0" dirty="0" smtClean="0">
+                <a:solidFill>
+                  <a:schemeClr val="tx1"/>
+                </a:solidFill>
+                <a:latin typeface="+mn-lt"/>
+                <a:ea typeface="+mn-ea"/>
+                <a:cs typeface="+mn-cs"/>
+              </a:rPr>
+              <a:t>I had a problem. While using and teaching agile practices like test-driven development (TDD) on projects in different environments, I kept coming across the same confusion and misunderstandings. </a:t>
+            </a:r>
+          </a:p>
+          <a:p>
+            <a:endParaRPr lang="en-US" sz="1200" b="0" i="0" u="none" strike="noStrike" kern="1200" baseline="0" dirty="0" smtClean="0">
+              <a:solidFill>
+                <a:schemeClr val="tx1"/>
+              </a:solidFill>
+              <a:latin typeface="+mn-lt"/>
+              <a:ea typeface="+mn-ea"/>
+              <a:cs typeface="+mn-cs"/>
+            </a:endParaRPr>
+          </a:p>
+          <a:p>
+            <a:r>
+              <a:rPr lang="en-US" sz="1200" b="0" i="0" u="none" strike="noStrike" kern="1200" baseline="0" dirty="0" smtClean="0">
+                <a:solidFill>
+                  <a:schemeClr val="tx1"/>
+                </a:solidFill>
+                <a:latin typeface="+mn-lt"/>
+                <a:ea typeface="+mn-ea"/>
+                <a:cs typeface="+mn-cs"/>
+              </a:rPr>
+              <a:t>Programmers wanted to know where to start, what to test and what not to test, how much to test in one go, what to call their tests, and how to understand why a test fails.</a:t>
+            </a:r>
+            <a:endParaRPr lang="ru-RU" sz="1200" b="0" i="0" u="none" strike="noStrike" kern="1200" baseline="0" dirty="0" smtClean="0">
+              <a:solidFill>
+                <a:schemeClr val="tx1"/>
+              </a:solidFill>
+              <a:latin typeface="+mn-lt"/>
+              <a:ea typeface="+mn-ea"/>
+              <a:cs typeface="+mn-cs"/>
+            </a:endParaRPr>
+          </a:p>
+          <a:p>
+            <a:endParaRPr lang="en-US" sz="1200" b="0" i="0" u="none" strike="noStrike" kern="1200" baseline="0" dirty="0" smtClean="0">
+              <a:solidFill>
+                <a:schemeClr val="tx1"/>
+              </a:solidFill>
+              <a:latin typeface="+mn-lt"/>
+              <a:ea typeface="+mn-ea"/>
+              <a:cs typeface="+mn-cs"/>
+            </a:endParaRPr>
+          </a:p>
+          <a:p>
+            <a:r>
+              <a:rPr lang="ru-RU" sz="1200" b="0" i="0" kern="1200" dirty="0" smtClean="0">
+                <a:solidFill>
+                  <a:schemeClr val="tx1"/>
+                </a:solidFill>
+                <a:effectLst/>
+                <a:latin typeface="+mn-lt"/>
+                <a:ea typeface="+mn-ea"/>
+                <a:cs typeface="+mn-cs"/>
+              </a:rPr>
+              <a:t>Разработка, основанная на тестировании (test-driven development) – это отличная практическая идея, но некоторые разработчики не могут преодолеть концептуальную пропасть, с которой у них ассоциируется слово </a:t>
+            </a:r>
+            <a:r>
+              <a:rPr lang="ru-RU" sz="1200" b="0" i="1" kern="1200" dirty="0" smtClean="0">
+                <a:solidFill>
+                  <a:schemeClr val="tx1"/>
+                </a:solidFill>
+                <a:effectLst/>
+                <a:latin typeface="+mn-lt"/>
+                <a:ea typeface="+mn-ea"/>
+                <a:cs typeface="+mn-cs"/>
+              </a:rPr>
+              <a:t>тестирование</a:t>
+            </a:r>
+            <a:r>
+              <a:rPr lang="ru-RU" sz="1200" b="0" i="0" kern="1200" dirty="0" smtClean="0">
+                <a:solidFill>
+                  <a:schemeClr val="tx1"/>
+                </a:solidFill>
+                <a:effectLst/>
+                <a:latin typeface="+mn-lt"/>
+                <a:ea typeface="+mn-ea"/>
+                <a:cs typeface="+mn-cs"/>
+              </a:rPr>
+              <a:t>. </a:t>
+            </a:r>
+          </a:p>
+          <a:p>
+            <a:endParaRPr lang="ru-RU" sz="1200" b="0" i="0" kern="1200" dirty="0" smtClean="0">
+              <a:solidFill>
+                <a:schemeClr val="tx1"/>
+              </a:solidFill>
+              <a:effectLst/>
+              <a:latin typeface="+mn-lt"/>
+              <a:ea typeface="+mn-ea"/>
+              <a:cs typeface="+mn-cs"/>
+            </a:endParaRPr>
+          </a:p>
+          <a:p>
+            <a:r>
+              <a:rPr lang="ru-RU" sz="1200" b="0" i="0" kern="1200" dirty="0" smtClean="0">
+                <a:solidFill>
+                  <a:schemeClr val="tx1"/>
+                </a:solidFill>
+                <a:effectLst/>
+                <a:latin typeface="+mn-lt"/>
+                <a:ea typeface="+mn-ea"/>
+                <a:cs typeface="+mn-cs"/>
+              </a:rPr>
+              <a:t>Тестирование, выполняемое разработчиком – это очевидно полезная вещь. Тестирование на ранней стадии, например, во время написания кода – еще лучше, особенно когда оно приводит к повышению качества кода. Напишите тесты заранее – и вы имеете шанс выиграть «голубую ленту» победителя регаты. Дополнительные возможности для проверки функционирования кода и его предварительной отладки, без всякого сомнения, повышают скорость разработки.</a:t>
+            </a:r>
+          </a:p>
+          <a:p>
+            <a:endParaRPr lang="ru-RU" sz="1200" b="0" i="0" kern="1200" dirty="0" smtClean="0">
+              <a:solidFill>
+                <a:schemeClr val="tx1"/>
+              </a:solidFill>
+              <a:effectLst/>
+              <a:latin typeface="+mn-lt"/>
+              <a:ea typeface="+mn-ea"/>
+              <a:cs typeface="+mn-cs"/>
+            </a:endParaRPr>
+          </a:p>
+          <a:p>
+            <a:r>
+              <a:rPr lang="ru-RU" sz="1200" b="0" i="0" kern="1200" dirty="0" smtClean="0">
+                <a:solidFill>
+                  <a:schemeClr val="tx1"/>
+                </a:solidFill>
+                <a:effectLst/>
+                <a:latin typeface="+mn-lt"/>
+                <a:ea typeface="+mn-ea"/>
+                <a:cs typeface="+mn-cs"/>
+              </a:rPr>
+              <a:t>Но даже зная все это, мы еще очень далеки от того времени, когда написание тестов </a:t>
+            </a:r>
+            <a:r>
+              <a:rPr lang="ru-RU" sz="1200" b="0" i="1" kern="1200" dirty="0" smtClean="0">
+                <a:solidFill>
+                  <a:schemeClr val="tx1"/>
+                </a:solidFill>
+                <a:effectLst/>
+                <a:latin typeface="+mn-lt"/>
+                <a:ea typeface="+mn-ea"/>
+                <a:cs typeface="+mn-cs"/>
+              </a:rPr>
+              <a:t>до</a:t>
+            </a:r>
+            <a:r>
+              <a:rPr lang="ru-RU" sz="1200" b="0" i="0" kern="1200" dirty="0" smtClean="0">
+                <a:solidFill>
+                  <a:schemeClr val="tx1"/>
+                </a:solidFill>
+                <a:effectLst/>
+                <a:latin typeface="+mn-lt"/>
+                <a:ea typeface="+mn-ea"/>
+                <a:cs typeface="+mn-cs"/>
+              </a:rPr>
+              <a:t> написания кода станет общим стандартом. Точно так же как TDD стало следующим этапом эволюции развития экстремального программирования (eXP) и выдвинуло на первый план инфраструктуры для unit-тестирования, следующий скачок эволюции будет сделан с того уровня, где находится TDD. </a:t>
+            </a:r>
+            <a:r>
+              <a:rPr lang="ru-RU" sz="1200" b="0" i="0" kern="1200" smtClean="0">
+                <a:solidFill>
+                  <a:schemeClr val="tx1"/>
+                </a:solidFill>
+                <a:effectLst/>
+                <a:latin typeface="+mn-lt"/>
+                <a:ea typeface="+mn-ea"/>
+                <a:cs typeface="+mn-cs"/>
+              </a:rPr>
+              <a:t>В этом месяце я предлагаю сделать подобный скачок в эволюции от TDD к его интуитивному родственнику: behavior-driven development (BDD) – разработке, основанной на функциональности (поведении).</a:t>
+            </a:r>
+            <a:endParaRPr lang="ru-RU" sz="1200" b="0" i="0" u="none" strike="noStrike" kern="1200" baseline="0" smtClean="0">
+              <a:solidFill>
+                <a:schemeClr val="tx1"/>
+              </a:solidFill>
+              <a:latin typeface="+mn-lt"/>
+              <a:ea typeface="+mn-ea"/>
+              <a:cs typeface="+mn-cs"/>
+            </a:endParaRPr>
+          </a:p>
+          <a:p>
+            <a:endParaRPr lang="ru-RU" sz="1200" b="0" i="0" kern="1200" dirty="0" smtClean="0">
+              <a:solidFill>
+                <a:schemeClr val="tx1"/>
+              </a:solidFill>
+              <a:effectLst/>
+              <a:latin typeface="+mn-lt"/>
+              <a:ea typeface="+mn-ea"/>
+              <a:cs typeface="+mn-cs"/>
+            </a:endParaRPr>
+          </a:p>
+          <a:p>
+            <a:endParaRPr lang="ru-RU" dirty="0" smtClean="0"/>
+          </a:p>
+          <a:p>
+            <a:endParaRPr lang="ru-RU" dirty="0"/>
+          </a:p>
+        </p:txBody>
+      </p:sp>
+      <p:sp>
+        <p:nvSpPr>
+          <p:cNvPr id="4" name="Slide Number Placeholder 3"/>
+          <p:cNvSpPr>
+            <a:spLocks noGrp="1"/>
+          </p:cNvSpPr>
+          <p:nvPr>
+            <p:ph type="sldNum" sz="quarter" idx="10"/>
+          </p:nvPr>
+        </p:nvSpPr>
+        <p:spPr/>
+        <p:txBody>
+          <a:bodyPr/>
+          <a:lstStyle/>
+          <a:p>
+            <a:fld id="{3A3568CC-110C-4346-A0AE-B1FBECAA9176}" type="slidenum">
+              <a:rPr lang="en-US" smtClean="0"/>
+              <a:t>6</a:t>
+            </a:fld>
+            <a:endParaRPr lang="en-US"/>
+          </a:p>
+        </p:txBody>
+      </p:sp>
+    </p:spTree>
+    <p:extLst>
+      <p:ext uri="{BB962C8B-B14F-4D97-AF65-F5344CB8AC3E}">
+        <p14:creationId xmlns:p14="http://schemas.microsoft.com/office/powerpoint/2010/main" val="2202391838"/>
+      </p:ext>
+    </p:extLst>
+  </p:cSld>
+  <p:clrMapOvr>
+    <a:masterClrMapping/>
+  </p:clrMapOvr>
+</p:notes>
+</file>
+
+<file path=ppt/notesSlides/notesSlide6.xml><?xml version="1.0" encoding="utf-8"?>
+<p:notes xmlns:a="http://schemas.openxmlformats.org/drawingml/2006/main" xmlns:r="http://schemas.openxmlformats.org/officeDocument/2006/relationships" xmlns:p="http://schemas.openxmlformats.org/presentationml/2006/main">
+  <p:cSld>
+    <p:spTree>
+      <p:nvGrpSpPr>
+        <p:cNvPr id="1" name=""/>
+        <p:cNvGrpSpPr/>
+        <p:nvPr/>
+      </p:nvGrpSpPr>
+      <p:grpSpPr>
+        <a:xfrm>
+          <a:off x="0" y="0"/>
+          <a:ext cx="0" cy="0"/>
+          <a:chOff x="0" y="0"/>
+          <a:chExt cx="0" cy="0"/>
+        </a:xfrm>
+      </p:grpSpPr>
+      <p:sp>
+        <p:nvSpPr>
+          <p:cNvPr id="2" name="Slide Image Placeholder 1"/>
+          <p:cNvSpPr>
+            <a:spLocks noGrp="1" noRot="1" noChangeAspect="1"/>
+          </p:cNvSpPr>
+          <p:nvPr>
+            <p:ph type="sldImg"/>
+          </p:nvPr>
+        </p:nvSpPr>
+        <p:spPr/>
+      </p:sp>
+      <p:sp>
+        <p:nvSpPr>
+          <p:cNvPr id="3" name="Notes Placeholder 2"/>
+          <p:cNvSpPr>
+            <a:spLocks noGrp="1"/>
+          </p:cNvSpPr>
+          <p:nvPr>
+            <p:ph type="body" idx="1"/>
+          </p:nvPr>
+        </p:nvSpPr>
+        <p:spPr/>
+        <p:txBody>
+          <a:bodyPr/>
+          <a:lstStyle/>
+          <a:p>
+            <a:r>
+              <a:rPr lang="en-US" sz="1200" b="0" i="0" u="none" strike="noStrike" kern="1200" baseline="0" dirty="0" smtClean="0">
+                <a:solidFill>
+                  <a:schemeClr val="tx1"/>
+                </a:solidFill>
+                <a:latin typeface="+mn-lt"/>
+                <a:ea typeface="+mn-ea"/>
+                <a:cs typeface="+mn-cs"/>
+              </a:rPr>
+              <a:t>The deeper I got into TDD, the more I felt that my own journey had been less of a wax-on, wax-off process of gradual mastery than a series of blind alleys. I remember thinking ‘If only someone had told me that!’ far more often than I thought ‘Wow, a door has opened.’ I decided it must be possible to present TDD in a way that gets straight to the good stuff and avoids all the pitfalls.”</a:t>
+            </a:r>
+            <a:endParaRPr lang="ru-RU" dirty="0"/>
+          </a:p>
+        </p:txBody>
+      </p:sp>
+      <p:sp>
+        <p:nvSpPr>
+          <p:cNvPr id="4" name="Slide Number Placeholder 3"/>
+          <p:cNvSpPr>
+            <a:spLocks noGrp="1"/>
+          </p:cNvSpPr>
+          <p:nvPr>
+            <p:ph type="sldNum" sz="quarter" idx="10"/>
+          </p:nvPr>
+        </p:nvSpPr>
+        <p:spPr/>
+        <p:txBody>
+          <a:bodyPr/>
+          <a:lstStyle/>
+          <a:p>
+            <a:fld id="{3A3568CC-110C-4346-A0AE-B1FBECAA9176}" type="slidenum">
+              <a:rPr lang="en-US" smtClean="0"/>
+              <a:t>7</a:t>
+            </a:fld>
+            <a:endParaRPr lang="en-US"/>
+          </a:p>
+        </p:txBody>
+      </p:sp>
+    </p:spTree>
+    <p:extLst>
+      <p:ext uri="{BB962C8B-B14F-4D97-AF65-F5344CB8AC3E}">
+        <p14:creationId xmlns:p14="http://schemas.microsoft.com/office/powerpoint/2010/main" val="2202391838"/>
+      </p:ext>
+    </p:extLst>
+  </p:cSld>
+  <p:clrMapOvr>
+    <a:masterClrMapping/>
+  </p:clrMapOvr>
+</p:notes>
+</file>
+
+<file path=ppt/notesSlides/notesSlide7.xml><?xml version="1.0" encoding="utf-8"?>
+<p:notes xmlns:a="http://schemas.openxmlformats.org/drawingml/2006/main" xmlns:r="http://schemas.openxmlformats.org/officeDocument/2006/relationships" xmlns:p="http://schemas.openxmlformats.org/presentationml/2006/main">
+  <p:cSld>
+    <p:spTree>
+      <p:nvGrpSpPr>
+        <p:cNvPr id="1" name=""/>
+        <p:cNvGrpSpPr/>
+        <p:nvPr/>
+      </p:nvGrpSpPr>
+      <p:grpSpPr>
+        <a:xfrm>
+          <a:off x="0" y="0"/>
+          <a:ext cx="0" cy="0"/>
+          <a:chOff x="0" y="0"/>
+          <a:chExt cx="0" cy="0"/>
+        </a:xfrm>
+      </p:grpSpPr>
+      <p:sp>
+        <p:nvSpPr>
+          <p:cNvPr id="2" name="Slide Image Placeholder 1"/>
+          <p:cNvSpPr>
+            <a:spLocks noGrp="1" noRot="1" noChangeAspect="1"/>
+          </p:cNvSpPr>
+          <p:nvPr>
+            <p:ph type="sldImg"/>
+          </p:nvPr>
+        </p:nvSpPr>
+        <p:spPr/>
+      </p:sp>
+      <p:sp>
+        <p:nvSpPr>
+          <p:cNvPr id="3" name="Notes Placeholder 2"/>
+          <p:cNvSpPr>
+            <a:spLocks noGrp="1"/>
+          </p:cNvSpPr>
+          <p:nvPr>
+            <p:ph type="body" idx="1"/>
+          </p:nvPr>
+        </p:nvSpPr>
+        <p:spPr/>
+        <p:txBody>
+          <a:bodyPr/>
+          <a:lstStyle/>
+          <a:p>
+            <a:endParaRPr lang="ru-RU" dirty="0"/>
+          </a:p>
+        </p:txBody>
+      </p:sp>
+      <p:sp>
+        <p:nvSpPr>
+          <p:cNvPr id="4" name="Slide Number Placeholder 3"/>
+          <p:cNvSpPr>
+            <a:spLocks noGrp="1"/>
+          </p:cNvSpPr>
+          <p:nvPr>
+            <p:ph type="sldNum" sz="quarter" idx="10"/>
+          </p:nvPr>
+        </p:nvSpPr>
+        <p:spPr/>
+        <p:txBody>
+          <a:bodyPr/>
+          <a:lstStyle/>
+          <a:p>
+            <a:fld id="{3A3568CC-110C-4346-A0AE-B1FBECAA9176}" type="slidenum">
+              <a:rPr lang="en-US" smtClean="0"/>
+              <a:t>8</a:t>
+            </a:fld>
+            <a:endParaRPr lang="en-US"/>
+          </a:p>
+        </p:txBody>
+      </p:sp>
+    </p:spTree>
+    <p:extLst>
+      <p:ext uri="{BB962C8B-B14F-4D97-AF65-F5344CB8AC3E}">
+        <p14:creationId xmlns:p14="http://schemas.microsoft.com/office/powerpoint/2010/main" val="2202391838"/>
+      </p:ext>
+    </p:extLst>
+  </p:cSld>
+  <p:clrMapOvr>
+    <a:masterClrMapping/>
+  </p:clrMapOvr>
+</p:notes>
+</file>
+
+<file path=ppt/notesSlides/notesSlide8.xml><?xml version="1.0" encoding="utf-8"?>
+<p:notes xmlns:a="http://schemas.openxmlformats.org/drawingml/2006/main" xmlns:r="http://schemas.openxmlformats.org/officeDocument/2006/relationships" xmlns:p="http://schemas.openxmlformats.org/presentationml/2006/main">
+  <p:cSld>
+    <p:spTree>
+      <p:nvGrpSpPr>
+        <p:cNvPr id="1" name=""/>
+        <p:cNvGrpSpPr/>
+        <p:nvPr/>
+      </p:nvGrpSpPr>
+      <p:grpSpPr>
+        <a:xfrm>
+          <a:off x="0" y="0"/>
+          <a:ext cx="0" cy="0"/>
+          <a:chOff x="0" y="0"/>
+          <a:chExt cx="0" cy="0"/>
+        </a:xfrm>
+      </p:grpSpPr>
+      <p:sp>
+        <p:nvSpPr>
+          <p:cNvPr id="2" name="Slide Image Placeholder 1"/>
+          <p:cNvSpPr>
+            <a:spLocks noGrp="1" noRot="1" noChangeAspect="1"/>
+          </p:cNvSpPr>
+          <p:nvPr>
+            <p:ph type="sldImg"/>
+          </p:nvPr>
+        </p:nvSpPr>
+        <p:spPr/>
+      </p:sp>
+      <p:sp>
+        <p:nvSpPr>
+          <p:cNvPr id="3" name="Notes Placeholder 2"/>
+          <p:cNvSpPr>
+            <a:spLocks noGrp="1"/>
+          </p:cNvSpPr>
+          <p:nvPr>
+            <p:ph type="body" idx="1"/>
+          </p:nvPr>
+        </p:nvSpPr>
+        <p:spPr/>
+        <p:txBody>
+          <a:bodyPr/>
+          <a:lstStyle/>
+          <a:p>
+            <a:endParaRPr lang="ru-RU" dirty="0"/>
+          </a:p>
+        </p:txBody>
+      </p:sp>
+      <p:sp>
+        <p:nvSpPr>
+          <p:cNvPr id="4" name="Slide Number Placeholder 3"/>
+          <p:cNvSpPr>
+            <a:spLocks noGrp="1"/>
+          </p:cNvSpPr>
+          <p:nvPr>
+            <p:ph type="sldNum" sz="quarter" idx="10"/>
+          </p:nvPr>
+        </p:nvSpPr>
+        <p:spPr/>
+        <p:txBody>
+          <a:bodyPr/>
+          <a:lstStyle/>
+          <a:p>
+            <a:fld id="{3A3568CC-110C-4346-A0AE-B1FBECAA9176}" type="slidenum">
+              <a:rPr lang="en-US" smtClean="0"/>
+              <a:t>9</a:t>
+            </a:fld>
+            <a:endParaRPr lang="en-US"/>
+          </a:p>
+        </p:txBody>
+      </p:sp>
+    </p:spTree>
+    <p:extLst>
+      <p:ext uri="{BB962C8B-B14F-4D97-AF65-F5344CB8AC3E}">
+        <p14:creationId xmlns:p14="http://schemas.microsoft.com/office/powerpoint/2010/main" val="2202391838"/>
+      </p:ext>
+    </p:extLst>
+  </p:cSld>
+  <p:clrMapOvr>
+    <a:masterClrMapping/>
+  </p:clrMapOvr>
+</p:notes>
+</file>
+
+<file path=ppt/notesSlides/notesSlide9.xml><?xml version="1.0" encoding="utf-8"?>
+<p:notes xmlns:a="http://schemas.openxmlformats.org/drawingml/2006/main" xmlns:r="http://schemas.openxmlformats.org/officeDocument/2006/relationships" xmlns:p="http://schemas.openxmlformats.org/presentationml/2006/main">
+  <p:cSld>
+    <p:spTree>
+      <p:nvGrpSpPr>
+        <p:cNvPr id="1" name=""/>
+        <p:cNvGrpSpPr/>
+        <p:nvPr/>
+      </p:nvGrpSpPr>
+      <p:grpSpPr>
+        <a:xfrm>
+          <a:off x="0" y="0"/>
+          <a:ext cx="0" cy="0"/>
+          <a:chOff x="0" y="0"/>
+          <a:chExt cx="0" cy="0"/>
+        </a:xfrm>
+      </p:grpSpPr>
+      <p:sp>
+        <p:nvSpPr>
+          <p:cNvPr id="2" name="Slide Image Placeholder 1"/>
+          <p:cNvSpPr>
+            <a:spLocks noGrp="1" noRot="1" noChangeAspect="1"/>
+          </p:cNvSpPr>
+          <p:nvPr>
+            <p:ph type="sldImg"/>
+          </p:nvPr>
+        </p:nvSpPr>
+        <p:spPr/>
+      </p:sp>
+      <p:sp>
+        <p:nvSpPr>
+          <p:cNvPr id="3" name="Notes Placeholder 2"/>
+          <p:cNvSpPr>
+            <a:spLocks noGrp="1"/>
+          </p:cNvSpPr>
+          <p:nvPr>
+            <p:ph type="body" idx="1"/>
+          </p:nvPr>
+        </p:nvSpPr>
+        <p:spPr/>
+        <p:txBody>
+          <a:bodyPr/>
+          <a:lstStyle/>
+          <a:p>
+            <a:r>
+              <a:rPr lang="ru-RU" sz="1200" b="0" i="0" kern="1200" dirty="0" smtClean="0">
+                <a:solidFill>
+                  <a:schemeClr val="tx1"/>
+                </a:solidFill>
+                <a:effectLst/>
+                <a:latin typeface="+mn-lt"/>
+                <a:ea typeface="+mn-ea"/>
+                <a:cs typeface="+mn-cs"/>
+              </a:rPr>
+              <a:t>Мышление в терминах функциональности (того, что код должен делать), приводит к подходу, когда сначала пишутся классы для проверки спецификации, которые, в свою очередь, могут оказаться очень эффективным инструментом реализации</a:t>
+            </a:r>
+            <a:endParaRPr lang="en-US" sz="1200" b="0" i="0" kern="1200" dirty="0" smtClean="0">
+              <a:solidFill>
+                <a:schemeClr val="tx1"/>
+              </a:solidFill>
+              <a:effectLst/>
+              <a:latin typeface="+mn-lt"/>
+              <a:ea typeface="+mn-ea"/>
+              <a:cs typeface="+mn-cs"/>
+            </a:endParaRPr>
+          </a:p>
+          <a:p>
+            <a:endParaRPr lang="en-US" sz="1200" b="0" i="0" kern="1200" dirty="0" smtClean="0">
+              <a:solidFill>
+                <a:schemeClr val="tx1"/>
+              </a:solidFill>
+              <a:effectLst/>
+              <a:latin typeface="+mn-lt"/>
+              <a:ea typeface="+mn-ea"/>
+              <a:cs typeface="+mn-cs"/>
+            </a:endParaRPr>
+          </a:p>
+          <a:p>
+            <a:r>
+              <a:rPr lang="en-US" sz="1200" b="0" i="0" kern="1200" dirty="0" smtClean="0">
+                <a:solidFill>
+                  <a:schemeClr val="tx1"/>
+                </a:solidFill>
+                <a:effectLst/>
+                <a:latin typeface="+mn-lt"/>
+                <a:ea typeface="+mn-ea"/>
+                <a:cs typeface="+mn-cs"/>
+                <a:hlinkClick r:id="rId3"/>
+              </a:rPr>
+              <a:t>BDD</a:t>
+            </a:r>
+            <a:r>
+              <a:rPr lang="en-US" sz="1200" b="0" i="0" kern="1200" dirty="0" smtClean="0">
+                <a:solidFill>
+                  <a:schemeClr val="tx1"/>
+                </a:solidFill>
+                <a:effectLst/>
+                <a:latin typeface="+mn-lt"/>
+                <a:ea typeface="+mn-ea"/>
+                <a:cs typeface="+mn-cs"/>
+              </a:rPr>
+              <a:t> aims to bridge the gap between the differing views of computer systems held by Business users and Technologists. It is deeply rooted in the success of </a:t>
+            </a:r>
+            <a:r>
+              <a:rPr lang="en-US" sz="1200" b="0" i="0" kern="1200" dirty="0" smtClean="0">
+                <a:solidFill>
+                  <a:schemeClr val="tx1"/>
+                </a:solidFill>
+                <a:effectLst/>
+                <a:latin typeface="+mn-lt"/>
+                <a:ea typeface="+mn-ea"/>
+                <a:cs typeface="+mn-cs"/>
+                <a:hlinkClick r:id="rId4"/>
+              </a:rPr>
+              <a:t>TDD</a:t>
+            </a:r>
+            <a:r>
+              <a:rPr lang="en-US" sz="1200" b="0" i="0" kern="1200" dirty="0" smtClean="0">
+                <a:solidFill>
+                  <a:schemeClr val="tx1"/>
+                </a:solidFill>
+                <a:effectLst/>
+                <a:latin typeface="+mn-lt"/>
+                <a:ea typeface="+mn-ea"/>
+                <a:cs typeface="+mn-cs"/>
+              </a:rPr>
+              <a:t> and is influenced by ideas like </a:t>
+            </a:r>
+            <a:r>
+              <a:rPr lang="en-US" sz="1200" b="0" i="0" kern="1200" dirty="0" smtClean="0">
+                <a:solidFill>
+                  <a:schemeClr val="tx1"/>
+                </a:solidFill>
+                <a:effectLst/>
+                <a:latin typeface="+mn-lt"/>
+                <a:ea typeface="+mn-ea"/>
+                <a:cs typeface="+mn-cs"/>
+                <a:hlinkClick r:id="rId5"/>
+              </a:rPr>
+              <a:t>Domain </a:t>
+            </a:r>
+            <a:r>
+              <a:rPr lang="en-US" sz="1200" b="0" i="0" kern="1200" dirty="0" smtClean="0">
+                <a:solidFill>
+                  <a:srgbClr val="FF0000"/>
+                </a:solidFill>
+                <a:effectLst/>
+                <a:latin typeface="+mn-lt"/>
+                <a:ea typeface="+mn-ea"/>
+                <a:cs typeface="+mn-cs"/>
+                <a:hlinkClick r:id="rId5"/>
+              </a:rPr>
+              <a:t>Driven</a:t>
+            </a:r>
+            <a:r>
+              <a:rPr lang="en-US" sz="1200" b="0" i="0" kern="1200" dirty="0" smtClean="0">
+                <a:solidFill>
+                  <a:schemeClr val="tx1"/>
+                </a:solidFill>
+                <a:effectLst/>
+                <a:latin typeface="+mn-lt"/>
+                <a:ea typeface="+mn-ea"/>
+                <a:cs typeface="+mn-cs"/>
+                <a:hlinkClick r:id="rId5"/>
+              </a:rPr>
+              <a:t> Design</a:t>
+            </a:r>
+            <a:r>
+              <a:rPr lang="en-US" sz="1200" b="0" i="0" kern="1200" dirty="0" smtClean="0">
+                <a:solidFill>
+                  <a:schemeClr val="tx1"/>
+                </a:solidFill>
+                <a:effectLst/>
+                <a:latin typeface="+mn-lt"/>
+                <a:ea typeface="+mn-ea"/>
+                <a:cs typeface="+mn-cs"/>
+              </a:rPr>
+              <a:t>. Its focus is on minimizing the hurdles between specification, design, implementation and confirmation of the </a:t>
+            </a:r>
+            <a:r>
+              <a:rPr lang="en-US" sz="1200" b="0" i="0" kern="1200" dirty="0" err="1" smtClean="0">
+                <a:solidFill>
+                  <a:schemeClr val="tx1"/>
+                </a:solidFill>
+                <a:effectLst/>
+                <a:latin typeface="+mn-lt"/>
+                <a:ea typeface="+mn-ea"/>
+                <a:cs typeface="+mn-cs"/>
+              </a:rPr>
+              <a:t>behaviour</a:t>
+            </a:r>
+            <a:r>
+              <a:rPr lang="en-US" sz="1200" b="0" i="0" kern="1200" dirty="0" smtClean="0">
+                <a:solidFill>
+                  <a:schemeClr val="tx1"/>
+                </a:solidFill>
+                <a:effectLst/>
+                <a:latin typeface="+mn-lt"/>
+                <a:ea typeface="+mn-ea"/>
+                <a:cs typeface="+mn-cs"/>
+              </a:rPr>
+              <a:t> of a system. Thus enabling the incremental delivery of business systems, and in particular in allowing teams new to agile development to quickly get up to speed using </a:t>
+            </a:r>
+            <a:r>
+              <a:rPr lang="en-US" sz="1200" b="0" i="0" kern="1200" dirty="0" smtClean="0">
+                <a:solidFill>
+                  <a:srgbClr val="FF0000"/>
+                </a:solidFill>
+                <a:effectLst/>
+                <a:latin typeface="+mn-lt"/>
+                <a:ea typeface="+mn-ea"/>
+                <a:cs typeface="+mn-cs"/>
+              </a:rPr>
+              <a:t>these</a:t>
+            </a:r>
+            <a:r>
+              <a:rPr lang="en-US" sz="1200" b="0" i="0" kern="1200" dirty="0" smtClean="0">
+                <a:solidFill>
+                  <a:schemeClr val="tx1"/>
+                </a:solidFill>
+                <a:effectLst/>
+                <a:latin typeface="+mn-lt"/>
+                <a:ea typeface="+mn-ea"/>
+                <a:cs typeface="+mn-cs"/>
+              </a:rPr>
+              <a:t> extremely productive techniques.</a:t>
+            </a:r>
+          </a:p>
+          <a:p>
+            <a:endParaRPr lang="en-US" sz="1200" b="0" i="0" kern="1200" dirty="0" smtClean="0">
+              <a:solidFill>
+                <a:schemeClr val="tx1"/>
+              </a:solidFill>
+              <a:effectLst/>
+              <a:latin typeface="+mn-lt"/>
+              <a:ea typeface="+mn-ea"/>
+              <a:cs typeface="+mn-cs"/>
+            </a:endParaRPr>
+          </a:p>
+          <a:p>
+            <a:r>
+              <a:rPr lang="en-US" sz="1200" b="0" i="0" kern="1200" dirty="0" smtClean="0">
+                <a:solidFill>
+                  <a:schemeClr val="tx1"/>
+                </a:solidFill>
+                <a:effectLst/>
+                <a:latin typeface="+mn-lt"/>
+                <a:ea typeface="+mn-ea"/>
+                <a:cs typeface="+mn-cs"/>
+                <a:hlinkClick r:id="rId3"/>
+              </a:rPr>
+              <a:t>BDD</a:t>
+            </a:r>
+            <a:r>
+              <a:rPr lang="en-US" sz="1200" b="0" i="0" kern="1200" dirty="0" smtClean="0">
+                <a:solidFill>
+                  <a:schemeClr val="tx1"/>
+                </a:solidFill>
+                <a:effectLst/>
+                <a:latin typeface="+mn-lt"/>
+                <a:ea typeface="+mn-ea"/>
+                <a:cs typeface="+mn-cs"/>
+              </a:rPr>
+              <a:t> relies on the use of a very specific (and small) vocabulary to minimize miscommunication and to ensure that everyone – the business, developers, testers, analysts and managers – are not only on the same page but using the same words. It must be stressed that </a:t>
+            </a:r>
+            <a:r>
+              <a:rPr lang="en-US" sz="1200" b="0" i="0" kern="1200" dirty="0" smtClean="0">
+                <a:solidFill>
+                  <a:schemeClr val="tx1"/>
+                </a:solidFill>
+                <a:effectLst/>
+                <a:latin typeface="+mn-lt"/>
+                <a:ea typeface="+mn-ea"/>
+                <a:cs typeface="+mn-cs"/>
+                <a:hlinkClick r:id="rId3"/>
+              </a:rPr>
+              <a:t>BDD</a:t>
+            </a:r>
+            <a:r>
+              <a:rPr lang="en-US" sz="1200" b="0" i="0" kern="1200" dirty="0" smtClean="0">
+                <a:solidFill>
+                  <a:schemeClr val="tx1"/>
+                </a:solidFill>
+                <a:effectLst/>
+                <a:latin typeface="+mn-lt"/>
+                <a:ea typeface="+mn-ea"/>
+                <a:cs typeface="+mn-cs"/>
+              </a:rPr>
+              <a:t> is a rephrasing of existing good practice, it is not a radically new departure. Its aim is to bring together existing, well-established techniques under a common banner and with a consistent and unambiguous terminology. In fact, </a:t>
+            </a:r>
+            <a:r>
+              <a:rPr lang="en-US" sz="1200" b="0" i="0" kern="1200" dirty="0" smtClean="0">
+                <a:solidFill>
+                  <a:schemeClr val="tx1"/>
+                </a:solidFill>
+                <a:effectLst/>
+                <a:latin typeface="+mn-lt"/>
+                <a:ea typeface="+mn-ea"/>
+                <a:cs typeface="+mn-cs"/>
+                <a:hlinkClick r:id="rId6"/>
+              </a:rPr>
+              <a:t>“Getting the Words Right”</a:t>
+            </a:r>
+            <a:r>
+              <a:rPr lang="en-US" sz="1200" b="0" i="0" kern="1200" dirty="0" smtClean="0">
+                <a:solidFill>
+                  <a:schemeClr val="tx1"/>
+                </a:solidFill>
+                <a:effectLst/>
+                <a:latin typeface="+mn-lt"/>
+                <a:ea typeface="+mn-ea"/>
+                <a:cs typeface="+mn-cs"/>
+              </a:rPr>
+              <a:t> was the starting point for the development of </a:t>
+            </a:r>
+            <a:r>
+              <a:rPr lang="en-US" sz="1200" b="0" i="0" kern="1200" dirty="0" smtClean="0">
+                <a:solidFill>
+                  <a:schemeClr val="tx1"/>
+                </a:solidFill>
+                <a:effectLst/>
+                <a:latin typeface="+mn-lt"/>
+                <a:ea typeface="+mn-ea"/>
+                <a:cs typeface="+mn-cs"/>
+                <a:hlinkClick r:id="rId3"/>
+              </a:rPr>
+              <a:t>BDD</a:t>
+            </a:r>
+            <a:r>
+              <a:rPr lang="en-US" sz="1200" b="0" i="0" kern="1200" dirty="0" smtClean="0">
+                <a:solidFill>
+                  <a:schemeClr val="tx1"/>
+                </a:solidFill>
+                <a:effectLst/>
+                <a:latin typeface="+mn-lt"/>
+                <a:ea typeface="+mn-ea"/>
+                <a:cs typeface="+mn-cs"/>
+              </a:rPr>
+              <a:t>, and is still very much at its core. </a:t>
+            </a:r>
+            <a:r>
+              <a:rPr lang="en-US" sz="1200" b="0" i="0" kern="1200" dirty="0" smtClean="0">
+                <a:solidFill>
+                  <a:schemeClr val="tx1"/>
+                </a:solidFill>
+                <a:effectLst/>
+                <a:latin typeface="+mn-lt"/>
+                <a:ea typeface="+mn-ea"/>
+                <a:cs typeface="+mn-cs"/>
+                <a:hlinkClick r:id="rId6"/>
+              </a:rPr>
+              <a:t>“Getting the Words Right”</a:t>
+            </a:r>
+            <a:r>
+              <a:rPr lang="en-US" sz="1200" b="0" i="0" kern="1200" dirty="0" smtClean="0">
+                <a:solidFill>
+                  <a:schemeClr val="tx1"/>
+                </a:solidFill>
+                <a:effectLst/>
+                <a:latin typeface="+mn-lt"/>
+                <a:ea typeface="+mn-ea"/>
+                <a:cs typeface="+mn-cs"/>
+              </a:rPr>
+              <a:t> is intended to produce a vocabulary that is accurate, accessible, descriptive and consistent.</a:t>
+            </a:r>
+          </a:p>
+          <a:p>
+            <a:endParaRPr lang="ru-RU" dirty="0"/>
+          </a:p>
+        </p:txBody>
+      </p:sp>
+      <p:sp>
+        <p:nvSpPr>
+          <p:cNvPr id="4" name="Slide Number Placeholder 3"/>
+          <p:cNvSpPr>
+            <a:spLocks noGrp="1"/>
+          </p:cNvSpPr>
+          <p:nvPr>
+            <p:ph type="sldNum" sz="quarter" idx="10"/>
+          </p:nvPr>
+        </p:nvSpPr>
+        <p:spPr/>
+        <p:txBody>
+          <a:bodyPr/>
+          <a:lstStyle/>
+          <a:p>
+            <a:fld id="{3A3568CC-110C-4346-A0AE-B1FBECAA9176}" type="slidenum">
+              <a:rPr lang="en-US" smtClean="0"/>
+              <a:t>10</a:t>
+            </a:fld>
+            <a:endParaRPr lang="en-US"/>
+          </a:p>
+        </p:txBody>
+      </p:sp>
+    </p:spTree>
+    <p:extLst>
+      <p:ext uri="{BB962C8B-B14F-4D97-AF65-F5344CB8AC3E}">
+        <p14:creationId xmlns:p14="http://schemas.microsoft.com/office/powerpoint/2010/main" val="2202391838"/>
       </p:ext>
     </p:extLst>
   </p:cSld>
@@ -748,7 +2432,7 @@
           <a:p>
             <a:fld id="{7793EDCB-5B64-3143-AFED-AA1357A092FA}" type="datetimeFigureOut">
               <a:rPr lang="en-US" smtClean="0"/>
-              <a:t>8/4/12</a:t>
+              <a:t>12/10/2012</a:t>
             </a:fld>
             <a:endParaRPr lang="en-US"/>
           </a:p>
@@ -918,7 +2602,7 @@
           <a:p>
             <a:fld id="{7793EDCB-5B64-3143-AFED-AA1357A092FA}" type="datetimeFigureOut">
               <a:rPr lang="en-US" smtClean="0"/>
-              <a:t>8/4/12</a:t>
+              <a:t>12/10/2012</a:t>
             </a:fld>
             <a:endParaRPr lang="en-US"/>
           </a:p>
@@ -1098,7 +2782,7 @@
           <a:p>
             <a:fld id="{7793EDCB-5B64-3143-AFED-AA1357A092FA}" type="datetimeFigureOut">
               <a:rPr lang="en-US" smtClean="0"/>
-              <a:t>8/4/12</a:t>
+              <a:t>12/10/2012</a:t>
             </a:fld>
             <a:endParaRPr lang="en-US"/>
           </a:p>
@@ -1210,14 +2894,14 @@
             <a:noFill/>
           </a:ln>
           <a:extLst>
-            <a:ext uri="{909E8E84-426E-40dd-AFC4-6F175D3DCCD1}">
+            <a:ext uri="{909E8E84-426E-40DD-AFC4-6F175D3DCCD1}">
               <a14:hiddenFill xmlns:a14="http://schemas.microsoft.com/office/drawing/2010/main">
                 <a:solidFill>
                   <a:srgbClr val="FFFFFF"/>
                 </a:solidFill>
               </a14:hiddenFill>
             </a:ext>
-            <a:ext uri="{91240B29-F687-4f45-9708-019B960494DF}">
+            <a:ext uri="{91240B29-F687-4F45-9708-019B960494DF}">
               <a14:hiddenLine xmlns:a14="http://schemas.microsoft.com/office/drawing/2010/main" w="9525">
                 <a:solidFill>
                   <a:srgbClr val="000000"/>
@@ -1264,14 +2948,14 @@
             <a:noFill/>
           </a:ln>
           <a:extLst>
-            <a:ext uri="{909E8E84-426E-40dd-AFC4-6F175D3DCCD1}">
+            <a:ext uri="{909E8E84-426E-40DD-AFC4-6F175D3DCCD1}">
               <a14:hiddenFill xmlns:a14="http://schemas.microsoft.com/office/drawing/2010/main">
                 <a:solidFill>
                   <a:srgbClr val="FFFFFF"/>
                 </a:solidFill>
               </a14:hiddenFill>
             </a:ext>
-            <a:ext uri="{91240B29-F687-4f45-9708-019B960494DF}">
+            <a:ext uri="{91240B29-F687-4F45-9708-019B960494DF}">
               <a14:hiddenLine xmlns:a14="http://schemas.microsoft.com/office/drawing/2010/main" w="9525">
                 <a:solidFill>
                   <a:srgbClr val="000000"/>
@@ -1366,7 +3050,7 @@
   <p:clrMapOvr>
     <a:masterClrMapping/>
   </p:clrMapOvr>
-  <p:transition xmlns:p14="http://schemas.microsoft.com/office/powerpoint/2010/main" spd="slow">
+  <p:transition spd="slow">
     <p:fade/>
   </p:transition>
 </p:sldLayout>
@@ -1595,7 +3279,7 @@
   <p:clrMapOvr>
     <a:masterClrMapping/>
   </p:clrMapOvr>
-  <p:transition xmlns:p14="http://schemas.microsoft.com/office/powerpoint/2010/main" spd="slow">
+  <p:transition spd="slow">
     <p:fade/>
   </p:transition>
 </p:sldLayout>
@@ -1837,7 +3521,7 @@
   <p:clrMapOvr>
     <a:masterClrMapping/>
   </p:clrMapOvr>
-  <p:transition xmlns:p14="http://schemas.microsoft.com/office/powerpoint/2010/main" spd="slow">
+  <p:transition spd="slow">
     <p:fade/>
   </p:transition>
 </p:sldLayout>
@@ -2251,7 +3935,7 @@
   <p:clrMapOvr>
     <a:masterClrMapping/>
   </p:clrMapOvr>
-  <p:transition xmlns:p14="http://schemas.microsoft.com/office/powerpoint/2010/main" spd="slow">
+  <p:transition spd="slow">
     <p:fade/>
   </p:transition>
 </p:sldLayout>
@@ -2621,7 +4305,7 @@
   <p:clrMapOvr>
     <a:masterClrMapping/>
   </p:clrMapOvr>
-  <p:transition xmlns:p14="http://schemas.microsoft.com/office/powerpoint/2010/main" spd="slow">
+  <p:transition spd="slow">
     <p:fade/>
   </p:transition>
 </p:sldLayout>
@@ -3291,7 +4975,7 @@
   <p:clrMapOvr>
     <a:masterClrMapping/>
   </p:clrMapOvr>
-  <p:transition xmlns:p14="http://schemas.microsoft.com/office/powerpoint/2010/main" spd="slow">
+  <p:transition spd="slow">
     <p:fade/>
   </p:transition>
 </p:sldLayout>
@@ -3616,7 +5300,7 @@
   <p:clrMapOvr>
     <a:masterClrMapping/>
   </p:clrMapOvr>
-  <p:transition xmlns:p14="http://schemas.microsoft.com/office/powerpoint/2010/main" spd="slow">
+  <p:transition spd="slow">
     <p:fade/>
   </p:transition>
 </p:sldLayout>
@@ -4026,7 +5710,7 @@
   <p:clrMapOvr>
     <a:masterClrMapping/>
   </p:clrMapOvr>
-  <p:transition xmlns:p14="http://schemas.microsoft.com/office/powerpoint/2010/main" spd="slow">
+  <p:transition spd="slow">
     <p:fade/>
   </p:transition>
 </p:sldLayout>
@@ -4141,7 +5825,7 @@
           <a:p>
             <a:fld id="{7793EDCB-5B64-3143-AFED-AA1357A092FA}" type="datetimeFigureOut">
               <a:rPr lang="en-US" smtClean="0"/>
-              <a:t>8/4/12</a:t>
+              <a:t>12/10/2012</a:t>
             </a:fld>
             <a:endParaRPr lang="en-US"/>
           </a:p>
@@ -4521,7 +6205,7 @@
   <p:clrMapOvr>
     <a:masterClrMapping/>
   </p:clrMapOvr>
-  <p:transition xmlns:p14="http://schemas.microsoft.com/office/powerpoint/2010/main" spd="slow">
+  <p:transition spd="slow">
     <p:fade/>
   </p:transition>
 </p:sldLayout>
@@ -4931,7 +6615,7 @@
   <p:clrMapOvr>
     <a:masterClrMapping/>
   </p:clrMapOvr>
-  <p:transition xmlns:p14="http://schemas.microsoft.com/office/powerpoint/2010/main" spd="slow">
+  <p:transition spd="slow">
     <p:fade/>
   </p:transition>
 </p:sldLayout>
@@ -5256,7 +6940,7 @@
   <p:clrMapOvr>
     <a:masterClrMapping/>
   </p:clrMapOvr>
-  <p:transition xmlns:p14="http://schemas.microsoft.com/office/powerpoint/2010/main" spd="slow">
+  <p:transition spd="slow">
     <p:fade/>
   </p:transition>
 </p:sldLayout>
@@ -5581,7 +7265,7 @@
   <p:clrMapOvr>
     <a:masterClrMapping/>
   </p:clrMapOvr>
-  <p:transition xmlns:p14="http://schemas.microsoft.com/office/powerpoint/2010/main" spd="slow">
+  <p:transition spd="slow">
     <p:fade/>
   </p:transition>
 </p:sldLayout>
@@ -5991,7 +7675,7 @@
   <p:clrMapOvr>
     <a:masterClrMapping/>
   </p:clrMapOvr>
-  <p:transition xmlns:p14="http://schemas.microsoft.com/office/powerpoint/2010/main" spd="slow">
+  <p:transition spd="slow">
     <p:fade/>
   </p:transition>
 </p:sldLayout>
@@ -6401,7 +8085,7 @@
   <p:clrMapOvr>
     <a:masterClrMapping/>
   </p:clrMapOvr>
-  <p:transition xmlns:p14="http://schemas.microsoft.com/office/powerpoint/2010/main" spd="slow">
+  <p:transition spd="slow">
     <p:fade/>
   </p:transition>
 </p:sldLayout>
@@ -6593,7 +8277,7 @@
   <p:clrMapOvr>
     <a:masterClrMapping/>
   </p:clrMapOvr>
-  <p:transition xmlns:p14="http://schemas.microsoft.com/office/powerpoint/2010/main" spd="slow">
+  <p:transition spd="slow">
     <p:fade/>
   </p:transition>
 </p:sldLayout>
@@ -6679,7 +8363,7 @@
   <p:clrMapOvr>
     <a:masterClrMapping/>
   </p:clrMapOvr>
-  <p:transition xmlns:p14="http://schemas.microsoft.com/office/powerpoint/2010/main" spd="slow">
+  <p:transition spd="slow">
     <p:fade/>
   </p:transition>
 </p:sldLayout>
@@ -6833,7 +8517,7 @@
                   <a:spcPct val="0"/>
                 </a:spcAft>
               </a:pPr>
-              <a:t>8/4/12</a:t>
+              <a:t>10.12.2012</a:t>
             </a:fld>
             <a:endParaRPr lang="ru-RU">
               <a:solidFill>
@@ -7003,7 +8687,7 @@
   <p:clrMapOvr>
     <a:masterClrMapping/>
   </p:clrMapOvr>
-  <p:transition xmlns:p14="http://schemas.microsoft.com/office/powerpoint/2010/main" spd="slow">
+  <p:transition spd="slow">
     <p:fade/>
   </p:transition>
 </p:sldLayout>
@@ -7194,7 +8878,7 @@
           <a:p>
             <a:fld id="{7793EDCB-5B64-3143-AFED-AA1357A092FA}" type="datetimeFigureOut">
               <a:rPr lang="en-US" smtClean="0"/>
-              <a:t>8/4/12</a:t>
+              <a:t>12/10/2012</a:t>
             </a:fld>
             <a:endParaRPr lang="en-US"/>
           </a:p>
@@ -7437,14 +9121,14 @@
             <a:noFill/>
           </a:ln>
           <a:extLst>
-            <a:ext uri="{909E8E84-426E-40dd-AFC4-6F175D3DCCD1}">
+            <a:ext uri="{909E8E84-426E-40DD-AFC4-6F175D3DCCD1}">
               <a14:hiddenFill xmlns:a14="http://schemas.microsoft.com/office/drawing/2010/main">
                 <a:solidFill>
                   <a:srgbClr val="FFFFFF"/>
                 </a:solidFill>
               </a14:hiddenFill>
             </a:ext>
-            <a:ext uri="{91240B29-F687-4f45-9708-019B960494DF}">
+            <a:ext uri="{91240B29-F687-4F45-9708-019B960494DF}">
               <a14:hiddenLine xmlns:a14="http://schemas.microsoft.com/office/drawing/2010/main" w="9525">
                 <a:solidFill>
                   <a:srgbClr val="000000"/>
@@ -7580,14 +9264,14 @@
             <a:noFill/>
           </a:ln>
           <a:extLst>
-            <a:ext uri="{909E8E84-426E-40dd-AFC4-6F175D3DCCD1}">
+            <a:ext uri="{909E8E84-426E-40DD-AFC4-6F175D3DCCD1}">
               <a14:hiddenFill xmlns:a14="http://schemas.microsoft.com/office/drawing/2010/main">
                 <a:solidFill>
                   <a:srgbClr val="FFFFFF"/>
                 </a:solidFill>
               </a14:hiddenFill>
             </a:ext>
-            <a:ext uri="{91240B29-F687-4f45-9708-019B960494DF}">
+            <a:ext uri="{91240B29-F687-4F45-9708-019B960494DF}">
               <a14:hiddenLine xmlns:a14="http://schemas.microsoft.com/office/drawing/2010/main" w="9525">
                 <a:solidFill>
                   <a:srgbClr val="000000"/>
@@ -7634,14 +9318,14 @@
             <a:noFill/>
           </a:ln>
           <a:extLst>
-            <a:ext uri="{909E8E84-426E-40dd-AFC4-6F175D3DCCD1}">
+            <a:ext uri="{909E8E84-426E-40DD-AFC4-6F175D3DCCD1}">
               <a14:hiddenFill xmlns:a14="http://schemas.microsoft.com/office/drawing/2010/main">
                 <a:solidFill>
                   <a:srgbClr val="FFFFFF"/>
                 </a:solidFill>
               </a14:hiddenFill>
             </a:ext>
-            <a:ext uri="{91240B29-F687-4f45-9708-019B960494DF}">
+            <a:ext uri="{91240B29-F687-4F45-9708-019B960494DF}">
               <a14:hiddenLine xmlns:a14="http://schemas.microsoft.com/office/drawing/2010/main" w="9525">
                 <a:solidFill>
                   <a:srgbClr val="000000"/>
@@ -7910,7 +9594,7 @@
   <p:clrMapOvr>
     <a:masterClrMapping/>
   </p:clrMapOvr>
-  <p:transition xmlns:p14="http://schemas.microsoft.com/office/powerpoint/2010/main">
+  <p:transition>
     <p:zoom/>
   </p:transition>
 </p:sldLayout>
@@ -8139,7 +9823,7 @@
   <p:clrMapOvr>
     <a:masterClrMapping/>
   </p:clrMapOvr>
-  <p:transition xmlns:p14="http://schemas.microsoft.com/office/powerpoint/2010/main" spd="slow">
+  <p:transition spd="slow">
     <p:fade/>
   </p:transition>
 </p:sldLayout>
@@ -8196,14 +9880,14 @@
             <a:noFill/>
           </a:ln>
           <a:extLst>
-            <a:ext uri="{909E8E84-426E-40dd-AFC4-6F175D3DCCD1}">
+            <a:ext uri="{909E8E84-426E-40DD-AFC4-6F175D3DCCD1}">
               <a14:hiddenFill xmlns:a14="http://schemas.microsoft.com/office/drawing/2010/main">
                 <a:solidFill>
                   <a:srgbClr val="FFFFFF"/>
                 </a:solidFill>
               </a14:hiddenFill>
             </a:ext>
-            <a:ext uri="{91240B29-F687-4f45-9708-019B960494DF}">
+            <a:ext uri="{91240B29-F687-4F45-9708-019B960494DF}">
               <a14:hiddenLine xmlns:a14="http://schemas.microsoft.com/office/drawing/2010/main" w="9525">
                 <a:solidFill>
                   <a:srgbClr val="000000"/>
@@ -8339,14 +10023,14 @@
             <a:noFill/>
           </a:ln>
           <a:extLst>
-            <a:ext uri="{909E8E84-426E-40dd-AFC4-6F175D3DCCD1}">
+            <a:ext uri="{909E8E84-426E-40DD-AFC4-6F175D3DCCD1}">
               <a14:hiddenFill xmlns:a14="http://schemas.microsoft.com/office/drawing/2010/main">
                 <a:solidFill>
                   <a:srgbClr val="FFFFFF"/>
                 </a:solidFill>
               </a14:hiddenFill>
             </a:ext>
-            <a:ext uri="{91240B29-F687-4f45-9708-019B960494DF}">
+            <a:ext uri="{91240B29-F687-4F45-9708-019B960494DF}">
               <a14:hiddenLine xmlns:a14="http://schemas.microsoft.com/office/drawing/2010/main" w="9525">
                 <a:solidFill>
                   <a:srgbClr val="000000"/>
@@ -8393,14 +10077,14 @@
             <a:noFill/>
           </a:ln>
           <a:extLst>
-            <a:ext uri="{909E8E84-426E-40dd-AFC4-6F175D3DCCD1}">
+            <a:ext uri="{909E8E84-426E-40DD-AFC4-6F175D3DCCD1}">
               <a14:hiddenFill xmlns:a14="http://schemas.microsoft.com/office/drawing/2010/main">
                 <a:solidFill>
                   <a:srgbClr val="FFFFFF"/>
                 </a:solidFill>
               </a14:hiddenFill>
             </a:ext>
-            <a:ext uri="{91240B29-F687-4f45-9708-019B960494DF}">
+            <a:ext uri="{91240B29-F687-4F45-9708-019B960494DF}">
               <a14:hiddenLine xmlns:a14="http://schemas.microsoft.com/office/drawing/2010/main" w="9525">
                 <a:solidFill>
                   <a:srgbClr val="000000"/>
@@ -8669,7 +10353,7 @@
   <p:clrMapOvr>
     <a:masterClrMapping/>
   </p:clrMapOvr>
-  <p:transition xmlns:p14="http://schemas.microsoft.com/office/powerpoint/2010/main">
+  <p:transition>
     <p:zoom/>
   </p:transition>
 </p:sldLayout>
@@ -8726,14 +10410,14 @@
             <a:noFill/>
           </a:ln>
           <a:extLst>
-            <a:ext uri="{909E8E84-426E-40dd-AFC4-6F175D3DCCD1}">
+            <a:ext uri="{909E8E84-426E-40DD-AFC4-6F175D3DCCD1}">
               <a14:hiddenFill xmlns:a14="http://schemas.microsoft.com/office/drawing/2010/main">
                 <a:solidFill>
                   <a:srgbClr val="FFFFFF"/>
                 </a:solidFill>
               </a14:hiddenFill>
             </a:ext>
-            <a:ext uri="{91240B29-F687-4f45-9708-019B960494DF}">
+            <a:ext uri="{91240B29-F687-4F45-9708-019B960494DF}">
               <a14:hiddenLine xmlns:a14="http://schemas.microsoft.com/office/drawing/2010/main" w="9525">
                 <a:solidFill>
                   <a:srgbClr val="000000"/>
@@ -8869,14 +10553,14 @@
             <a:noFill/>
           </a:ln>
           <a:extLst>
-            <a:ext uri="{909E8E84-426E-40dd-AFC4-6F175D3DCCD1}">
+            <a:ext uri="{909E8E84-426E-40DD-AFC4-6F175D3DCCD1}">
               <a14:hiddenFill xmlns:a14="http://schemas.microsoft.com/office/drawing/2010/main">
                 <a:solidFill>
                   <a:srgbClr val="FFFFFF"/>
                 </a:solidFill>
               </a14:hiddenFill>
             </a:ext>
-            <a:ext uri="{91240B29-F687-4f45-9708-019B960494DF}">
+            <a:ext uri="{91240B29-F687-4F45-9708-019B960494DF}">
               <a14:hiddenLine xmlns:a14="http://schemas.microsoft.com/office/drawing/2010/main" w="9525">
                 <a:solidFill>
                   <a:srgbClr val="000000"/>
@@ -8923,14 +10607,14 @@
             <a:noFill/>
           </a:ln>
           <a:extLst>
-            <a:ext uri="{909E8E84-426E-40dd-AFC4-6F175D3DCCD1}">
+            <a:ext uri="{909E8E84-426E-40DD-AFC4-6F175D3DCCD1}">
               <a14:hiddenFill xmlns:a14="http://schemas.microsoft.com/office/drawing/2010/main">
                 <a:solidFill>
                   <a:srgbClr val="FFFFFF"/>
                 </a:solidFill>
               </a14:hiddenFill>
             </a:ext>
-            <a:ext uri="{91240B29-F687-4f45-9708-019B960494DF}">
+            <a:ext uri="{91240B29-F687-4F45-9708-019B960494DF}">
               <a14:hiddenLine xmlns:a14="http://schemas.microsoft.com/office/drawing/2010/main" w="9525">
                 <a:solidFill>
                   <a:srgbClr val="000000"/>
@@ -9199,7 +10883,7 @@
   <p:clrMapOvr>
     <a:masterClrMapping/>
   </p:clrMapOvr>
-  <p:transition xmlns:p14="http://schemas.microsoft.com/office/powerpoint/2010/main">
+  <p:transition>
     <p:zoom/>
   </p:transition>
   <p:hf hdr="0" ftr="0" dt="0"/>
@@ -9311,14 +10995,14 @@
             <a:noFill/>
           </a:ln>
           <a:extLst>
-            <a:ext uri="{909E8E84-426E-40dd-AFC4-6F175D3DCCD1}">
+            <a:ext uri="{909E8E84-426E-40DD-AFC4-6F175D3DCCD1}">
               <a14:hiddenFill xmlns:a14="http://schemas.microsoft.com/office/drawing/2010/main">
                 <a:solidFill>
                   <a:srgbClr val="FFFFFF"/>
                 </a:solidFill>
               </a14:hiddenFill>
             </a:ext>
-            <a:ext uri="{91240B29-F687-4f45-9708-019B960494DF}">
+            <a:ext uri="{91240B29-F687-4F45-9708-019B960494DF}">
               <a14:hiddenLine xmlns:a14="http://schemas.microsoft.com/office/drawing/2010/main" w="9525">
                 <a:solidFill>
                   <a:srgbClr val="000000"/>
@@ -9365,14 +11049,14 @@
             <a:noFill/>
           </a:ln>
           <a:extLst>
-            <a:ext uri="{909E8E84-426E-40dd-AFC4-6F175D3DCCD1}">
+            <a:ext uri="{909E8E84-426E-40DD-AFC4-6F175D3DCCD1}">
               <a14:hiddenFill xmlns:a14="http://schemas.microsoft.com/office/drawing/2010/main">
                 <a:solidFill>
                   <a:srgbClr val="FFFFFF"/>
                 </a:solidFill>
               </a14:hiddenFill>
             </a:ext>
-            <a:ext uri="{91240B29-F687-4f45-9708-019B960494DF}">
+            <a:ext uri="{91240B29-F687-4F45-9708-019B960494DF}">
               <a14:hiddenLine xmlns:a14="http://schemas.microsoft.com/office/drawing/2010/main" w="9525">
                 <a:solidFill>
                   <a:srgbClr val="000000"/>
@@ -9476,14 +11160,14 @@
             <a:noFill/>
           </a:ln>
           <a:extLst>
-            <a:ext uri="{909E8E84-426E-40dd-AFC4-6F175D3DCCD1}">
+            <a:ext uri="{909E8E84-426E-40DD-AFC4-6F175D3DCCD1}">
               <a14:hiddenFill xmlns:a14="http://schemas.microsoft.com/office/drawing/2010/main">
                 <a:solidFill>
                   <a:srgbClr val="FFFFFF"/>
                 </a:solidFill>
               </a14:hiddenFill>
             </a:ext>
-            <a:ext uri="{91240B29-F687-4f45-9708-019B960494DF}">
+            <a:ext uri="{91240B29-F687-4F45-9708-019B960494DF}">
               <a14:hiddenLine xmlns:a14="http://schemas.microsoft.com/office/drawing/2010/main" w="9525">
                 <a:solidFill>
                   <a:srgbClr val="000000"/>
@@ -9595,7 +11279,7 @@
   <p:clrMapOvr>
     <a:masterClrMapping/>
   </p:clrMapOvr>
-  <p:transition xmlns:p14="http://schemas.microsoft.com/office/powerpoint/2010/main">
+  <p:transition>
     <p:zoom/>
   </p:transition>
   <p:hf hdr="0" ftr="0" dt="0"/>
@@ -9709,7 +11393,7 @@
   <p:clrMapOvr>
     <a:masterClrMapping/>
   </p:clrMapOvr>
-  <p:transition xmlns:p14="http://schemas.microsoft.com/office/powerpoint/2010/main">
+  <p:transition>
     <p:zoom/>
   </p:transition>
   <p:hf hdr="0" ftr="0" dt="0"/>
@@ -10986,7 +12670,7 @@
   <p:clrMapOvr>
     <a:masterClrMapping/>
   </p:clrMapOvr>
-  <p:transition xmlns:p14="http://schemas.microsoft.com/office/powerpoint/2010/main">
+  <p:transition>
     <p:zoom/>
   </p:transition>
   <p:hf hdr="0" ftr="0" dt="0"/>
@@ -11787,7 +13471,7 @@
   <p:clrMapOvr>
     <a:masterClrMapping/>
   </p:clrMapOvr>
-  <p:transition xmlns:p14="http://schemas.microsoft.com/office/powerpoint/2010/main">
+  <p:transition>
     <p:zoom/>
   </p:transition>
   <p:hf hdr="0" ftr="0" dt="0"/>
@@ -11930,7 +13614,7 @@
   <p:clrMapOvr>
     <a:masterClrMapping/>
   </p:clrMapOvr>
-  <p:transition xmlns:p14="http://schemas.microsoft.com/office/powerpoint/2010/main">
+  <p:transition>
     <p:zoom/>
   </p:transition>
   <p:hf hdr="0" ftr="0" dt="0"/>
@@ -12164,7 +13848,7 @@
           <a:p>
             <a:fld id="{7793EDCB-5B64-3143-AFED-AA1357A092FA}" type="datetimeFigureOut">
               <a:rPr lang="en-US" smtClean="0"/>
-              <a:t>8/4/12</a:t>
+              <a:t>12/10/2012</a:t>
             </a:fld>
             <a:endParaRPr lang="en-US"/>
           </a:p>
@@ -12371,7 +14055,7 @@
   <p:clrMapOvr>
     <a:masterClrMapping/>
   </p:clrMapOvr>
-  <p:transition xmlns:p14="http://schemas.microsoft.com/office/powerpoint/2010/main">
+  <p:transition>
     <p:zoom/>
   </p:transition>
   <p:hf hdr="0" ftr="0" dt="0"/>
@@ -12522,7 +14206,7 @@
   <p:clrMapOvr>
     <a:masterClrMapping/>
   </p:clrMapOvr>
-  <p:transition xmlns:p14="http://schemas.microsoft.com/office/powerpoint/2010/main">
+  <p:transition>
     <p:zoom/>
   </p:transition>
   <p:hf hdr="0" ftr="0" dt="0"/>
@@ -12580,14 +14264,14 @@
             <a:noFill/>
           </a:ln>
           <a:extLst>
-            <a:ext uri="{909E8E84-426E-40dd-AFC4-6F175D3DCCD1}">
+            <a:ext uri="{909E8E84-426E-40DD-AFC4-6F175D3DCCD1}">
               <a14:hiddenFill xmlns:a14="http://schemas.microsoft.com/office/drawing/2010/main">
                 <a:solidFill>
                   <a:srgbClr val="FFFFFF"/>
                 </a:solidFill>
               </a14:hiddenFill>
             </a:ext>
-            <a:ext uri="{91240B29-F687-4f45-9708-019B960494DF}">
+            <a:ext uri="{91240B29-F687-4F45-9708-019B960494DF}">
               <a14:hiddenLine xmlns:a14="http://schemas.microsoft.com/office/drawing/2010/main" w="9525">
                 <a:solidFill>
                   <a:srgbClr val="000000"/>
@@ -12690,14 +14374,14 @@
             <a:noFill/>
           </a:ln>
           <a:extLst>
-            <a:ext uri="{909E8E84-426E-40dd-AFC4-6F175D3DCCD1}">
+            <a:ext uri="{909E8E84-426E-40DD-AFC4-6F175D3DCCD1}">
               <a14:hiddenFill xmlns:a14="http://schemas.microsoft.com/office/drawing/2010/main">
                 <a:solidFill>
                   <a:srgbClr val="FFFFFF"/>
                 </a:solidFill>
               </a14:hiddenFill>
             </a:ext>
-            <a:ext uri="{91240B29-F687-4f45-9708-019B960494DF}">
+            <a:ext uri="{91240B29-F687-4F45-9708-019B960494DF}">
               <a14:hiddenLine xmlns:a14="http://schemas.microsoft.com/office/drawing/2010/main" w="9525">
                 <a:solidFill>
                   <a:srgbClr val="000000"/>
@@ -12744,14 +14428,14 @@
             <a:noFill/>
           </a:ln>
           <a:extLst>
-            <a:ext uri="{909E8E84-426E-40dd-AFC4-6F175D3DCCD1}">
+            <a:ext uri="{909E8E84-426E-40DD-AFC4-6F175D3DCCD1}">
               <a14:hiddenFill xmlns:a14="http://schemas.microsoft.com/office/drawing/2010/main">
                 <a:solidFill>
                   <a:srgbClr val="FFFFFF"/>
                 </a:solidFill>
               </a14:hiddenFill>
             </a:ext>
-            <a:ext uri="{91240B29-F687-4f45-9708-019B960494DF}">
+            <a:ext uri="{91240B29-F687-4F45-9708-019B960494DF}">
               <a14:hiddenLine xmlns:a14="http://schemas.microsoft.com/office/drawing/2010/main" w="9525">
                 <a:solidFill>
                   <a:srgbClr val="000000"/>
@@ -13054,7 +14738,7 @@
   <p:clrMapOvr>
     <a:masterClrMapping/>
   </p:clrMapOvr>
-  <p:transition xmlns:p14="http://schemas.microsoft.com/office/powerpoint/2010/main">
+  <p:transition>
     <p:zoom/>
   </p:transition>
   <p:hf hdr="0" ftr="0" dt="0"/>
@@ -13284,9 +14968,140 @@
   <p:clrMapOvr>
     <a:masterClrMapping/>
   </p:clrMapOvr>
-  <p:transition xmlns:p14="http://schemas.microsoft.com/office/powerpoint/2010/main" spd="slow">
+  <p:transition spd="slow">
     <p:fade/>
   </p:transition>
+</p:sldLayout>
+</file>
+
+<file path=ppt/slideLayouts/slideLayout44.xml><?xml version="1.0" encoding="utf-8"?>
+<p:sldLayout xmlns:a="http://schemas.openxmlformats.org/drawingml/2006/main" xmlns:r="http://schemas.openxmlformats.org/officeDocument/2006/relationships" xmlns:p="http://schemas.openxmlformats.org/presentationml/2006/main" type="titleOnly">
+  <p:cSld name="Title Only">
+    <p:spTree>
+      <p:nvGrpSpPr>
+        <p:cNvPr id="1" name=""/>
+        <p:cNvGrpSpPr/>
+        <p:nvPr/>
+      </p:nvGrpSpPr>
+      <p:grpSpPr>
+        <a:xfrm>
+          <a:off x="0" y="0"/>
+          <a:ext cx="0" cy="0"/>
+          <a:chOff x="0" y="0"/>
+          <a:chExt cx="0" cy="0"/>
+        </a:xfrm>
+      </p:grpSpPr>
+      <p:sp>
+        <p:nvSpPr>
+          <p:cNvPr id="2" name="Title 1"/>
+          <p:cNvSpPr>
+            <a:spLocks noGrp="1"/>
+          </p:cNvSpPr>
+          <p:nvPr>
+            <p:ph type="title"/>
+          </p:nvPr>
+        </p:nvSpPr>
+        <p:spPr/>
+        <p:txBody>
+          <a:bodyPr/>
+          <a:lstStyle/>
+          <a:p>
+            <a:r>
+              <a:rPr lang="en-US" smtClean="0"/>
+              <a:t>Click to edit Master title style</a:t>
+            </a:r>
+            <a:endParaRPr lang="ru-RU"/>
+          </a:p>
+        </p:txBody>
+      </p:sp>
+      <p:sp>
+        <p:nvSpPr>
+          <p:cNvPr id="3" name="doc id"/>
+          <p:cNvSpPr>
+            <a:spLocks noGrp="1" noChangeArrowheads="1"/>
+          </p:cNvSpPr>
+          <p:nvPr>
+            <p:ph type="ftr" sz="quarter" idx="10"/>
+          </p:nvPr>
+        </p:nvSpPr>
+        <p:spPr>
+          <a:xfrm>
+            <a:off x="8613775" y="36513"/>
+            <a:ext cx="301625" cy="125412"/>
+          </a:xfrm>
+          <a:prstGeom prst="rect">
+            <a:avLst/>
+          </a:prstGeom>
+        </p:spPr>
+        <p:txBody>
+          <a:bodyPr lIns="93296" tIns="46648" rIns="93296" bIns="46648"/>
+          <a:lstStyle>
+            <a:lvl1pPr>
+              <a:defRPr>
+                <a:latin typeface="Arial" pitchFamily="34" charset="0"/>
+                <a:ea typeface="+mn-ea"/>
+                <a:cs typeface="Arial" pitchFamily="34" charset="0"/>
+              </a:defRPr>
+            </a:lvl1pPr>
+          </a:lstStyle>
+          <a:p>
+            <a:pPr>
+              <a:defRPr/>
+            </a:pPr>
+            <a:endParaRPr lang="ru-RU"/>
+          </a:p>
+        </p:txBody>
+      </p:sp>
+      <p:sp>
+        <p:nvSpPr>
+          <p:cNvPr id="4" name="Rectangle 6"/>
+          <p:cNvSpPr>
+            <a:spLocks noGrp="1" noChangeArrowheads="1"/>
+          </p:cNvSpPr>
+          <p:nvPr>
+            <p:ph type="sldNum" sz="quarter" idx="11"/>
+          </p:nvPr>
+        </p:nvSpPr>
+        <p:spPr>
+          <a:xfrm>
+            <a:off x="7597775" y="6551613"/>
+            <a:ext cx="1511300" cy="333375"/>
+          </a:xfrm>
+          <a:prstGeom prst="rect">
+            <a:avLst/>
+          </a:prstGeom>
+        </p:spPr>
+        <p:txBody>
+          <a:bodyPr vert="horz" wrap="square" lIns="91440" tIns="45720" rIns="91440" bIns="45720" numCol="1" anchor="t" anchorCtr="0" compatLnSpc="1">
+            <a:prstTxWarp prst="textNoShape">
+              <a:avLst/>
+            </a:prstTxWarp>
+          </a:bodyPr>
+          <a:lstStyle>
+            <a:lvl1pPr>
+              <a:defRPr/>
+            </a:lvl1pPr>
+          </a:lstStyle>
+          <a:p>
+            <a:fld id="{E3313FD0-C96E-C740-ABC8-745704B6E7B1}" type="slidenum">
+              <a:rPr lang="en-US"/>
+              <a:pPr/>
+              <a:t>‹#›</a:t>
+            </a:fld>
+            <a:endParaRPr lang="en-US"/>
+          </a:p>
+        </p:txBody>
+      </p:sp>
+    </p:spTree>
+    <p:extLst>
+      <p:ext uri="{BB962C8B-B14F-4D97-AF65-F5344CB8AC3E}">
+        <p14:creationId xmlns:p14="http://schemas.microsoft.com/office/powerpoint/2010/main" val="496095061"/>
+      </p:ext>
+    </p:extLst>
+  </p:cSld>
+  <p:clrMapOvr>
+    <a:masterClrMapping/>
+  </p:clrMapOvr>
 </p:sldLayout>
 </file>
 
@@ -13651,7 +15466,7 @@
           <a:p>
             <a:fld id="{7793EDCB-5B64-3143-AFED-AA1357A092FA}" type="datetimeFigureOut">
               <a:rPr lang="en-US" smtClean="0"/>
-              <a:t>8/4/12</a:t>
+              <a:t>12/10/2012</a:t>
             </a:fld>
             <a:endParaRPr lang="en-US"/>
           </a:p>
@@ -13769,7 +15584,7 @@
           <a:p>
             <a:fld id="{7793EDCB-5B64-3143-AFED-AA1357A092FA}" type="datetimeFigureOut">
               <a:rPr lang="en-US" smtClean="0"/>
-              <a:t>8/4/12</a:t>
+              <a:t>12/10/2012</a:t>
             </a:fld>
             <a:endParaRPr lang="en-US"/>
           </a:p>
@@ -13864,7 +15679,7 @@
           <a:p>
             <a:fld id="{7793EDCB-5B64-3143-AFED-AA1357A092FA}" type="datetimeFigureOut">
               <a:rPr lang="en-US" smtClean="0"/>
-              <a:t>8/4/12</a:t>
+              <a:t>12/10/2012</a:t>
             </a:fld>
             <a:endParaRPr lang="en-US"/>
           </a:p>
@@ -14141,7 +15956,7 @@
           <a:p>
             <a:fld id="{7793EDCB-5B64-3143-AFED-AA1357A092FA}" type="datetimeFigureOut">
               <a:rPr lang="en-US" smtClean="0"/>
-              <a:t>8/4/12</a:t>
+              <a:t>12/10/2012</a:t>
             </a:fld>
             <a:endParaRPr lang="en-US"/>
           </a:p>
@@ -14394,7 +16209,7 @@
           <a:p>
             <a:fld id="{7793EDCB-5B64-3143-AFED-AA1357A092FA}" type="datetimeFigureOut">
               <a:rPr lang="en-US" smtClean="0"/>
-              <a:t>8/4/12</a:t>
+              <a:t>12/10/2012</a:t>
             </a:fld>
             <a:endParaRPr lang="en-US"/>
           </a:p>
@@ -14607,7 +16422,7 @@
           <a:p>
             <a:fld id="{7793EDCB-5B64-3143-AFED-AA1357A092FA}" type="datetimeFigureOut">
               <a:rPr lang="en-US" smtClean="0"/>
-              <a:t>8/4/12</a:t>
+              <a:t>12/10/2012</a:t>
             </a:fld>
             <a:endParaRPr lang="en-US"/>
           </a:p>
@@ -15024,14 +16839,14 @@
             <a:noFill/>
           </a:ln>
           <a:extLst>
-            <a:ext uri="{909E8E84-426E-40dd-AFC4-6F175D3DCCD1}">
+            <a:ext uri="{909E8E84-426E-40DD-AFC4-6F175D3DCCD1}">
               <a14:hiddenFill xmlns:a14="http://schemas.microsoft.com/office/drawing/2010/main">
                 <a:solidFill>
                   <a:srgbClr val="FFFFFF"/>
                 </a:solidFill>
               </a14:hiddenFill>
             </a:ext>
-            <a:ext uri="{91240B29-F687-4f45-9708-019B960494DF}">
+            <a:ext uri="{91240B29-F687-4F45-9708-019B960494DF}">
               <a14:hiddenLine xmlns:a14="http://schemas.microsoft.com/office/drawing/2010/main" w="9525">
                 <a:solidFill>
                   <a:srgbClr val="000000"/>
@@ -15067,14 +16882,14 @@
             <a:noFill/>
           </a:ln>
           <a:extLst>
-            <a:ext uri="{909E8E84-426E-40dd-AFC4-6F175D3DCCD1}">
+            <a:ext uri="{909E8E84-426E-40DD-AFC4-6F175D3DCCD1}">
               <a14:hiddenFill xmlns:a14="http://schemas.microsoft.com/office/drawing/2010/main">
                 <a:solidFill>
                   <a:srgbClr val="FFFFFF"/>
                 </a:solidFill>
               </a14:hiddenFill>
             </a:ext>
-            <a:ext uri="{91240B29-F687-4f45-9708-019B960494DF}">
+            <a:ext uri="{91240B29-F687-4F45-9708-019B960494DF}">
               <a14:hiddenLine xmlns:a14="http://schemas.microsoft.com/office/drawing/2010/main" w="9525">
                 <a:solidFill>
                   <a:srgbClr val="000000"/>
@@ -15085,7 +16900,7 @@
               </a14:hiddenLine>
             </a:ext>
             <a:ext uri="{FAA26D3D-D897-4be2-8F04-BA451C77F1D7}">
-              <ma14:placeholderFlag xmlns:ma14="http://schemas.microsoft.com/office/mac/drawingml/2011/main" val="1"/>
+              <ma14:placeholderFlag xmlns="" xmlns:ma14="http://schemas.microsoft.com/office/mac/drawingml/2011/main" val="1"/>
             </a:ext>
           </a:extLst>
         </p:spPr>
@@ -15128,14 +16943,14 @@
             <a:noFill/>
           </a:ln>
           <a:extLst>
-            <a:ext uri="{909E8E84-426E-40dd-AFC4-6F175D3DCCD1}">
+            <a:ext uri="{909E8E84-426E-40DD-AFC4-6F175D3DCCD1}">
               <a14:hiddenFill xmlns:a14="http://schemas.microsoft.com/office/drawing/2010/main">
                 <a:solidFill>
                   <a:srgbClr val="FFFFFF"/>
                 </a:solidFill>
               </a14:hiddenFill>
             </a:ext>
-            <a:ext uri="{91240B29-F687-4f45-9708-019B960494DF}">
+            <a:ext uri="{91240B29-F687-4F45-9708-019B960494DF}">
               <a14:hiddenLine xmlns:a14="http://schemas.microsoft.com/office/drawing/2010/main" w="9525">
                 <a:solidFill>
                   <a:srgbClr val="000000"/>
@@ -15146,7 +16961,7 @@
               </a14:hiddenLine>
             </a:ext>
             <a:ext uri="{FAA26D3D-D897-4be2-8F04-BA451C77F1D7}">
-              <ma14:placeholderFlag xmlns:ma14="http://schemas.microsoft.com/office/mac/drawingml/2011/main" val="1"/>
+              <ma14:placeholderFlag xmlns="" xmlns:ma14="http://schemas.microsoft.com/office/mac/drawingml/2011/main" val="1"/>
             </a:ext>
           </a:extLst>
         </p:spPr>
@@ -15228,14 +17043,14 @@
             <a:noFill/>
           </a:ln>
           <a:extLst>
-            <a:ext uri="{909E8E84-426E-40dd-AFC4-6F175D3DCCD1}">
+            <a:ext uri="{909E8E84-426E-40DD-AFC4-6F175D3DCCD1}">
               <a14:hiddenFill xmlns:a14="http://schemas.microsoft.com/office/drawing/2010/main">
                 <a:solidFill>
                   <a:srgbClr val="FFFFFF"/>
                 </a:solidFill>
               </a14:hiddenFill>
             </a:ext>
-            <a:ext uri="{91240B29-F687-4f45-9708-019B960494DF}">
+            <a:ext uri="{91240B29-F687-4F45-9708-019B960494DF}">
               <a14:hiddenLine xmlns:a14="http://schemas.microsoft.com/office/drawing/2010/main" w="9525">
                 <a:solidFill>
                   <a:srgbClr val="000000"/>
@@ -15461,14 +17276,14 @@
             <a:noFill/>
           </a:ln>
           <a:extLst>
-            <a:ext uri="{909E8E84-426E-40dd-AFC4-6F175D3DCCD1}">
+            <a:ext uri="{909E8E84-426E-40DD-AFC4-6F175D3DCCD1}">
               <a14:hiddenFill xmlns:a14="http://schemas.microsoft.com/office/drawing/2010/main">
                 <a:solidFill>
                   <a:srgbClr val="FFFFFF"/>
                 </a:solidFill>
               </a14:hiddenFill>
             </a:ext>
-            <a:ext uri="{91240B29-F687-4f45-9708-019B960494DF}">
+            <a:ext uri="{91240B29-F687-4F45-9708-019B960494DF}">
               <a14:hiddenLine xmlns:a14="http://schemas.microsoft.com/office/drawing/2010/main" w="9525">
                 <a:solidFill>
                   <a:srgbClr val="000000"/>
@@ -15512,7 +17327,7 @@
     <p:sldLayoutId id="2147483681" r:id="rId20"/>
     <p:sldLayoutId id="2147483693" r:id="rId21"/>
   </p:sldLayoutIdLst>
-  <p:transition xmlns:p14="http://schemas.microsoft.com/office/powerpoint/2010/main" spd="slow">
+  <p:transition spd="slow">
     <p:fade/>
   </p:transition>
   <p:hf hdr="0" ftr="0" dt="0"/>
@@ -16054,14 +17869,14 @@
             <a:noFill/>
           </a:ln>
           <a:extLst>
-            <a:ext uri="{909E8E84-426E-40dd-AFC4-6F175D3DCCD1}">
+            <a:ext uri="{909E8E84-426E-40DD-AFC4-6F175D3DCCD1}">
               <a14:hiddenFill xmlns:a14="http://schemas.microsoft.com/office/drawing/2010/main">
                 <a:solidFill>
                   <a:srgbClr val="FFFFFF"/>
                 </a:solidFill>
               </a14:hiddenFill>
             </a:ext>
-            <a:ext uri="{91240B29-F687-4f45-9708-019B960494DF}">
+            <a:ext uri="{91240B29-F687-4F45-9708-019B960494DF}">
               <a14:hiddenLine xmlns:a14="http://schemas.microsoft.com/office/drawing/2010/main" w="9525">
                 <a:solidFill>
                   <a:srgbClr val="000000"/>
@@ -16072,7 +17887,7 @@
               </a14:hiddenLine>
             </a:ext>
             <a:ext uri="{FAA26D3D-D897-4be2-8F04-BA451C77F1D7}">
-              <ma14:placeholderFlag xmlns:ma14="http://schemas.microsoft.com/office/mac/drawingml/2011/main" val="1"/>
+              <ma14:placeholderFlag xmlns="" xmlns:ma14="http://schemas.microsoft.com/office/mac/drawingml/2011/main" val="1"/>
             </a:ext>
           </a:extLst>
         </p:spPr>
@@ -16293,14 +18108,14 @@
             <a:noFill/>
           </a:ln>
           <a:extLst>
-            <a:ext uri="{909E8E84-426E-40dd-AFC4-6F175D3DCCD1}">
+            <a:ext uri="{909E8E84-426E-40DD-AFC4-6F175D3DCCD1}">
               <a14:hiddenFill xmlns:a14="http://schemas.microsoft.com/office/drawing/2010/main">
                 <a:solidFill>
                   <a:srgbClr val="FFFFFF"/>
                 </a:solidFill>
               </a14:hiddenFill>
             </a:ext>
-            <a:ext uri="{91240B29-F687-4f45-9708-019B960494DF}">
+            <a:ext uri="{91240B29-F687-4F45-9708-019B960494DF}">
               <a14:hiddenLine xmlns:a14="http://schemas.microsoft.com/office/drawing/2010/main" w="9525">
                 <a:solidFill>
                   <a:srgbClr val="000000"/>
@@ -16462,14 +18277,14 @@
             <a:noFill/>
           </a:ln>
           <a:extLst>
-            <a:ext uri="{909E8E84-426E-40dd-AFC4-6F175D3DCCD1}">
+            <a:ext uri="{909E8E84-426E-40DD-AFC4-6F175D3DCCD1}">
               <a14:hiddenFill xmlns:a14="http://schemas.microsoft.com/office/drawing/2010/main">
                 <a:solidFill>
                   <a:srgbClr val="FFFFFF"/>
                 </a:solidFill>
               </a14:hiddenFill>
             </a:ext>
-            <a:ext uri="{91240B29-F687-4f45-9708-019B960494DF}">
+            <a:ext uri="{91240B29-F687-4F45-9708-019B960494DF}">
               <a14:hiddenLine xmlns:a14="http://schemas.microsoft.com/office/drawing/2010/main" w="9525">
                 <a:solidFill>
                   <a:srgbClr val="000000"/>
@@ -16480,7 +18295,7 @@
               </a14:hiddenLine>
             </a:ext>
             <a:ext uri="{FAA26D3D-D897-4be2-8F04-BA451C77F1D7}">
-              <ma14:placeholderFlag xmlns:ma14="http://schemas.microsoft.com/office/mac/drawingml/2011/main" val="1"/>
+              <ma14:placeholderFlag xmlns="" xmlns:ma14="http://schemas.microsoft.com/office/mac/drawingml/2011/main" val="1"/>
             </a:ext>
           </a:extLst>
         </p:spPr>
@@ -16689,7 +18504,7 @@
           <p:nvPr userDrawn="1"/>
         </p:nvPicPr>
         <p:blipFill>
-          <a:blip r:embed="rId13">
+          <a:blip r:embed="rId14">
             <a:extLst>
               <a:ext uri="{28A0092B-C50C-407E-A947-70E740481C1C}">
                 <a14:useLocalDpi xmlns:a14="http://schemas.microsoft.com/office/drawing/2010/main" val="0"/>
@@ -16714,14 +18529,14 @@
             <a:noFill/>
           </a:ln>
           <a:extLst>
-            <a:ext uri="{909E8E84-426E-40dd-AFC4-6F175D3DCCD1}">
+            <a:ext uri="{909E8E84-426E-40DD-AFC4-6F175D3DCCD1}">
               <a14:hiddenFill xmlns:a14="http://schemas.microsoft.com/office/drawing/2010/main">
                 <a:solidFill>
                   <a:srgbClr val="FFFFFF"/>
                 </a:solidFill>
               </a14:hiddenFill>
             </a:ext>
-            <a:ext uri="{91240B29-F687-4f45-9708-019B960494DF}">
+            <a:ext uri="{91240B29-F687-4F45-9708-019B960494DF}">
               <a14:hiddenLine xmlns:a14="http://schemas.microsoft.com/office/drawing/2010/main" w="9525">
                 <a:solidFill>
                   <a:srgbClr val="000000"/>
@@ -16749,14 +18564,15 @@
     <p:sldLayoutId id="2147483703" r:id="rId9"/>
     <p:sldLayoutId id="2147483704" r:id="rId10"/>
     <p:sldLayoutId id="2147483705" r:id="rId11"/>
+    <p:sldLayoutId id="2147483706" r:id="rId12"/>
   </p:sldLayoutIdLst>
-  <p:transition xmlns:p14="http://schemas.microsoft.com/office/powerpoint/2010/main" spd="slow">
+  <p:transition spd="slow">
     <p:fade/>
   </p:transition>
   <p:timing>
     <p:tnLst>
       <p:par>
-        <p:cTn xmlns:p14="http://schemas.microsoft.com/office/powerpoint/2010/main" id="1" dur="indefinite" restart="never" nodeType="tmRoot"/>
+        <p:cTn id="1" dur="indefinite" restart="never" nodeType="tmRoot"/>
       </p:par>
     </p:tnLst>
   </p:timing>
@@ -17257,20 +19073,20 @@
   <p:clrMapOvr>
     <a:masterClrMapping/>
   </p:clrMapOvr>
-  <p:transition xmlns:p14="http://schemas.microsoft.com/office/powerpoint/2010/main">
+  <p:transition>
     <p:zoom/>
   </p:transition>
   <p:timing>
     <p:tnLst>
       <p:par>
-        <p:cTn xmlns:p14="http://schemas.microsoft.com/office/powerpoint/2010/main" id="1" dur="indefinite" restart="never" nodeType="tmRoot"/>
+        <p:cTn id="1" dur="indefinite" restart="never" nodeType="tmRoot"/>
       </p:par>
     </p:tnLst>
   </p:timing>
 </p:sld>
 </file>
 
-<file path=ppt/slides/slide2.xml><?xml version="1.0" encoding="utf-8"?>
+<file path=ppt/slides/slide10.xml><?xml version="1.0" encoding="utf-8"?>
 <p:sld xmlns:a="http://schemas.openxmlformats.org/drawingml/2006/main" xmlns:r="http://schemas.openxmlformats.org/officeDocument/2006/relationships" xmlns:p="http://schemas.openxmlformats.org/presentationml/2006/main">
   <p:cSld>
     <p:spTree>
@@ -17289,7 +19105,7 @@
       </p:grpSpPr>
       <p:sp>
         <p:nvSpPr>
-          <p:cNvPr id="9221" name="Title 1"/>
+          <p:cNvPr id="2" name="Title 1"/>
           <p:cNvSpPr>
             <a:spLocks noGrp="1"/>
           </p:cNvSpPr>
@@ -17303,19 +19119,481 @@
           <a:lstStyle/>
           <a:p>
             <a:r>
-              <a:rPr lang="ru-RU" dirty="0" smtClean="0">
+              <a:rPr lang="en-US" dirty="0" smtClean="0"/>
+              <a:t>BDD</a:t>
+            </a:r>
+            <a:endParaRPr lang="en-US" dirty="0"/>
+          </a:p>
+        </p:txBody>
+      </p:sp>
+      <p:sp>
+        <p:nvSpPr>
+          <p:cNvPr id="8" name="Rectangle 4"/>
+          <p:cNvSpPr>
+            <a:spLocks noChangeArrowheads="1"/>
+          </p:cNvSpPr>
+          <p:nvPr>
+            <p:custDataLst>
+              <p:tags r:id="rId1"/>
+            </p:custDataLst>
+          </p:nvPr>
+        </p:nvSpPr>
+        <p:spPr bwMode="auto">
+          <a:xfrm>
+            <a:off x="1066800" y="1828800"/>
+            <a:ext cx="7010400" cy="516612"/>
+          </a:xfrm>
+          <a:prstGeom prst="rect">
+            <a:avLst/>
+          </a:prstGeom>
+          <a:noFill/>
+          <a:ln w="19050">
+            <a:noFill/>
+            <a:miter lim="800000"/>
+            <a:headEnd/>
+            <a:tailEnd/>
+          </a:ln>
+        </p:spPr>
+        <p:txBody>
+          <a:bodyPr wrap="square" lIns="93296" tIns="144000" rIns="93296" bIns="93296">
+            <a:spAutoFit/>
+          </a:bodyPr>
+          <a:lstStyle/>
+          <a:p>
+            <a:pPr algn="ctr" defTabSz="803275">
+              <a:buClr>
+                <a:srgbClr val="FF6600"/>
+              </a:buClr>
+              <a:buSzPct val="125000"/>
+            </a:pPr>
+            <a:r>
+              <a:rPr lang="en-US" dirty="0">
+                <a:solidFill>
+                  <a:srgbClr val="004080"/>
+                </a:solidFill>
+                <a:cs typeface="Tahoma" charset="0"/>
+              </a:rPr>
+              <a:t>Behavior Driven Development (BDD</a:t>
+            </a:r>
+            <a:r>
+              <a:rPr lang="en-US" dirty="0" smtClean="0">
+                <a:solidFill>
+                  <a:srgbClr val="004080"/>
+                </a:solidFill>
+                <a:cs typeface="Tahoma" charset="0"/>
+              </a:rPr>
+              <a:t>)</a:t>
+            </a:r>
+          </a:p>
+        </p:txBody>
+      </p:sp>
+      <p:pic>
+        <p:nvPicPr>
+          <p:cNvPr id="6146" name="Picture 2" descr="http://assertselenium.files.wordpress.com/2012/11/screen-shot-2012-11-05-at-12-44-55-am.png?w=640&amp;h=211"/>
+          <p:cNvPicPr>
+            <a:picLocks noChangeAspect="1" noChangeArrowheads="1"/>
+          </p:cNvPicPr>
+          <p:nvPr/>
+        </p:nvPicPr>
+        <p:blipFill>
+          <a:blip r:embed="rId4">
+            <a:extLst>
+              <a:ext uri="{28A0092B-C50C-407E-A947-70E740481C1C}">
+                <a14:useLocalDpi xmlns:a14="http://schemas.microsoft.com/office/drawing/2010/main" val="0"/>
+              </a:ext>
+            </a:extLst>
+          </a:blip>
+          <a:srcRect/>
+          <a:stretch>
+            <a:fillRect/>
+          </a:stretch>
+        </p:blipFill>
+        <p:spPr bwMode="auto">
+          <a:xfrm>
+            <a:off x="1524000" y="2667000"/>
+            <a:ext cx="6096000" cy="2009776"/>
+          </a:xfrm>
+          <a:prstGeom prst="rect">
+            <a:avLst/>
+          </a:prstGeom>
+          <a:noFill/>
+          <a:extLst>
+            <a:ext uri="{909E8E84-426E-40DD-AFC4-6F175D3DCCD1}">
+              <a14:hiddenFill xmlns:a14="http://schemas.microsoft.com/office/drawing/2010/main">
+                <a:solidFill>
+                  <a:srgbClr val="FFFFFF"/>
+                </a:solidFill>
+              </a14:hiddenFill>
+            </a:ext>
+          </a:extLst>
+        </p:spPr>
+      </p:pic>
+    </p:spTree>
+    <p:extLst>
+      <p:ext uri="{BB962C8B-B14F-4D97-AF65-F5344CB8AC3E}">
+        <p14:creationId xmlns:p14="http://schemas.microsoft.com/office/powerpoint/2010/main" val="4016423665"/>
+      </p:ext>
+    </p:extLst>
+  </p:cSld>
+  <p:clrMapOvr>
+    <a:masterClrMapping/>
+  </p:clrMapOvr>
+  <mc:AlternateContent xmlns:mc="http://schemas.openxmlformats.org/markup-compatibility/2006" xmlns:p14="http://schemas.microsoft.com/office/powerpoint/2010/main">
+    <mc:Choice Requires="p14">
+      <p:transition p14:dur="0"/>
+    </mc:Choice>
+    <mc:Fallback xmlns="">
+      <p:transition xmlns:p14="http://schemas.microsoft.com/office/powerpoint/2010/main"/>
+    </mc:Fallback>
+  </mc:AlternateContent>
+  <p:timing>
+    <p:tnLst>
+      <p:par>
+        <p:cTn id="1" dur="indefinite" restart="never" nodeType="tmRoot"/>
+      </p:par>
+    </p:tnLst>
+  </p:timing>
+</p:sld>
+</file>
+
+<file path=ppt/slides/slide11.xml><?xml version="1.0" encoding="utf-8"?>
+<p:sld xmlns:a="http://schemas.openxmlformats.org/drawingml/2006/main" xmlns:r="http://schemas.openxmlformats.org/officeDocument/2006/relationships" xmlns:p="http://schemas.openxmlformats.org/presentationml/2006/main">
+  <p:cSld>
+    <p:spTree>
+      <p:nvGrpSpPr>
+        <p:cNvPr id="1" name=""/>
+        <p:cNvGrpSpPr/>
+        <p:nvPr/>
+      </p:nvGrpSpPr>
+      <p:grpSpPr>
+        <a:xfrm>
+          <a:off x="0" y="0"/>
+          <a:ext cx="0" cy="0"/>
+          <a:chOff x="0" y="0"/>
+          <a:chExt cx="0" cy="0"/>
+        </a:xfrm>
+      </p:grpSpPr>
+      <p:pic>
+        <p:nvPicPr>
+          <p:cNvPr id="7172" name="Picture 4" descr="http://assertselenium.files.wordpress.com/2012/11/screen-shot-2012-11-05-at-12-19-44-am.png?w=640"/>
+          <p:cNvPicPr>
+            <a:picLocks noChangeAspect="1" noChangeArrowheads="1"/>
+          </p:cNvPicPr>
+          <p:nvPr/>
+        </p:nvPicPr>
+        <p:blipFill>
+          <a:blip r:embed="rId5">
+            <a:extLst>
+              <a:ext uri="{28A0092B-C50C-407E-A947-70E740481C1C}">
+                <a14:useLocalDpi xmlns:a14="http://schemas.microsoft.com/office/drawing/2010/main" val="0"/>
+              </a:ext>
+            </a:extLst>
+          </a:blip>
+          <a:srcRect/>
+          <a:stretch>
+            <a:fillRect/>
+          </a:stretch>
+        </p:blipFill>
+        <p:spPr bwMode="auto">
+          <a:xfrm>
+            <a:off x="2438400" y="1981200"/>
+            <a:ext cx="4743450" cy="3543300"/>
+          </a:xfrm>
+          <a:prstGeom prst="rect">
+            <a:avLst/>
+          </a:prstGeom>
+          <a:noFill/>
+          <a:extLst>
+            <a:ext uri="{909E8E84-426E-40DD-AFC4-6F175D3DCCD1}">
+              <a14:hiddenFill xmlns:a14="http://schemas.microsoft.com/office/drawing/2010/main">
+                <a:solidFill>
+                  <a:srgbClr val="FFFFFF"/>
+                </a:solidFill>
+              </a14:hiddenFill>
+            </a:ext>
+          </a:extLst>
+        </p:spPr>
+      </p:pic>
+      <p:sp>
+        <p:nvSpPr>
+          <p:cNvPr id="2" name="Title 1"/>
+          <p:cNvSpPr>
+            <a:spLocks noGrp="1"/>
+          </p:cNvSpPr>
+          <p:nvPr>
+            <p:ph type="title"/>
+          </p:nvPr>
+        </p:nvSpPr>
+        <p:spPr/>
+        <p:txBody>
+          <a:bodyPr/>
+          <a:lstStyle/>
+          <a:p>
+            <a:r>
+              <a:rPr lang="en-US" dirty="0"/>
+              <a:t>Difference between TDD, BDD &amp; ATDD</a:t>
+            </a:r>
+          </a:p>
+        </p:txBody>
+      </p:sp>
+      <p:sp>
+        <p:nvSpPr>
+          <p:cNvPr id="8" name="Rectangle 4"/>
+          <p:cNvSpPr>
+            <a:spLocks noChangeArrowheads="1"/>
+          </p:cNvSpPr>
+          <p:nvPr>
+            <p:custDataLst>
+              <p:tags r:id="rId1"/>
+            </p:custDataLst>
+          </p:nvPr>
+        </p:nvSpPr>
+        <p:spPr bwMode="auto">
+          <a:xfrm>
+            <a:off x="1176337" y="1722894"/>
+            <a:ext cx="1524000" cy="516612"/>
+          </a:xfrm>
+          <a:prstGeom prst="rect">
+            <a:avLst/>
+          </a:prstGeom>
+          <a:noFill/>
+          <a:ln w="19050">
+            <a:noFill/>
+            <a:miter lim="800000"/>
+            <a:headEnd/>
+            <a:tailEnd/>
+          </a:ln>
+        </p:spPr>
+        <p:txBody>
+          <a:bodyPr wrap="square" lIns="93296" tIns="144000" rIns="93296" bIns="93296">
+            <a:spAutoFit/>
+          </a:bodyPr>
+          <a:lstStyle/>
+          <a:p>
+            <a:pPr algn="ctr" defTabSz="803275">
+              <a:buClr>
+                <a:srgbClr val="FF6600"/>
+              </a:buClr>
+              <a:buSzPct val="125000"/>
+            </a:pPr>
+            <a:r>
+              <a:rPr lang="en-US" dirty="0" smtClean="0">
+                <a:solidFill>
+                  <a:srgbClr val="004080"/>
+                </a:solidFill>
+                <a:cs typeface="Tahoma" charset="0"/>
+              </a:rPr>
+              <a:t>TDD</a:t>
+            </a:r>
+          </a:p>
+        </p:txBody>
+      </p:sp>
+      <p:pic>
+        <p:nvPicPr>
+          <p:cNvPr id="7170" name="Picture 2" descr="http://assertselenium.files.wordpress.com/2012/11/tdd_cycle.jpeg?w=640"/>
+          <p:cNvPicPr>
+            <a:picLocks noChangeAspect="1" noChangeArrowheads="1"/>
+          </p:cNvPicPr>
+          <p:nvPr/>
+        </p:nvPicPr>
+        <p:blipFill>
+          <a:blip r:embed="rId6">
+            <a:extLst>
+              <a:ext uri="{28A0092B-C50C-407E-A947-70E740481C1C}">
+                <a14:useLocalDpi xmlns:a14="http://schemas.microsoft.com/office/drawing/2010/main" val="0"/>
+              </a:ext>
+            </a:extLst>
+          </a:blip>
+          <a:srcRect/>
+          <a:stretch>
+            <a:fillRect/>
+          </a:stretch>
+        </p:blipFill>
+        <p:spPr bwMode="auto">
+          <a:xfrm>
+            <a:off x="533400" y="2347912"/>
+            <a:ext cx="2809875" cy="2809876"/>
+          </a:xfrm>
+          <a:prstGeom prst="rect">
+            <a:avLst/>
+          </a:prstGeom>
+          <a:noFill/>
+          <a:extLst>
+            <a:ext uri="{909E8E84-426E-40DD-AFC4-6F175D3DCCD1}">
+              <a14:hiddenFill xmlns:a14="http://schemas.microsoft.com/office/drawing/2010/main">
+                <a:solidFill>
+                  <a:srgbClr val="FFFFFF"/>
+                </a:solidFill>
+              </a14:hiddenFill>
+            </a:ext>
+          </a:extLst>
+        </p:spPr>
+      </p:pic>
+      <p:pic>
+        <p:nvPicPr>
+          <p:cNvPr id="7174" name="Picture 6" descr="http://assertselenium.files.wordpress.com/2012/11/screen-shot-2012-11-05-at-12-51-39-am.png?w=300&amp;h=258"/>
+          <p:cNvPicPr>
+            <a:picLocks noChangeAspect="1" noChangeArrowheads="1"/>
+          </p:cNvPicPr>
+          <p:nvPr/>
+        </p:nvPicPr>
+        <p:blipFill>
+          <a:blip r:embed="rId7">
+            <a:extLst>
+              <a:ext uri="{28A0092B-C50C-407E-A947-70E740481C1C}">
+                <a14:useLocalDpi xmlns:a14="http://schemas.microsoft.com/office/drawing/2010/main" val="0"/>
+              </a:ext>
+            </a:extLst>
+          </a:blip>
+          <a:srcRect/>
+          <a:stretch>
+            <a:fillRect/>
+          </a:stretch>
+        </p:blipFill>
+        <p:spPr bwMode="auto">
+          <a:xfrm>
+            <a:off x="6305550" y="2524125"/>
+            <a:ext cx="2857500" cy="2457451"/>
+          </a:xfrm>
+          <a:prstGeom prst="rect">
+            <a:avLst/>
+          </a:prstGeom>
+          <a:noFill/>
+          <a:extLst>
+            <a:ext uri="{909E8E84-426E-40DD-AFC4-6F175D3DCCD1}">
+              <a14:hiddenFill xmlns:a14="http://schemas.microsoft.com/office/drawing/2010/main">
+                <a:solidFill>
+                  <a:srgbClr val="FFFFFF"/>
+                </a:solidFill>
+              </a14:hiddenFill>
+            </a:ext>
+          </a:extLst>
+        </p:spPr>
+      </p:pic>
+      <p:sp>
+        <p:nvSpPr>
+          <p:cNvPr id="9" name="Rectangle 4"/>
+          <p:cNvSpPr>
+            <a:spLocks noChangeArrowheads="1"/>
+          </p:cNvSpPr>
+          <p:nvPr>
+            <p:custDataLst>
+              <p:tags r:id="rId2"/>
+            </p:custDataLst>
+          </p:nvPr>
+        </p:nvSpPr>
+        <p:spPr bwMode="auto">
+          <a:xfrm>
+            <a:off x="6965950" y="1831300"/>
+            <a:ext cx="1524000" cy="516612"/>
+          </a:xfrm>
+          <a:prstGeom prst="rect">
+            <a:avLst/>
+          </a:prstGeom>
+          <a:noFill/>
+          <a:ln w="19050">
+            <a:noFill/>
+            <a:miter lim="800000"/>
+            <a:headEnd/>
+            <a:tailEnd/>
+          </a:ln>
+        </p:spPr>
+        <p:txBody>
+          <a:bodyPr wrap="square" lIns="93296" tIns="144000" rIns="93296" bIns="93296">
+            <a:spAutoFit/>
+          </a:bodyPr>
+          <a:lstStyle/>
+          <a:p>
+            <a:pPr algn="ctr" defTabSz="803275">
+              <a:buClr>
+                <a:srgbClr val="FF6600"/>
+              </a:buClr>
+              <a:buSzPct val="125000"/>
+            </a:pPr>
+            <a:r>
+              <a:rPr lang="en-US" dirty="0" smtClean="0">
+                <a:solidFill>
+                  <a:srgbClr val="004080"/>
+                </a:solidFill>
+                <a:cs typeface="Tahoma" charset="0"/>
+              </a:rPr>
+              <a:t>ATDD</a:t>
+            </a:r>
+          </a:p>
+        </p:txBody>
+      </p:sp>
+    </p:spTree>
+    <p:extLst>
+      <p:ext uri="{BB962C8B-B14F-4D97-AF65-F5344CB8AC3E}">
+        <p14:creationId xmlns:p14="http://schemas.microsoft.com/office/powerpoint/2010/main" val="2545315169"/>
+      </p:ext>
+    </p:extLst>
+  </p:cSld>
+  <p:clrMapOvr>
+    <a:masterClrMapping/>
+  </p:clrMapOvr>
+  <mc:AlternateContent xmlns:mc="http://schemas.openxmlformats.org/markup-compatibility/2006" xmlns:p14="http://schemas.microsoft.com/office/powerpoint/2010/main">
+    <mc:Choice Requires="p14">
+      <p:transition p14:dur="0"/>
+    </mc:Choice>
+    <mc:Fallback xmlns="">
+      <p:transition xmlns:p14="http://schemas.microsoft.com/office/powerpoint/2010/main"/>
+    </mc:Fallback>
+  </mc:AlternateContent>
+  <p:timing>
+    <p:tnLst>
+      <p:par>
+        <p:cTn id="1" dur="indefinite" restart="never" nodeType="tmRoot"/>
+      </p:par>
+    </p:tnLst>
+  </p:timing>
+</p:sld>
+</file>
+
+<file path=ppt/slides/slide12.xml><?xml version="1.0" encoding="utf-8"?>
+<p:sld xmlns:a="http://schemas.openxmlformats.org/drawingml/2006/main" xmlns:r="http://schemas.openxmlformats.org/officeDocument/2006/relationships" xmlns:p="http://schemas.openxmlformats.org/presentationml/2006/main">
+  <p:cSld>
+    <p:spTree>
+      <p:nvGrpSpPr>
+        <p:cNvPr id="1" name=""/>
+        <p:cNvGrpSpPr/>
+        <p:nvPr/>
+      </p:nvGrpSpPr>
+      <p:grpSpPr>
+        <a:xfrm>
+          <a:off x="0" y="0"/>
+          <a:ext cx="0" cy="0"/>
+          <a:chOff x="0" y="0"/>
+          <a:chExt cx="0" cy="0"/>
+        </a:xfrm>
+      </p:grpSpPr>
+      <p:sp>
+        <p:nvSpPr>
+          <p:cNvPr id="2" name="Title 1"/>
+          <p:cNvSpPr>
+            <a:spLocks noGrp="1"/>
+          </p:cNvSpPr>
+          <p:nvPr>
+            <p:ph type="title"/>
+          </p:nvPr>
+        </p:nvSpPr>
+        <p:spPr/>
+        <p:txBody>
+          <a:bodyPr/>
+          <a:lstStyle/>
+          <a:p>
+            <a:r>
+              <a:rPr lang="en-US" dirty="0" smtClean="0">
                 <a:solidFill>
                   <a:srgbClr val="161645"/>
                 </a:solidFill>
-                <a:latin typeface="Arial" charset="0"/>
-              </a:rPr>
-              <a:t>Для кого этот тренинг?</a:t>
-            </a:r>
-            <a:endParaRPr lang="ru-RU" dirty="0">
+              </a:rPr>
+              <a:t>BDD</a:t>
+            </a:r>
+            <a:endParaRPr lang="en-US" dirty="0">
               <a:solidFill>
                 <a:srgbClr val="161645"/>
               </a:solidFill>
-              <a:latin typeface="Arial" charset="0"/>
             </a:endParaRPr>
           </a:p>
         </p:txBody>
@@ -17328,348 +19606,22 @@
         </p:nvGrpSpPr>
         <p:grpSpPr>
           <a:xfrm>
-            <a:off x="1362075" y="1988656"/>
-            <a:ext cx="6419850" cy="3229939"/>
-            <a:chOff x="1352550" y="2035583"/>
-            <a:chExt cx="6419850" cy="3229939"/>
+            <a:off x="1852613" y="2315319"/>
+            <a:ext cx="5438775" cy="2227362"/>
+            <a:chOff x="1852613" y="2410473"/>
+            <a:chExt cx="5438775" cy="2227362"/>
           </a:xfrm>
         </p:grpSpPr>
         <p:sp>
           <p:nvSpPr>
-            <p:cNvPr id="15" name="Rectangle 14"/>
-            <p:cNvSpPr/>
-            <p:nvPr/>
-          </p:nvSpPr>
-          <p:spPr>
-            <a:xfrm>
-              <a:off x="2219325" y="4337787"/>
-              <a:ext cx="5553075" cy="895350"/>
-            </a:xfrm>
-            <a:prstGeom prst="rect">
-              <a:avLst/>
-            </a:prstGeom>
-            <a:solidFill>
-              <a:schemeClr val="accent2"/>
-            </a:solidFill>
-            <a:ln>
-              <a:noFill/>
-            </a:ln>
-          </p:spPr>
-          <p:style>
-            <a:lnRef idx="2">
-              <a:schemeClr val="accent1">
-                <a:shade val="50000"/>
-              </a:schemeClr>
-            </a:lnRef>
-            <a:fillRef idx="1">
-              <a:schemeClr val="accent1"/>
-            </a:fillRef>
-            <a:effectRef idx="0">
-              <a:schemeClr val="accent1"/>
-            </a:effectRef>
-            <a:fontRef idx="minor">
-              <a:schemeClr val="lt1"/>
-            </a:fontRef>
-          </p:style>
-          <p:txBody>
-            <a:bodyPr anchor="ctr"/>
-            <a:lstStyle/>
-            <a:p>
-              <a:pPr algn="ctr">
-                <a:defRPr/>
-              </a:pPr>
-              <a:endParaRPr lang="ru-RU" dirty="0"/>
-            </a:p>
-          </p:txBody>
-        </p:sp>
-        <p:sp>
-          <p:nvSpPr>
-            <p:cNvPr id="14" name="Rectangle 13"/>
-            <p:cNvSpPr/>
-            <p:nvPr/>
-          </p:nvSpPr>
-          <p:spPr>
-            <a:xfrm>
-              <a:off x="2219325" y="3199867"/>
-              <a:ext cx="5553075" cy="895350"/>
-            </a:xfrm>
-            <a:prstGeom prst="rect">
-              <a:avLst/>
-            </a:prstGeom>
-            <a:solidFill>
-              <a:schemeClr val="accent2"/>
-            </a:solidFill>
-            <a:ln>
-              <a:noFill/>
-            </a:ln>
-          </p:spPr>
-          <p:style>
-            <a:lnRef idx="2">
-              <a:schemeClr val="accent1">
-                <a:shade val="50000"/>
-              </a:schemeClr>
-            </a:lnRef>
-            <a:fillRef idx="1">
-              <a:schemeClr val="accent1"/>
-            </a:fillRef>
-            <a:effectRef idx="0">
-              <a:schemeClr val="accent1"/>
-            </a:effectRef>
-            <a:fontRef idx="minor">
-              <a:schemeClr val="lt1"/>
-            </a:fontRef>
-          </p:style>
-          <p:txBody>
-            <a:bodyPr anchor="ctr"/>
-            <a:lstStyle/>
-            <a:p>
-              <a:pPr algn="ctr">
-                <a:defRPr/>
-              </a:pPr>
-              <a:endParaRPr lang="ru-RU" dirty="0"/>
-            </a:p>
-          </p:txBody>
-        </p:sp>
-        <p:sp>
-          <p:nvSpPr>
-            <p:cNvPr id="13" name="Rectangle 12"/>
-            <p:cNvSpPr/>
-            <p:nvPr/>
-          </p:nvSpPr>
-          <p:spPr>
-            <a:xfrm>
-              <a:off x="2219325" y="2035583"/>
-              <a:ext cx="5553075" cy="960120"/>
-            </a:xfrm>
-            <a:prstGeom prst="rect">
-              <a:avLst/>
-            </a:prstGeom>
-            <a:solidFill>
-              <a:schemeClr val="accent2"/>
-            </a:solidFill>
-            <a:ln>
-              <a:noFill/>
-            </a:ln>
-          </p:spPr>
-          <p:style>
-            <a:lnRef idx="2">
-              <a:schemeClr val="accent1">
-                <a:shade val="50000"/>
-              </a:schemeClr>
-            </a:lnRef>
-            <a:fillRef idx="1">
-              <a:schemeClr val="accent1"/>
-            </a:fillRef>
-            <a:effectRef idx="0">
-              <a:schemeClr val="accent1"/>
-            </a:effectRef>
-            <a:fontRef idx="minor">
-              <a:schemeClr val="lt1"/>
-            </a:fontRef>
-          </p:style>
-          <p:txBody>
-            <a:bodyPr anchor="ctr"/>
-            <a:lstStyle/>
-            <a:p>
-              <a:pPr algn="ctr">
-                <a:defRPr/>
-              </a:pPr>
-              <a:endParaRPr lang="ru-RU" dirty="0"/>
-            </a:p>
-          </p:txBody>
-        </p:sp>
-        <p:sp>
-          <p:nvSpPr>
-            <p:cNvPr id="4" name="TextBox 3"/>
+            <p:cNvPr id="5" name="TextBox 4"/>
             <p:cNvSpPr txBox="1"/>
             <p:nvPr/>
           </p:nvSpPr>
           <p:spPr>
             <a:xfrm>
-              <a:off x="2219325" y="3167482"/>
-              <a:ext cx="5553075" cy="960120"/>
-            </a:xfrm>
-            <a:prstGeom prst="rect">
-              <a:avLst/>
-            </a:prstGeom>
-            <a:solidFill>
-              <a:schemeClr val="accent2"/>
-            </a:solidFill>
-          </p:spPr>
-          <p:txBody>
-            <a:bodyPr wrap="square" lIns="108000" tIns="108000" rIns="108000" bIns="108000">
-              <a:spAutoFit/>
-            </a:bodyPr>
-            <a:lstStyle>
-              <a:lvl1pPr eaLnBrk="0" hangingPunct="0">
-                <a:defRPr>
-                  <a:solidFill>
-                    <a:schemeClr val="tx1"/>
-                  </a:solidFill>
-                  <a:latin typeface="Arial" charset="0"/>
-                  <a:ea typeface="ＭＳ Ｐゴシック" charset="0"/>
-                  <a:cs typeface="Arial" charset="0"/>
-                </a:defRPr>
-              </a:lvl1pPr>
-              <a:lvl2pPr marL="742950" indent="-285750" eaLnBrk="0" hangingPunct="0">
-                <a:defRPr>
-                  <a:solidFill>
-                    <a:schemeClr val="tx1"/>
-                  </a:solidFill>
-                  <a:latin typeface="Arial" charset="0"/>
-                  <a:ea typeface="Arial" charset="0"/>
-                  <a:cs typeface="Arial" charset="0"/>
-                </a:defRPr>
-              </a:lvl2pPr>
-              <a:lvl3pPr marL="1143000" indent="-228600" eaLnBrk="0" hangingPunct="0">
-                <a:defRPr>
-                  <a:solidFill>
-                    <a:schemeClr val="tx1"/>
-                  </a:solidFill>
-                  <a:latin typeface="Arial" charset="0"/>
-                  <a:ea typeface="Arial" charset="0"/>
-                  <a:cs typeface="Arial" charset="0"/>
-                </a:defRPr>
-              </a:lvl3pPr>
-              <a:lvl4pPr marL="1600200" indent="-228600" eaLnBrk="0" hangingPunct="0">
-                <a:defRPr>
-                  <a:solidFill>
-                    <a:schemeClr val="tx1"/>
-                  </a:solidFill>
-                  <a:latin typeface="Arial" charset="0"/>
-                  <a:ea typeface="Arial" charset="0"/>
-                  <a:cs typeface="Arial" charset="0"/>
-                </a:defRPr>
-              </a:lvl4pPr>
-              <a:lvl5pPr marL="2057400" indent="-228600" eaLnBrk="0" hangingPunct="0">
-                <a:defRPr>
-                  <a:solidFill>
-                    <a:schemeClr val="tx1"/>
-                  </a:solidFill>
-                  <a:latin typeface="Arial" charset="0"/>
-                  <a:ea typeface="Arial" charset="0"/>
-                  <a:cs typeface="Arial" charset="0"/>
-                </a:defRPr>
-              </a:lvl5pPr>
-              <a:lvl6pPr marL="2514600" indent="-228600" eaLnBrk="0" fontAlgn="base" hangingPunct="0">
-                <a:spcBef>
-                  <a:spcPct val="0"/>
-                </a:spcBef>
-                <a:spcAft>
-                  <a:spcPct val="0"/>
-                </a:spcAft>
-                <a:defRPr>
-                  <a:solidFill>
-                    <a:schemeClr val="tx1"/>
-                  </a:solidFill>
-                  <a:latin typeface="Arial" charset="0"/>
-                  <a:ea typeface="Arial" charset="0"/>
-                  <a:cs typeface="Arial" charset="0"/>
-                </a:defRPr>
-              </a:lvl6pPr>
-              <a:lvl7pPr marL="2971800" indent="-228600" eaLnBrk="0" fontAlgn="base" hangingPunct="0">
-                <a:spcBef>
-                  <a:spcPct val="0"/>
-                </a:spcBef>
-                <a:spcAft>
-                  <a:spcPct val="0"/>
-                </a:spcAft>
-                <a:defRPr>
-                  <a:solidFill>
-                    <a:schemeClr val="tx1"/>
-                  </a:solidFill>
-                  <a:latin typeface="Arial" charset="0"/>
-                  <a:ea typeface="Arial" charset="0"/>
-                  <a:cs typeface="Arial" charset="0"/>
-                </a:defRPr>
-              </a:lvl7pPr>
-              <a:lvl8pPr marL="3429000" indent="-228600" eaLnBrk="0" fontAlgn="base" hangingPunct="0">
-                <a:spcBef>
-                  <a:spcPct val="0"/>
-                </a:spcBef>
-                <a:spcAft>
-                  <a:spcPct val="0"/>
-                </a:spcAft>
-                <a:defRPr>
-                  <a:solidFill>
-                    <a:schemeClr val="tx1"/>
-                  </a:solidFill>
-                  <a:latin typeface="Arial" charset="0"/>
-                  <a:ea typeface="Arial" charset="0"/>
-                  <a:cs typeface="Arial" charset="0"/>
-                </a:defRPr>
-              </a:lvl8pPr>
-              <a:lvl9pPr marL="3886200" indent="-228600" eaLnBrk="0" fontAlgn="base" hangingPunct="0">
-                <a:spcBef>
-                  <a:spcPct val="0"/>
-                </a:spcBef>
-                <a:spcAft>
-                  <a:spcPct val="0"/>
-                </a:spcAft>
-                <a:defRPr>
-                  <a:solidFill>
-                    <a:schemeClr val="tx1"/>
-                  </a:solidFill>
-                  <a:latin typeface="Arial" charset="0"/>
-                  <a:ea typeface="Arial" charset="0"/>
-                  <a:cs typeface="Arial" charset="0"/>
-                </a:defRPr>
-              </a:lvl9pPr>
-            </a:lstStyle>
-            <a:p>
-              <a:pPr eaLnBrk="1" hangingPunct="1">
-                <a:buClr>
-                  <a:srgbClr val="FF6600"/>
-                </a:buClr>
-                <a:buSzPct val="125000"/>
-              </a:pPr>
-              <a:r>
-                <a:rPr lang="en-US" b="1" dirty="0" smtClean="0">
-                  <a:solidFill>
-                    <a:srgbClr val="004080"/>
-                  </a:solidFill>
-                </a:rPr>
-                <a:t>Intermediate</a:t>
-              </a:r>
-              <a:endParaRPr lang="en-US" dirty="0" smtClean="0">
-                <a:solidFill>
-                  <a:srgbClr val="004080"/>
-                </a:solidFill>
-              </a:endParaRPr>
-            </a:p>
-            <a:p>
-              <a:pPr eaLnBrk="1" hangingPunct="1">
-                <a:buClr>
-                  <a:srgbClr val="FF6600"/>
-                </a:buClr>
-                <a:buSzPct val="125000"/>
-              </a:pPr>
-              <a:r>
-                <a:rPr lang="ru-RU" dirty="0" smtClean="0">
-                  <a:solidFill>
-                    <a:srgbClr val="004080"/>
-                  </a:solidFill>
-                </a:rPr>
-                <a:t>Поможет лучше всё структурировать в голове и объяснять коллегам</a:t>
-              </a:r>
-              <a:endParaRPr lang="ru-RU" dirty="0">
-                <a:solidFill>
-                  <a:srgbClr val="004080"/>
-                </a:solidFill>
-              </a:endParaRPr>
-            </a:p>
-          </p:txBody>
-        </p:sp>
-        <p:sp>
-          <p:nvSpPr>
-            <p:cNvPr id="6" name="TextBox 5"/>
-            <p:cNvSpPr txBox="1"/>
-            <p:nvPr/>
-          </p:nvSpPr>
-          <p:spPr>
-            <a:xfrm>
-              <a:off x="2286000" y="2129590"/>
-              <a:ext cx="5438775" cy="772107"/>
+              <a:off x="1852613" y="2410473"/>
+              <a:ext cx="5438775" cy="495108"/>
             </a:xfrm>
             <a:prstGeom prst="rect">
               <a:avLst/>
@@ -17806,49 +19758,12 @@
                 <a:buSzPct val="125000"/>
               </a:pPr>
               <a:r>
-                <a:rPr lang="de-DE" b="1" dirty="0" smtClean="0">
-                  <a:solidFill>
-                    <a:srgbClr val="004080"/>
-                  </a:solidFill>
-                </a:rPr>
-                <a:t>Beginner</a:t>
-              </a:r>
-              <a:endParaRPr lang="ru-RU" b="1" dirty="0" smtClean="0">
-                <a:solidFill>
-                  <a:srgbClr val="004080"/>
-                </a:solidFill>
-              </a:endParaRPr>
-            </a:p>
-            <a:p>
-              <a:pPr eaLnBrk="1" hangingPunct="1">
-                <a:buClr>
-                  <a:srgbClr val="FF6600"/>
-                </a:buClr>
-                <a:buSzPct val="125000"/>
-              </a:pPr>
-              <a:r>
                 <a:rPr lang="ru-RU" dirty="0" smtClean="0">
                   <a:solidFill>
                     <a:srgbClr val="004080"/>
                   </a:solidFill>
                 </a:rPr>
-                <a:t>Хорошая</a:t>
-              </a:r>
-              <a:r>
-                <a:rPr lang="de-DE" dirty="0" smtClean="0">
-                  <a:solidFill>
-                    <a:srgbClr val="004080"/>
-                  </a:solidFill>
-                </a:rPr>
-                <a:t> </a:t>
-              </a:r>
-              <a:r>
-                <a:rPr lang="ru-RU" dirty="0" smtClean="0">
-                  <a:solidFill>
-                    <a:srgbClr val="004080"/>
-                  </a:solidFill>
-                </a:rPr>
-                <a:t>точка входа</a:t>
+                <a:t>Спецификация</a:t>
               </a:r>
               <a:endParaRPr lang="ru-RU" dirty="0">
                 <a:solidFill>
@@ -17860,14 +19775,14 @@
         </p:sp>
         <p:sp>
           <p:nvSpPr>
-            <p:cNvPr id="8" name="TextBox 7"/>
+            <p:cNvPr id="6" name="TextBox 5"/>
             <p:cNvSpPr txBox="1"/>
             <p:nvPr/>
           </p:nvSpPr>
           <p:spPr>
             <a:xfrm>
-              <a:off x="2219326" y="4305402"/>
-              <a:ext cx="5505450" cy="960120"/>
+              <a:off x="1852613" y="3276600"/>
+              <a:ext cx="5438775" cy="495108"/>
             </a:xfrm>
             <a:prstGeom prst="rect">
               <a:avLst/>
@@ -17877,7 +19792,7 @@
             </a:solidFill>
           </p:spPr>
           <p:txBody>
-            <a:bodyPr wrap="square" lIns="108000" tIns="108000" rIns="108000" bIns="108000">
+            <a:bodyPr lIns="108000" tIns="108000" rIns="108000" bIns="108000">
               <a:spAutoFit/>
             </a:bodyPr>
             <a:lstStyle>
@@ -18004,19 +19919,159 @@
                 <a:buSzPct val="125000"/>
               </a:pPr>
               <a:r>
-                <a:rPr lang="en-US" b="1" dirty="0" smtClean="0">
+                <a:rPr lang="ru-RU" dirty="0" smtClean="0">
                   <a:solidFill>
                     <a:srgbClr val="004080"/>
                   </a:solidFill>
                 </a:rPr>
-                <a:t>Advanced </a:t>
+                <a:t>Тесты</a:t>
               </a:r>
-              <a:endParaRPr lang="ru-RU" b="1" dirty="0" smtClean="0">
+              <a:endParaRPr lang="ru-RU" dirty="0">
                 <a:solidFill>
                   <a:srgbClr val="004080"/>
                 </a:solidFill>
               </a:endParaRPr>
             </a:p>
+          </p:txBody>
+        </p:sp>
+        <p:sp>
+          <p:nvSpPr>
+            <p:cNvPr id="7" name="TextBox 6"/>
+            <p:cNvSpPr txBox="1"/>
+            <p:nvPr/>
+          </p:nvSpPr>
+          <p:spPr>
+            <a:xfrm>
+              <a:off x="1852613" y="4142727"/>
+              <a:ext cx="5438775" cy="495108"/>
+            </a:xfrm>
+            <a:prstGeom prst="rect">
+              <a:avLst/>
+            </a:prstGeom>
+            <a:solidFill>
+              <a:schemeClr val="accent2"/>
+            </a:solidFill>
+          </p:spPr>
+          <p:txBody>
+            <a:bodyPr lIns="108000" tIns="108000" rIns="108000" bIns="108000">
+              <a:spAutoFit/>
+            </a:bodyPr>
+            <a:lstStyle>
+              <a:lvl1pPr eaLnBrk="0" hangingPunct="0">
+                <a:defRPr>
+                  <a:solidFill>
+                    <a:schemeClr val="tx1"/>
+                  </a:solidFill>
+                  <a:latin typeface="Arial" charset="0"/>
+                  <a:ea typeface="ＭＳ Ｐゴシック" charset="0"/>
+                  <a:cs typeface="Arial" charset="0"/>
+                </a:defRPr>
+              </a:lvl1pPr>
+              <a:lvl2pPr marL="742950" indent="-285750" eaLnBrk="0" hangingPunct="0">
+                <a:defRPr>
+                  <a:solidFill>
+                    <a:schemeClr val="tx1"/>
+                  </a:solidFill>
+                  <a:latin typeface="Arial" charset="0"/>
+                  <a:ea typeface="Arial" charset="0"/>
+                  <a:cs typeface="Arial" charset="0"/>
+                </a:defRPr>
+              </a:lvl2pPr>
+              <a:lvl3pPr marL="1143000" indent="-228600" eaLnBrk="0" hangingPunct="0">
+                <a:defRPr>
+                  <a:solidFill>
+                    <a:schemeClr val="tx1"/>
+                  </a:solidFill>
+                  <a:latin typeface="Arial" charset="0"/>
+                  <a:ea typeface="Arial" charset="0"/>
+                  <a:cs typeface="Arial" charset="0"/>
+                </a:defRPr>
+              </a:lvl3pPr>
+              <a:lvl4pPr marL="1600200" indent="-228600" eaLnBrk="0" hangingPunct="0">
+                <a:defRPr>
+                  <a:solidFill>
+                    <a:schemeClr val="tx1"/>
+                  </a:solidFill>
+                  <a:latin typeface="Arial" charset="0"/>
+                  <a:ea typeface="Arial" charset="0"/>
+                  <a:cs typeface="Arial" charset="0"/>
+                </a:defRPr>
+              </a:lvl4pPr>
+              <a:lvl5pPr marL="2057400" indent="-228600" eaLnBrk="0" hangingPunct="0">
+                <a:defRPr>
+                  <a:solidFill>
+                    <a:schemeClr val="tx1"/>
+                  </a:solidFill>
+                  <a:latin typeface="Arial" charset="0"/>
+                  <a:ea typeface="Arial" charset="0"/>
+                  <a:cs typeface="Arial" charset="0"/>
+                </a:defRPr>
+              </a:lvl5pPr>
+              <a:lvl6pPr marL="2514600" indent="-228600" eaLnBrk="0" fontAlgn="base" hangingPunct="0">
+                <a:spcBef>
+                  <a:spcPct val="0"/>
+                </a:spcBef>
+                <a:spcAft>
+                  <a:spcPct val="0"/>
+                </a:spcAft>
+                <a:defRPr>
+                  <a:solidFill>
+                    <a:schemeClr val="tx1"/>
+                  </a:solidFill>
+                  <a:latin typeface="Arial" charset="0"/>
+                  <a:ea typeface="Arial" charset="0"/>
+                  <a:cs typeface="Arial" charset="0"/>
+                </a:defRPr>
+              </a:lvl6pPr>
+              <a:lvl7pPr marL="2971800" indent="-228600" eaLnBrk="0" fontAlgn="base" hangingPunct="0">
+                <a:spcBef>
+                  <a:spcPct val="0"/>
+                </a:spcBef>
+                <a:spcAft>
+                  <a:spcPct val="0"/>
+                </a:spcAft>
+                <a:defRPr>
+                  <a:solidFill>
+                    <a:schemeClr val="tx1"/>
+                  </a:solidFill>
+                  <a:latin typeface="Arial" charset="0"/>
+                  <a:ea typeface="Arial" charset="0"/>
+                  <a:cs typeface="Arial" charset="0"/>
+                </a:defRPr>
+              </a:lvl7pPr>
+              <a:lvl8pPr marL="3429000" indent="-228600" eaLnBrk="0" fontAlgn="base" hangingPunct="0">
+                <a:spcBef>
+                  <a:spcPct val="0"/>
+                </a:spcBef>
+                <a:spcAft>
+                  <a:spcPct val="0"/>
+                </a:spcAft>
+                <a:defRPr>
+                  <a:solidFill>
+                    <a:schemeClr val="tx1"/>
+                  </a:solidFill>
+                  <a:latin typeface="Arial" charset="0"/>
+                  <a:ea typeface="Arial" charset="0"/>
+                  <a:cs typeface="Arial" charset="0"/>
+                </a:defRPr>
+              </a:lvl8pPr>
+              <a:lvl9pPr marL="3886200" indent="-228600" eaLnBrk="0" fontAlgn="base" hangingPunct="0">
+                <a:spcBef>
+                  <a:spcPct val="0"/>
+                </a:spcBef>
+                <a:spcAft>
+                  <a:spcPct val="0"/>
+                </a:spcAft>
+                <a:defRPr>
+                  <a:solidFill>
+                    <a:schemeClr val="tx1"/>
+                  </a:solidFill>
+                  <a:latin typeface="Arial" charset="0"/>
+                  <a:ea typeface="Arial" charset="0"/>
+                  <a:cs typeface="Arial" charset="0"/>
+                </a:defRPr>
+              </a:lvl9pPr>
+            </a:lstStyle>
             <a:p>
               <a:pPr eaLnBrk="1" hangingPunct="1">
                 <a:buClr>
@@ -18030,55 +20085,7 @@
                     <a:srgbClr val="004080"/>
                   </a:solidFill>
                 </a:rPr>
-                <a:t>Можно использовать для</a:t>
-              </a:r>
-              <a:r>
-                <a:rPr lang="en-US" dirty="0" smtClean="0">
-                  <a:solidFill>
-                    <a:srgbClr val="004080"/>
-                  </a:solidFill>
-                </a:rPr>
-                <a:t> </a:t>
-              </a:r>
-              <a:r>
-                <a:rPr lang="ru-RU" dirty="0" smtClean="0">
-                  <a:solidFill>
-                    <a:srgbClr val="004080"/>
-                  </a:solidFill>
-                </a:rPr>
-                <a:t>обучения</a:t>
-              </a:r>
-              <a:r>
-                <a:rPr lang="en-US" dirty="0" smtClean="0">
-                  <a:solidFill>
-                    <a:srgbClr val="004080"/>
-                  </a:solidFill>
-                </a:rPr>
-                <a:t> </a:t>
-              </a:r>
-              <a:r>
-                <a:rPr lang="ru-RU" dirty="0" smtClean="0">
-                  <a:solidFill>
-                    <a:srgbClr val="004080"/>
-                  </a:solidFill>
-                </a:rPr>
-                <a:t>и</a:t>
-              </a:r>
-              <a:r>
-                <a:rPr lang="en-US" dirty="0" smtClean="0">
-                  <a:solidFill>
-                    <a:srgbClr val="004080"/>
-                  </a:solidFill>
-                </a:rPr>
-                <a:t> </a:t>
-              </a:r>
-              <a:r>
-                <a:rPr lang="ru-RU" dirty="0" smtClean="0">
-                  <a:solidFill>
-                    <a:srgbClr val="004080"/>
-                  </a:solidFill>
-                </a:rPr>
-                <a:t>проверки других</a:t>
+                <a:t>Документация</a:t>
               </a:r>
               <a:endParaRPr lang="ru-RU" dirty="0">
                 <a:solidFill>
@@ -18088,210 +20095,1935 @@
             </a:p>
           </p:txBody>
         </p:sp>
-        <p:sp>
-          <p:nvSpPr>
-            <p:cNvPr id="16" name="Rectangle 15"/>
-            <p:cNvSpPr/>
-            <p:nvPr/>
-          </p:nvSpPr>
-          <p:spPr>
-            <a:xfrm>
-              <a:off x="1352550" y="4305402"/>
-              <a:ext cx="752475" cy="960120"/>
-            </a:xfrm>
-            <a:prstGeom prst="rect">
-              <a:avLst/>
-            </a:prstGeom>
-            <a:solidFill>
-              <a:schemeClr val="accent3"/>
-            </a:solidFill>
-            <a:ln>
-              <a:noFill/>
-            </a:ln>
-          </p:spPr>
-          <p:style>
-            <a:lnRef idx="2">
-              <a:schemeClr val="accent1">
-                <a:shade val="50000"/>
-              </a:schemeClr>
-            </a:lnRef>
-            <a:fillRef idx="1">
-              <a:schemeClr val="accent1"/>
-            </a:fillRef>
-            <a:effectRef idx="0">
-              <a:schemeClr val="accent1"/>
-            </a:effectRef>
-            <a:fontRef idx="minor">
-              <a:schemeClr val="lt1"/>
-            </a:fontRef>
-          </p:style>
-          <p:txBody>
-            <a:bodyPr anchor="ctr"/>
-            <a:lstStyle/>
-            <a:p>
-              <a:pPr algn="ctr">
-                <a:defRPr/>
-              </a:pPr>
-              <a:r>
-                <a:rPr lang="ru-RU" sz="5400" b="1" dirty="0"/>
-                <a:t>3</a:t>
-              </a:r>
-            </a:p>
-          </p:txBody>
-        </p:sp>
-        <p:sp>
-          <p:nvSpPr>
-            <p:cNvPr id="17" name="Rectangle 16"/>
-            <p:cNvSpPr/>
-            <p:nvPr/>
-          </p:nvSpPr>
-          <p:spPr>
-            <a:xfrm>
-              <a:off x="1352550" y="3167482"/>
-              <a:ext cx="752475" cy="960120"/>
-            </a:xfrm>
-            <a:prstGeom prst="rect">
-              <a:avLst/>
-            </a:prstGeom>
-            <a:solidFill>
-              <a:schemeClr val="accent3"/>
-            </a:solidFill>
-            <a:ln>
-              <a:noFill/>
-            </a:ln>
-          </p:spPr>
-          <p:style>
-            <a:lnRef idx="2">
-              <a:schemeClr val="accent1">
-                <a:shade val="50000"/>
-              </a:schemeClr>
-            </a:lnRef>
-            <a:fillRef idx="1">
-              <a:schemeClr val="accent1"/>
-            </a:fillRef>
-            <a:effectRef idx="0">
-              <a:schemeClr val="accent1"/>
-            </a:effectRef>
-            <a:fontRef idx="minor">
-              <a:schemeClr val="lt1"/>
-            </a:fontRef>
-          </p:style>
-          <p:txBody>
-            <a:bodyPr anchor="ctr"/>
-            <a:lstStyle/>
-            <a:p>
-              <a:pPr algn="ctr">
-                <a:defRPr/>
-              </a:pPr>
-              <a:r>
-                <a:rPr lang="ru-RU" sz="5400" b="1" dirty="0"/>
-                <a:t>2</a:t>
-              </a:r>
-            </a:p>
-          </p:txBody>
-        </p:sp>
-        <p:sp>
-          <p:nvSpPr>
-            <p:cNvPr id="18" name="Rectangle 17"/>
-            <p:cNvSpPr/>
-            <p:nvPr/>
-          </p:nvSpPr>
-          <p:spPr>
-            <a:xfrm>
-              <a:off x="1352550" y="2035583"/>
-              <a:ext cx="752475" cy="960120"/>
-            </a:xfrm>
-            <a:prstGeom prst="rect">
-              <a:avLst/>
-            </a:prstGeom>
-            <a:solidFill>
-              <a:schemeClr val="accent3"/>
-            </a:solidFill>
-            <a:ln>
-              <a:noFill/>
-            </a:ln>
-          </p:spPr>
-          <p:style>
-            <a:lnRef idx="2">
-              <a:schemeClr val="accent1">
-                <a:shade val="50000"/>
-              </a:schemeClr>
-            </a:lnRef>
-            <a:fillRef idx="1">
-              <a:schemeClr val="accent1"/>
-            </a:fillRef>
-            <a:effectRef idx="0">
-              <a:schemeClr val="accent1"/>
-            </a:effectRef>
-            <a:fontRef idx="minor">
-              <a:schemeClr val="lt1"/>
-            </a:fontRef>
-          </p:style>
-          <p:txBody>
-            <a:bodyPr anchor="ctr"/>
-            <a:lstStyle/>
-            <a:p>
-              <a:pPr algn="ctr">
-                <a:defRPr/>
-              </a:pPr>
-              <a:r>
-                <a:rPr lang="ru-RU" sz="5400" b="1" dirty="0"/>
-                <a:t>1</a:t>
-              </a:r>
-            </a:p>
-          </p:txBody>
-        </p:sp>
       </p:grpSp>
       <p:sp>
         <p:nvSpPr>
-          <p:cNvPr id="5" name="TextBox 4"/>
-          <p:cNvSpPr txBox="1"/>
+          <p:cNvPr id="9" name="Rectangle 8"/>
+          <p:cNvSpPr/>
           <p:nvPr/>
         </p:nvSpPr>
         <p:spPr>
           <a:xfrm>
-            <a:off x="8731250" y="6683375"/>
-            <a:ext cx="184666" cy="369332"/>
+            <a:off x="1600200" y="1243489"/>
+            <a:ext cx="5789405" cy="369332"/>
           </a:xfrm>
           <a:prstGeom prst="rect">
             <a:avLst/>
           </a:prstGeom>
-          <a:noFill/>
         </p:spPr>
         <p:txBody>
-          <a:bodyPr wrap="none" rtlCol="0">
+          <a:bodyPr wrap="none">
             <a:spAutoFit/>
           </a:bodyPr>
           <a:lstStyle/>
           <a:p>
-            <a:endParaRPr lang="en-US" dirty="0"/>
+            <a:r>
+              <a:rPr lang="en-US" dirty="0"/>
+              <a:t>DDD-Domain Driven </a:t>
+            </a:r>
+            <a:r>
+              <a:rPr lang="en-US" dirty="0" smtClean="0"/>
+              <a:t>Testing + DSL + GIVEN / WHEN / THEN</a:t>
+            </a:r>
+            <a:endParaRPr lang="ru-RU" dirty="0"/>
           </a:p>
         </p:txBody>
       </p:sp>
     </p:spTree>
     <p:extLst>
       <p:ext uri="{BB962C8B-B14F-4D97-AF65-F5344CB8AC3E}">
-        <p14:creationId xmlns:p14="http://schemas.microsoft.com/office/powerpoint/2010/main" val="1987314718"/>
+        <p14:creationId xmlns:p14="http://schemas.microsoft.com/office/powerpoint/2010/main" val="3907799027"/>
       </p:ext>
     </p:extLst>
   </p:cSld>
   <p:clrMapOvr>
     <a:masterClrMapping/>
   </p:clrMapOvr>
-  <p:transition xmlns:p14="http://schemas.microsoft.com/office/powerpoint/2010/main" spd="slow">
-    <p:fade/>
-  </p:transition>
+  <mc:AlternateContent xmlns:mc="http://schemas.openxmlformats.org/markup-compatibility/2006" xmlns:p14="http://schemas.microsoft.com/office/powerpoint/2010/main">
+    <mc:Choice Requires="p14">
+      <p:transition p14:dur="0"/>
+    </mc:Choice>
+    <mc:Fallback xmlns="">
+      <p:transition xmlns:p14="http://schemas.microsoft.com/office/powerpoint/2010/main"/>
+    </mc:Fallback>
+  </mc:AlternateContent>
   <p:timing>
     <p:tnLst>
       <p:par>
-        <p:cTn xmlns:p14="http://schemas.microsoft.com/office/powerpoint/2010/main" id="1" dur="indefinite" restart="never" nodeType="tmRoot"/>
+        <p:cTn id="1" dur="indefinite" restart="never" nodeType="tmRoot"/>
       </p:par>
     </p:tnLst>
   </p:timing>
 </p:sld>
 </file>
 
-<file path=ppt/slides/slide3.xml><?xml version="1.0" encoding="utf-8"?>
+<file path=ppt/slides/slide13.xml><?xml version="1.0" encoding="utf-8"?>
+<p:sld xmlns:a="http://schemas.openxmlformats.org/drawingml/2006/main" xmlns:r="http://schemas.openxmlformats.org/officeDocument/2006/relationships" xmlns:p="http://schemas.openxmlformats.org/presentationml/2006/main">
+  <p:cSld>
+    <p:spTree>
+      <p:nvGrpSpPr>
+        <p:cNvPr id="1" name=""/>
+        <p:cNvGrpSpPr/>
+        <p:nvPr/>
+      </p:nvGrpSpPr>
+      <p:grpSpPr>
+        <a:xfrm>
+          <a:off x="0" y="0"/>
+          <a:ext cx="0" cy="0"/>
+          <a:chOff x="0" y="0"/>
+          <a:chExt cx="0" cy="0"/>
+        </a:xfrm>
+      </p:grpSpPr>
+      <p:sp>
+        <p:nvSpPr>
+          <p:cNvPr id="3" name="Title 2"/>
+          <p:cNvSpPr>
+            <a:spLocks noGrp="1"/>
+          </p:cNvSpPr>
+          <p:nvPr>
+            <p:ph type="title"/>
+          </p:nvPr>
+        </p:nvSpPr>
+        <p:spPr/>
+        <p:txBody>
+          <a:bodyPr/>
+          <a:lstStyle/>
+          <a:p>
+            <a:r>
+              <a:rPr lang="en-US" dirty="0" smtClean="0"/>
+              <a:t>Kiwi</a:t>
+            </a:r>
+            <a:endParaRPr lang="en-US" dirty="0"/>
+          </a:p>
+        </p:txBody>
+      </p:sp>
+      <p:sp>
+        <p:nvSpPr>
+          <p:cNvPr id="8" name="Rectangle 7"/>
+          <p:cNvSpPr/>
+          <p:nvPr/>
+        </p:nvSpPr>
+        <p:spPr>
+          <a:xfrm>
+            <a:off x="444500" y="863600"/>
+            <a:ext cx="9982200" cy="6340195"/>
+          </a:xfrm>
+          <a:prstGeom prst="rect">
+            <a:avLst/>
+          </a:prstGeom>
+        </p:spPr>
+        <p:txBody>
+          <a:bodyPr wrap="square">
+            <a:spAutoFit/>
+          </a:bodyPr>
+          <a:lstStyle/>
+          <a:p>
+            <a:r>
+              <a:rPr lang="en-US" sz="1400" dirty="0">
+                <a:solidFill>
+                  <a:srgbClr val="26474B"/>
+                </a:solidFill>
+                <a:latin typeface="Menlo-Regular"/>
+              </a:rPr>
+              <a:t>describe</a:t>
+            </a:r>
+            <a:r>
+              <a:rPr lang="en-US" sz="1400" dirty="0">
+                <a:solidFill>
+                  <a:srgbClr val="000000"/>
+                </a:solidFill>
+                <a:latin typeface="Menlo-Regular"/>
+              </a:rPr>
+              <a:t>(</a:t>
+            </a:r>
+            <a:r>
+              <a:rPr lang="en-US" sz="1400" dirty="0">
+                <a:solidFill>
+                  <a:srgbClr val="C41A16"/>
+                </a:solidFill>
+                <a:latin typeface="Menlo-Regular"/>
+              </a:rPr>
+              <a:t>@"</a:t>
+            </a:r>
+            <a:r>
+              <a:rPr lang="en-US" sz="1400" dirty="0" err="1">
+                <a:solidFill>
+                  <a:srgbClr val="C41A16"/>
+                </a:solidFill>
+                <a:latin typeface="Menlo-Regular"/>
+              </a:rPr>
+              <a:t>BowlingGame</a:t>
+            </a:r>
+            <a:r>
+              <a:rPr lang="en-US" sz="1400" dirty="0">
+                <a:solidFill>
+                  <a:srgbClr val="C41A16"/>
+                </a:solidFill>
+                <a:latin typeface="Menlo-Regular"/>
+              </a:rPr>
+              <a:t>"</a:t>
+            </a:r>
+            <a:r>
+              <a:rPr lang="en-US" sz="1400" dirty="0">
+                <a:solidFill>
+                  <a:srgbClr val="000000"/>
+                </a:solidFill>
+                <a:latin typeface="Menlo-Regular"/>
+              </a:rPr>
+              <a:t>, ^{</a:t>
+            </a:r>
+          </a:p>
+          <a:p>
+            <a:endParaRPr lang="en-US" sz="1400" dirty="0">
+              <a:solidFill>
+                <a:srgbClr val="000000"/>
+              </a:solidFill>
+              <a:latin typeface="Menlo-Regular"/>
+            </a:endParaRPr>
+          </a:p>
+          <a:p>
+            <a:r>
+              <a:rPr lang="en-US" sz="1400" dirty="0">
+                <a:solidFill>
+                  <a:srgbClr val="000000"/>
+                </a:solidFill>
+                <a:latin typeface="Menlo-Regular"/>
+              </a:rPr>
+              <a:t>    </a:t>
+            </a:r>
+            <a:r>
+              <a:rPr lang="en-US" sz="1400" dirty="0">
+                <a:solidFill>
+                  <a:srgbClr val="26474B"/>
+                </a:solidFill>
+                <a:latin typeface="Menlo-Regular"/>
+              </a:rPr>
+              <a:t>it</a:t>
+            </a:r>
+            <a:r>
+              <a:rPr lang="en-US" sz="1400" dirty="0">
+                <a:solidFill>
+                  <a:srgbClr val="000000"/>
+                </a:solidFill>
+                <a:latin typeface="Menlo-Regular"/>
+              </a:rPr>
+              <a:t>(</a:t>
+            </a:r>
+            <a:r>
+              <a:rPr lang="en-US" sz="1400" dirty="0">
+                <a:solidFill>
+                  <a:srgbClr val="C41A16"/>
+                </a:solidFill>
+                <a:latin typeface="Menlo-Regular"/>
+              </a:rPr>
+              <a:t>@"should score zero on gutter game"</a:t>
+            </a:r>
+            <a:r>
+              <a:rPr lang="en-US" sz="1400" dirty="0">
+                <a:solidFill>
+                  <a:srgbClr val="000000"/>
+                </a:solidFill>
+                <a:latin typeface="Menlo-Regular"/>
+              </a:rPr>
+              <a:t>, ^{</a:t>
+            </a:r>
+          </a:p>
+          <a:p>
+            <a:r>
+              <a:rPr lang="en-US" sz="1400" dirty="0">
+                <a:solidFill>
+                  <a:srgbClr val="000000"/>
+                </a:solidFill>
+                <a:latin typeface="Menlo-Regular"/>
+              </a:rPr>
+              <a:t>        </a:t>
+            </a:r>
+            <a:r>
+              <a:rPr lang="en-US" sz="1400" dirty="0" err="1">
+                <a:solidFill>
+                  <a:srgbClr val="000000"/>
+                </a:solidFill>
+                <a:latin typeface="Menlo-Regular"/>
+              </a:rPr>
+              <a:t>rollMany</a:t>
+            </a:r>
+            <a:r>
+              <a:rPr lang="en-US" sz="1400" dirty="0">
+                <a:solidFill>
+                  <a:srgbClr val="000000"/>
+                </a:solidFill>
+                <a:latin typeface="Menlo-Regular"/>
+              </a:rPr>
+              <a:t>(</a:t>
+            </a:r>
+            <a:r>
+              <a:rPr lang="en-US" sz="1400" dirty="0">
+                <a:solidFill>
+                  <a:srgbClr val="1C00CF"/>
+                </a:solidFill>
+                <a:latin typeface="Menlo-Regular"/>
+              </a:rPr>
+              <a:t>20</a:t>
+            </a:r>
+            <a:r>
+              <a:rPr lang="en-US" sz="1400" dirty="0">
+                <a:solidFill>
+                  <a:srgbClr val="000000"/>
+                </a:solidFill>
+                <a:latin typeface="Menlo-Regular"/>
+              </a:rPr>
+              <a:t>, </a:t>
+            </a:r>
+            <a:r>
+              <a:rPr lang="en-US" sz="1400" dirty="0">
+                <a:solidFill>
+                  <a:srgbClr val="1C00CF"/>
+                </a:solidFill>
+                <a:latin typeface="Menlo-Regular"/>
+              </a:rPr>
+              <a:t>0</a:t>
+            </a:r>
+            <a:r>
+              <a:rPr lang="en-US" sz="1400" dirty="0">
+                <a:solidFill>
+                  <a:srgbClr val="000000"/>
+                </a:solidFill>
+                <a:latin typeface="Menlo-Regular"/>
+              </a:rPr>
+              <a:t>);</a:t>
+            </a:r>
+          </a:p>
+          <a:p>
+            <a:r>
+              <a:rPr lang="en-US" sz="1400" dirty="0">
+                <a:solidFill>
+                  <a:srgbClr val="000000"/>
+                </a:solidFill>
+                <a:latin typeface="Menlo-Regular"/>
+              </a:rPr>
+              <a:t>        [[</a:t>
+            </a:r>
+            <a:r>
+              <a:rPr lang="en-US" sz="1400" dirty="0" err="1">
+                <a:solidFill>
+                  <a:srgbClr val="643820"/>
+                </a:solidFill>
+                <a:latin typeface="Menlo-Regular"/>
+              </a:rPr>
+              <a:t>theValue</a:t>
+            </a:r>
+            <a:r>
+              <a:rPr lang="en-US" sz="1400" dirty="0">
+                <a:solidFill>
+                  <a:srgbClr val="000000"/>
+                </a:solidFill>
+                <a:latin typeface="Menlo-Regular"/>
+              </a:rPr>
+              <a:t>([game </a:t>
+            </a:r>
+            <a:r>
+              <a:rPr lang="en-US" sz="1400" dirty="0">
+                <a:solidFill>
+                  <a:srgbClr val="26474B"/>
+                </a:solidFill>
+                <a:latin typeface="Menlo-Regular"/>
+              </a:rPr>
+              <a:t>score</a:t>
+            </a:r>
+            <a:r>
+              <a:rPr lang="en-US" sz="1400" dirty="0">
+                <a:solidFill>
+                  <a:srgbClr val="000000"/>
+                </a:solidFill>
+                <a:latin typeface="Menlo-Regular"/>
+              </a:rPr>
+              <a:t>]) </a:t>
+            </a:r>
+            <a:r>
+              <a:rPr lang="en-US" sz="1400" dirty="0">
+                <a:solidFill>
+                  <a:srgbClr val="643820"/>
+                </a:solidFill>
+                <a:latin typeface="Menlo-Regular"/>
+              </a:rPr>
+              <a:t>should</a:t>
+            </a:r>
+            <a:r>
+              <a:rPr lang="en-US" sz="1400" dirty="0">
+                <a:solidFill>
+                  <a:srgbClr val="000000"/>
+                </a:solidFill>
+                <a:latin typeface="Menlo-Regular"/>
+              </a:rPr>
+              <a:t>] </a:t>
+            </a:r>
+            <a:r>
+              <a:rPr lang="en-US" sz="1400" dirty="0" err="1">
+                <a:solidFill>
+                  <a:srgbClr val="26474B"/>
+                </a:solidFill>
+                <a:latin typeface="Menlo-Regular"/>
+              </a:rPr>
+              <a:t>equal</a:t>
+            </a:r>
+            <a:r>
+              <a:rPr lang="en-US" sz="1400" dirty="0" err="1">
+                <a:solidFill>
+                  <a:srgbClr val="000000"/>
+                </a:solidFill>
+                <a:latin typeface="Menlo-Regular"/>
+              </a:rPr>
+              <a:t>:</a:t>
+            </a:r>
+            <a:r>
+              <a:rPr lang="en-US" sz="1400" dirty="0" err="1">
+                <a:solidFill>
+                  <a:srgbClr val="643820"/>
+                </a:solidFill>
+                <a:latin typeface="Menlo-Regular"/>
+              </a:rPr>
+              <a:t>theValue</a:t>
+            </a:r>
+            <a:r>
+              <a:rPr lang="en-US" sz="1400" dirty="0">
+                <a:solidFill>
+                  <a:srgbClr val="000000"/>
+                </a:solidFill>
+                <a:latin typeface="Menlo-Regular"/>
+              </a:rPr>
+              <a:t>(</a:t>
+            </a:r>
+            <a:r>
+              <a:rPr lang="en-US" sz="1400" dirty="0">
+                <a:solidFill>
+                  <a:srgbClr val="1C00CF"/>
+                </a:solidFill>
+                <a:latin typeface="Menlo-Regular"/>
+              </a:rPr>
+              <a:t>0</a:t>
+            </a:r>
+            <a:r>
+              <a:rPr lang="en-US" sz="1400" dirty="0">
+                <a:solidFill>
+                  <a:srgbClr val="000000"/>
+                </a:solidFill>
+                <a:latin typeface="Menlo-Regular"/>
+              </a:rPr>
+              <a:t>)];</a:t>
+            </a:r>
+          </a:p>
+          <a:p>
+            <a:r>
+              <a:rPr lang="en-US" sz="1400" dirty="0">
+                <a:solidFill>
+                  <a:srgbClr val="000000"/>
+                </a:solidFill>
+                <a:latin typeface="Menlo-Regular"/>
+              </a:rPr>
+              <a:t>    });</a:t>
+            </a:r>
+          </a:p>
+          <a:p>
+            <a:endParaRPr lang="en-US" sz="1400" dirty="0">
+              <a:solidFill>
+                <a:srgbClr val="000000"/>
+              </a:solidFill>
+              <a:latin typeface="Menlo-Regular"/>
+            </a:endParaRPr>
+          </a:p>
+          <a:p>
+            <a:r>
+              <a:rPr lang="en-US" sz="1400" dirty="0">
+                <a:solidFill>
+                  <a:srgbClr val="000000"/>
+                </a:solidFill>
+                <a:latin typeface="Menlo-Regular"/>
+              </a:rPr>
+              <a:t>    </a:t>
+            </a:r>
+            <a:r>
+              <a:rPr lang="en-US" sz="1400" dirty="0">
+                <a:solidFill>
+                  <a:srgbClr val="26474B"/>
+                </a:solidFill>
+                <a:latin typeface="Menlo-Regular"/>
+              </a:rPr>
+              <a:t>it</a:t>
+            </a:r>
+            <a:r>
+              <a:rPr lang="en-US" sz="1400" dirty="0">
+                <a:solidFill>
+                  <a:srgbClr val="000000"/>
+                </a:solidFill>
+                <a:latin typeface="Menlo-Regular"/>
+              </a:rPr>
+              <a:t>(</a:t>
+            </a:r>
+            <a:r>
+              <a:rPr lang="en-US" sz="1400" dirty="0">
+                <a:solidFill>
+                  <a:srgbClr val="C41A16"/>
+                </a:solidFill>
+                <a:latin typeface="Menlo-Regular"/>
+              </a:rPr>
+              <a:t>@"should score twenty when all one"</a:t>
+            </a:r>
+            <a:r>
+              <a:rPr lang="en-US" sz="1400" dirty="0">
+                <a:solidFill>
+                  <a:srgbClr val="000000"/>
+                </a:solidFill>
+                <a:latin typeface="Menlo-Regular"/>
+              </a:rPr>
+              <a:t>, ^{</a:t>
+            </a:r>
+          </a:p>
+          <a:p>
+            <a:r>
+              <a:rPr lang="en-US" sz="1400" dirty="0">
+                <a:solidFill>
+                  <a:srgbClr val="000000"/>
+                </a:solidFill>
+                <a:latin typeface="Menlo-Regular"/>
+              </a:rPr>
+              <a:t>        </a:t>
+            </a:r>
+            <a:r>
+              <a:rPr lang="en-US" sz="1400" dirty="0" err="1">
+                <a:solidFill>
+                  <a:srgbClr val="000000"/>
+                </a:solidFill>
+                <a:latin typeface="Menlo-Regular"/>
+              </a:rPr>
+              <a:t>rollMany</a:t>
+            </a:r>
+            <a:r>
+              <a:rPr lang="en-US" sz="1400" dirty="0">
+                <a:solidFill>
+                  <a:srgbClr val="000000"/>
+                </a:solidFill>
+                <a:latin typeface="Menlo-Regular"/>
+              </a:rPr>
+              <a:t>(</a:t>
+            </a:r>
+            <a:r>
+              <a:rPr lang="en-US" sz="1400" dirty="0">
+                <a:solidFill>
+                  <a:srgbClr val="1C00CF"/>
+                </a:solidFill>
+                <a:latin typeface="Menlo-Regular"/>
+              </a:rPr>
+              <a:t>20</a:t>
+            </a:r>
+            <a:r>
+              <a:rPr lang="en-US" sz="1400" dirty="0">
+                <a:solidFill>
+                  <a:srgbClr val="000000"/>
+                </a:solidFill>
+                <a:latin typeface="Menlo-Regular"/>
+              </a:rPr>
+              <a:t>, </a:t>
+            </a:r>
+            <a:r>
+              <a:rPr lang="en-US" sz="1400" dirty="0">
+                <a:solidFill>
+                  <a:srgbClr val="1C00CF"/>
+                </a:solidFill>
+                <a:latin typeface="Menlo-Regular"/>
+              </a:rPr>
+              <a:t>1</a:t>
+            </a:r>
+            <a:r>
+              <a:rPr lang="en-US" sz="1400" dirty="0">
+                <a:solidFill>
+                  <a:srgbClr val="000000"/>
+                </a:solidFill>
+                <a:latin typeface="Menlo-Regular"/>
+              </a:rPr>
+              <a:t>);</a:t>
+            </a:r>
+          </a:p>
+          <a:p>
+            <a:r>
+              <a:rPr lang="en-US" sz="1400" dirty="0">
+                <a:solidFill>
+                  <a:srgbClr val="000000"/>
+                </a:solidFill>
+                <a:latin typeface="Menlo-Regular"/>
+              </a:rPr>
+              <a:t>        [[</a:t>
+            </a:r>
+            <a:r>
+              <a:rPr lang="en-US" sz="1400" dirty="0" err="1">
+                <a:solidFill>
+                  <a:srgbClr val="643820"/>
+                </a:solidFill>
+                <a:latin typeface="Menlo-Regular"/>
+              </a:rPr>
+              <a:t>theValue</a:t>
+            </a:r>
+            <a:r>
+              <a:rPr lang="en-US" sz="1400" dirty="0">
+                <a:solidFill>
+                  <a:srgbClr val="000000"/>
+                </a:solidFill>
+                <a:latin typeface="Menlo-Regular"/>
+              </a:rPr>
+              <a:t>([game </a:t>
+            </a:r>
+            <a:r>
+              <a:rPr lang="en-US" sz="1400" dirty="0">
+                <a:solidFill>
+                  <a:srgbClr val="26474B"/>
+                </a:solidFill>
+                <a:latin typeface="Menlo-Regular"/>
+              </a:rPr>
+              <a:t>score</a:t>
+            </a:r>
+            <a:r>
+              <a:rPr lang="en-US" sz="1400" dirty="0">
+                <a:solidFill>
+                  <a:srgbClr val="000000"/>
+                </a:solidFill>
+                <a:latin typeface="Menlo-Regular"/>
+              </a:rPr>
+              <a:t>]) </a:t>
+            </a:r>
+            <a:r>
+              <a:rPr lang="en-US" sz="1400" dirty="0">
+                <a:solidFill>
+                  <a:srgbClr val="643820"/>
+                </a:solidFill>
+                <a:latin typeface="Menlo-Regular"/>
+              </a:rPr>
+              <a:t>should</a:t>
+            </a:r>
+            <a:r>
+              <a:rPr lang="en-US" sz="1400" dirty="0">
+                <a:solidFill>
+                  <a:srgbClr val="000000"/>
+                </a:solidFill>
+                <a:latin typeface="Menlo-Regular"/>
+              </a:rPr>
+              <a:t>] </a:t>
+            </a:r>
+            <a:r>
+              <a:rPr lang="en-US" sz="1400" dirty="0" err="1">
+                <a:solidFill>
+                  <a:srgbClr val="26474B"/>
+                </a:solidFill>
+                <a:latin typeface="Menlo-Regular"/>
+              </a:rPr>
+              <a:t>equal</a:t>
+            </a:r>
+            <a:r>
+              <a:rPr lang="en-US" sz="1400" dirty="0" err="1">
+                <a:solidFill>
+                  <a:srgbClr val="000000"/>
+                </a:solidFill>
+                <a:latin typeface="Menlo-Regular"/>
+              </a:rPr>
+              <a:t>:</a:t>
+            </a:r>
+            <a:r>
+              <a:rPr lang="en-US" sz="1400" dirty="0" err="1">
+                <a:solidFill>
+                  <a:srgbClr val="643820"/>
+                </a:solidFill>
+                <a:latin typeface="Menlo-Regular"/>
+              </a:rPr>
+              <a:t>theValue</a:t>
+            </a:r>
+            <a:r>
+              <a:rPr lang="en-US" sz="1400" dirty="0">
+                <a:solidFill>
+                  <a:srgbClr val="000000"/>
+                </a:solidFill>
+                <a:latin typeface="Menlo-Regular"/>
+              </a:rPr>
+              <a:t>(</a:t>
+            </a:r>
+            <a:r>
+              <a:rPr lang="en-US" sz="1400" dirty="0">
+                <a:solidFill>
+                  <a:srgbClr val="1C00CF"/>
+                </a:solidFill>
+                <a:latin typeface="Menlo-Regular"/>
+              </a:rPr>
+              <a:t>20</a:t>
+            </a:r>
+            <a:r>
+              <a:rPr lang="en-US" sz="1400" dirty="0">
+                <a:solidFill>
+                  <a:srgbClr val="000000"/>
+                </a:solidFill>
+                <a:latin typeface="Menlo-Regular"/>
+              </a:rPr>
+              <a:t>)];</a:t>
+            </a:r>
+          </a:p>
+          <a:p>
+            <a:r>
+              <a:rPr lang="en-US" sz="1400" dirty="0">
+                <a:solidFill>
+                  <a:srgbClr val="000000"/>
+                </a:solidFill>
+                <a:latin typeface="Menlo-Regular"/>
+              </a:rPr>
+              <a:t>    });</a:t>
+            </a:r>
+          </a:p>
+          <a:p>
+            <a:endParaRPr lang="en-US" sz="1400" dirty="0">
+              <a:solidFill>
+                <a:srgbClr val="000000"/>
+              </a:solidFill>
+              <a:latin typeface="Menlo-Regular"/>
+            </a:endParaRPr>
+          </a:p>
+          <a:p>
+            <a:r>
+              <a:rPr lang="en-US" sz="1400" dirty="0">
+                <a:solidFill>
+                  <a:srgbClr val="000000"/>
+                </a:solidFill>
+                <a:latin typeface="Menlo-Regular"/>
+              </a:rPr>
+              <a:t>    </a:t>
+            </a:r>
+            <a:r>
+              <a:rPr lang="en-US" sz="1400" dirty="0">
+                <a:solidFill>
+                  <a:srgbClr val="26474B"/>
+                </a:solidFill>
+                <a:latin typeface="Menlo-Regular"/>
+              </a:rPr>
+              <a:t>it</a:t>
+            </a:r>
+            <a:r>
+              <a:rPr lang="en-US" sz="1400" dirty="0">
+                <a:solidFill>
+                  <a:srgbClr val="000000"/>
+                </a:solidFill>
+                <a:latin typeface="Menlo-Regular"/>
+              </a:rPr>
+              <a:t>(</a:t>
+            </a:r>
+            <a:r>
+              <a:rPr lang="en-US" sz="1400" dirty="0">
+                <a:solidFill>
+                  <a:srgbClr val="C41A16"/>
+                </a:solidFill>
+                <a:latin typeface="Menlo-Regular"/>
+              </a:rPr>
+              <a:t>@"should score spare correctly"</a:t>
+            </a:r>
+            <a:r>
+              <a:rPr lang="en-US" sz="1400" dirty="0">
+                <a:solidFill>
+                  <a:srgbClr val="000000"/>
+                </a:solidFill>
+                <a:latin typeface="Menlo-Regular"/>
+              </a:rPr>
+              <a:t>, ^{</a:t>
+            </a:r>
+          </a:p>
+          <a:p>
+            <a:r>
+              <a:rPr lang="en-US" sz="1400" dirty="0">
+                <a:solidFill>
+                  <a:srgbClr val="000000"/>
+                </a:solidFill>
+                <a:latin typeface="Menlo-Regular"/>
+              </a:rPr>
+              <a:t>        [game </a:t>
+            </a:r>
+            <a:r>
+              <a:rPr lang="en-US" sz="1400" dirty="0">
+                <a:solidFill>
+                  <a:srgbClr val="26474B"/>
+                </a:solidFill>
+                <a:latin typeface="Menlo-Regular"/>
+              </a:rPr>
+              <a:t>roll</a:t>
+            </a:r>
+            <a:r>
+              <a:rPr lang="en-US" sz="1400" dirty="0">
+                <a:solidFill>
+                  <a:srgbClr val="000000"/>
+                </a:solidFill>
+                <a:latin typeface="Menlo-Regular"/>
+              </a:rPr>
+              <a:t>:</a:t>
+            </a:r>
+            <a:r>
+              <a:rPr lang="en-US" sz="1400" dirty="0">
+                <a:solidFill>
+                  <a:srgbClr val="1C00CF"/>
+                </a:solidFill>
+                <a:latin typeface="Menlo-Regular"/>
+              </a:rPr>
+              <a:t>5</a:t>
+            </a:r>
+            <a:r>
+              <a:rPr lang="en-US" sz="1400" dirty="0">
+                <a:solidFill>
+                  <a:srgbClr val="000000"/>
+                </a:solidFill>
+                <a:latin typeface="Menlo-Regular"/>
+              </a:rPr>
+              <a:t>];</a:t>
+            </a:r>
+          </a:p>
+          <a:p>
+            <a:r>
+              <a:rPr lang="en-US" sz="1400" dirty="0">
+                <a:solidFill>
+                  <a:srgbClr val="000000"/>
+                </a:solidFill>
+                <a:latin typeface="Menlo-Regular"/>
+              </a:rPr>
+              <a:t>        [game </a:t>
+            </a:r>
+            <a:r>
+              <a:rPr lang="en-US" sz="1400" dirty="0">
+                <a:solidFill>
+                  <a:srgbClr val="26474B"/>
+                </a:solidFill>
+                <a:latin typeface="Menlo-Regular"/>
+              </a:rPr>
+              <a:t>roll</a:t>
+            </a:r>
+            <a:r>
+              <a:rPr lang="en-US" sz="1400" dirty="0">
+                <a:solidFill>
+                  <a:srgbClr val="000000"/>
+                </a:solidFill>
+                <a:latin typeface="Menlo-Regular"/>
+              </a:rPr>
+              <a:t>:</a:t>
+            </a:r>
+            <a:r>
+              <a:rPr lang="en-US" sz="1400" dirty="0">
+                <a:solidFill>
+                  <a:srgbClr val="1C00CF"/>
+                </a:solidFill>
+                <a:latin typeface="Menlo-Regular"/>
+              </a:rPr>
+              <a:t>5</a:t>
+            </a:r>
+            <a:r>
+              <a:rPr lang="en-US" sz="1400" dirty="0">
+                <a:solidFill>
+                  <a:srgbClr val="000000"/>
+                </a:solidFill>
+                <a:latin typeface="Menlo-Regular"/>
+              </a:rPr>
+              <a:t>];</a:t>
+            </a:r>
+          </a:p>
+          <a:p>
+            <a:r>
+              <a:rPr lang="en-US" sz="1400" dirty="0">
+                <a:solidFill>
+                  <a:srgbClr val="000000"/>
+                </a:solidFill>
+                <a:latin typeface="Menlo-Regular"/>
+              </a:rPr>
+              <a:t>        [game </a:t>
+            </a:r>
+            <a:r>
+              <a:rPr lang="en-US" sz="1400" dirty="0">
+                <a:solidFill>
+                  <a:srgbClr val="26474B"/>
+                </a:solidFill>
+                <a:latin typeface="Menlo-Regular"/>
+              </a:rPr>
+              <a:t>roll</a:t>
+            </a:r>
+            <a:r>
+              <a:rPr lang="en-US" sz="1400" dirty="0">
+                <a:solidFill>
+                  <a:srgbClr val="000000"/>
+                </a:solidFill>
+                <a:latin typeface="Menlo-Regular"/>
+              </a:rPr>
+              <a:t>:</a:t>
+            </a:r>
+            <a:r>
+              <a:rPr lang="en-US" sz="1400" dirty="0">
+                <a:solidFill>
+                  <a:srgbClr val="1C00CF"/>
+                </a:solidFill>
+                <a:latin typeface="Menlo-Regular"/>
+              </a:rPr>
+              <a:t>3</a:t>
+            </a:r>
+            <a:r>
+              <a:rPr lang="en-US" sz="1400" dirty="0">
+                <a:solidFill>
+                  <a:srgbClr val="000000"/>
+                </a:solidFill>
+                <a:latin typeface="Menlo-Regular"/>
+              </a:rPr>
+              <a:t>];</a:t>
+            </a:r>
+          </a:p>
+          <a:p>
+            <a:r>
+              <a:rPr lang="en-US" sz="1400" dirty="0">
+                <a:solidFill>
+                  <a:srgbClr val="000000"/>
+                </a:solidFill>
+                <a:latin typeface="Menlo-Regular"/>
+              </a:rPr>
+              <a:t>        </a:t>
+            </a:r>
+            <a:r>
+              <a:rPr lang="en-US" sz="1400" dirty="0" err="1">
+                <a:solidFill>
+                  <a:srgbClr val="000000"/>
+                </a:solidFill>
+                <a:latin typeface="Menlo-Regular"/>
+              </a:rPr>
+              <a:t>rollMany</a:t>
+            </a:r>
+            <a:r>
+              <a:rPr lang="en-US" sz="1400" dirty="0">
+                <a:solidFill>
+                  <a:srgbClr val="000000"/>
+                </a:solidFill>
+                <a:latin typeface="Menlo-Regular"/>
+              </a:rPr>
+              <a:t>(</a:t>
+            </a:r>
+            <a:r>
+              <a:rPr lang="en-US" sz="1400" dirty="0">
+                <a:solidFill>
+                  <a:srgbClr val="1C00CF"/>
+                </a:solidFill>
+                <a:latin typeface="Menlo-Regular"/>
+              </a:rPr>
+              <a:t>17</a:t>
+            </a:r>
+            <a:r>
+              <a:rPr lang="en-US" sz="1400" dirty="0">
+                <a:solidFill>
+                  <a:srgbClr val="000000"/>
+                </a:solidFill>
+                <a:latin typeface="Menlo-Regular"/>
+              </a:rPr>
+              <a:t>, </a:t>
+            </a:r>
+            <a:r>
+              <a:rPr lang="en-US" sz="1400" dirty="0">
+                <a:solidFill>
+                  <a:srgbClr val="1C00CF"/>
+                </a:solidFill>
+                <a:latin typeface="Menlo-Regular"/>
+              </a:rPr>
+              <a:t>0</a:t>
+            </a:r>
+            <a:r>
+              <a:rPr lang="en-US" sz="1400" dirty="0">
+                <a:solidFill>
+                  <a:srgbClr val="000000"/>
+                </a:solidFill>
+                <a:latin typeface="Menlo-Regular"/>
+              </a:rPr>
+              <a:t>);</a:t>
+            </a:r>
+          </a:p>
+          <a:p>
+            <a:r>
+              <a:rPr lang="en-US" sz="1400" dirty="0">
+                <a:solidFill>
+                  <a:srgbClr val="000000"/>
+                </a:solidFill>
+                <a:latin typeface="Menlo-Regular"/>
+              </a:rPr>
+              <a:t>        [[</a:t>
+            </a:r>
+            <a:r>
+              <a:rPr lang="en-US" sz="1400" dirty="0" err="1">
+                <a:solidFill>
+                  <a:srgbClr val="643820"/>
+                </a:solidFill>
+                <a:latin typeface="Menlo-Regular"/>
+              </a:rPr>
+              <a:t>theValue</a:t>
+            </a:r>
+            <a:r>
+              <a:rPr lang="en-US" sz="1400" dirty="0">
+                <a:solidFill>
+                  <a:srgbClr val="000000"/>
+                </a:solidFill>
+                <a:latin typeface="Menlo-Regular"/>
+              </a:rPr>
+              <a:t>([game </a:t>
+            </a:r>
+            <a:r>
+              <a:rPr lang="en-US" sz="1400" dirty="0">
+                <a:solidFill>
+                  <a:srgbClr val="26474B"/>
+                </a:solidFill>
+                <a:latin typeface="Menlo-Regular"/>
+              </a:rPr>
+              <a:t>score</a:t>
+            </a:r>
+            <a:r>
+              <a:rPr lang="en-US" sz="1400" dirty="0">
+                <a:solidFill>
+                  <a:srgbClr val="000000"/>
+                </a:solidFill>
+                <a:latin typeface="Menlo-Regular"/>
+              </a:rPr>
+              <a:t>]) </a:t>
+            </a:r>
+            <a:r>
+              <a:rPr lang="en-US" sz="1400" dirty="0">
+                <a:solidFill>
+                  <a:srgbClr val="643820"/>
+                </a:solidFill>
+                <a:latin typeface="Menlo-Regular"/>
+              </a:rPr>
+              <a:t>should</a:t>
+            </a:r>
+            <a:r>
+              <a:rPr lang="en-US" sz="1400" dirty="0">
+                <a:solidFill>
+                  <a:srgbClr val="000000"/>
+                </a:solidFill>
+                <a:latin typeface="Menlo-Regular"/>
+              </a:rPr>
+              <a:t>] </a:t>
+            </a:r>
+            <a:r>
+              <a:rPr lang="en-US" sz="1400" dirty="0" err="1">
+                <a:solidFill>
+                  <a:srgbClr val="26474B"/>
+                </a:solidFill>
+                <a:latin typeface="Menlo-Regular"/>
+              </a:rPr>
+              <a:t>equal</a:t>
+            </a:r>
+            <a:r>
+              <a:rPr lang="en-US" sz="1400" dirty="0" err="1">
+                <a:solidFill>
+                  <a:srgbClr val="000000"/>
+                </a:solidFill>
+                <a:latin typeface="Menlo-Regular"/>
+              </a:rPr>
+              <a:t>:</a:t>
+            </a:r>
+            <a:r>
+              <a:rPr lang="en-US" sz="1400" dirty="0" err="1">
+                <a:solidFill>
+                  <a:srgbClr val="643820"/>
+                </a:solidFill>
+                <a:latin typeface="Menlo-Regular"/>
+              </a:rPr>
+              <a:t>theValue</a:t>
+            </a:r>
+            <a:r>
+              <a:rPr lang="en-US" sz="1400" dirty="0">
+                <a:solidFill>
+                  <a:srgbClr val="000000"/>
+                </a:solidFill>
+                <a:latin typeface="Menlo-Regular"/>
+              </a:rPr>
+              <a:t>(</a:t>
+            </a:r>
+            <a:r>
+              <a:rPr lang="en-US" sz="1400" dirty="0">
+                <a:solidFill>
+                  <a:srgbClr val="1C00CF"/>
+                </a:solidFill>
+                <a:latin typeface="Menlo-Regular"/>
+              </a:rPr>
+              <a:t>16</a:t>
+            </a:r>
+            <a:r>
+              <a:rPr lang="en-US" sz="1400" dirty="0">
+                <a:solidFill>
+                  <a:srgbClr val="000000"/>
+                </a:solidFill>
+                <a:latin typeface="Menlo-Regular"/>
+              </a:rPr>
+              <a:t>)];</a:t>
+            </a:r>
+          </a:p>
+          <a:p>
+            <a:r>
+              <a:rPr lang="en-US" sz="1400" dirty="0">
+                <a:solidFill>
+                  <a:srgbClr val="000000"/>
+                </a:solidFill>
+                <a:latin typeface="Menlo-Regular"/>
+              </a:rPr>
+              <a:t>    });</a:t>
+            </a:r>
+          </a:p>
+          <a:p>
+            <a:endParaRPr lang="en-US" sz="1400" dirty="0">
+              <a:solidFill>
+                <a:srgbClr val="000000"/>
+              </a:solidFill>
+              <a:latin typeface="Menlo-Regular"/>
+            </a:endParaRPr>
+          </a:p>
+          <a:p>
+            <a:r>
+              <a:rPr lang="en-US" sz="1400" dirty="0">
+                <a:solidFill>
+                  <a:srgbClr val="000000"/>
+                </a:solidFill>
+                <a:latin typeface="Menlo-Regular"/>
+              </a:rPr>
+              <a:t>    </a:t>
+            </a:r>
+            <a:r>
+              <a:rPr lang="en-US" sz="1400" dirty="0">
+                <a:solidFill>
+                  <a:srgbClr val="26474B"/>
+                </a:solidFill>
+                <a:latin typeface="Menlo-Regular"/>
+              </a:rPr>
+              <a:t>it</a:t>
+            </a:r>
+            <a:r>
+              <a:rPr lang="en-US" sz="1400" dirty="0">
+                <a:solidFill>
+                  <a:srgbClr val="000000"/>
+                </a:solidFill>
+                <a:latin typeface="Menlo-Regular"/>
+              </a:rPr>
+              <a:t>(</a:t>
+            </a:r>
+            <a:r>
+              <a:rPr lang="en-US" sz="1400" dirty="0">
+                <a:solidFill>
+                  <a:srgbClr val="C41A16"/>
+                </a:solidFill>
+                <a:latin typeface="Menlo-Regular"/>
+              </a:rPr>
+              <a:t>@"should score strike correctly"</a:t>
+            </a:r>
+            <a:r>
+              <a:rPr lang="en-US" sz="1400" dirty="0">
+                <a:solidFill>
+                  <a:srgbClr val="000000"/>
+                </a:solidFill>
+                <a:latin typeface="Menlo-Regular"/>
+              </a:rPr>
+              <a:t>, ^{</a:t>
+            </a:r>
+          </a:p>
+          <a:p>
+            <a:r>
+              <a:rPr lang="en-US" sz="1400" dirty="0">
+                <a:solidFill>
+                  <a:srgbClr val="000000"/>
+                </a:solidFill>
+                <a:latin typeface="Menlo-Regular"/>
+              </a:rPr>
+              <a:t>        [game </a:t>
+            </a:r>
+            <a:r>
+              <a:rPr lang="en-US" sz="1400" dirty="0">
+                <a:solidFill>
+                  <a:srgbClr val="26474B"/>
+                </a:solidFill>
+                <a:latin typeface="Menlo-Regular"/>
+              </a:rPr>
+              <a:t>roll</a:t>
+            </a:r>
+            <a:r>
+              <a:rPr lang="en-US" sz="1400" dirty="0">
+                <a:solidFill>
+                  <a:srgbClr val="000000"/>
+                </a:solidFill>
+                <a:latin typeface="Menlo-Regular"/>
+              </a:rPr>
+              <a:t>:</a:t>
+            </a:r>
+            <a:r>
+              <a:rPr lang="en-US" sz="1400" dirty="0">
+                <a:solidFill>
+                  <a:srgbClr val="1C00CF"/>
+                </a:solidFill>
+                <a:latin typeface="Menlo-Regular"/>
+              </a:rPr>
+              <a:t>10</a:t>
+            </a:r>
+            <a:r>
+              <a:rPr lang="en-US" sz="1400" dirty="0">
+                <a:solidFill>
+                  <a:srgbClr val="000000"/>
+                </a:solidFill>
+                <a:latin typeface="Menlo-Regular"/>
+              </a:rPr>
+              <a:t>];</a:t>
+            </a:r>
+          </a:p>
+          <a:p>
+            <a:r>
+              <a:rPr lang="en-US" sz="1400" dirty="0">
+                <a:solidFill>
+                  <a:srgbClr val="000000"/>
+                </a:solidFill>
+                <a:latin typeface="Menlo-Regular"/>
+              </a:rPr>
+              <a:t>        [game </a:t>
+            </a:r>
+            <a:r>
+              <a:rPr lang="en-US" sz="1400" dirty="0">
+                <a:solidFill>
+                  <a:srgbClr val="26474B"/>
+                </a:solidFill>
+                <a:latin typeface="Menlo-Regular"/>
+              </a:rPr>
+              <a:t>roll</a:t>
+            </a:r>
+            <a:r>
+              <a:rPr lang="en-US" sz="1400" dirty="0">
+                <a:solidFill>
+                  <a:srgbClr val="000000"/>
+                </a:solidFill>
+                <a:latin typeface="Menlo-Regular"/>
+              </a:rPr>
+              <a:t>:</a:t>
+            </a:r>
+            <a:r>
+              <a:rPr lang="en-US" sz="1400" dirty="0">
+                <a:solidFill>
+                  <a:srgbClr val="1C00CF"/>
+                </a:solidFill>
+                <a:latin typeface="Menlo-Regular"/>
+              </a:rPr>
+              <a:t>3</a:t>
+            </a:r>
+            <a:r>
+              <a:rPr lang="en-US" sz="1400" dirty="0">
+                <a:solidFill>
+                  <a:srgbClr val="000000"/>
+                </a:solidFill>
+                <a:latin typeface="Menlo-Regular"/>
+              </a:rPr>
+              <a:t>];</a:t>
+            </a:r>
+          </a:p>
+          <a:p>
+            <a:r>
+              <a:rPr lang="en-US" sz="1400" dirty="0">
+                <a:solidFill>
+                  <a:srgbClr val="000000"/>
+                </a:solidFill>
+                <a:latin typeface="Menlo-Regular"/>
+              </a:rPr>
+              <a:t>        [game </a:t>
+            </a:r>
+            <a:r>
+              <a:rPr lang="en-US" sz="1400" dirty="0">
+                <a:solidFill>
+                  <a:srgbClr val="26474B"/>
+                </a:solidFill>
+                <a:latin typeface="Menlo-Regular"/>
+              </a:rPr>
+              <a:t>roll</a:t>
+            </a:r>
+            <a:r>
+              <a:rPr lang="en-US" sz="1400" dirty="0">
+                <a:solidFill>
+                  <a:srgbClr val="000000"/>
+                </a:solidFill>
+                <a:latin typeface="Menlo-Regular"/>
+              </a:rPr>
+              <a:t>:</a:t>
+            </a:r>
+            <a:r>
+              <a:rPr lang="en-US" sz="1400" dirty="0">
+                <a:solidFill>
+                  <a:srgbClr val="1C00CF"/>
+                </a:solidFill>
+                <a:latin typeface="Menlo-Regular"/>
+              </a:rPr>
+              <a:t>4</a:t>
+            </a:r>
+            <a:r>
+              <a:rPr lang="en-US" sz="1400" dirty="0">
+                <a:solidFill>
+                  <a:srgbClr val="000000"/>
+                </a:solidFill>
+                <a:latin typeface="Menlo-Regular"/>
+              </a:rPr>
+              <a:t>];</a:t>
+            </a:r>
+          </a:p>
+          <a:p>
+            <a:r>
+              <a:rPr lang="en-US" sz="1400" dirty="0">
+                <a:solidFill>
+                  <a:srgbClr val="000000"/>
+                </a:solidFill>
+                <a:latin typeface="Menlo-Regular"/>
+              </a:rPr>
+              <a:t>        </a:t>
+            </a:r>
+            <a:r>
+              <a:rPr lang="en-US" sz="1400" dirty="0" err="1">
+                <a:solidFill>
+                  <a:srgbClr val="000000"/>
+                </a:solidFill>
+                <a:latin typeface="Menlo-Regular"/>
+              </a:rPr>
+              <a:t>rollMany</a:t>
+            </a:r>
+            <a:r>
+              <a:rPr lang="en-US" sz="1400" dirty="0">
+                <a:solidFill>
+                  <a:srgbClr val="000000"/>
+                </a:solidFill>
+                <a:latin typeface="Menlo-Regular"/>
+              </a:rPr>
+              <a:t>(</a:t>
+            </a:r>
+            <a:r>
+              <a:rPr lang="en-US" sz="1400" dirty="0">
+                <a:solidFill>
+                  <a:srgbClr val="1C00CF"/>
+                </a:solidFill>
+                <a:latin typeface="Menlo-Regular"/>
+              </a:rPr>
+              <a:t>16</a:t>
+            </a:r>
+            <a:r>
+              <a:rPr lang="en-US" sz="1400" dirty="0">
+                <a:solidFill>
+                  <a:srgbClr val="000000"/>
+                </a:solidFill>
+                <a:latin typeface="Menlo-Regular"/>
+              </a:rPr>
+              <a:t>, </a:t>
+            </a:r>
+            <a:r>
+              <a:rPr lang="en-US" sz="1400" dirty="0">
+                <a:solidFill>
+                  <a:srgbClr val="1C00CF"/>
+                </a:solidFill>
+                <a:latin typeface="Menlo-Regular"/>
+              </a:rPr>
+              <a:t>0</a:t>
+            </a:r>
+            <a:r>
+              <a:rPr lang="en-US" sz="1400" dirty="0">
+                <a:solidFill>
+                  <a:srgbClr val="000000"/>
+                </a:solidFill>
+                <a:latin typeface="Menlo-Regular"/>
+              </a:rPr>
+              <a:t>);</a:t>
+            </a:r>
+          </a:p>
+          <a:p>
+            <a:r>
+              <a:rPr lang="en-US" sz="1400" dirty="0">
+                <a:solidFill>
+                  <a:srgbClr val="000000"/>
+                </a:solidFill>
+                <a:latin typeface="Menlo-Regular"/>
+              </a:rPr>
+              <a:t>        [[</a:t>
+            </a:r>
+            <a:r>
+              <a:rPr lang="en-US" sz="1400" dirty="0" err="1">
+                <a:solidFill>
+                  <a:srgbClr val="643820"/>
+                </a:solidFill>
+                <a:latin typeface="Menlo-Regular"/>
+              </a:rPr>
+              <a:t>theValue</a:t>
+            </a:r>
+            <a:r>
+              <a:rPr lang="en-US" sz="1400" dirty="0">
+                <a:solidFill>
+                  <a:srgbClr val="000000"/>
+                </a:solidFill>
+                <a:latin typeface="Menlo-Regular"/>
+              </a:rPr>
+              <a:t>([game </a:t>
+            </a:r>
+            <a:r>
+              <a:rPr lang="en-US" sz="1400" dirty="0">
+                <a:solidFill>
+                  <a:srgbClr val="26474B"/>
+                </a:solidFill>
+                <a:latin typeface="Menlo-Regular"/>
+              </a:rPr>
+              <a:t>score</a:t>
+            </a:r>
+            <a:r>
+              <a:rPr lang="en-US" sz="1400" dirty="0">
+                <a:solidFill>
+                  <a:srgbClr val="000000"/>
+                </a:solidFill>
+                <a:latin typeface="Menlo-Regular"/>
+              </a:rPr>
+              <a:t>]) </a:t>
+            </a:r>
+            <a:r>
+              <a:rPr lang="en-US" sz="1400" dirty="0">
+                <a:solidFill>
+                  <a:srgbClr val="643820"/>
+                </a:solidFill>
+                <a:latin typeface="Menlo-Regular"/>
+              </a:rPr>
+              <a:t>should</a:t>
+            </a:r>
+            <a:r>
+              <a:rPr lang="en-US" sz="1400" dirty="0">
+                <a:solidFill>
+                  <a:srgbClr val="000000"/>
+                </a:solidFill>
+                <a:latin typeface="Menlo-Regular"/>
+              </a:rPr>
+              <a:t>] </a:t>
+            </a:r>
+            <a:r>
+              <a:rPr lang="en-US" sz="1400" dirty="0" err="1">
+                <a:solidFill>
+                  <a:srgbClr val="26474B"/>
+                </a:solidFill>
+                <a:latin typeface="Menlo-Regular"/>
+              </a:rPr>
+              <a:t>equal</a:t>
+            </a:r>
+            <a:r>
+              <a:rPr lang="en-US" sz="1400" dirty="0" err="1">
+                <a:solidFill>
+                  <a:srgbClr val="000000"/>
+                </a:solidFill>
+                <a:latin typeface="Menlo-Regular"/>
+              </a:rPr>
+              <a:t>:</a:t>
+            </a:r>
+            <a:r>
+              <a:rPr lang="en-US" sz="1400" dirty="0" err="1">
+                <a:solidFill>
+                  <a:srgbClr val="643820"/>
+                </a:solidFill>
+                <a:latin typeface="Menlo-Regular"/>
+              </a:rPr>
+              <a:t>theValue</a:t>
+            </a:r>
+            <a:r>
+              <a:rPr lang="en-US" sz="1400" dirty="0">
+                <a:solidFill>
+                  <a:srgbClr val="000000"/>
+                </a:solidFill>
+                <a:latin typeface="Menlo-Regular"/>
+              </a:rPr>
+              <a:t>(</a:t>
+            </a:r>
+            <a:r>
+              <a:rPr lang="en-US" sz="1400" dirty="0">
+                <a:solidFill>
+                  <a:srgbClr val="1C00CF"/>
+                </a:solidFill>
+                <a:latin typeface="Menlo-Regular"/>
+              </a:rPr>
+              <a:t>24</a:t>
+            </a:r>
+            <a:r>
+              <a:rPr lang="en-US" sz="1400" dirty="0">
+                <a:solidFill>
+                  <a:srgbClr val="000000"/>
+                </a:solidFill>
+                <a:latin typeface="Menlo-Regular"/>
+              </a:rPr>
+              <a:t>)];</a:t>
+            </a:r>
+          </a:p>
+          <a:p>
+            <a:r>
+              <a:rPr lang="en-US" sz="1400" dirty="0">
+                <a:solidFill>
+                  <a:srgbClr val="000000"/>
+                </a:solidFill>
+                <a:latin typeface="Menlo-Regular"/>
+              </a:rPr>
+              <a:t>    });</a:t>
+            </a:r>
+          </a:p>
+          <a:p>
+            <a:endParaRPr lang="en-US" sz="1400" dirty="0">
+              <a:solidFill>
+                <a:srgbClr val="000000"/>
+              </a:solidFill>
+              <a:latin typeface="Menlo-Regular"/>
+            </a:endParaRPr>
+          </a:p>
+          <a:p>
+            <a:r>
+              <a:rPr lang="en-US" sz="1400" dirty="0">
+                <a:solidFill>
+                  <a:srgbClr val="000000"/>
+                </a:solidFill>
+                <a:latin typeface="Menlo-Regular"/>
+              </a:rPr>
+              <a:t>    </a:t>
+            </a:r>
+          </a:p>
+        </p:txBody>
+      </p:sp>
+    </p:spTree>
+    <p:extLst>
+      <p:ext uri="{BB962C8B-B14F-4D97-AF65-F5344CB8AC3E}">
+        <p14:creationId xmlns:p14="http://schemas.microsoft.com/office/powerpoint/2010/main" val="3104930031"/>
+      </p:ext>
+    </p:extLst>
+  </p:cSld>
+  <p:clrMapOvr>
+    <a:masterClrMapping/>
+  </p:clrMapOvr>
+  <mc:AlternateContent xmlns:mc="http://schemas.openxmlformats.org/markup-compatibility/2006" xmlns:p14="http://schemas.microsoft.com/office/powerpoint/2010/main">
+    <mc:Choice Requires="p14">
+      <p:transition p14:dur="0"/>
+    </mc:Choice>
+    <mc:Fallback xmlns="">
+      <p:transition xmlns:p14="http://schemas.microsoft.com/office/powerpoint/2010/main"/>
+    </mc:Fallback>
+  </mc:AlternateContent>
+  <p:timing>
+    <p:tnLst>
+      <p:par>
+        <p:cTn id="1" dur="indefinite" restart="never" nodeType="tmRoot"/>
+      </p:par>
+    </p:tnLst>
+  </p:timing>
+</p:sld>
+</file>
+
+<file path=ppt/slides/slide14.xml><?xml version="1.0" encoding="utf-8"?>
+<p:sld xmlns:a="http://schemas.openxmlformats.org/drawingml/2006/main" xmlns:r="http://schemas.openxmlformats.org/officeDocument/2006/relationships" xmlns:p="http://schemas.openxmlformats.org/presentationml/2006/main">
+  <p:cSld>
+    <p:spTree>
+      <p:nvGrpSpPr>
+        <p:cNvPr id="1" name=""/>
+        <p:cNvGrpSpPr/>
+        <p:nvPr/>
+      </p:nvGrpSpPr>
+      <p:grpSpPr>
+        <a:xfrm>
+          <a:off x="0" y="0"/>
+          <a:ext cx="0" cy="0"/>
+          <a:chOff x="0" y="0"/>
+          <a:chExt cx="0" cy="0"/>
+        </a:xfrm>
+      </p:grpSpPr>
+      <p:sp>
+        <p:nvSpPr>
+          <p:cNvPr id="2" name="Rectangle 1"/>
+          <p:cNvSpPr/>
+          <p:nvPr/>
+        </p:nvSpPr>
+        <p:spPr>
+          <a:xfrm>
+            <a:off x="3575349" y="2967335"/>
+            <a:ext cx="1993303" cy="923330"/>
+          </a:xfrm>
+          <a:prstGeom prst="rect">
+            <a:avLst/>
+          </a:prstGeom>
+        </p:spPr>
+        <p:txBody>
+          <a:bodyPr wrap="none">
+            <a:spAutoFit/>
+          </a:bodyPr>
+          <a:lstStyle/>
+          <a:p>
+            <a:pPr algn="ctr"/>
+            <a:r>
+              <a:rPr lang="en-US" dirty="0" smtClean="0">
+                <a:solidFill>
+                  <a:schemeClr val="accent4"/>
+                </a:solidFill>
+                <a:latin typeface="Arial" pitchFamily="34" charset="0"/>
+                <a:cs typeface="Arial" pitchFamily="34" charset="0"/>
+              </a:rPr>
+              <a:t>BDD IS A </a:t>
+            </a:r>
+          </a:p>
+          <a:p>
+            <a:pPr algn="ctr"/>
+            <a:r>
+              <a:rPr lang="en-US" dirty="0" smtClean="0">
+                <a:solidFill>
+                  <a:schemeClr val="accent4"/>
+                </a:solidFill>
+                <a:latin typeface="Arial" pitchFamily="34" charset="0"/>
+                <a:cs typeface="Arial" pitchFamily="34" charset="0"/>
+              </a:rPr>
+              <a:t>MINDSET</a:t>
+            </a:r>
+          </a:p>
+          <a:p>
+            <a:pPr algn="ctr"/>
+            <a:r>
+              <a:rPr lang="en-US" dirty="0" smtClean="0">
+                <a:solidFill>
+                  <a:schemeClr val="accent4"/>
+                </a:solidFill>
+                <a:latin typeface="Arial" pitchFamily="34" charset="0"/>
+                <a:cs typeface="Arial" pitchFamily="34" charset="0"/>
+              </a:rPr>
+              <a:t>NOT A TOOLSET</a:t>
+            </a:r>
+            <a:endParaRPr lang="ru-RU" dirty="0">
+              <a:solidFill>
+                <a:schemeClr val="accent4"/>
+              </a:solidFill>
+              <a:latin typeface="Arial" pitchFamily="34" charset="0"/>
+              <a:cs typeface="Arial" pitchFamily="34" charset="0"/>
+            </a:endParaRPr>
+          </a:p>
+        </p:txBody>
+      </p:sp>
+      <p:sp>
+        <p:nvSpPr>
+          <p:cNvPr id="4" name="Title 3"/>
+          <p:cNvSpPr>
+            <a:spLocks noGrp="1"/>
+          </p:cNvSpPr>
+          <p:nvPr>
+            <p:ph type="title"/>
+          </p:nvPr>
+        </p:nvSpPr>
+        <p:spPr/>
+        <p:txBody>
+          <a:bodyPr/>
+          <a:lstStyle/>
+          <a:p>
+            <a:endParaRPr lang="ru-RU"/>
+          </a:p>
+        </p:txBody>
+      </p:sp>
+    </p:spTree>
+    <p:extLst>
+      <p:ext uri="{BB962C8B-B14F-4D97-AF65-F5344CB8AC3E}">
+        <p14:creationId xmlns:p14="http://schemas.microsoft.com/office/powerpoint/2010/main" val="1691303177"/>
+      </p:ext>
+    </p:extLst>
+  </p:cSld>
+  <p:clrMapOvr>
+    <a:masterClrMapping/>
+  </p:clrMapOvr>
+  <mc:AlternateContent xmlns:mc="http://schemas.openxmlformats.org/markup-compatibility/2006" xmlns:p14="http://schemas.microsoft.com/office/powerpoint/2010/main">
+    <mc:Choice Requires="p14">
+      <p:transition p14:dur="0"/>
+    </mc:Choice>
+    <mc:Fallback xmlns="">
+      <p:transition xmlns:p14="http://schemas.microsoft.com/office/powerpoint/2010/main"/>
+    </mc:Fallback>
+  </mc:AlternateContent>
+  <p:timing>
+    <p:tnLst>
+      <p:par>
+        <p:cTn id="1" dur="indefinite" restart="never" nodeType="tmRoot"/>
+      </p:par>
+    </p:tnLst>
+  </p:timing>
+</p:sld>
+</file>
+
+<file path=ppt/slides/slide15.xml><?xml version="1.0" encoding="utf-8"?>
+<p:sld xmlns:a="http://schemas.openxmlformats.org/drawingml/2006/main" xmlns:r="http://schemas.openxmlformats.org/officeDocument/2006/relationships" xmlns:p="http://schemas.openxmlformats.org/presentationml/2006/main">
+  <p:cSld>
+    <p:spTree>
+      <p:nvGrpSpPr>
+        <p:cNvPr id="1" name=""/>
+        <p:cNvGrpSpPr/>
+        <p:nvPr/>
+      </p:nvGrpSpPr>
+      <p:grpSpPr>
+        <a:xfrm>
+          <a:off x="0" y="0"/>
+          <a:ext cx="0" cy="0"/>
+          <a:chOff x="0" y="0"/>
+          <a:chExt cx="0" cy="0"/>
+        </a:xfrm>
+      </p:grpSpPr>
+      <p:sp>
+        <p:nvSpPr>
+          <p:cNvPr id="7" name="Text Placeholder 6"/>
+          <p:cNvSpPr>
+            <a:spLocks noGrp="1"/>
+          </p:cNvSpPr>
+          <p:nvPr>
+            <p:ph type="body" sz="quarter" idx="20"/>
+          </p:nvPr>
+        </p:nvSpPr>
+        <p:spPr>
+          <a:xfrm>
+            <a:off x="2127250" y="2432649"/>
+            <a:ext cx="6467476" cy="576293"/>
+          </a:xfrm>
+        </p:spPr>
+        <p:txBody>
+          <a:bodyPr/>
+          <a:lstStyle/>
+          <a:p>
+            <a:r>
+              <a:rPr lang="ru-RU" dirty="0" smtClean="0"/>
+              <a:t>Вопросы ?</a:t>
+            </a:r>
+            <a:endParaRPr lang="en-US" dirty="0"/>
+          </a:p>
+        </p:txBody>
+      </p:sp>
+    </p:spTree>
+    <p:extLst>
+      <p:ext uri="{BB962C8B-B14F-4D97-AF65-F5344CB8AC3E}">
+        <p14:creationId xmlns:p14="http://schemas.microsoft.com/office/powerpoint/2010/main" val="2964007123"/>
+      </p:ext>
+    </p:extLst>
+  </p:cSld>
+  <p:clrMapOvr>
+    <a:masterClrMapping/>
+  </p:clrMapOvr>
+  <p:transition>
+    <p:zoom/>
+  </p:transition>
+  <p:timing>
+    <p:tnLst>
+      <p:par>
+        <p:cTn id="1" dur="indefinite" restart="never" nodeType="tmRoot"/>
+      </p:par>
+    </p:tnLst>
+  </p:timing>
+</p:sld>
+</file>
+
+<file path=ppt/slides/slide16.xml><?xml version="1.0" encoding="utf-8"?>
+<p:sld xmlns:a="http://schemas.openxmlformats.org/drawingml/2006/main" xmlns:r="http://schemas.openxmlformats.org/officeDocument/2006/relationships" xmlns:p="http://schemas.openxmlformats.org/presentationml/2006/main">
+  <p:cSld>
+    <p:spTree>
+      <p:nvGrpSpPr>
+        <p:cNvPr id="1" name=""/>
+        <p:cNvGrpSpPr/>
+        <p:nvPr/>
+      </p:nvGrpSpPr>
+      <p:grpSpPr>
+        <a:xfrm>
+          <a:off x="0" y="0"/>
+          <a:ext cx="0" cy="0"/>
+          <a:chOff x="0" y="0"/>
+          <a:chExt cx="0" cy="0"/>
+        </a:xfrm>
+      </p:grpSpPr>
+      <p:sp>
+        <p:nvSpPr>
+          <p:cNvPr id="7" name="Subtitle 6"/>
+          <p:cNvSpPr>
+            <a:spLocks noGrp="1"/>
+          </p:cNvSpPr>
+          <p:nvPr>
+            <p:ph type="subTitle" idx="1"/>
+          </p:nvPr>
+        </p:nvSpPr>
+        <p:spPr/>
+        <p:txBody>
+          <a:bodyPr/>
+          <a:lstStyle/>
+          <a:p>
+            <a:r>
+              <a:rPr lang="en-US" dirty="0">
+                <a:latin typeface="Arial" charset="0"/>
+              </a:rPr>
+              <a:t>Разработка через </a:t>
+            </a:r>
+            <a:r>
+              <a:rPr lang="en-US" dirty="0" smtClean="0">
+                <a:latin typeface="Arial" charset="0"/>
+              </a:rPr>
+              <a:t>тестирование</a:t>
+            </a:r>
+            <a:r>
+              <a:rPr lang="en-US" dirty="0">
+                <a:latin typeface="Arial" charset="0"/>
+              </a:rPr>
+              <a:t/>
+            </a:r>
+            <a:br>
+              <a:rPr lang="en-US" dirty="0">
+                <a:latin typeface="Arial" charset="0"/>
+              </a:rPr>
+            </a:br>
+            <a:endParaRPr lang="en-US" dirty="0"/>
+          </a:p>
+        </p:txBody>
+      </p:sp>
+      <p:sp>
+        <p:nvSpPr>
+          <p:cNvPr id="8" name="Text Placeholder 7"/>
+          <p:cNvSpPr>
+            <a:spLocks noGrp="1"/>
+          </p:cNvSpPr>
+          <p:nvPr>
+            <p:ph type="body" sz="quarter" idx="11"/>
+          </p:nvPr>
+        </p:nvSpPr>
+        <p:spPr/>
+        <p:txBody>
+          <a:bodyPr>
+            <a:normAutofit/>
+          </a:bodyPr>
+          <a:lstStyle/>
+          <a:p>
+            <a:r>
+              <a:rPr lang="en-US" dirty="0" err="1"/>
+              <a:t>git</a:t>
+            </a:r>
+            <a:r>
+              <a:rPr lang="en-US" dirty="0"/>
+              <a:t> clone </a:t>
+            </a:r>
+            <a:r>
+              <a:rPr lang="en-US" dirty="0" err="1"/>
+              <a:t>git</a:t>
+            </a:r>
+            <a:r>
+              <a:rPr lang="en-US" dirty="0"/>
+              <a:t>://</a:t>
+            </a:r>
+            <a:r>
+              <a:rPr lang="en-US" dirty="0" err="1"/>
+              <a:t>github.com</a:t>
+            </a:r>
+            <a:r>
+              <a:rPr lang="en-US" dirty="0"/>
+              <a:t>/</a:t>
+            </a:r>
+            <a:r>
+              <a:rPr lang="en-US" dirty="0" err="1"/>
+              <a:t>ivan-dyachenko</a:t>
+            </a:r>
+            <a:r>
+              <a:rPr lang="en-US" dirty="0"/>
+              <a:t>/</a:t>
+            </a:r>
+            <a:r>
+              <a:rPr lang="en-US" dirty="0" err="1"/>
+              <a:t>Trainings.git</a:t>
+            </a:r>
+            <a:endParaRPr lang="en-US" dirty="0"/>
+          </a:p>
+        </p:txBody>
+      </p:sp>
+      <p:sp>
+        <p:nvSpPr>
+          <p:cNvPr id="9" name="Text Placeholder 8"/>
+          <p:cNvSpPr>
+            <a:spLocks noGrp="1"/>
+          </p:cNvSpPr>
+          <p:nvPr>
+            <p:ph type="body" sz="quarter" idx="12"/>
+          </p:nvPr>
+        </p:nvSpPr>
+        <p:spPr/>
+        <p:txBody>
+          <a:bodyPr/>
+          <a:lstStyle/>
+          <a:p>
+            <a:r>
+              <a:rPr lang="en-US" dirty="0" err="1" smtClean="0"/>
+              <a:t>IDyachenko@luxoft.com</a:t>
+            </a:r>
+            <a:endParaRPr lang="en-US" dirty="0"/>
+          </a:p>
+        </p:txBody>
+      </p:sp>
+      <p:sp>
+        <p:nvSpPr>
+          <p:cNvPr id="10" name="Text Placeholder 9"/>
+          <p:cNvSpPr>
+            <a:spLocks noGrp="1"/>
+          </p:cNvSpPr>
+          <p:nvPr>
+            <p:ph type="body" sz="quarter" idx="13"/>
+          </p:nvPr>
+        </p:nvSpPr>
+        <p:spPr/>
+        <p:txBody>
+          <a:bodyPr>
+            <a:normAutofit/>
+          </a:bodyPr>
+          <a:lstStyle/>
+          <a:p>
+            <a:r>
+              <a:rPr lang="en-US" dirty="0"/>
+              <a:t>https://</a:t>
+            </a:r>
+            <a:r>
+              <a:rPr lang="en-US" dirty="0" err="1"/>
+              <a:t>github.com</a:t>
+            </a:r>
+            <a:r>
+              <a:rPr lang="en-US" dirty="0"/>
+              <a:t>/</a:t>
+            </a:r>
+            <a:r>
+              <a:rPr lang="en-US" dirty="0" err="1"/>
+              <a:t>ivan-dyachenko</a:t>
+            </a:r>
+            <a:r>
+              <a:rPr lang="en-US" dirty="0"/>
+              <a:t>/</a:t>
+            </a:r>
+            <a:r>
+              <a:rPr lang="en-US" dirty="0" smtClean="0"/>
+              <a:t>Trainings</a:t>
+            </a:r>
+            <a:endParaRPr lang="en-US" dirty="0"/>
+          </a:p>
+        </p:txBody>
+      </p:sp>
+      <p:sp>
+        <p:nvSpPr>
+          <p:cNvPr id="11" name="Text Placeholder 10"/>
+          <p:cNvSpPr>
+            <a:spLocks noGrp="1"/>
+          </p:cNvSpPr>
+          <p:nvPr>
+            <p:ph type="body" sz="quarter" idx="14"/>
+          </p:nvPr>
+        </p:nvSpPr>
+        <p:spPr/>
+        <p:txBody>
+          <a:bodyPr/>
+          <a:lstStyle/>
+          <a:p>
+            <a:endParaRPr lang="en-US"/>
+          </a:p>
+        </p:txBody>
+      </p:sp>
+    </p:spTree>
+    <p:extLst>
+      <p:ext uri="{BB962C8B-B14F-4D97-AF65-F5344CB8AC3E}">
+        <p14:creationId xmlns:p14="http://schemas.microsoft.com/office/powerpoint/2010/main" val="1157964761"/>
+      </p:ext>
+    </p:extLst>
+  </p:cSld>
+  <p:clrMapOvr>
+    <a:masterClrMapping/>
+  </p:clrMapOvr>
+  <p:transition>
+    <p:zoom/>
+  </p:transition>
+</p:sld>
+</file>
+
+<file path=ppt/slides/slide2.xml><?xml version="1.0" encoding="utf-8"?>
 <p:sld xmlns:a="http://schemas.openxmlformats.org/drawingml/2006/main" xmlns:r="http://schemas.openxmlformats.org/officeDocument/2006/relationships" xmlns:p="http://schemas.openxmlformats.org/presentationml/2006/main">
   <p:cSld>
     <p:spTree>
@@ -18599,14 +22331,6 @@
                 </a:buClr>
                 <a:buSzPct val="125000"/>
               </a:pPr>
-              <a:r>
-                <a:rPr lang="ru-RU" dirty="0" smtClean="0">
-                  <a:solidFill>
-                    <a:srgbClr val="004080"/>
-                  </a:solidFill>
-                </a:rPr>
-                <a:t>Тесты на поведение и на состояние</a:t>
-              </a:r>
               <a:endParaRPr lang="ru-RU" dirty="0">
                 <a:solidFill>
                   <a:srgbClr val="004080"/>
@@ -18878,14 +22602,6 @@
                 </a:buClr>
                 <a:buSzPct val="125000"/>
               </a:pPr>
-              <a:r>
-                <a:rPr lang="en-US" dirty="0" smtClean="0">
-                  <a:solidFill>
-                    <a:srgbClr val="004080"/>
-                  </a:solidFill>
-                </a:rPr>
-                <a:t>Workshop</a:t>
-              </a:r>
               <a:endParaRPr lang="en-US" dirty="0">
                 <a:solidFill>
                   <a:srgbClr val="004080"/>
@@ -19157,14 +22873,6 @@
                 </a:buClr>
                 <a:buSzPct val="125000"/>
               </a:pPr>
-              <a:r>
-                <a:rPr lang="ru-RU" dirty="0" smtClean="0">
-                  <a:solidFill>
-                    <a:srgbClr val="004080"/>
-                  </a:solidFill>
-                </a:rPr>
-                <a:t>Шаблоны тестов</a:t>
-              </a:r>
               <a:endParaRPr lang="en-US" dirty="0" smtClean="0">
                 <a:solidFill>
                   <a:srgbClr val="004080"/>
@@ -19436,14 +23144,6 @@
                 </a:buClr>
                 <a:buSzPct val="125000"/>
               </a:pPr>
-              <a:r>
-                <a:rPr lang="ru-RU" dirty="0" smtClean="0">
-                  <a:solidFill>
-                    <a:srgbClr val="004080"/>
-                  </a:solidFill>
-                </a:rPr>
-                <a:t>Тесты на состояние</a:t>
-              </a:r>
               <a:endParaRPr lang="en-US" dirty="0">
                 <a:solidFill>
                   <a:srgbClr val="004080"/>
@@ -19715,14 +23415,6 @@
                 </a:buClr>
                 <a:buSzPct val="125000"/>
               </a:pPr>
-              <a:r>
-                <a:rPr lang="ru-RU" dirty="0" err="1" smtClean="0">
-                  <a:solidFill>
-                    <a:srgbClr val="004080"/>
-                  </a:solidFill>
-                </a:rPr>
-                <a:t>Моки</a:t>
-              </a:r>
               <a:endParaRPr lang="en-US" dirty="0" smtClean="0">
                 <a:solidFill>
                   <a:srgbClr val="004080"/>
@@ -19994,14 +23686,6 @@
                 </a:buClr>
                 <a:buSzPct val="125000"/>
               </a:pPr>
-              <a:r>
-                <a:rPr lang="ru-RU" dirty="0" smtClean="0">
-                  <a:solidFill>
-                    <a:srgbClr val="004080"/>
-                  </a:solidFill>
-                </a:rPr>
-                <a:t>Тесты на поведение</a:t>
-              </a:r>
               <a:endParaRPr lang="en-US" dirty="0" smtClean="0">
                 <a:solidFill>
                   <a:srgbClr val="004080"/>
@@ -20273,14 +23957,6 @@
                 </a:buClr>
                 <a:buSzPct val="125000"/>
               </a:pPr>
-              <a:r>
-                <a:rPr lang="ru-RU" dirty="0" smtClean="0">
-                  <a:solidFill>
-                    <a:srgbClr val="004080"/>
-                  </a:solidFill>
-                </a:rPr>
-                <a:t>Плюсы и минусы тестов на поведение</a:t>
-              </a:r>
               <a:endParaRPr lang="en-US" dirty="0">
                 <a:solidFill>
                   <a:srgbClr val="004080"/>
@@ -20300,13 +23976,169 @@
   <p:clrMapOvr>
     <a:masterClrMapping/>
   </p:clrMapOvr>
-  <p:transition xmlns:p14="http://schemas.microsoft.com/office/powerpoint/2010/main" spd="slow">
+  <p:transition spd="slow">
     <p:fade/>
   </p:transition>
   <p:timing>
     <p:tnLst>
       <p:par>
-        <p:cTn xmlns:p14="http://schemas.microsoft.com/office/powerpoint/2010/main" id="1" dur="indefinite" restart="never" nodeType="tmRoot"/>
+        <p:cTn id="1" dur="indefinite" restart="never" nodeType="tmRoot"/>
+      </p:par>
+    </p:tnLst>
+  </p:timing>
+</p:sld>
+</file>
+
+<file path=ppt/slides/slide3.xml><?xml version="1.0" encoding="utf-8"?>
+<p:sld xmlns:a="http://schemas.openxmlformats.org/drawingml/2006/main" xmlns:r="http://schemas.openxmlformats.org/officeDocument/2006/relationships" xmlns:p="http://schemas.openxmlformats.org/presentationml/2006/main">
+  <p:cSld>
+    <p:spTree>
+      <p:nvGrpSpPr>
+        <p:cNvPr id="1" name=""/>
+        <p:cNvGrpSpPr/>
+        <p:nvPr/>
+      </p:nvGrpSpPr>
+      <p:grpSpPr>
+        <a:xfrm>
+          <a:off x="0" y="0"/>
+          <a:ext cx="0" cy="0"/>
+          <a:chOff x="0" y="0"/>
+          <a:chExt cx="0" cy="0"/>
+        </a:xfrm>
+      </p:grpSpPr>
+      <p:sp>
+        <p:nvSpPr>
+          <p:cNvPr id="2" name="Title 1"/>
+          <p:cNvSpPr>
+            <a:spLocks noGrp="1"/>
+          </p:cNvSpPr>
+          <p:nvPr>
+            <p:ph type="title"/>
+          </p:nvPr>
+        </p:nvSpPr>
+        <p:spPr/>
+        <p:txBody>
+          <a:bodyPr/>
+          <a:lstStyle/>
+          <a:p>
+            <a:r>
+              <a:rPr lang="ru-RU" dirty="0" smtClean="0"/>
+              <a:t>Что такое </a:t>
+            </a:r>
+            <a:r>
+              <a:rPr lang="en-US" dirty="0" smtClean="0"/>
+              <a:t>BDD</a:t>
+            </a:r>
+            <a:r>
+              <a:rPr lang="en-US" dirty="0"/>
+              <a:t>?</a:t>
+            </a:r>
+            <a:endParaRPr lang="en-US" dirty="0"/>
+          </a:p>
+        </p:txBody>
+      </p:sp>
+      <p:sp>
+        <p:nvSpPr>
+          <p:cNvPr id="8" name="Rectangle 4"/>
+          <p:cNvSpPr>
+            <a:spLocks noChangeArrowheads="1"/>
+          </p:cNvSpPr>
+          <p:nvPr>
+            <p:custDataLst>
+              <p:tags r:id="rId1"/>
+            </p:custDataLst>
+          </p:nvPr>
+        </p:nvSpPr>
+        <p:spPr bwMode="auto">
+          <a:xfrm>
+            <a:off x="1066800" y="3170694"/>
+            <a:ext cx="7010400" cy="516612"/>
+          </a:xfrm>
+          <a:prstGeom prst="rect">
+            <a:avLst/>
+          </a:prstGeom>
+          <a:noFill/>
+          <a:ln w="19050">
+            <a:noFill/>
+            <a:miter lim="800000"/>
+            <a:headEnd/>
+            <a:tailEnd/>
+          </a:ln>
+        </p:spPr>
+        <p:txBody>
+          <a:bodyPr wrap="square" lIns="93296" tIns="144000" rIns="93296" bIns="93296">
+            <a:spAutoFit/>
+          </a:bodyPr>
+          <a:lstStyle/>
+          <a:p>
+            <a:pPr algn="ctr" defTabSz="803275">
+              <a:buClr>
+                <a:srgbClr val="FF6600"/>
+              </a:buClr>
+              <a:buSzPct val="125000"/>
+            </a:pPr>
+            <a:r>
+              <a:rPr lang="en-US" dirty="0" smtClean="0">
+                <a:solidFill>
+                  <a:schemeClr val="accent4"/>
+                </a:solidFill>
+                <a:latin typeface="Arial" pitchFamily="34" charset="0"/>
+                <a:cs typeface="Arial" pitchFamily="34" charset="0"/>
+              </a:rPr>
+              <a:t>BDD – </a:t>
+            </a:r>
+            <a:r>
+              <a:rPr lang="ru-RU" dirty="0" smtClean="0">
+                <a:solidFill>
+                  <a:schemeClr val="accent4"/>
+                </a:solidFill>
+                <a:latin typeface="Arial" pitchFamily="34" charset="0"/>
+                <a:cs typeface="Arial" pitchFamily="34" charset="0"/>
+              </a:rPr>
+              <a:t>это правильное </a:t>
+            </a:r>
+            <a:r>
+              <a:rPr lang="en-US" dirty="0" smtClean="0">
+                <a:solidFill>
+                  <a:schemeClr val="accent4"/>
+                </a:solidFill>
+                <a:latin typeface="Arial" pitchFamily="34" charset="0"/>
+                <a:cs typeface="Arial" pitchFamily="34" charset="0"/>
+              </a:rPr>
+              <a:t>TDD</a:t>
+            </a:r>
+            <a:endParaRPr lang="en-US" dirty="0" smtClean="0">
+              <a:solidFill>
+                <a:schemeClr val="accent4"/>
+              </a:solidFill>
+              <a:latin typeface="Arial" pitchFamily="34" charset="0"/>
+              <a:cs typeface="Arial" pitchFamily="34" charset="0"/>
+            </a:endParaRPr>
+          </a:p>
+        </p:txBody>
+      </p:sp>
+    </p:spTree>
+    <p:extLst>
+      <p:ext uri="{BB962C8B-B14F-4D97-AF65-F5344CB8AC3E}">
+        <p14:creationId xmlns:p14="http://schemas.microsoft.com/office/powerpoint/2010/main" val="2346487176"/>
+      </p:ext>
+    </p:extLst>
+  </p:cSld>
+  <p:clrMapOvr>
+    <a:masterClrMapping/>
+  </p:clrMapOvr>
+  <mc:AlternateContent xmlns:mc="http://schemas.openxmlformats.org/markup-compatibility/2006" xmlns:p14="http://schemas.microsoft.com/office/powerpoint/2010/main">
+    <mc:Choice Requires="p14">
+      <p:transition p14:dur="0"/>
+    </mc:Choice>
+    <mc:Fallback xmlns="">
+      <p:transition xmlns:p14="http://schemas.microsoft.com/office/powerpoint/2010/main"/>
+    </mc:Fallback>
+  </mc:AlternateContent>
+  <p:timing>
+    <p:tnLst>
+      <p:par>
+        <p:cTn id="1" dur="indefinite" restart="never" nodeType="tmRoot"/>
       </p:par>
     </p:tnLst>
   </p:timing>
@@ -20332,49 +24164,188 @@
       </p:grpSpPr>
       <p:sp>
         <p:nvSpPr>
-          <p:cNvPr id="7" name="Text Placeholder 6"/>
+          <p:cNvPr id="2" name="Title 1"/>
           <p:cNvSpPr>
             <a:spLocks noGrp="1"/>
           </p:cNvSpPr>
           <p:nvPr>
-            <p:ph type="body" sz="quarter" idx="20"/>
+            <p:ph type="title"/>
           </p:nvPr>
+        </p:nvSpPr>
+        <p:spPr/>
+        <p:txBody>
+          <a:bodyPr/>
+          <a:lstStyle/>
+          <a:p>
+            <a:r>
+              <a:rPr lang="en-US" dirty="0" smtClean="0"/>
+              <a:t>BDD</a:t>
+            </a:r>
+            <a:endParaRPr lang="en-US" dirty="0"/>
+          </a:p>
+        </p:txBody>
+      </p:sp>
+      <p:sp>
+        <p:nvSpPr>
+          <p:cNvPr id="8" name="Rectangle 4"/>
+          <p:cNvSpPr>
+            <a:spLocks noChangeArrowheads="1"/>
+          </p:cNvSpPr>
+          <p:nvPr>
+            <p:custDataLst>
+              <p:tags r:id="rId1"/>
+            </p:custDataLst>
+          </p:nvPr>
+        </p:nvSpPr>
+        <p:spPr bwMode="auto">
+          <a:xfrm>
+            <a:off x="914400" y="6096000"/>
+            <a:ext cx="7010400" cy="516612"/>
+          </a:xfrm>
+          <a:prstGeom prst="rect">
+            <a:avLst/>
+          </a:prstGeom>
+          <a:noFill/>
+          <a:ln w="19050">
+            <a:noFill/>
+            <a:miter lim="800000"/>
+            <a:headEnd/>
+            <a:tailEnd/>
+          </a:ln>
+        </p:spPr>
+        <p:txBody>
+          <a:bodyPr wrap="square" lIns="93296" tIns="144000" rIns="93296" bIns="93296">
+            <a:spAutoFit/>
+          </a:bodyPr>
+          <a:lstStyle/>
+          <a:p>
+            <a:pPr algn="ctr" defTabSz="803275">
+              <a:buClr>
+                <a:srgbClr val="FF6600"/>
+              </a:buClr>
+              <a:buSzPct val="125000"/>
+            </a:pPr>
+            <a:r>
+              <a:rPr lang="en-US" dirty="0">
+                <a:solidFill>
+                  <a:srgbClr val="004080"/>
+                </a:solidFill>
+                <a:cs typeface="Tahoma" charset="0"/>
+              </a:rPr>
+              <a:t>Behavior Driven Development (BDD</a:t>
+            </a:r>
+            <a:r>
+              <a:rPr lang="en-US" dirty="0" smtClean="0">
+                <a:solidFill>
+                  <a:srgbClr val="004080"/>
+                </a:solidFill>
+                <a:cs typeface="Tahoma" charset="0"/>
+              </a:rPr>
+              <a:t>)</a:t>
+            </a:r>
+          </a:p>
+        </p:txBody>
+      </p:sp>
+      <p:pic>
+        <p:nvPicPr>
+          <p:cNvPr id="1026" name="Picture 2" descr="http://farm2.static.flickr.com/1120/1403808340_2afb107564.jpg"/>
+          <p:cNvPicPr>
+            <a:picLocks noChangeAspect="1" noChangeArrowheads="1"/>
+          </p:cNvPicPr>
+          <p:nvPr/>
+        </p:nvPicPr>
+        <p:blipFill>
+          <a:blip r:embed="rId4">
+            <a:extLst>
+              <a:ext uri="{28A0092B-C50C-407E-A947-70E740481C1C}">
+                <a14:useLocalDpi xmlns:a14="http://schemas.microsoft.com/office/drawing/2010/main" val="0"/>
+              </a:ext>
+            </a:extLst>
+          </a:blip>
+          <a:srcRect/>
+          <a:stretch>
+            <a:fillRect/>
+          </a:stretch>
+        </p:blipFill>
+        <p:spPr bwMode="auto">
+          <a:xfrm>
+            <a:off x="2190750" y="1843087"/>
+            <a:ext cx="4762500" cy="3171826"/>
+          </a:xfrm>
+          <a:prstGeom prst="rect">
+            <a:avLst/>
+          </a:prstGeom>
+          <a:noFill/>
+          <a:extLst>
+            <a:ext uri="{909E8E84-426E-40DD-AFC4-6F175D3DCCD1}">
+              <a14:hiddenFill xmlns:a14="http://schemas.microsoft.com/office/drawing/2010/main">
+                <a:solidFill>
+                  <a:srgbClr val="FFFFFF"/>
+                </a:solidFill>
+              </a14:hiddenFill>
+            </a:ext>
+          </a:extLst>
+        </p:spPr>
+      </p:pic>
+      <p:sp>
+        <p:nvSpPr>
+          <p:cNvPr id="4" name="Rectangle 3"/>
+          <p:cNvSpPr/>
+          <p:nvPr/>
         </p:nvSpPr>
         <p:spPr>
           <a:xfrm>
-            <a:off x="2127250" y="2432649"/>
-            <a:ext cx="6467476" cy="576293"/>
+            <a:off x="3823571" y="5149334"/>
+            <a:ext cx="1192058" cy="369332"/>
           </a:xfrm>
+          <a:prstGeom prst="rect">
+            <a:avLst/>
+          </a:prstGeom>
         </p:spPr>
         <p:txBody>
-          <a:bodyPr/>
+          <a:bodyPr wrap="none">
+            <a:spAutoFit/>
+          </a:bodyPr>
           <a:lstStyle/>
           <a:p>
             <a:r>
-              <a:rPr lang="ru-RU" dirty="0" smtClean="0"/>
-              <a:t>Вопросы ?</a:t>
-            </a:r>
-            <a:endParaRPr lang="en-US" dirty="0"/>
+              <a:rPr lang="en-US" dirty="0">
+                <a:solidFill>
+                  <a:schemeClr val="accent4"/>
+                </a:solidFill>
+              </a:rPr>
+              <a:t>Dan North</a:t>
+            </a:r>
+            <a:endParaRPr lang="ru-RU" dirty="0">
+              <a:solidFill>
+                <a:schemeClr val="accent4"/>
+              </a:solidFill>
+            </a:endParaRPr>
           </a:p>
         </p:txBody>
       </p:sp>
     </p:spTree>
     <p:extLst>
       <p:ext uri="{BB962C8B-B14F-4D97-AF65-F5344CB8AC3E}">
-        <p14:creationId xmlns:p14="http://schemas.microsoft.com/office/powerpoint/2010/main" val="2964007123"/>
+        <p14:creationId xmlns:p14="http://schemas.microsoft.com/office/powerpoint/2010/main" val="492294503"/>
       </p:ext>
     </p:extLst>
   </p:cSld>
   <p:clrMapOvr>
     <a:masterClrMapping/>
   </p:clrMapOvr>
-  <p:transition xmlns:p14="http://schemas.microsoft.com/office/powerpoint/2010/main">
-    <p:zoom/>
-  </p:transition>
+  <mc:AlternateContent xmlns:mc="http://schemas.openxmlformats.org/markup-compatibility/2006" xmlns:p14="http://schemas.microsoft.com/office/powerpoint/2010/main">
+    <mc:Choice Requires="p14">
+      <p:transition p14:dur="0"/>
+    </mc:Choice>
+    <mc:Fallback xmlns="">
+      <p:transition xmlns:p14="http://schemas.microsoft.com/office/powerpoint/2010/main"/>
+    </mc:Fallback>
+  </mc:AlternateContent>
   <p:timing>
     <p:tnLst>
       <p:par>
-        <p:cTn xmlns:p14="http://schemas.microsoft.com/office/powerpoint/2010/main" id="1" dur="indefinite" restart="never" nodeType="tmRoot"/>
+        <p:cTn id="1" dur="indefinite" restart="never" nodeType="tmRoot"/>
       </p:par>
     </p:tnLst>
   </p:timing>
@@ -20400,12 +24371,12 @@
       </p:grpSpPr>
       <p:sp>
         <p:nvSpPr>
-          <p:cNvPr id="7" name="Subtitle 6"/>
+          <p:cNvPr id="2" name="Title 1"/>
           <p:cNvSpPr>
             <a:spLocks noGrp="1"/>
           </p:cNvSpPr>
           <p:nvPr>
-            <p:ph type="subTitle" idx="1"/>
+            <p:ph type="title"/>
           </p:nvPr>
         </p:nvSpPr>
         <p:spPr/>
@@ -20414,190 +24385,1146 @@
           <a:lstStyle/>
           <a:p>
             <a:r>
-              <a:rPr lang="en-US" dirty="0">
-                <a:latin typeface="Arial" charset="0"/>
-              </a:rPr>
-              <a:t>Разработка через </a:t>
-            </a:r>
-            <a:r>
-              <a:rPr lang="en-US" dirty="0" smtClean="0">
-                <a:latin typeface="Arial" charset="0"/>
-              </a:rPr>
-              <a:t>тестирование</a:t>
-            </a:r>
-            <a:r>
-              <a:rPr lang="en-US" dirty="0">
-                <a:latin typeface="Arial" charset="0"/>
-              </a:rPr>
-              <a:t/>
-            </a:r>
-            <a:br>
-              <a:rPr lang="en-US" dirty="0">
-                <a:latin typeface="Arial" charset="0"/>
-              </a:rPr>
-            </a:br>
+              <a:rPr lang="ru-RU" dirty="0" smtClean="0"/>
+              <a:t>Проблемы </a:t>
+            </a:r>
+            <a:r>
+              <a:rPr lang="en-US" dirty="0" smtClean="0"/>
+              <a:t>TDD</a:t>
+            </a:r>
             <a:endParaRPr lang="en-US" dirty="0"/>
           </a:p>
         </p:txBody>
       </p:sp>
       <p:sp>
         <p:nvSpPr>
-          <p:cNvPr id="8" name="Text Placeholder 7"/>
+          <p:cNvPr id="8" name="Rectangle 4"/>
           <p:cNvSpPr>
-            <a:spLocks noGrp="1"/>
+            <a:spLocks noChangeArrowheads="1"/>
           </p:cNvSpPr>
           <p:nvPr>
-            <p:ph type="body" sz="quarter" idx="11"/>
+            <p:custDataLst>
+              <p:tags r:id="rId1"/>
+            </p:custDataLst>
           </p:nvPr>
         </p:nvSpPr>
-        <p:spPr/>
-        <p:txBody>
-          <a:bodyPr>
-            <a:normAutofit/>
+        <p:spPr bwMode="auto">
+          <a:xfrm>
+            <a:off x="1094433" y="2667000"/>
+            <a:ext cx="7010400" cy="1624608"/>
+          </a:xfrm>
+          <a:prstGeom prst="rect">
+            <a:avLst/>
+          </a:prstGeom>
+          <a:noFill/>
+          <a:ln w="19050">
+            <a:noFill/>
+            <a:miter lim="800000"/>
+            <a:headEnd/>
+            <a:tailEnd/>
+          </a:ln>
+        </p:spPr>
+        <p:txBody>
+          <a:bodyPr wrap="square" lIns="93296" tIns="144000" rIns="93296" bIns="93296">
+            <a:spAutoFit/>
           </a:bodyPr>
           <a:lstStyle/>
           <a:p>
-            <a:r>
-              <a:rPr lang="en-US" dirty="0" err="1"/>
-              <a:t>git</a:t>
-            </a:r>
-            <a:r>
-              <a:rPr lang="en-US" dirty="0"/>
-              <a:t> clone </a:t>
-            </a:r>
-            <a:r>
-              <a:rPr lang="en-US" dirty="0" err="1"/>
-              <a:t>git</a:t>
-            </a:r>
-            <a:r>
-              <a:rPr lang="en-US" dirty="0"/>
-              <a:t>://</a:t>
-            </a:r>
-            <a:r>
-              <a:rPr lang="en-US" dirty="0" err="1"/>
-              <a:t>github.com</a:t>
-            </a:r>
-            <a:r>
-              <a:rPr lang="en-US" dirty="0"/>
-              <a:t>/</a:t>
-            </a:r>
-            <a:r>
-              <a:rPr lang="en-US" dirty="0" err="1"/>
-              <a:t>ivan-dyachenko</a:t>
-            </a:r>
-            <a:r>
-              <a:rPr lang="en-US" dirty="0"/>
-              <a:t>/</a:t>
-            </a:r>
-            <a:r>
-              <a:rPr lang="en-US" dirty="0" err="1"/>
-              <a:t>Trainings.git</a:t>
-            </a:r>
-            <a:endParaRPr lang="en-US" dirty="0"/>
-          </a:p>
-        </p:txBody>
-      </p:sp>
-      <p:sp>
-        <p:nvSpPr>
-          <p:cNvPr id="9" name="Text Placeholder 8"/>
-          <p:cNvSpPr>
-            <a:spLocks noGrp="1"/>
-          </p:cNvSpPr>
-          <p:nvPr>
-            <p:ph type="body" sz="quarter" idx="12"/>
-          </p:nvPr>
-        </p:nvSpPr>
-        <p:spPr/>
-        <p:txBody>
-          <a:bodyPr/>
-          <a:lstStyle/>
-          <a:p>
-            <a:r>
-              <a:rPr lang="en-US" dirty="0" err="1" smtClean="0"/>
-              <a:t>IDyachenko@luxoft.com</a:t>
-            </a:r>
-            <a:endParaRPr lang="en-US" dirty="0"/>
-          </a:p>
-        </p:txBody>
-      </p:sp>
-      <p:sp>
-        <p:nvSpPr>
-          <p:cNvPr id="10" name="Text Placeholder 9"/>
-          <p:cNvSpPr>
-            <a:spLocks noGrp="1"/>
-          </p:cNvSpPr>
-          <p:nvPr>
-            <p:ph type="body" sz="quarter" idx="13"/>
-          </p:nvPr>
-        </p:nvSpPr>
-        <p:spPr/>
-        <p:txBody>
-          <a:bodyPr>
-            <a:normAutofit/>
+            <a:pPr defTabSz="803275">
+              <a:buClr>
+                <a:srgbClr val="FF6600"/>
+              </a:buClr>
+              <a:buSzPct val="125000"/>
+            </a:pPr>
+            <a:r>
+              <a:rPr lang="ru-RU" dirty="0" smtClean="0">
+                <a:solidFill>
+                  <a:schemeClr val="accent4"/>
+                </a:solidFill>
+                <a:latin typeface="Arial" pitchFamily="34" charset="0"/>
+                <a:cs typeface="Arial" pitchFamily="34" charset="0"/>
+              </a:rPr>
+              <a:t>У меня была проблема. При использовании и обучении </a:t>
+            </a:r>
+          </a:p>
+          <a:p>
+            <a:pPr defTabSz="803275">
+              <a:buClr>
+                <a:srgbClr val="FF6600"/>
+              </a:buClr>
+              <a:buSzPct val="125000"/>
+            </a:pPr>
+            <a:r>
+              <a:rPr lang="en-US" dirty="0" smtClean="0">
+                <a:solidFill>
+                  <a:schemeClr val="accent4"/>
+                </a:solidFill>
+                <a:latin typeface="Arial" pitchFamily="34" charset="0"/>
+                <a:cs typeface="Arial" pitchFamily="34" charset="0"/>
+              </a:rPr>
+              <a:t>Test</a:t>
+            </a:r>
+            <a:r>
+              <a:rPr lang="ru-RU" dirty="0" smtClean="0">
+                <a:solidFill>
+                  <a:schemeClr val="accent4"/>
+                </a:solidFill>
+                <a:latin typeface="Arial" pitchFamily="34" charset="0"/>
+                <a:cs typeface="Arial" pitchFamily="34" charset="0"/>
+              </a:rPr>
+              <a:t>-Driven Development (TDD) в разных проектах, я каждый раз сталикивался с непониманием со стороны разработчиков.</a:t>
+            </a:r>
+            <a:r>
+              <a:rPr lang="en-US" dirty="0" smtClean="0">
+                <a:solidFill>
+                  <a:schemeClr val="accent4"/>
+                </a:solidFill>
+                <a:latin typeface="Arial" pitchFamily="34" charset="0"/>
+                <a:cs typeface="Arial" pitchFamily="34" charset="0"/>
+              </a:rPr>
+              <a:t> </a:t>
+            </a:r>
+          </a:p>
+          <a:p>
+            <a:pPr defTabSz="803275">
+              <a:buClr>
+                <a:srgbClr val="FF6600"/>
+              </a:buClr>
+              <a:buSzPct val="125000"/>
+            </a:pPr>
+            <a:endParaRPr lang="en-US" dirty="0" smtClean="0">
+              <a:solidFill>
+                <a:schemeClr val="accent4"/>
+              </a:solidFill>
+              <a:latin typeface="Arial" pitchFamily="34" charset="0"/>
+              <a:cs typeface="Arial" pitchFamily="34" charset="0"/>
+            </a:endParaRPr>
+          </a:p>
+          <a:p>
+            <a:pPr algn="r" defTabSz="803275">
+              <a:buClr>
+                <a:srgbClr val="FF6600"/>
+              </a:buClr>
+              <a:buSzPct val="125000"/>
+            </a:pPr>
+            <a:r>
+              <a:rPr lang="en-US" dirty="0" smtClean="0">
+                <a:solidFill>
+                  <a:schemeClr val="accent4"/>
+                </a:solidFill>
+                <a:latin typeface="Arial" pitchFamily="34" charset="0"/>
+                <a:cs typeface="Arial" pitchFamily="34" charset="0"/>
+              </a:rPr>
+              <a:t>- Dan North</a:t>
+            </a:r>
+            <a:endParaRPr lang="en-US" dirty="0" smtClean="0">
+              <a:solidFill>
+                <a:schemeClr val="accent4"/>
+              </a:solidFill>
+              <a:latin typeface="Arial" pitchFamily="34" charset="0"/>
+              <a:cs typeface="Arial" pitchFamily="34" charset="0"/>
+            </a:endParaRPr>
+          </a:p>
+        </p:txBody>
+      </p:sp>
+      <p:sp>
+        <p:nvSpPr>
+          <p:cNvPr id="6" name="Rectangle 5"/>
+          <p:cNvSpPr/>
+          <p:nvPr/>
+        </p:nvSpPr>
+        <p:spPr>
+          <a:xfrm>
+            <a:off x="282574" y="6096000"/>
+            <a:ext cx="3751155" cy="923330"/>
+          </a:xfrm>
+          <a:prstGeom prst="rect">
+            <a:avLst/>
+          </a:prstGeom>
+        </p:spPr>
+        <p:txBody>
+          <a:bodyPr wrap="none">
+            <a:spAutoFit/>
           </a:bodyPr>
           <a:lstStyle/>
           <a:p>
             <a:r>
-              <a:rPr lang="en-US" dirty="0"/>
-              <a:t>https://</a:t>
-            </a:r>
-            <a:r>
-              <a:rPr lang="en-US" dirty="0" err="1"/>
-              <a:t>github.com</a:t>
-            </a:r>
-            <a:r>
-              <a:rPr lang="en-US" dirty="0"/>
-              <a:t>/</a:t>
-            </a:r>
-            <a:r>
-              <a:rPr lang="en-US" dirty="0" err="1"/>
-              <a:t>ivan-dyachenko</a:t>
-            </a:r>
-            <a:r>
-              <a:rPr lang="en-US" dirty="0"/>
-              <a:t>/</a:t>
-            </a:r>
-            <a:r>
-              <a:rPr lang="en-US" dirty="0" smtClean="0"/>
-              <a:t>Trainings</a:t>
-            </a:r>
-            <a:endParaRPr lang="en-US" dirty="0"/>
-          </a:p>
-        </p:txBody>
-      </p:sp>
-      <p:sp>
-        <p:nvSpPr>
-          <p:cNvPr id="11" name="Text Placeholder 10"/>
-          <p:cNvSpPr>
-            <a:spLocks noGrp="1"/>
-          </p:cNvSpPr>
-          <p:nvPr>
-            <p:ph type="body" sz="quarter" idx="14"/>
-          </p:nvPr>
-        </p:nvSpPr>
-        <p:spPr/>
-        <p:txBody>
-          <a:bodyPr/>
-          <a:lstStyle/>
-          <a:p>
-            <a:endParaRPr lang="en-US"/>
+              <a:rPr lang="en-US" dirty="0">
+                <a:solidFill>
+                  <a:schemeClr val="accent4"/>
+                </a:solidFill>
+                <a:latin typeface="Arial" pitchFamily="34" charset="0"/>
+                <a:cs typeface="Arial" pitchFamily="34" charset="0"/>
+              </a:rPr>
+              <a:t>Introducing BDD - Dan </a:t>
+            </a:r>
+            <a:r>
+              <a:rPr lang="en-US" dirty="0" smtClean="0">
+                <a:solidFill>
+                  <a:schemeClr val="accent4"/>
+                </a:solidFill>
+                <a:latin typeface="Arial" pitchFamily="34" charset="0"/>
+                <a:cs typeface="Arial" pitchFamily="34" charset="0"/>
+              </a:rPr>
+              <a:t>North</a:t>
+            </a:r>
+          </a:p>
+          <a:p>
+            <a:r>
+              <a:rPr lang="en-US" dirty="0">
+                <a:latin typeface="Arial" pitchFamily="34" charset="0"/>
+                <a:cs typeface="Arial" pitchFamily="34" charset="0"/>
+                <a:hlinkClick r:id="rId4"/>
+              </a:rPr>
+              <a:t>http://</a:t>
+            </a:r>
+            <a:r>
+              <a:rPr lang="en-US" dirty="0" smtClean="0">
+                <a:latin typeface="Arial" pitchFamily="34" charset="0"/>
+                <a:cs typeface="Arial" pitchFamily="34" charset="0"/>
+                <a:hlinkClick r:id="rId4"/>
+              </a:rPr>
+              <a:t>dannorth.net/introducing-bdd</a:t>
+            </a:r>
+            <a:endParaRPr lang="en-US" dirty="0" smtClean="0">
+              <a:latin typeface="Arial" pitchFamily="34" charset="0"/>
+              <a:cs typeface="Arial" pitchFamily="34" charset="0"/>
+            </a:endParaRPr>
+          </a:p>
+          <a:p>
+            <a:endParaRPr lang="ru-RU" dirty="0">
+              <a:solidFill>
+                <a:schemeClr val="accent4"/>
+              </a:solidFill>
+              <a:latin typeface="Arial" pitchFamily="34" charset="0"/>
+              <a:cs typeface="Arial" pitchFamily="34" charset="0"/>
+            </a:endParaRPr>
           </a:p>
         </p:txBody>
       </p:sp>
     </p:spTree>
     <p:extLst>
       <p:ext uri="{BB962C8B-B14F-4D97-AF65-F5344CB8AC3E}">
-        <p14:creationId xmlns:p14="http://schemas.microsoft.com/office/powerpoint/2010/main" val="1157964761"/>
+        <p14:creationId xmlns:p14="http://schemas.microsoft.com/office/powerpoint/2010/main" val="227055620"/>
       </p:ext>
     </p:extLst>
   </p:cSld>
   <p:clrMapOvr>
     <a:masterClrMapping/>
   </p:clrMapOvr>
-  <p:transition xmlns:p14="http://schemas.microsoft.com/office/powerpoint/2010/main">
-    <p:zoom/>
-  </p:transition>
+  <mc:AlternateContent xmlns:mc="http://schemas.openxmlformats.org/markup-compatibility/2006" xmlns:p14="http://schemas.microsoft.com/office/powerpoint/2010/main">
+    <mc:Choice Requires="p14">
+      <p:transition p14:dur="0"/>
+    </mc:Choice>
+    <mc:Fallback xmlns="">
+      <p:transition xmlns:p14="http://schemas.microsoft.com/office/powerpoint/2010/main"/>
+    </mc:Fallback>
+  </mc:AlternateContent>
+  <p:timing>
+    <p:tnLst>
+      <p:par>
+        <p:cTn id="1" dur="indefinite" restart="never" nodeType="tmRoot"/>
+      </p:par>
+    </p:tnLst>
+  </p:timing>
 </p:sld>
+</file>
+
+<file path=ppt/slides/slide6.xml><?xml version="1.0" encoding="utf-8"?>
+<p:sld xmlns:a="http://schemas.openxmlformats.org/drawingml/2006/main" xmlns:r="http://schemas.openxmlformats.org/officeDocument/2006/relationships" xmlns:p="http://schemas.openxmlformats.org/presentationml/2006/main">
+  <p:cSld>
+    <p:spTree>
+      <p:nvGrpSpPr>
+        <p:cNvPr id="1" name=""/>
+        <p:cNvGrpSpPr/>
+        <p:nvPr/>
+      </p:nvGrpSpPr>
+      <p:grpSpPr>
+        <a:xfrm>
+          <a:off x="0" y="0"/>
+          <a:ext cx="0" cy="0"/>
+          <a:chOff x="0" y="0"/>
+          <a:chExt cx="0" cy="0"/>
+        </a:xfrm>
+      </p:grpSpPr>
+      <p:sp>
+        <p:nvSpPr>
+          <p:cNvPr id="2" name="Title 1"/>
+          <p:cNvSpPr>
+            <a:spLocks noGrp="1"/>
+          </p:cNvSpPr>
+          <p:nvPr>
+            <p:ph type="title"/>
+          </p:nvPr>
+        </p:nvSpPr>
+        <p:spPr/>
+        <p:txBody>
+          <a:bodyPr/>
+          <a:lstStyle/>
+          <a:p>
+            <a:r>
+              <a:rPr lang="ru-RU" dirty="0"/>
+              <a:t>Что такое </a:t>
+            </a:r>
+            <a:r>
+              <a:rPr lang="en-US" dirty="0"/>
+              <a:t>BDD?</a:t>
+            </a:r>
+            <a:endParaRPr lang="en-US" dirty="0"/>
+          </a:p>
+        </p:txBody>
+      </p:sp>
+      <p:sp>
+        <p:nvSpPr>
+          <p:cNvPr id="8" name="Rectangle 4"/>
+          <p:cNvSpPr>
+            <a:spLocks noChangeArrowheads="1"/>
+          </p:cNvSpPr>
+          <p:nvPr>
+            <p:custDataLst>
+              <p:tags r:id="rId1"/>
+            </p:custDataLst>
+          </p:nvPr>
+        </p:nvSpPr>
+        <p:spPr bwMode="auto">
+          <a:xfrm>
+            <a:off x="2286000" y="1785700"/>
+            <a:ext cx="4572000" cy="3286601"/>
+          </a:xfrm>
+          <a:prstGeom prst="rect">
+            <a:avLst/>
+          </a:prstGeom>
+          <a:noFill/>
+          <a:ln w="19050">
+            <a:noFill/>
+            <a:miter lim="800000"/>
+            <a:headEnd/>
+            <a:tailEnd/>
+          </a:ln>
+        </p:spPr>
+        <p:txBody>
+          <a:bodyPr wrap="square" lIns="93296" tIns="144000" rIns="93296" bIns="93296">
+            <a:spAutoFit/>
+          </a:bodyPr>
+          <a:lstStyle/>
+          <a:p>
+            <a:pPr defTabSz="803275">
+              <a:buClr>
+                <a:srgbClr val="FF6600"/>
+              </a:buClr>
+              <a:buSzPct val="125000"/>
+            </a:pPr>
+            <a:r>
+              <a:rPr lang="ru-RU" dirty="0">
+                <a:solidFill>
+                  <a:schemeClr val="accent4"/>
+                </a:solidFill>
+                <a:latin typeface="Arial" pitchFamily="34" charset="0"/>
+                <a:cs typeface="Arial" pitchFamily="34" charset="0"/>
+              </a:rPr>
+              <a:t>Программисты </a:t>
+            </a:r>
+            <a:r>
+              <a:rPr lang="ru-RU" dirty="0" smtClean="0">
+                <a:solidFill>
+                  <a:schemeClr val="accent4"/>
+                </a:solidFill>
+                <a:latin typeface="Arial" pitchFamily="34" charset="0"/>
+                <a:cs typeface="Arial" pitchFamily="34" charset="0"/>
+              </a:rPr>
+              <a:t>не понимают</a:t>
+            </a:r>
+            <a:r>
+              <a:rPr lang="en-US" dirty="0" smtClean="0">
+                <a:solidFill>
+                  <a:schemeClr val="accent4"/>
+                </a:solidFill>
+                <a:latin typeface="Arial" pitchFamily="34" charset="0"/>
+                <a:cs typeface="Arial" pitchFamily="34" charset="0"/>
+              </a:rPr>
+              <a:t>:</a:t>
+            </a:r>
+          </a:p>
+          <a:p>
+            <a:pPr defTabSz="803275">
+              <a:buClr>
+                <a:srgbClr val="FF6600"/>
+              </a:buClr>
+              <a:buSzPct val="125000"/>
+            </a:pPr>
+            <a:endParaRPr lang="en-US" dirty="0" smtClean="0">
+              <a:solidFill>
+                <a:schemeClr val="accent4"/>
+              </a:solidFill>
+              <a:latin typeface="Arial" pitchFamily="34" charset="0"/>
+              <a:cs typeface="Arial" pitchFamily="34" charset="0"/>
+            </a:endParaRPr>
+          </a:p>
+          <a:p>
+            <a:pPr marL="285750" indent="-285750" defTabSz="803275">
+              <a:buClr>
+                <a:srgbClr val="FF6600"/>
+              </a:buClr>
+              <a:buSzPct val="125000"/>
+              <a:buFont typeface="Wingdings" pitchFamily="2" charset="2"/>
+              <a:buChar char="§"/>
+            </a:pPr>
+            <a:r>
+              <a:rPr lang="en-US" dirty="0" smtClean="0">
+                <a:solidFill>
+                  <a:schemeClr val="accent4"/>
+                </a:solidFill>
+                <a:latin typeface="Arial" pitchFamily="34" charset="0"/>
+                <a:cs typeface="Arial" pitchFamily="34" charset="0"/>
+              </a:rPr>
+              <a:t>C</a:t>
+            </a:r>
+            <a:r>
+              <a:rPr lang="ru-RU" dirty="0" smtClean="0">
+                <a:solidFill>
+                  <a:schemeClr val="accent4"/>
+                </a:solidFill>
+                <a:latin typeface="Arial" pitchFamily="34" charset="0"/>
+                <a:cs typeface="Arial" pitchFamily="34" charset="0"/>
+              </a:rPr>
+              <a:t> </a:t>
+            </a:r>
+            <a:r>
+              <a:rPr lang="ru-RU" dirty="0">
+                <a:solidFill>
+                  <a:schemeClr val="accent4"/>
+                </a:solidFill>
+                <a:latin typeface="Arial" pitchFamily="34" charset="0"/>
+                <a:cs typeface="Arial" pitchFamily="34" charset="0"/>
+              </a:rPr>
+              <a:t>чего </a:t>
+            </a:r>
+            <a:r>
+              <a:rPr lang="ru-RU" dirty="0" smtClean="0">
+                <a:solidFill>
+                  <a:schemeClr val="accent4"/>
+                </a:solidFill>
+                <a:latin typeface="Arial" pitchFamily="34" charset="0"/>
+                <a:cs typeface="Arial" pitchFamily="34" charset="0"/>
+              </a:rPr>
+              <a:t>начать писать тест</a:t>
+            </a:r>
+            <a:r>
+              <a:rPr lang="en-US" dirty="0" smtClean="0">
+                <a:solidFill>
+                  <a:schemeClr val="accent4"/>
+                </a:solidFill>
+                <a:latin typeface="Arial" pitchFamily="34" charset="0"/>
+                <a:cs typeface="Arial" pitchFamily="34" charset="0"/>
+              </a:rPr>
+              <a:t>?</a:t>
+            </a:r>
+          </a:p>
+          <a:p>
+            <a:pPr defTabSz="803275">
+              <a:buClr>
+                <a:srgbClr val="FF6600"/>
+              </a:buClr>
+              <a:buSzPct val="125000"/>
+            </a:pPr>
+            <a:endParaRPr lang="en-US" dirty="0" smtClean="0">
+              <a:solidFill>
+                <a:schemeClr val="accent4"/>
+              </a:solidFill>
+              <a:latin typeface="Arial" pitchFamily="34" charset="0"/>
+              <a:cs typeface="Arial" pitchFamily="34" charset="0"/>
+            </a:endParaRPr>
+          </a:p>
+          <a:p>
+            <a:pPr marL="285750" indent="-285750" defTabSz="803275">
+              <a:buClr>
+                <a:srgbClr val="FF6600"/>
+              </a:buClr>
+              <a:buSzPct val="125000"/>
+              <a:buFont typeface="Wingdings" pitchFamily="2" charset="2"/>
+              <a:buChar char="§"/>
+            </a:pPr>
+            <a:r>
+              <a:rPr lang="ru-RU" dirty="0">
+                <a:solidFill>
+                  <a:schemeClr val="accent4"/>
+                </a:solidFill>
+                <a:latin typeface="Arial" pitchFamily="34" charset="0"/>
+                <a:cs typeface="Arial" pitchFamily="34" charset="0"/>
+              </a:rPr>
+              <a:t>Ч</a:t>
+            </a:r>
+            <a:r>
+              <a:rPr lang="ru-RU" dirty="0" smtClean="0">
+                <a:solidFill>
+                  <a:schemeClr val="accent4"/>
+                </a:solidFill>
+                <a:latin typeface="Arial" pitchFamily="34" charset="0"/>
+                <a:cs typeface="Arial" pitchFamily="34" charset="0"/>
+              </a:rPr>
+              <a:t>то тестировать а что нет</a:t>
+            </a:r>
+            <a:r>
+              <a:rPr lang="en-US" dirty="0" smtClean="0">
+                <a:solidFill>
+                  <a:schemeClr val="accent4"/>
+                </a:solidFill>
+                <a:latin typeface="Arial" pitchFamily="34" charset="0"/>
+                <a:cs typeface="Arial" pitchFamily="34" charset="0"/>
+              </a:rPr>
+              <a:t>?</a:t>
+            </a:r>
+          </a:p>
+          <a:p>
+            <a:pPr marL="285750" indent="-285750" defTabSz="803275">
+              <a:buClr>
+                <a:srgbClr val="FF6600"/>
+              </a:buClr>
+              <a:buSzPct val="125000"/>
+              <a:buFont typeface="Wingdings" pitchFamily="2" charset="2"/>
+              <a:buChar char="§"/>
+            </a:pPr>
+            <a:endParaRPr lang="en-US" dirty="0" smtClean="0">
+              <a:solidFill>
+                <a:schemeClr val="accent4"/>
+              </a:solidFill>
+              <a:latin typeface="Arial" pitchFamily="34" charset="0"/>
+              <a:cs typeface="Arial" pitchFamily="34" charset="0"/>
+            </a:endParaRPr>
+          </a:p>
+          <a:p>
+            <a:pPr marL="285750" indent="-285750" defTabSz="803275">
+              <a:buClr>
+                <a:srgbClr val="FF6600"/>
+              </a:buClr>
+              <a:buSzPct val="125000"/>
+              <a:buFont typeface="Wingdings" pitchFamily="2" charset="2"/>
+              <a:buChar char="§"/>
+            </a:pPr>
+            <a:r>
+              <a:rPr lang="ru-RU" dirty="0">
+                <a:solidFill>
+                  <a:schemeClr val="accent4"/>
+                </a:solidFill>
+                <a:latin typeface="Arial" pitchFamily="34" charset="0"/>
+                <a:cs typeface="Arial" pitchFamily="34" charset="0"/>
+              </a:rPr>
+              <a:t>К</a:t>
+            </a:r>
+            <a:r>
+              <a:rPr lang="ru-RU" dirty="0" smtClean="0">
+                <a:solidFill>
+                  <a:schemeClr val="accent4"/>
+                </a:solidFill>
+                <a:latin typeface="Arial" pitchFamily="34" charset="0"/>
+                <a:cs typeface="Arial" pitchFamily="34" charset="0"/>
+              </a:rPr>
+              <a:t>ак много тестировать в одном тесте</a:t>
+            </a:r>
+            <a:r>
+              <a:rPr lang="en-US" dirty="0" smtClean="0">
+                <a:solidFill>
+                  <a:schemeClr val="accent4"/>
+                </a:solidFill>
+                <a:latin typeface="Arial" pitchFamily="34" charset="0"/>
+                <a:cs typeface="Arial" pitchFamily="34" charset="0"/>
+              </a:rPr>
+              <a:t>?</a:t>
+            </a:r>
+          </a:p>
+          <a:p>
+            <a:pPr marL="285750" indent="-285750" defTabSz="803275">
+              <a:buClr>
+                <a:srgbClr val="FF6600"/>
+              </a:buClr>
+              <a:buSzPct val="125000"/>
+              <a:buFont typeface="Wingdings" pitchFamily="2" charset="2"/>
+              <a:buChar char="§"/>
+            </a:pPr>
+            <a:endParaRPr lang="en-US" dirty="0" smtClean="0">
+              <a:solidFill>
+                <a:schemeClr val="accent4"/>
+              </a:solidFill>
+              <a:latin typeface="Arial" pitchFamily="34" charset="0"/>
+              <a:cs typeface="Arial" pitchFamily="34" charset="0"/>
+            </a:endParaRPr>
+          </a:p>
+          <a:p>
+            <a:pPr marL="285750" indent="-285750" defTabSz="803275">
+              <a:buClr>
+                <a:srgbClr val="FF6600"/>
+              </a:buClr>
+              <a:buSzPct val="125000"/>
+              <a:buFont typeface="Wingdings" pitchFamily="2" charset="2"/>
+              <a:buChar char="§"/>
+            </a:pPr>
+            <a:r>
+              <a:rPr lang="ru-RU" dirty="0" smtClean="0">
+                <a:solidFill>
+                  <a:schemeClr val="accent4"/>
+                </a:solidFill>
+                <a:latin typeface="Arial" pitchFamily="34" charset="0"/>
+                <a:cs typeface="Arial" pitchFamily="34" charset="0"/>
+              </a:rPr>
+              <a:t>Как именовать тесты</a:t>
+            </a:r>
+            <a:r>
+              <a:rPr lang="en-US" dirty="0" smtClean="0">
+                <a:solidFill>
+                  <a:schemeClr val="accent4"/>
+                </a:solidFill>
+                <a:latin typeface="Arial" pitchFamily="34" charset="0"/>
+                <a:cs typeface="Arial" pitchFamily="34" charset="0"/>
+              </a:rPr>
+              <a:t>?</a:t>
+            </a:r>
+          </a:p>
+          <a:p>
+            <a:pPr marL="285750" indent="-285750" defTabSz="803275">
+              <a:buClr>
+                <a:srgbClr val="FF6600"/>
+              </a:buClr>
+              <a:buSzPct val="125000"/>
+              <a:buFont typeface="Wingdings" pitchFamily="2" charset="2"/>
+              <a:buChar char="§"/>
+            </a:pPr>
+            <a:endParaRPr lang="en-US" dirty="0" smtClean="0">
+              <a:solidFill>
+                <a:schemeClr val="accent4"/>
+              </a:solidFill>
+              <a:latin typeface="Arial" pitchFamily="34" charset="0"/>
+              <a:cs typeface="Arial" pitchFamily="34" charset="0"/>
+            </a:endParaRPr>
+          </a:p>
+          <a:p>
+            <a:pPr marL="285750" indent="-285750" defTabSz="803275">
+              <a:buClr>
+                <a:srgbClr val="FF6600"/>
+              </a:buClr>
+              <a:buSzPct val="125000"/>
+              <a:buFont typeface="Wingdings" pitchFamily="2" charset="2"/>
+              <a:buChar char="§"/>
+            </a:pPr>
+            <a:r>
+              <a:rPr lang="ru-RU" dirty="0" smtClean="0">
+                <a:solidFill>
+                  <a:schemeClr val="accent4"/>
+                </a:solidFill>
+                <a:latin typeface="Arial" pitchFamily="34" charset="0"/>
+                <a:cs typeface="Arial" pitchFamily="34" charset="0"/>
+              </a:rPr>
+              <a:t>Как </a:t>
+            </a:r>
+            <a:r>
+              <a:rPr lang="ru-RU" dirty="0">
+                <a:solidFill>
+                  <a:schemeClr val="accent4"/>
+                </a:solidFill>
+                <a:latin typeface="Arial" pitchFamily="34" charset="0"/>
+                <a:cs typeface="Arial" pitchFamily="34" charset="0"/>
+              </a:rPr>
+              <a:t>понять, почему тест не </a:t>
+            </a:r>
+            <a:r>
+              <a:rPr lang="ru-RU" dirty="0" smtClean="0">
+                <a:solidFill>
+                  <a:schemeClr val="accent4"/>
+                </a:solidFill>
+                <a:latin typeface="Arial" pitchFamily="34" charset="0"/>
+                <a:cs typeface="Arial" pitchFamily="34" charset="0"/>
+              </a:rPr>
+              <a:t>пройден</a:t>
+            </a:r>
+            <a:r>
+              <a:rPr lang="en-US" dirty="0" smtClean="0">
+                <a:solidFill>
+                  <a:schemeClr val="accent4"/>
+                </a:solidFill>
+                <a:latin typeface="Arial" pitchFamily="34" charset="0"/>
+                <a:cs typeface="Arial" pitchFamily="34" charset="0"/>
+              </a:rPr>
+              <a:t>?</a:t>
+            </a:r>
+            <a:endParaRPr lang="ru-RU" dirty="0" smtClean="0">
+              <a:solidFill>
+                <a:schemeClr val="accent4"/>
+              </a:solidFill>
+              <a:latin typeface="Arial" pitchFamily="34" charset="0"/>
+              <a:cs typeface="Arial" pitchFamily="34" charset="0"/>
+            </a:endParaRPr>
+          </a:p>
+        </p:txBody>
+      </p:sp>
+    </p:spTree>
+    <p:extLst>
+      <p:ext uri="{BB962C8B-B14F-4D97-AF65-F5344CB8AC3E}">
+        <p14:creationId xmlns:p14="http://schemas.microsoft.com/office/powerpoint/2010/main" val="2627344295"/>
+      </p:ext>
+    </p:extLst>
+  </p:cSld>
+  <p:clrMapOvr>
+    <a:masterClrMapping/>
+  </p:clrMapOvr>
+  <mc:AlternateContent xmlns:mc="http://schemas.openxmlformats.org/markup-compatibility/2006" xmlns:p14="http://schemas.microsoft.com/office/powerpoint/2010/main">
+    <mc:Choice Requires="p14">
+      <p:transition p14:dur="0"/>
+    </mc:Choice>
+    <mc:Fallback xmlns="">
+      <p:transition xmlns:p14="http://schemas.microsoft.com/office/powerpoint/2010/main"/>
+    </mc:Fallback>
+  </mc:AlternateContent>
+  <p:timing>
+    <p:tnLst>
+      <p:par>
+        <p:cTn id="1" dur="indefinite" restart="never" nodeType="tmRoot"/>
+      </p:par>
+    </p:tnLst>
+  </p:timing>
+</p:sld>
+</file>
+
+<file path=ppt/slides/slide7.xml><?xml version="1.0" encoding="utf-8"?>
+<p:sld xmlns:a="http://schemas.openxmlformats.org/drawingml/2006/main" xmlns:r="http://schemas.openxmlformats.org/officeDocument/2006/relationships" xmlns:p="http://schemas.openxmlformats.org/presentationml/2006/main">
+  <p:cSld>
+    <p:spTree>
+      <p:nvGrpSpPr>
+        <p:cNvPr id="1" name=""/>
+        <p:cNvGrpSpPr/>
+        <p:nvPr/>
+      </p:nvGrpSpPr>
+      <p:grpSpPr>
+        <a:xfrm>
+          <a:off x="0" y="0"/>
+          <a:ext cx="0" cy="0"/>
+          <a:chOff x="0" y="0"/>
+          <a:chExt cx="0" cy="0"/>
+        </a:xfrm>
+      </p:grpSpPr>
+      <p:sp>
+        <p:nvSpPr>
+          <p:cNvPr id="2" name="Title 1"/>
+          <p:cNvSpPr>
+            <a:spLocks noGrp="1"/>
+          </p:cNvSpPr>
+          <p:nvPr>
+            <p:ph type="title"/>
+          </p:nvPr>
+        </p:nvSpPr>
+        <p:spPr/>
+        <p:txBody>
+          <a:bodyPr/>
+          <a:lstStyle/>
+          <a:p>
+            <a:r>
+              <a:rPr lang="ru-RU" dirty="0"/>
+              <a:t>Что такое </a:t>
+            </a:r>
+            <a:r>
+              <a:rPr lang="en-US" dirty="0"/>
+              <a:t>BDD?</a:t>
+            </a:r>
+            <a:endParaRPr lang="en-US" dirty="0"/>
+          </a:p>
+        </p:txBody>
+      </p:sp>
+    </p:spTree>
+    <p:extLst>
+      <p:ext uri="{BB962C8B-B14F-4D97-AF65-F5344CB8AC3E}">
+        <p14:creationId xmlns:p14="http://schemas.microsoft.com/office/powerpoint/2010/main" val="976750524"/>
+      </p:ext>
+    </p:extLst>
+  </p:cSld>
+  <p:clrMapOvr>
+    <a:masterClrMapping/>
+  </p:clrMapOvr>
+  <mc:AlternateContent xmlns:mc="http://schemas.openxmlformats.org/markup-compatibility/2006" xmlns:p14="http://schemas.microsoft.com/office/powerpoint/2010/main">
+    <mc:Choice Requires="p14">
+      <p:transition p14:dur="0"/>
+    </mc:Choice>
+    <mc:Fallback xmlns="">
+      <p:transition xmlns:p14="http://schemas.microsoft.com/office/powerpoint/2010/main"/>
+    </mc:Fallback>
+  </mc:AlternateContent>
+  <p:timing>
+    <p:tnLst>
+      <p:par>
+        <p:cTn id="1" dur="indefinite" restart="never" nodeType="tmRoot"/>
+      </p:par>
+    </p:tnLst>
+  </p:timing>
+</p:sld>
+</file>
+
+<file path=ppt/slides/slide8.xml><?xml version="1.0" encoding="utf-8"?>
+<p:sld xmlns:a="http://schemas.openxmlformats.org/drawingml/2006/main" xmlns:r="http://schemas.openxmlformats.org/officeDocument/2006/relationships" xmlns:p="http://schemas.openxmlformats.org/presentationml/2006/main">
+  <p:cSld>
+    <p:spTree>
+      <p:nvGrpSpPr>
+        <p:cNvPr id="1" name=""/>
+        <p:cNvGrpSpPr/>
+        <p:nvPr/>
+      </p:nvGrpSpPr>
+      <p:grpSpPr>
+        <a:xfrm>
+          <a:off x="0" y="0"/>
+          <a:ext cx="0" cy="0"/>
+          <a:chOff x="0" y="0"/>
+          <a:chExt cx="0" cy="0"/>
+        </a:xfrm>
+      </p:grpSpPr>
+      <p:sp>
+        <p:nvSpPr>
+          <p:cNvPr id="2" name="Title 1"/>
+          <p:cNvSpPr>
+            <a:spLocks noGrp="1"/>
+          </p:cNvSpPr>
+          <p:nvPr>
+            <p:ph type="title"/>
+          </p:nvPr>
+        </p:nvSpPr>
+        <p:spPr/>
+        <p:txBody>
+          <a:bodyPr/>
+          <a:lstStyle/>
+          <a:p>
+            <a:r>
+              <a:rPr lang="en-US" dirty="0" smtClean="0"/>
+              <a:t>BDD</a:t>
+            </a:r>
+            <a:endParaRPr lang="en-US" dirty="0"/>
+          </a:p>
+        </p:txBody>
+      </p:sp>
+      <p:sp>
+        <p:nvSpPr>
+          <p:cNvPr id="8" name="Rectangle 4"/>
+          <p:cNvSpPr>
+            <a:spLocks noChangeArrowheads="1"/>
+          </p:cNvSpPr>
+          <p:nvPr>
+            <p:custDataLst>
+              <p:tags r:id="rId1"/>
+            </p:custDataLst>
+          </p:nvPr>
+        </p:nvSpPr>
+        <p:spPr bwMode="auto">
+          <a:xfrm>
+            <a:off x="1066800" y="3170694"/>
+            <a:ext cx="7010400" cy="855166"/>
+          </a:xfrm>
+          <a:prstGeom prst="rect">
+            <a:avLst/>
+          </a:prstGeom>
+          <a:noFill/>
+          <a:ln w="19050">
+            <a:noFill/>
+            <a:miter lim="800000"/>
+            <a:headEnd/>
+            <a:tailEnd/>
+          </a:ln>
+        </p:spPr>
+        <p:txBody>
+          <a:bodyPr wrap="square" lIns="93296" tIns="144000" rIns="93296" bIns="93296">
+            <a:spAutoFit/>
+          </a:bodyPr>
+          <a:lstStyle/>
+          <a:p>
+            <a:pPr algn="ctr" defTabSz="803275">
+              <a:buClr>
+                <a:srgbClr val="FF6600"/>
+              </a:buClr>
+              <a:buSzPct val="125000"/>
+            </a:pPr>
+            <a:r>
+              <a:rPr lang="en-US" sz="4000" dirty="0" smtClean="0">
+                <a:solidFill>
+                  <a:schemeClr val="accent4"/>
+                </a:solidFill>
+                <a:latin typeface="Arial" pitchFamily="34" charset="0"/>
+                <a:cs typeface="Arial" pitchFamily="34" charset="0"/>
+              </a:rPr>
+              <a:t>Test - </a:t>
+            </a:r>
+            <a:r>
+              <a:rPr lang="en-US" sz="4000" dirty="0">
+                <a:solidFill>
+                  <a:schemeClr val="accent4"/>
+                </a:solidFill>
+                <a:latin typeface="Arial" pitchFamily="34" charset="0"/>
+                <a:cs typeface="Arial" pitchFamily="34" charset="0"/>
+              </a:rPr>
+              <a:t>Driven </a:t>
+            </a:r>
+            <a:r>
+              <a:rPr lang="en-US" sz="4000" dirty="0" smtClean="0">
+                <a:solidFill>
+                  <a:schemeClr val="accent4"/>
+                </a:solidFill>
+                <a:latin typeface="Arial" pitchFamily="34" charset="0"/>
+                <a:cs typeface="Arial" pitchFamily="34" charset="0"/>
+              </a:rPr>
+              <a:t>Development</a:t>
+            </a:r>
+            <a:endParaRPr lang="en-US" sz="4000" dirty="0" smtClean="0">
+              <a:solidFill>
+                <a:schemeClr val="accent4"/>
+              </a:solidFill>
+              <a:latin typeface="Arial" pitchFamily="34" charset="0"/>
+              <a:cs typeface="Arial" pitchFamily="34" charset="0"/>
+            </a:endParaRPr>
+          </a:p>
+        </p:txBody>
+      </p:sp>
+    </p:spTree>
+    <p:extLst>
+      <p:ext uri="{BB962C8B-B14F-4D97-AF65-F5344CB8AC3E}">
+        <p14:creationId xmlns:p14="http://schemas.microsoft.com/office/powerpoint/2010/main" val="1252796626"/>
+      </p:ext>
+    </p:extLst>
+  </p:cSld>
+  <p:clrMapOvr>
+    <a:masterClrMapping/>
+  </p:clrMapOvr>
+  <mc:AlternateContent xmlns:mc="http://schemas.openxmlformats.org/markup-compatibility/2006" xmlns:p14="http://schemas.microsoft.com/office/powerpoint/2010/main">
+    <mc:Choice Requires="p14">
+      <p:transition p14:dur="0"/>
+    </mc:Choice>
+    <mc:Fallback xmlns="">
+      <p:transition xmlns:p14="http://schemas.microsoft.com/office/powerpoint/2010/main"/>
+    </mc:Fallback>
+  </mc:AlternateContent>
+  <p:timing>
+    <p:tnLst>
+      <p:par>
+        <p:cTn id="1" dur="indefinite" restart="never" nodeType="tmRoot"/>
+      </p:par>
+    </p:tnLst>
+  </p:timing>
+</p:sld>
+</file>
+
+<file path=ppt/slides/slide9.xml><?xml version="1.0" encoding="utf-8"?>
+<p:sld xmlns:a="http://schemas.openxmlformats.org/drawingml/2006/main" xmlns:r="http://schemas.openxmlformats.org/officeDocument/2006/relationships" xmlns:p="http://schemas.openxmlformats.org/presentationml/2006/main">
+  <p:cSld>
+    <p:spTree>
+      <p:nvGrpSpPr>
+        <p:cNvPr id="1" name=""/>
+        <p:cNvGrpSpPr/>
+        <p:nvPr/>
+      </p:nvGrpSpPr>
+      <p:grpSpPr>
+        <a:xfrm>
+          <a:off x="0" y="0"/>
+          <a:ext cx="0" cy="0"/>
+          <a:chOff x="0" y="0"/>
+          <a:chExt cx="0" cy="0"/>
+        </a:xfrm>
+      </p:grpSpPr>
+      <p:sp>
+        <p:nvSpPr>
+          <p:cNvPr id="2" name="Title 1"/>
+          <p:cNvSpPr>
+            <a:spLocks noGrp="1"/>
+          </p:cNvSpPr>
+          <p:nvPr>
+            <p:ph type="title"/>
+          </p:nvPr>
+        </p:nvSpPr>
+        <p:spPr/>
+        <p:txBody>
+          <a:bodyPr/>
+          <a:lstStyle/>
+          <a:p>
+            <a:r>
+              <a:rPr lang="en-US" dirty="0" smtClean="0"/>
+              <a:t>BDD</a:t>
+            </a:r>
+            <a:endParaRPr lang="en-US" dirty="0"/>
+          </a:p>
+        </p:txBody>
+      </p:sp>
+      <p:sp>
+        <p:nvSpPr>
+          <p:cNvPr id="8" name="Rectangle 4"/>
+          <p:cNvSpPr>
+            <a:spLocks noChangeArrowheads="1"/>
+          </p:cNvSpPr>
+          <p:nvPr>
+            <p:custDataLst>
+              <p:tags r:id="rId1"/>
+            </p:custDataLst>
+          </p:nvPr>
+        </p:nvSpPr>
+        <p:spPr bwMode="auto">
+          <a:xfrm>
+            <a:off x="1066800" y="3170694"/>
+            <a:ext cx="7010400" cy="855166"/>
+          </a:xfrm>
+          <a:prstGeom prst="rect">
+            <a:avLst/>
+          </a:prstGeom>
+          <a:noFill/>
+          <a:ln w="19050">
+            <a:noFill/>
+            <a:miter lim="800000"/>
+            <a:headEnd/>
+            <a:tailEnd/>
+          </a:ln>
+        </p:spPr>
+        <p:txBody>
+          <a:bodyPr wrap="square" lIns="93296" tIns="144000" rIns="93296" bIns="93296">
+            <a:spAutoFit/>
+          </a:bodyPr>
+          <a:lstStyle/>
+          <a:p>
+            <a:pPr algn="ctr" defTabSz="803275">
+              <a:buClr>
+                <a:srgbClr val="FF6600"/>
+              </a:buClr>
+              <a:buSzPct val="125000"/>
+            </a:pPr>
+            <a:r>
+              <a:rPr lang="en-US" sz="4000" b="1" u="sng" dirty="0" smtClean="0">
+                <a:solidFill>
+                  <a:schemeClr val="accent5">
+                    <a:lumMod val="60000"/>
+                    <a:lumOff val="40000"/>
+                  </a:schemeClr>
+                </a:solidFill>
+                <a:latin typeface="Arial" pitchFamily="34" charset="0"/>
+                <a:cs typeface="Arial" pitchFamily="34" charset="0"/>
+              </a:rPr>
+              <a:t>Test</a:t>
+            </a:r>
+            <a:r>
+              <a:rPr lang="en-US" sz="4000" dirty="0" smtClean="0">
+                <a:solidFill>
+                  <a:schemeClr val="accent4"/>
+                </a:solidFill>
+                <a:latin typeface="Arial" pitchFamily="34" charset="0"/>
+                <a:cs typeface="Arial" pitchFamily="34" charset="0"/>
+              </a:rPr>
+              <a:t> - </a:t>
+            </a:r>
+            <a:r>
+              <a:rPr lang="en-US" sz="4000" dirty="0">
+                <a:solidFill>
+                  <a:schemeClr val="accent4"/>
+                </a:solidFill>
+                <a:latin typeface="Arial" pitchFamily="34" charset="0"/>
+                <a:cs typeface="Arial" pitchFamily="34" charset="0"/>
+              </a:rPr>
+              <a:t>Driven </a:t>
+            </a:r>
+            <a:r>
+              <a:rPr lang="en-US" sz="4000" dirty="0" smtClean="0">
+                <a:solidFill>
+                  <a:schemeClr val="accent4"/>
+                </a:solidFill>
+                <a:latin typeface="Arial" pitchFamily="34" charset="0"/>
+                <a:cs typeface="Arial" pitchFamily="34" charset="0"/>
+              </a:rPr>
+              <a:t>Development</a:t>
+            </a:r>
+            <a:endParaRPr lang="en-US" sz="4000" dirty="0" smtClean="0">
+              <a:solidFill>
+                <a:schemeClr val="accent4"/>
+              </a:solidFill>
+              <a:latin typeface="Arial" pitchFamily="34" charset="0"/>
+              <a:cs typeface="Arial" pitchFamily="34" charset="0"/>
+            </a:endParaRPr>
+          </a:p>
+        </p:txBody>
+      </p:sp>
+    </p:spTree>
+    <p:extLst>
+      <p:ext uri="{BB962C8B-B14F-4D97-AF65-F5344CB8AC3E}">
+        <p14:creationId xmlns:p14="http://schemas.microsoft.com/office/powerpoint/2010/main" val="3105447773"/>
+      </p:ext>
+    </p:extLst>
+  </p:cSld>
+  <p:clrMapOvr>
+    <a:masterClrMapping/>
+  </p:clrMapOvr>
+  <mc:AlternateContent xmlns:mc="http://schemas.openxmlformats.org/markup-compatibility/2006" xmlns:p14="http://schemas.microsoft.com/office/powerpoint/2010/main">
+    <mc:Choice Requires="p14">
+      <p:transition p14:dur="0"/>
+    </mc:Choice>
+    <mc:Fallback xmlns="">
+      <p:transition xmlns:p14="http://schemas.microsoft.com/office/powerpoint/2010/main"/>
+    </mc:Fallback>
+  </mc:AlternateContent>
+  <p:timing>
+    <p:tnLst>
+      <p:par>
+        <p:cTn id="1" dur="indefinite" restart="never" nodeType="tmRoot"/>
+      </p:par>
+    </p:tnLst>
+  </p:timing>
+</p:sld>
+</file>
+
+<file path=ppt/tags/tag1.xml><?xml version="1.0" encoding="utf-8"?>
+<p:tagLst xmlns:a="http://schemas.openxmlformats.org/drawingml/2006/main" xmlns:r="http://schemas.openxmlformats.org/officeDocument/2006/relationships" xmlns:p="http://schemas.openxmlformats.org/presentationml/2006/main">
+  <p:tag name="LTOP" val=" 238.25"/>
+  <p:tag name="LLEFT" val=" 144.125"/>
+</p:tagLst>
+</file>
+
+<file path=ppt/tags/tag2.xml><?xml version="1.0" encoding="utf-8"?>
+<p:tagLst xmlns:a="http://schemas.openxmlformats.org/drawingml/2006/main" xmlns:r="http://schemas.openxmlformats.org/officeDocument/2006/relationships" xmlns:p="http://schemas.openxmlformats.org/presentationml/2006/main">
+  <p:tag name="LTOP" val=" 238.25"/>
+  <p:tag name="LLEFT" val=" 144.125"/>
+</p:tagLst>
+</file>
+
+<file path=ppt/tags/tag3.xml><?xml version="1.0" encoding="utf-8"?>
+<p:tagLst xmlns:a="http://schemas.openxmlformats.org/drawingml/2006/main" xmlns:r="http://schemas.openxmlformats.org/officeDocument/2006/relationships" xmlns:p="http://schemas.openxmlformats.org/presentationml/2006/main">
+  <p:tag name="LTOP" val=" 238.25"/>
+  <p:tag name="LLEFT" val=" 144.125"/>
+</p:tagLst>
+</file>
+
+<file path=ppt/tags/tag4.xml><?xml version="1.0" encoding="utf-8"?>
+<p:tagLst xmlns:a="http://schemas.openxmlformats.org/drawingml/2006/main" xmlns:r="http://schemas.openxmlformats.org/officeDocument/2006/relationships" xmlns:p="http://schemas.openxmlformats.org/presentationml/2006/main">
+  <p:tag name="LTOP" val=" 238.25"/>
+  <p:tag name="LLEFT" val=" 144.125"/>
+</p:tagLst>
+</file>
+
+<file path=ppt/tags/tag5.xml><?xml version="1.0" encoding="utf-8"?>
+<p:tagLst xmlns:a="http://schemas.openxmlformats.org/drawingml/2006/main" xmlns:r="http://schemas.openxmlformats.org/officeDocument/2006/relationships" xmlns:p="http://schemas.openxmlformats.org/presentationml/2006/main">
+  <p:tag name="LTOP" val=" 238.25"/>
+  <p:tag name="LLEFT" val=" 144.125"/>
+</p:tagLst>
+</file>
+
+<file path=ppt/tags/tag6.xml><?xml version="1.0" encoding="utf-8"?>
+<p:tagLst xmlns:a="http://schemas.openxmlformats.org/drawingml/2006/main" xmlns:r="http://schemas.openxmlformats.org/officeDocument/2006/relationships" xmlns:p="http://schemas.openxmlformats.org/presentationml/2006/main">
+  <p:tag name="LTOP" val=" 238.25"/>
+  <p:tag name="LLEFT" val=" 144.125"/>
+</p:tagLst>
+</file>
+
+<file path=ppt/tags/tag7.xml><?xml version="1.0" encoding="utf-8"?>
+<p:tagLst xmlns:a="http://schemas.openxmlformats.org/drawingml/2006/main" xmlns:r="http://schemas.openxmlformats.org/officeDocument/2006/relationships" xmlns:p="http://schemas.openxmlformats.org/presentationml/2006/main">
+  <p:tag name="LTOP" val=" 238.25"/>
+  <p:tag name="LLEFT" val=" 144.125"/>
+</p:tagLst>
+</file>
+
+<file path=ppt/tags/tag8.xml><?xml version="1.0" encoding="utf-8"?>
+<p:tagLst xmlns:a="http://schemas.openxmlformats.org/drawingml/2006/main" xmlns:r="http://schemas.openxmlformats.org/officeDocument/2006/relationships" xmlns:p="http://schemas.openxmlformats.org/presentationml/2006/main">
+  <p:tag name="LTOP" val=" 238.25"/>
+  <p:tag name="LLEFT" val=" 144.125"/>
+</p:tagLst>
+</file>
+
+<file path=ppt/tags/tag9.xml><?xml version="1.0" encoding="utf-8"?>
+<p:tagLst xmlns:a="http://schemas.openxmlformats.org/drawingml/2006/main" xmlns:r="http://schemas.openxmlformats.org/officeDocument/2006/relationships" xmlns:p="http://schemas.openxmlformats.org/presentationml/2006/main">
+  <p:tag name="LTOP" val=" 238.25"/>
+  <p:tag name="LLEFT" val=" 144.125"/>
+</p:tagLst>
 </file>
 
 <file path=ppt/theme/theme1.xml><?xml version="1.0" encoding="utf-8"?>
@@ -21641,7 +26568,7 @@
 <file path=ppt/theme/theme3.xml><?xml version="1.0" encoding="utf-8"?>
 <a:theme xmlns:a="http://schemas.openxmlformats.org/drawingml/2006/main" name="_LuxTraining2012_v4">
   <a:themeElements>
-    <a:clrScheme name="Luxoft 2">
+    <a:clrScheme name="Custom 1">
       <a:dk1>
         <a:srgbClr val="161645"/>
       </a:dk1>
@@ -21673,7 +26600,7 @@
         <a:srgbClr val="212167"/>
       </a:accent6>
       <a:hlink>
-        <a:srgbClr val="0000FF"/>
+        <a:srgbClr val="198CFF"/>
       </a:hlink>
       <a:folHlink>
         <a:srgbClr val="006600"/>

--- a/Test Driven Development/materials/pptx/7. TDD-BDD.pptx
+++ b/Test Driven Development/materials/pptx/7. TDD-BDD.pptx
@@ -7,25 +7,30 @@
     <p:sldMasterId id="2147483694" r:id="rId3"/>
   </p:sldMasterIdLst>
   <p:notesMasterIdLst>
-    <p:notesMasterId r:id="rId20"/>
+    <p:notesMasterId r:id="rId25"/>
   </p:notesMasterIdLst>
   <p:sldIdLst>
     <p:sldId id="355" r:id="rId4"/>
     <p:sldId id="375" r:id="rId5"/>
     <p:sldId id="389" r:id="rId6"/>
-    <p:sldId id="376" r:id="rId7"/>
-    <p:sldId id="385" r:id="rId8"/>
-    <p:sldId id="386" r:id="rId9"/>
-    <p:sldId id="387" r:id="rId10"/>
-    <p:sldId id="384" r:id="rId11"/>
-    <p:sldId id="383" r:id="rId12"/>
-    <p:sldId id="388" r:id="rId13"/>
-    <p:sldId id="378" r:id="rId14"/>
-    <p:sldId id="379" r:id="rId15"/>
-    <p:sldId id="380" r:id="rId16"/>
-    <p:sldId id="381" r:id="rId17"/>
-    <p:sldId id="357" r:id="rId18"/>
-    <p:sldId id="356" r:id="rId19"/>
+    <p:sldId id="392" r:id="rId7"/>
+    <p:sldId id="390" r:id="rId8"/>
+    <p:sldId id="393" r:id="rId9"/>
+    <p:sldId id="394" r:id="rId10"/>
+    <p:sldId id="376" r:id="rId11"/>
+    <p:sldId id="385" r:id="rId12"/>
+    <p:sldId id="386" r:id="rId13"/>
+    <p:sldId id="395" r:id="rId14"/>
+    <p:sldId id="387" r:id="rId15"/>
+    <p:sldId id="384" r:id="rId16"/>
+    <p:sldId id="383" r:id="rId17"/>
+    <p:sldId id="388" r:id="rId18"/>
+    <p:sldId id="378" r:id="rId19"/>
+    <p:sldId id="379" r:id="rId20"/>
+    <p:sldId id="380" r:id="rId21"/>
+    <p:sldId id="381" r:id="rId22"/>
+    <p:sldId id="357" r:id="rId23"/>
+    <p:sldId id="356" r:id="rId24"/>
   </p:sldIdLst>
   <p:sldSz cx="9144000" cy="6858000" type="screen4x3"/>
   <p:notesSz cx="6858000" cy="9144000"/>
@@ -209,7 +214,7 @@
           <a:p>
             <a:fld id="{B946ECE3-FD69-FE4C-B5B3-E9526994F809}" type="datetimeFigureOut">
               <a:rPr lang="en-US" smtClean="0"/>
-              <a:t>12/10/2012</a:t>
+              <a:t>12/11/2012</a:t>
             </a:fld>
             <a:endParaRPr lang="en-US"/>
           </a:p>
@@ -623,6 +628,371 @@
           <a:lstStyle/>
           <a:p>
             <a:r>
+              <a:rPr lang="en-US" sz="1200" b="0" i="0" u="none" strike="noStrike" kern="1200" baseline="0" dirty="0" smtClean="0">
+                <a:solidFill>
+                  <a:schemeClr val="tx1"/>
+                </a:solidFill>
+                <a:latin typeface="+mn-lt"/>
+                <a:ea typeface="+mn-ea"/>
+                <a:cs typeface="+mn-cs"/>
+              </a:rPr>
+              <a:t>The deeper I got into TDD, the more I felt that my own journey had been less of a wax-on, wax-off process of gradual mastery than a series of blind alleys. I remember thinking ‘If only someone had told me that!’ far more often than I thought ‘Wow, a door has opened.’ I decided it must be possible to present TDD in a way that gets straight to the good stuff and avoids all the pitfalls.”</a:t>
+            </a:r>
+            <a:endParaRPr lang="en-US" sz="1200" b="0" i="0" u="none" strike="noStrike" kern="1200" baseline="0" dirty="0" smtClean="0">
+              <a:solidFill>
+                <a:schemeClr val="tx1"/>
+              </a:solidFill>
+              <a:latin typeface="+mn-lt"/>
+              <a:ea typeface="+mn-ea"/>
+              <a:cs typeface="+mn-cs"/>
+            </a:endParaRPr>
+          </a:p>
+        </p:txBody>
+      </p:sp>
+      <p:sp>
+        <p:nvSpPr>
+          <p:cNvPr id="4" name="Slide Number Placeholder 3"/>
+          <p:cNvSpPr>
+            <a:spLocks noGrp="1"/>
+          </p:cNvSpPr>
+          <p:nvPr>
+            <p:ph type="sldNum" sz="quarter" idx="10"/>
+          </p:nvPr>
+        </p:nvSpPr>
+        <p:spPr/>
+        <p:txBody>
+          <a:bodyPr/>
+          <a:lstStyle/>
+          <a:p>
+            <a:fld id="{3A3568CC-110C-4346-A0AE-B1FBECAA9176}" type="slidenum">
+              <a:rPr lang="en-US" smtClean="0"/>
+              <a:t>11</a:t>
+            </a:fld>
+            <a:endParaRPr lang="en-US"/>
+          </a:p>
+        </p:txBody>
+      </p:sp>
+    </p:spTree>
+    <p:extLst>
+      <p:ext uri="{BB962C8B-B14F-4D97-AF65-F5344CB8AC3E}">
+        <p14:creationId xmlns:p14="http://schemas.microsoft.com/office/powerpoint/2010/main" val="2202391838"/>
+      </p:ext>
+    </p:extLst>
+  </p:cSld>
+  <p:clrMapOvr>
+    <a:masterClrMapping/>
+  </p:clrMapOvr>
+</p:notes>
+</file>
+
+<file path=ppt/notesSlides/notesSlide11.xml><?xml version="1.0" encoding="utf-8"?>
+<p:notes xmlns:a="http://schemas.openxmlformats.org/drawingml/2006/main" xmlns:r="http://schemas.openxmlformats.org/officeDocument/2006/relationships" xmlns:p="http://schemas.openxmlformats.org/presentationml/2006/main">
+  <p:cSld>
+    <p:spTree>
+      <p:nvGrpSpPr>
+        <p:cNvPr id="1" name=""/>
+        <p:cNvGrpSpPr/>
+        <p:nvPr/>
+      </p:nvGrpSpPr>
+      <p:grpSpPr>
+        <a:xfrm>
+          <a:off x="0" y="0"/>
+          <a:ext cx="0" cy="0"/>
+          <a:chOff x="0" y="0"/>
+          <a:chExt cx="0" cy="0"/>
+        </a:xfrm>
+      </p:grpSpPr>
+      <p:sp>
+        <p:nvSpPr>
+          <p:cNvPr id="2" name="Slide Image Placeholder 1"/>
+          <p:cNvSpPr>
+            <a:spLocks noGrp="1" noRot="1" noChangeAspect="1"/>
+          </p:cNvSpPr>
+          <p:nvPr>
+            <p:ph type="sldImg"/>
+          </p:nvPr>
+        </p:nvSpPr>
+        <p:spPr/>
+      </p:sp>
+      <p:sp>
+        <p:nvSpPr>
+          <p:cNvPr id="3" name="Notes Placeholder 2"/>
+          <p:cNvSpPr>
+            <a:spLocks noGrp="1"/>
+          </p:cNvSpPr>
+          <p:nvPr>
+            <p:ph type="body" idx="1"/>
+          </p:nvPr>
+        </p:nvSpPr>
+        <p:spPr/>
+        <p:txBody>
+          <a:bodyPr/>
+          <a:lstStyle/>
+          <a:p>
+            <a:r>
+              <a:rPr lang="en-US" sz="1200" b="0" i="0" u="none" strike="noStrike" kern="1200" baseline="0" dirty="0" smtClean="0">
+                <a:solidFill>
+                  <a:schemeClr val="tx1"/>
+                </a:solidFill>
+                <a:latin typeface="+mn-lt"/>
+                <a:ea typeface="+mn-ea"/>
+                <a:cs typeface="+mn-cs"/>
+              </a:rPr>
+              <a:t>The deeper I got into TDD, the more I felt that my own journey had been less of a wax-on, wax-off process of gradual mastery than a series of blind alleys. I remember thinking ‘If only someone had told me that!’ far more often than I thought ‘Wow, a door has opened.’ I decided it must be possible to present TDD in a way that gets straight to the good stuff and avoids all the pitfalls.”</a:t>
+            </a:r>
+            <a:endParaRPr lang="ru-RU" dirty="0"/>
+          </a:p>
+        </p:txBody>
+      </p:sp>
+      <p:sp>
+        <p:nvSpPr>
+          <p:cNvPr id="4" name="Slide Number Placeholder 3"/>
+          <p:cNvSpPr>
+            <a:spLocks noGrp="1"/>
+          </p:cNvSpPr>
+          <p:nvPr>
+            <p:ph type="sldNum" sz="quarter" idx="10"/>
+          </p:nvPr>
+        </p:nvSpPr>
+        <p:spPr/>
+        <p:txBody>
+          <a:bodyPr/>
+          <a:lstStyle/>
+          <a:p>
+            <a:fld id="{3A3568CC-110C-4346-A0AE-B1FBECAA9176}" type="slidenum">
+              <a:rPr lang="en-US" smtClean="0"/>
+              <a:t>12</a:t>
+            </a:fld>
+            <a:endParaRPr lang="en-US"/>
+          </a:p>
+        </p:txBody>
+      </p:sp>
+    </p:spTree>
+    <p:extLst>
+      <p:ext uri="{BB962C8B-B14F-4D97-AF65-F5344CB8AC3E}">
+        <p14:creationId xmlns:p14="http://schemas.microsoft.com/office/powerpoint/2010/main" val="2202391838"/>
+      </p:ext>
+    </p:extLst>
+  </p:cSld>
+  <p:clrMapOvr>
+    <a:masterClrMapping/>
+  </p:clrMapOvr>
+</p:notes>
+</file>
+
+<file path=ppt/notesSlides/notesSlide12.xml><?xml version="1.0" encoding="utf-8"?>
+<p:notes xmlns:a="http://schemas.openxmlformats.org/drawingml/2006/main" xmlns:r="http://schemas.openxmlformats.org/officeDocument/2006/relationships" xmlns:p="http://schemas.openxmlformats.org/presentationml/2006/main">
+  <p:cSld>
+    <p:spTree>
+      <p:nvGrpSpPr>
+        <p:cNvPr id="1" name=""/>
+        <p:cNvGrpSpPr/>
+        <p:nvPr/>
+      </p:nvGrpSpPr>
+      <p:grpSpPr>
+        <a:xfrm>
+          <a:off x="0" y="0"/>
+          <a:ext cx="0" cy="0"/>
+          <a:chOff x="0" y="0"/>
+          <a:chExt cx="0" cy="0"/>
+        </a:xfrm>
+      </p:grpSpPr>
+      <p:sp>
+        <p:nvSpPr>
+          <p:cNvPr id="2" name="Slide Image Placeholder 1"/>
+          <p:cNvSpPr>
+            <a:spLocks noGrp="1" noRot="1" noChangeAspect="1"/>
+          </p:cNvSpPr>
+          <p:nvPr>
+            <p:ph type="sldImg"/>
+          </p:nvPr>
+        </p:nvSpPr>
+        <p:spPr/>
+      </p:sp>
+      <p:sp>
+        <p:nvSpPr>
+          <p:cNvPr id="3" name="Notes Placeholder 2"/>
+          <p:cNvSpPr>
+            <a:spLocks noGrp="1"/>
+          </p:cNvSpPr>
+          <p:nvPr>
+            <p:ph type="body" idx="1"/>
+          </p:nvPr>
+        </p:nvSpPr>
+        <p:spPr/>
+        <p:txBody>
+          <a:bodyPr/>
+          <a:lstStyle/>
+          <a:p>
+            <a:endParaRPr lang="ru-RU" dirty="0"/>
+          </a:p>
+        </p:txBody>
+      </p:sp>
+      <p:sp>
+        <p:nvSpPr>
+          <p:cNvPr id="4" name="Slide Number Placeholder 3"/>
+          <p:cNvSpPr>
+            <a:spLocks noGrp="1"/>
+          </p:cNvSpPr>
+          <p:nvPr>
+            <p:ph type="sldNum" sz="quarter" idx="10"/>
+          </p:nvPr>
+        </p:nvSpPr>
+        <p:spPr/>
+        <p:txBody>
+          <a:bodyPr/>
+          <a:lstStyle/>
+          <a:p>
+            <a:fld id="{3A3568CC-110C-4346-A0AE-B1FBECAA9176}" type="slidenum">
+              <a:rPr lang="en-US" smtClean="0"/>
+              <a:t>13</a:t>
+            </a:fld>
+            <a:endParaRPr lang="en-US"/>
+          </a:p>
+        </p:txBody>
+      </p:sp>
+    </p:spTree>
+    <p:extLst>
+      <p:ext uri="{BB962C8B-B14F-4D97-AF65-F5344CB8AC3E}">
+        <p14:creationId xmlns:p14="http://schemas.microsoft.com/office/powerpoint/2010/main" val="2202391838"/>
+      </p:ext>
+    </p:extLst>
+  </p:cSld>
+  <p:clrMapOvr>
+    <a:masterClrMapping/>
+  </p:clrMapOvr>
+</p:notes>
+</file>
+
+<file path=ppt/notesSlides/notesSlide13.xml><?xml version="1.0" encoding="utf-8"?>
+<p:notes xmlns:a="http://schemas.openxmlformats.org/drawingml/2006/main" xmlns:r="http://schemas.openxmlformats.org/officeDocument/2006/relationships" xmlns:p="http://schemas.openxmlformats.org/presentationml/2006/main">
+  <p:cSld>
+    <p:spTree>
+      <p:nvGrpSpPr>
+        <p:cNvPr id="1" name=""/>
+        <p:cNvGrpSpPr/>
+        <p:nvPr/>
+      </p:nvGrpSpPr>
+      <p:grpSpPr>
+        <a:xfrm>
+          <a:off x="0" y="0"/>
+          <a:ext cx="0" cy="0"/>
+          <a:chOff x="0" y="0"/>
+          <a:chExt cx="0" cy="0"/>
+        </a:xfrm>
+      </p:grpSpPr>
+      <p:sp>
+        <p:nvSpPr>
+          <p:cNvPr id="2" name="Slide Image Placeholder 1"/>
+          <p:cNvSpPr>
+            <a:spLocks noGrp="1" noRot="1" noChangeAspect="1"/>
+          </p:cNvSpPr>
+          <p:nvPr>
+            <p:ph type="sldImg"/>
+          </p:nvPr>
+        </p:nvSpPr>
+        <p:spPr/>
+      </p:sp>
+      <p:sp>
+        <p:nvSpPr>
+          <p:cNvPr id="3" name="Notes Placeholder 2"/>
+          <p:cNvSpPr>
+            <a:spLocks noGrp="1"/>
+          </p:cNvSpPr>
+          <p:nvPr>
+            <p:ph type="body" idx="1"/>
+          </p:nvPr>
+        </p:nvSpPr>
+        <p:spPr/>
+        <p:txBody>
+          <a:bodyPr/>
+          <a:lstStyle/>
+          <a:p>
+            <a:endParaRPr lang="ru-RU" dirty="0"/>
+          </a:p>
+        </p:txBody>
+      </p:sp>
+      <p:sp>
+        <p:nvSpPr>
+          <p:cNvPr id="4" name="Slide Number Placeholder 3"/>
+          <p:cNvSpPr>
+            <a:spLocks noGrp="1"/>
+          </p:cNvSpPr>
+          <p:nvPr>
+            <p:ph type="sldNum" sz="quarter" idx="10"/>
+          </p:nvPr>
+        </p:nvSpPr>
+        <p:spPr/>
+        <p:txBody>
+          <a:bodyPr/>
+          <a:lstStyle/>
+          <a:p>
+            <a:fld id="{3A3568CC-110C-4346-A0AE-B1FBECAA9176}" type="slidenum">
+              <a:rPr lang="en-US" smtClean="0"/>
+              <a:t>14</a:t>
+            </a:fld>
+            <a:endParaRPr lang="en-US"/>
+          </a:p>
+        </p:txBody>
+      </p:sp>
+    </p:spTree>
+    <p:extLst>
+      <p:ext uri="{BB962C8B-B14F-4D97-AF65-F5344CB8AC3E}">
+        <p14:creationId xmlns:p14="http://schemas.microsoft.com/office/powerpoint/2010/main" val="2202391838"/>
+      </p:ext>
+    </p:extLst>
+  </p:cSld>
+  <p:clrMapOvr>
+    <a:masterClrMapping/>
+  </p:clrMapOvr>
+</p:notes>
+</file>
+
+<file path=ppt/notesSlides/notesSlide14.xml><?xml version="1.0" encoding="utf-8"?>
+<p:notes xmlns:a="http://schemas.openxmlformats.org/drawingml/2006/main" xmlns:r="http://schemas.openxmlformats.org/officeDocument/2006/relationships" xmlns:p="http://schemas.openxmlformats.org/presentationml/2006/main">
+  <p:cSld>
+    <p:spTree>
+      <p:nvGrpSpPr>
+        <p:cNvPr id="1" name=""/>
+        <p:cNvGrpSpPr/>
+        <p:nvPr/>
+      </p:nvGrpSpPr>
+      <p:grpSpPr>
+        <a:xfrm>
+          <a:off x="0" y="0"/>
+          <a:ext cx="0" cy="0"/>
+          <a:chOff x="0" y="0"/>
+          <a:chExt cx="0" cy="0"/>
+        </a:xfrm>
+      </p:grpSpPr>
+      <p:sp>
+        <p:nvSpPr>
+          <p:cNvPr id="2" name="Slide Image Placeholder 1"/>
+          <p:cNvSpPr>
+            <a:spLocks noGrp="1" noRot="1" noChangeAspect="1"/>
+          </p:cNvSpPr>
+          <p:nvPr>
+            <p:ph type="sldImg"/>
+          </p:nvPr>
+        </p:nvSpPr>
+        <p:spPr/>
+      </p:sp>
+      <p:sp>
+        <p:nvSpPr>
+          <p:cNvPr id="3" name="Notes Placeholder 2"/>
+          <p:cNvSpPr>
+            <a:spLocks noGrp="1"/>
+          </p:cNvSpPr>
+          <p:nvPr>
+            <p:ph type="body" idx="1"/>
+          </p:nvPr>
+        </p:nvSpPr>
+        <p:spPr/>
+        <p:txBody>
+          <a:bodyPr/>
+          <a:lstStyle/>
+          <a:p>
+            <a:r>
               <a:rPr lang="ru-RU" sz="1200" b="0" i="0" kern="1200" dirty="0" smtClean="0">
                 <a:solidFill>
                   <a:schemeClr val="tx1"/>
@@ -966,7 +1336,414 @@
           <a:p>
             <a:fld id="{3A3568CC-110C-4346-A0AE-B1FBECAA9176}" type="slidenum">
               <a:rPr lang="en-US" smtClean="0"/>
-              <a:t>11</a:t>
+              <a:t>15</a:t>
+            </a:fld>
+            <a:endParaRPr lang="en-US"/>
+          </a:p>
+        </p:txBody>
+      </p:sp>
+    </p:spTree>
+    <p:extLst>
+      <p:ext uri="{BB962C8B-B14F-4D97-AF65-F5344CB8AC3E}">
+        <p14:creationId xmlns:p14="http://schemas.microsoft.com/office/powerpoint/2010/main" val="2202391838"/>
+      </p:ext>
+    </p:extLst>
+  </p:cSld>
+  <p:clrMapOvr>
+    <a:masterClrMapping/>
+  </p:clrMapOvr>
+</p:notes>
+</file>
+
+<file path=ppt/notesSlides/notesSlide15.xml><?xml version="1.0" encoding="utf-8"?>
+<p:notes xmlns:a="http://schemas.openxmlformats.org/drawingml/2006/main" xmlns:r="http://schemas.openxmlformats.org/officeDocument/2006/relationships" xmlns:p="http://schemas.openxmlformats.org/presentationml/2006/main">
+  <p:cSld>
+    <p:spTree>
+      <p:nvGrpSpPr>
+        <p:cNvPr id="1" name=""/>
+        <p:cNvGrpSpPr/>
+        <p:nvPr/>
+      </p:nvGrpSpPr>
+      <p:grpSpPr>
+        <a:xfrm>
+          <a:off x="0" y="0"/>
+          <a:ext cx="0" cy="0"/>
+          <a:chOff x="0" y="0"/>
+          <a:chExt cx="0" cy="0"/>
+        </a:xfrm>
+      </p:grpSpPr>
+      <p:sp>
+        <p:nvSpPr>
+          <p:cNvPr id="2" name="Slide Image Placeholder 1"/>
+          <p:cNvSpPr>
+            <a:spLocks noGrp="1" noRot="1" noChangeAspect="1"/>
+          </p:cNvSpPr>
+          <p:nvPr>
+            <p:ph type="sldImg"/>
+          </p:nvPr>
+        </p:nvSpPr>
+        <p:spPr/>
+      </p:sp>
+      <p:sp>
+        <p:nvSpPr>
+          <p:cNvPr id="3" name="Notes Placeholder 2"/>
+          <p:cNvSpPr>
+            <a:spLocks noGrp="1"/>
+          </p:cNvSpPr>
+          <p:nvPr>
+            <p:ph type="body" idx="1"/>
+          </p:nvPr>
+        </p:nvSpPr>
+        <p:spPr/>
+        <p:txBody>
+          <a:bodyPr/>
+          <a:lstStyle/>
+          <a:p>
+            <a:r>
+              <a:rPr lang="ru-RU" sz="1200" b="0" i="0" kern="1200" dirty="0" smtClean="0">
+                <a:solidFill>
+                  <a:schemeClr val="tx1"/>
+                </a:solidFill>
+                <a:effectLst/>
+                <a:latin typeface="+mn-lt"/>
+                <a:ea typeface="+mn-ea"/>
+                <a:cs typeface="+mn-cs"/>
+              </a:rPr>
+              <a:t>Мышление в терминах функциональности (того, что код должен делать), приводит к подходу, когда сначала пишутся классы для проверки спецификации, которые, в свою очередь, могут оказаться очень эффективным инструментом реализации</a:t>
+            </a:r>
+            <a:endParaRPr lang="en-US" sz="1200" b="0" i="0" kern="1200" dirty="0" smtClean="0">
+              <a:solidFill>
+                <a:schemeClr val="tx1"/>
+              </a:solidFill>
+              <a:effectLst/>
+              <a:latin typeface="+mn-lt"/>
+              <a:ea typeface="+mn-ea"/>
+              <a:cs typeface="+mn-cs"/>
+            </a:endParaRPr>
+          </a:p>
+          <a:p>
+            <a:endParaRPr lang="en-US" sz="1200" b="0" i="0" kern="1200" dirty="0" smtClean="0">
+              <a:solidFill>
+                <a:schemeClr val="tx1"/>
+              </a:solidFill>
+              <a:effectLst/>
+              <a:latin typeface="+mn-lt"/>
+              <a:ea typeface="+mn-ea"/>
+              <a:cs typeface="+mn-cs"/>
+            </a:endParaRPr>
+          </a:p>
+          <a:p>
+            <a:r>
+              <a:rPr lang="en-US" sz="1200" b="0" i="0" kern="1200" dirty="0" smtClean="0">
+                <a:solidFill>
+                  <a:schemeClr val="tx1"/>
+                </a:solidFill>
+                <a:effectLst/>
+                <a:latin typeface="+mn-lt"/>
+                <a:ea typeface="+mn-ea"/>
+                <a:cs typeface="+mn-cs"/>
+                <a:hlinkClick r:id="rId3"/>
+              </a:rPr>
+              <a:t>BDD</a:t>
+            </a:r>
+            <a:r>
+              <a:rPr lang="en-US" sz="1200" b="0" i="0" kern="1200" dirty="0" smtClean="0">
+                <a:solidFill>
+                  <a:schemeClr val="tx1"/>
+                </a:solidFill>
+                <a:effectLst/>
+                <a:latin typeface="+mn-lt"/>
+                <a:ea typeface="+mn-ea"/>
+                <a:cs typeface="+mn-cs"/>
+              </a:rPr>
+              <a:t> aims to bridge the gap between the differing views of computer systems held by Business users and Technologists. It is deeply rooted in the success of </a:t>
+            </a:r>
+            <a:r>
+              <a:rPr lang="en-US" sz="1200" b="0" i="0" kern="1200" dirty="0" smtClean="0">
+                <a:solidFill>
+                  <a:schemeClr val="tx1"/>
+                </a:solidFill>
+                <a:effectLst/>
+                <a:latin typeface="+mn-lt"/>
+                <a:ea typeface="+mn-ea"/>
+                <a:cs typeface="+mn-cs"/>
+                <a:hlinkClick r:id="rId4"/>
+              </a:rPr>
+              <a:t>TDD</a:t>
+            </a:r>
+            <a:r>
+              <a:rPr lang="en-US" sz="1200" b="0" i="0" kern="1200" dirty="0" smtClean="0">
+                <a:solidFill>
+                  <a:schemeClr val="tx1"/>
+                </a:solidFill>
+                <a:effectLst/>
+                <a:latin typeface="+mn-lt"/>
+                <a:ea typeface="+mn-ea"/>
+                <a:cs typeface="+mn-cs"/>
+              </a:rPr>
+              <a:t> and is influenced by ideas like </a:t>
+            </a:r>
+            <a:r>
+              <a:rPr lang="en-US" sz="1200" b="0" i="0" kern="1200" dirty="0" smtClean="0">
+                <a:solidFill>
+                  <a:schemeClr val="tx1"/>
+                </a:solidFill>
+                <a:effectLst/>
+                <a:latin typeface="+mn-lt"/>
+                <a:ea typeface="+mn-ea"/>
+                <a:cs typeface="+mn-cs"/>
+                <a:hlinkClick r:id="rId5"/>
+              </a:rPr>
+              <a:t>Domain </a:t>
+            </a:r>
+            <a:r>
+              <a:rPr lang="en-US" sz="1200" b="0" i="0" kern="1200" dirty="0" smtClean="0">
+                <a:solidFill>
+                  <a:srgbClr val="FF0000"/>
+                </a:solidFill>
+                <a:effectLst/>
+                <a:latin typeface="+mn-lt"/>
+                <a:ea typeface="+mn-ea"/>
+                <a:cs typeface="+mn-cs"/>
+                <a:hlinkClick r:id="rId5"/>
+              </a:rPr>
+              <a:t>Driven</a:t>
+            </a:r>
+            <a:r>
+              <a:rPr lang="en-US" sz="1200" b="0" i="0" kern="1200" dirty="0" smtClean="0">
+                <a:solidFill>
+                  <a:schemeClr val="tx1"/>
+                </a:solidFill>
+                <a:effectLst/>
+                <a:latin typeface="+mn-lt"/>
+                <a:ea typeface="+mn-ea"/>
+                <a:cs typeface="+mn-cs"/>
+                <a:hlinkClick r:id="rId5"/>
+              </a:rPr>
+              <a:t> Design</a:t>
+            </a:r>
+            <a:r>
+              <a:rPr lang="en-US" sz="1200" b="0" i="0" kern="1200" dirty="0" smtClean="0">
+                <a:solidFill>
+                  <a:schemeClr val="tx1"/>
+                </a:solidFill>
+                <a:effectLst/>
+                <a:latin typeface="+mn-lt"/>
+                <a:ea typeface="+mn-ea"/>
+                <a:cs typeface="+mn-cs"/>
+              </a:rPr>
+              <a:t>. Its focus is on minimizing the hurdles between specification, design, implementation and confirmation of the </a:t>
+            </a:r>
+            <a:r>
+              <a:rPr lang="en-US" sz="1200" b="0" i="0" kern="1200" dirty="0" err="1" smtClean="0">
+                <a:solidFill>
+                  <a:schemeClr val="tx1"/>
+                </a:solidFill>
+                <a:effectLst/>
+                <a:latin typeface="+mn-lt"/>
+                <a:ea typeface="+mn-ea"/>
+                <a:cs typeface="+mn-cs"/>
+              </a:rPr>
+              <a:t>behaviour</a:t>
+            </a:r>
+            <a:r>
+              <a:rPr lang="en-US" sz="1200" b="0" i="0" kern="1200" dirty="0" smtClean="0">
+                <a:solidFill>
+                  <a:schemeClr val="tx1"/>
+                </a:solidFill>
+                <a:effectLst/>
+                <a:latin typeface="+mn-lt"/>
+                <a:ea typeface="+mn-ea"/>
+                <a:cs typeface="+mn-cs"/>
+              </a:rPr>
+              <a:t> of a system. Thus enabling the incremental delivery of business systems, and in particular in allowing teams new to agile development to quickly get up to speed using </a:t>
+            </a:r>
+            <a:r>
+              <a:rPr lang="en-US" sz="1200" b="0" i="0" kern="1200" dirty="0" smtClean="0">
+                <a:solidFill>
+                  <a:srgbClr val="FF0000"/>
+                </a:solidFill>
+                <a:effectLst/>
+                <a:latin typeface="+mn-lt"/>
+                <a:ea typeface="+mn-ea"/>
+                <a:cs typeface="+mn-cs"/>
+              </a:rPr>
+              <a:t>these</a:t>
+            </a:r>
+            <a:r>
+              <a:rPr lang="en-US" sz="1200" b="0" i="0" kern="1200" dirty="0" smtClean="0">
+                <a:solidFill>
+                  <a:schemeClr val="tx1"/>
+                </a:solidFill>
+                <a:effectLst/>
+                <a:latin typeface="+mn-lt"/>
+                <a:ea typeface="+mn-ea"/>
+                <a:cs typeface="+mn-cs"/>
+              </a:rPr>
+              <a:t> extremely productive techniques.</a:t>
+            </a:r>
+          </a:p>
+          <a:p>
+            <a:endParaRPr lang="en-US" sz="1200" b="0" i="0" kern="1200" dirty="0" smtClean="0">
+              <a:solidFill>
+                <a:schemeClr val="tx1"/>
+              </a:solidFill>
+              <a:effectLst/>
+              <a:latin typeface="+mn-lt"/>
+              <a:ea typeface="+mn-ea"/>
+              <a:cs typeface="+mn-cs"/>
+            </a:endParaRPr>
+          </a:p>
+          <a:p>
+            <a:r>
+              <a:rPr lang="en-US" sz="1200" b="0" i="0" kern="1200" dirty="0" smtClean="0">
+                <a:solidFill>
+                  <a:schemeClr val="tx1"/>
+                </a:solidFill>
+                <a:effectLst/>
+                <a:latin typeface="+mn-lt"/>
+                <a:ea typeface="+mn-ea"/>
+                <a:cs typeface="+mn-cs"/>
+                <a:hlinkClick r:id="rId3"/>
+              </a:rPr>
+              <a:t>BDD</a:t>
+            </a:r>
+            <a:r>
+              <a:rPr lang="en-US" sz="1200" b="0" i="0" kern="1200" dirty="0" smtClean="0">
+                <a:solidFill>
+                  <a:schemeClr val="tx1"/>
+                </a:solidFill>
+                <a:effectLst/>
+                <a:latin typeface="+mn-lt"/>
+                <a:ea typeface="+mn-ea"/>
+                <a:cs typeface="+mn-cs"/>
+              </a:rPr>
+              <a:t> relies on the use of a very specific (and small) vocabulary to minimize miscommunication and to ensure that everyone – the business, developers, testers, analysts and managers – are not only on the same page but using the same words. It must be stressed that </a:t>
+            </a:r>
+            <a:r>
+              <a:rPr lang="en-US" sz="1200" b="0" i="0" kern="1200" dirty="0" smtClean="0">
+                <a:solidFill>
+                  <a:schemeClr val="tx1"/>
+                </a:solidFill>
+                <a:effectLst/>
+                <a:latin typeface="+mn-lt"/>
+                <a:ea typeface="+mn-ea"/>
+                <a:cs typeface="+mn-cs"/>
+                <a:hlinkClick r:id="rId3"/>
+              </a:rPr>
+              <a:t>BDD</a:t>
+            </a:r>
+            <a:r>
+              <a:rPr lang="en-US" sz="1200" b="0" i="0" kern="1200" dirty="0" smtClean="0">
+                <a:solidFill>
+                  <a:schemeClr val="tx1"/>
+                </a:solidFill>
+                <a:effectLst/>
+                <a:latin typeface="+mn-lt"/>
+                <a:ea typeface="+mn-ea"/>
+                <a:cs typeface="+mn-cs"/>
+              </a:rPr>
+              <a:t> is a rephrasing of existing good practice, it is not a radically new departure. Its aim is to bring together existing, well-established techniques under a common banner and with a consistent and unambiguous terminology. In fact, </a:t>
+            </a:r>
+            <a:r>
+              <a:rPr lang="en-US" sz="1200" b="0" i="0" kern="1200" dirty="0" smtClean="0">
+                <a:solidFill>
+                  <a:schemeClr val="tx1"/>
+                </a:solidFill>
+                <a:effectLst/>
+                <a:latin typeface="+mn-lt"/>
+                <a:ea typeface="+mn-ea"/>
+                <a:cs typeface="+mn-cs"/>
+                <a:hlinkClick r:id="rId6"/>
+              </a:rPr>
+              <a:t>“Getting the Words Right”</a:t>
+            </a:r>
+            <a:r>
+              <a:rPr lang="en-US" sz="1200" b="0" i="0" kern="1200" dirty="0" smtClean="0">
+                <a:solidFill>
+                  <a:schemeClr val="tx1"/>
+                </a:solidFill>
+                <a:effectLst/>
+                <a:latin typeface="+mn-lt"/>
+                <a:ea typeface="+mn-ea"/>
+                <a:cs typeface="+mn-cs"/>
+              </a:rPr>
+              <a:t> was the starting point for the development of </a:t>
+            </a:r>
+            <a:r>
+              <a:rPr lang="en-US" sz="1200" b="0" i="0" kern="1200" dirty="0" smtClean="0">
+                <a:solidFill>
+                  <a:schemeClr val="tx1"/>
+                </a:solidFill>
+                <a:effectLst/>
+                <a:latin typeface="+mn-lt"/>
+                <a:ea typeface="+mn-ea"/>
+                <a:cs typeface="+mn-cs"/>
+                <a:hlinkClick r:id="rId3"/>
+              </a:rPr>
+              <a:t>BDD</a:t>
+            </a:r>
+            <a:r>
+              <a:rPr lang="en-US" sz="1200" b="0" i="0" kern="1200" dirty="0" smtClean="0">
+                <a:solidFill>
+                  <a:schemeClr val="tx1"/>
+                </a:solidFill>
+                <a:effectLst/>
+                <a:latin typeface="+mn-lt"/>
+                <a:ea typeface="+mn-ea"/>
+                <a:cs typeface="+mn-cs"/>
+              </a:rPr>
+              <a:t>, and is still very much at its core. </a:t>
+            </a:r>
+            <a:r>
+              <a:rPr lang="en-US" sz="1200" b="0" i="0" kern="1200" dirty="0" smtClean="0">
+                <a:solidFill>
+                  <a:schemeClr val="tx1"/>
+                </a:solidFill>
+                <a:effectLst/>
+                <a:latin typeface="+mn-lt"/>
+                <a:ea typeface="+mn-ea"/>
+                <a:cs typeface="+mn-cs"/>
+                <a:hlinkClick r:id="rId6"/>
+              </a:rPr>
+              <a:t>“Getting the Words Right”</a:t>
+            </a:r>
+            <a:r>
+              <a:rPr lang="en-US" sz="1200" b="0" i="0" kern="1200" dirty="0" smtClean="0">
+                <a:solidFill>
+                  <a:schemeClr val="tx1"/>
+                </a:solidFill>
+                <a:effectLst/>
+                <a:latin typeface="+mn-lt"/>
+                <a:ea typeface="+mn-ea"/>
+                <a:cs typeface="+mn-cs"/>
+              </a:rPr>
+              <a:t> is intended to produce a vocabulary that is accurate, accessible, descriptive and consistent.</a:t>
+            </a:r>
+          </a:p>
+          <a:p>
+            <a:endParaRPr lang="ru-RU" dirty="0"/>
+          </a:p>
+        </p:txBody>
+      </p:sp>
+      <p:sp>
+        <p:nvSpPr>
+          <p:cNvPr id="4" name="Slide Number Placeholder 3"/>
+          <p:cNvSpPr>
+            <a:spLocks noGrp="1"/>
+          </p:cNvSpPr>
+          <p:nvPr>
+            <p:ph type="sldNum" sz="quarter" idx="10"/>
+          </p:nvPr>
+        </p:nvSpPr>
+        <p:spPr/>
+        <p:txBody>
+          <a:bodyPr/>
+          <a:lstStyle/>
+          <a:p>
+            <a:fld id="{3A3568CC-110C-4346-A0AE-B1FBECAA9176}" type="slidenum">
+              <a:rPr lang="en-US" smtClean="0"/>
+              <a:t>16</a:t>
             </a:fld>
             <a:endParaRPr lang="en-US"/>
           </a:p>
@@ -1139,6 +1916,140 @@
           <a:bodyPr/>
           <a:lstStyle/>
           <a:p>
+            <a:r>
+              <a:rPr lang="ru-RU" sz="1200" b="0" i="0" kern="1200" dirty="0" smtClean="0">
+                <a:solidFill>
+                  <a:schemeClr val="tx1"/>
+                </a:solidFill>
+                <a:effectLst/>
+                <a:latin typeface="+mn-lt"/>
+                <a:ea typeface="+mn-ea"/>
+                <a:cs typeface="+mn-cs"/>
+              </a:rPr>
+              <a:t>Разработка, основанная на тестировании (test-driven development) – это отличная практическая идея, но некоторые разработчики не могут преодолеть концептуальную пропасть, с которой у них ассоциируется слово </a:t>
+            </a:r>
+            <a:r>
+              <a:rPr lang="ru-RU" sz="1200" b="0" i="1" kern="1200" dirty="0" smtClean="0">
+                <a:solidFill>
+                  <a:schemeClr val="tx1"/>
+                </a:solidFill>
+                <a:effectLst/>
+                <a:latin typeface="+mn-lt"/>
+                <a:ea typeface="+mn-ea"/>
+                <a:cs typeface="+mn-cs"/>
+              </a:rPr>
+              <a:t>тестирование</a:t>
+            </a:r>
+            <a:r>
+              <a:rPr lang="ru-RU" sz="1200" b="0" i="0" kern="1200" dirty="0" smtClean="0">
+                <a:solidFill>
+                  <a:schemeClr val="tx1"/>
+                </a:solidFill>
+                <a:effectLst/>
+                <a:latin typeface="+mn-lt"/>
+                <a:ea typeface="+mn-ea"/>
+                <a:cs typeface="+mn-cs"/>
+              </a:rPr>
+              <a:t>. </a:t>
+            </a:r>
+          </a:p>
+          <a:p>
+            <a:endParaRPr lang="ru-RU" sz="1200" b="0" i="0" kern="1200" dirty="0" smtClean="0">
+              <a:solidFill>
+                <a:schemeClr val="tx1"/>
+              </a:solidFill>
+              <a:effectLst/>
+              <a:latin typeface="+mn-lt"/>
+              <a:ea typeface="+mn-ea"/>
+              <a:cs typeface="+mn-cs"/>
+            </a:endParaRPr>
+          </a:p>
+          <a:p>
+            <a:r>
+              <a:rPr lang="ru-RU" sz="1200" b="0" i="0" kern="1200" dirty="0" smtClean="0">
+                <a:solidFill>
+                  <a:schemeClr val="tx1"/>
+                </a:solidFill>
+                <a:effectLst/>
+                <a:latin typeface="+mn-lt"/>
+                <a:ea typeface="+mn-ea"/>
+                <a:cs typeface="+mn-cs"/>
+              </a:rPr>
+              <a:t>Тестирование, выполняемое разработчиком – это очевидно полезная вещь. Тестирование на ранней стадии, например, во время написания кода – еще лучше, особенно когда оно приводит к повышению качества кода. Напишите тесты заранее – и вы имеете шанс выиграть «голубую ленту» победителя регаты. Дополнительные возможности для проверки функционирования кода и его предварительной отладки, без всякого сомнения, повышают скорость разработки.</a:t>
+            </a:r>
+          </a:p>
+          <a:p>
+            <a:endParaRPr lang="ru-RU" sz="1200" b="0" i="0" kern="1200" dirty="0" smtClean="0">
+              <a:solidFill>
+                <a:schemeClr val="tx1"/>
+              </a:solidFill>
+              <a:effectLst/>
+              <a:latin typeface="+mn-lt"/>
+              <a:ea typeface="+mn-ea"/>
+              <a:cs typeface="+mn-cs"/>
+            </a:endParaRPr>
+          </a:p>
+          <a:p>
+            <a:r>
+              <a:rPr lang="ru-RU" sz="1200" b="0" i="0" kern="1200" dirty="0" smtClean="0">
+                <a:solidFill>
+                  <a:schemeClr val="tx1"/>
+                </a:solidFill>
+                <a:effectLst/>
+                <a:latin typeface="+mn-lt"/>
+                <a:ea typeface="+mn-ea"/>
+                <a:cs typeface="+mn-cs"/>
+              </a:rPr>
+              <a:t>Но даже зная все это, мы еще очень далеки от того времени, когда написание тестов </a:t>
+            </a:r>
+            <a:r>
+              <a:rPr lang="ru-RU" sz="1200" b="0" i="1" kern="1200" dirty="0" smtClean="0">
+                <a:solidFill>
+                  <a:schemeClr val="tx1"/>
+                </a:solidFill>
+                <a:effectLst/>
+                <a:latin typeface="+mn-lt"/>
+                <a:ea typeface="+mn-ea"/>
+                <a:cs typeface="+mn-cs"/>
+              </a:rPr>
+              <a:t>до</a:t>
+            </a:r>
+            <a:r>
+              <a:rPr lang="ru-RU" sz="1200" b="0" i="0" kern="1200" dirty="0" smtClean="0">
+                <a:solidFill>
+                  <a:schemeClr val="tx1"/>
+                </a:solidFill>
+                <a:effectLst/>
+                <a:latin typeface="+mn-lt"/>
+                <a:ea typeface="+mn-ea"/>
+                <a:cs typeface="+mn-cs"/>
+              </a:rPr>
+              <a:t> написания кода станет общим стандартом. Точно так же как TDD стало следующим этапом эволюции развития экстремального программирования (eXP) и выдвинуло на первый план инфраструктуры для unit-тестирования, следующий скачок эволюции будет сделан с того уровня, где находится TDD. В этом месяце я предлагаю сделать подобный скачок в эволюции от TDD к его интуитивному родственнику: behavior-driven development (BDD) – разработке, основанной на функциональности (поведении).</a:t>
+            </a:r>
+            <a:endParaRPr lang="ru-RU" sz="1200" b="0" i="0" u="none" strike="noStrike" kern="1200" baseline="0" dirty="0" smtClean="0">
+              <a:solidFill>
+                <a:schemeClr val="tx1"/>
+              </a:solidFill>
+              <a:latin typeface="+mn-lt"/>
+              <a:ea typeface="+mn-ea"/>
+              <a:cs typeface="+mn-cs"/>
+            </a:endParaRPr>
+          </a:p>
+          <a:p>
+            <a:endParaRPr lang="ru-RU" sz="1200" b="0" i="0" kern="1200" dirty="0" smtClean="0">
+              <a:solidFill>
+                <a:schemeClr val="tx1"/>
+              </a:solidFill>
+              <a:effectLst/>
+              <a:latin typeface="+mn-lt"/>
+              <a:ea typeface="+mn-ea"/>
+              <a:cs typeface="+mn-cs"/>
+            </a:endParaRPr>
+          </a:p>
+          <a:p>
+            <a:endParaRPr lang="ru-RU" dirty="0" smtClean="0"/>
+          </a:p>
+          <a:p>
             <a:endParaRPr lang="ru-RU" dirty="0"/>
           </a:p>
         </p:txBody>
@@ -1224,19 +2135,116 @@
           <a:lstStyle/>
           <a:p>
             <a:r>
-              <a:rPr lang="en-US" sz="1200" b="0" i="0" u="none" strike="noStrike" kern="1200" baseline="0" dirty="0" smtClean="0">
+              <a:rPr lang="ru-RU" sz="1200" b="0" i="0" kern="1200" dirty="0" smtClean="0">
                 <a:solidFill>
                   <a:schemeClr val="tx1"/>
                 </a:solidFill>
+                <a:effectLst/>
                 <a:latin typeface="+mn-lt"/>
                 <a:ea typeface="+mn-ea"/>
                 <a:cs typeface="+mn-cs"/>
               </a:rPr>
-              <a:t>I had a problem. While using and teaching agile practices like test-driven development (TDD) on projects in different environments, I kept coming across the same confusion and misunderstandings. </a:t>
-            </a:r>
-          </a:p>
-          <a:p>
-            <a:endParaRPr lang="en-US" sz="1200" b="0" i="0" u="none" strike="noStrike" kern="1200" baseline="0" dirty="0" smtClean="0">
+              <a:t>Разработка, основанная на тестировании (test-driven development) – это отличная практическая идея, но некоторые разработчики не могут преодолеть концептуальную пропасть, с которой у них ассоциируется слово </a:t>
+            </a:r>
+            <a:r>
+              <a:rPr lang="ru-RU" sz="1200" b="0" i="1" kern="1200" dirty="0" smtClean="0">
+                <a:solidFill>
+                  <a:schemeClr val="tx1"/>
+                </a:solidFill>
+                <a:effectLst/>
+                <a:latin typeface="+mn-lt"/>
+                <a:ea typeface="+mn-ea"/>
+                <a:cs typeface="+mn-cs"/>
+              </a:rPr>
+              <a:t>тестирование</a:t>
+            </a:r>
+            <a:r>
+              <a:rPr lang="ru-RU" sz="1200" b="0" i="0" kern="1200" dirty="0" smtClean="0">
+                <a:solidFill>
+                  <a:schemeClr val="tx1"/>
+                </a:solidFill>
+                <a:effectLst/>
+                <a:latin typeface="+mn-lt"/>
+                <a:ea typeface="+mn-ea"/>
+                <a:cs typeface="+mn-cs"/>
+              </a:rPr>
+              <a:t>. </a:t>
+            </a:r>
+          </a:p>
+          <a:p>
+            <a:endParaRPr lang="ru-RU" sz="1200" b="0" i="0" kern="1200" dirty="0" smtClean="0">
+              <a:solidFill>
+                <a:schemeClr val="tx1"/>
+              </a:solidFill>
+              <a:effectLst/>
+              <a:latin typeface="+mn-lt"/>
+              <a:ea typeface="+mn-ea"/>
+              <a:cs typeface="+mn-cs"/>
+            </a:endParaRPr>
+          </a:p>
+          <a:p>
+            <a:r>
+              <a:rPr lang="ru-RU" sz="1200" b="0" i="0" kern="1200" dirty="0" smtClean="0">
+                <a:solidFill>
+                  <a:schemeClr val="tx1"/>
+                </a:solidFill>
+                <a:effectLst/>
+                <a:latin typeface="+mn-lt"/>
+                <a:ea typeface="+mn-ea"/>
+                <a:cs typeface="+mn-cs"/>
+              </a:rPr>
+              <a:t>Тестирование, выполняемое разработчиком – это очевидно полезная вещь. Тестирование на ранней стадии, например, во время написания кода – еще лучше, особенно когда оно приводит к повышению качества кода. Напишите тесты заранее – и вы имеете шанс выиграть «голубую ленту» победителя регаты. Дополнительные возможности для проверки функционирования кода и его предварительной отладки, без всякого сомнения, повышают скорость разработки.</a:t>
+            </a:r>
+          </a:p>
+          <a:p>
+            <a:endParaRPr lang="ru-RU" sz="1200" b="0" i="0" kern="1200" dirty="0" smtClean="0">
+              <a:solidFill>
+                <a:schemeClr val="tx1"/>
+              </a:solidFill>
+              <a:effectLst/>
+              <a:latin typeface="+mn-lt"/>
+              <a:ea typeface="+mn-ea"/>
+              <a:cs typeface="+mn-cs"/>
+            </a:endParaRPr>
+          </a:p>
+          <a:p>
+            <a:r>
+              <a:rPr lang="ru-RU" sz="1200" b="0" i="0" kern="1200" dirty="0" smtClean="0">
+                <a:solidFill>
+                  <a:schemeClr val="tx1"/>
+                </a:solidFill>
+                <a:effectLst/>
+                <a:latin typeface="+mn-lt"/>
+                <a:ea typeface="+mn-ea"/>
+                <a:cs typeface="+mn-cs"/>
+              </a:rPr>
+              <a:t>Но даже зная все это, мы еще очень далеки от того времени, когда написание тестов </a:t>
+            </a:r>
+            <a:r>
+              <a:rPr lang="ru-RU" sz="1200" b="0" i="1" kern="1200" dirty="0" smtClean="0">
+                <a:solidFill>
+                  <a:schemeClr val="tx1"/>
+                </a:solidFill>
+                <a:effectLst/>
+                <a:latin typeface="+mn-lt"/>
+                <a:ea typeface="+mn-ea"/>
+                <a:cs typeface="+mn-cs"/>
+              </a:rPr>
+              <a:t>до</a:t>
+            </a:r>
+            <a:r>
+              <a:rPr lang="ru-RU" sz="1200" b="0" i="0" kern="1200" dirty="0" smtClean="0">
+                <a:solidFill>
+                  <a:schemeClr val="tx1"/>
+                </a:solidFill>
+                <a:effectLst/>
+                <a:latin typeface="+mn-lt"/>
+                <a:ea typeface="+mn-ea"/>
+                <a:cs typeface="+mn-cs"/>
+              </a:rPr>
+              <a:t> написания кода станет общим стандартом. Точно так же как TDD стало следующим этапом эволюции развития экстремального программирования (eXP) и выдвинуло на первый план инфраструктуры для unit-тестирования, следующий скачок эволюции будет сделан с того уровня, где находится TDD. В этом месяце я предлагаю сделать подобный скачок в эволюции от TDD к его интуитивному родственнику: behavior-driven development (BDD) – разработке, основанной на функциональности (поведении).</a:t>
+            </a:r>
+            <a:endParaRPr lang="ru-RU" sz="1200" b="0" i="0" u="none" strike="noStrike" kern="1200" baseline="0" dirty="0" smtClean="0">
               <a:solidFill>
                 <a:schemeClr val="tx1"/>
               </a:solidFill>
@@ -1246,17 +2254,20 @@
             </a:endParaRPr>
           </a:p>
           <a:p>
-            <a:r>
-              <a:rPr lang="en-US" sz="1200" b="0" i="0" u="none" strike="noStrike" kern="1200" baseline="0" dirty="0" smtClean="0">
-                <a:solidFill>
-                  <a:schemeClr val="tx1"/>
-                </a:solidFill>
-                <a:latin typeface="+mn-lt"/>
-                <a:ea typeface="+mn-ea"/>
-                <a:cs typeface="+mn-cs"/>
-              </a:rPr>
-              <a:t>Programmers wanted to know where to start, what to test and what not to test, how much to test in one go, what to call their tests, and how to understand why a test fails.</a:t>
-            </a:r>
+            <a:endParaRPr lang="ru-RU" sz="1200" b="0" i="0" kern="1200" dirty="0" smtClean="0">
+              <a:solidFill>
+                <a:schemeClr val="tx1"/>
+              </a:solidFill>
+              <a:effectLst/>
+              <a:latin typeface="+mn-lt"/>
+              <a:ea typeface="+mn-ea"/>
+              <a:cs typeface="+mn-cs"/>
+            </a:endParaRPr>
+          </a:p>
+          <a:p>
+            <a:endParaRPr lang="ru-RU" dirty="0" smtClean="0"/>
+          </a:p>
+          <a:p>
             <a:endParaRPr lang="ru-RU" dirty="0"/>
           </a:p>
         </p:txBody>
@@ -1342,60 +2353,6 @@
           <a:lstStyle/>
           <a:p>
             <a:r>
-              <a:rPr lang="en-US" sz="1200" b="0" i="0" u="none" strike="noStrike" kern="1200" baseline="0" dirty="0" smtClean="0">
-                <a:solidFill>
-                  <a:schemeClr val="tx1"/>
-                </a:solidFill>
-                <a:latin typeface="+mn-lt"/>
-                <a:ea typeface="+mn-ea"/>
-                <a:cs typeface="+mn-cs"/>
-              </a:rPr>
-              <a:t>I had a problem. While using and teaching agile practices like test-driven development (TDD) on projects in different environments, I kept coming across the same confusion and misunderstandings. </a:t>
-            </a:r>
-          </a:p>
-          <a:p>
-            <a:endParaRPr lang="en-US" sz="1200" b="0" i="0" u="none" strike="noStrike" kern="1200" baseline="0" dirty="0" smtClean="0">
-              <a:solidFill>
-                <a:schemeClr val="tx1"/>
-              </a:solidFill>
-              <a:latin typeface="+mn-lt"/>
-              <a:ea typeface="+mn-ea"/>
-              <a:cs typeface="+mn-cs"/>
-            </a:endParaRPr>
-          </a:p>
-          <a:p>
-            <a:r>
-              <a:rPr lang="en-US" sz="1200" b="0" i="0" u="none" strike="noStrike" kern="1200" baseline="0" dirty="0" smtClean="0">
-                <a:solidFill>
-                  <a:schemeClr val="tx1"/>
-                </a:solidFill>
-                <a:latin typeface="+mn-lt"/>
-                <a:ea typeface="+mn-ea"/>
-                <a:cs typeface="+mn-cs"/>
-              </a:rPr>
-              <a:t>Programmers wanted to know where to start, what to test and what not to test, how much to test in one go, what to call their tests, and how to understand why a test fails.</a:t>
-            </a:r>
-            <a:endParaRPr lang="ru-RU" sz="1200" b="0" i="0" u="none" strike="noStrike" kern="1200" baseline="0" dirty="0" smtClean="0">
-              <a:solidFill>
-                <a:schemeClr val="tx1"/>
-              </a:solidFill>
-              <a:latin typeface="+mn-lt"/>
-              <a:ea typeface="+mn-ea"/>
-              <a:cs typeface="+mn-cs"/>
-            </a:endParaRPr>
-          </a:p>
-          <a:p>
-            <a:endParaRPr lang="en-US" sz="1200" b="0" i="0" u="none" strike="noStrike" kern="1200" baseline="0" dirty="0" smtClean="0">
-              <a:solidFill>
-                <a:schemeClr val="tx1"/>
-              </a:solidFill>
-              <a:latin typeface="+mn-lt"/>
-              <a:ea typeface="+mn-ea"/>
-              <a:cs typeface="+mn-cs"/>
-            </a:endParaRPr>
-          </a:p>
-          <a:p>
-            <a:r>
               <a:rPr lang="ru-RU" sz="1200" b="0" i="0" kern="1200" dirty="0" smtClean="0">
                 <a:solidFill>
                   <a:schemeClr val="tx1"/>
@@ -1503,21 +2460,9 @@
                 <a:ea typeface="+mn-ea"/>
                 <a:cs typeface="+mn-cs"/>
               </a:rPr>
-              <a:t> написания кода станет общим стандартом. Точно так же как TDD стало следующим этапом эволюции развития экстремального программирования (eXP) и выдвинуло на первый план инфраструктуры для unit-тестирования, следующий скачок эволюции будет сделан с того уровня, где находится TDD. </a:t>
-            </a:r>
-            <a:r>
-              <a:rPr lang="ru-RU" sz="1200" b="0" i="0" kern="1200" smtClean="0">
-                <a:solidFill>
-                  <a:schemeClr val="tx1"/>
-                </a:solidFill>
-                <a:effectLst/>
-                <a:latin typeface="+mn-lt"/>
-                <a:ea typeface="+mn-ea"/>
-                <a:cs typeface="+mn-cs"/>
-              </a:rPr>
-              <a:t>В этом месяце я предлагаю сделать подобный скачок в эволюции от TDD к его интуитивному родственнику: behavior-driven development (BDD) – разработке, основанной на функциональности (поведении).</a:t>
-            </a:r>
-            <a:endParaRPr lang="ru-RU" sz="1200" b="0" i="0" u="none" strike="noStrike" kern="1200" baseline="0" smtClean="0">
+              <a:t> написания кода станет общим стандартом. Точно так же как TDD стало следующим этапом эволюции развития экстремального программирования (eXP) и выдвинуло на первый план инфраструктуры для unit-тестирования, следующий скачок эволюции будет сделан с того уровня, где находится TDD. В этом месяце я предлагаю сделать подобный скачок в эволюции от TDD к его интуитивному родственнику: behavior-driven development (BDD) – разработке, основанной на функциональности (поведении).</a:t>
+            </a:r>
+            <a:endParaRPr lang="ru-RU" sz="1200" b="0" i="0" u="none" strike="noStrike" kern="1200" baseline="0" dirty="0" smtClean="0">
               <a:solidFill>
                 <a:schemeClr val="tx1"/>
               </a:solidFill>
@@ -1626,16 +2571,139 @@
           <a:lstStyle/>
           <a:p>
             <a:r>
-              <a:rPr lang="en-US" sz="1200" b="0" i="0" u="none" strike="noStrike" kern="1200" baseline="0" dirty="0" smtClean="0">
+              <a:rPr lang="ru-RU" sz="1200" b="0" i="0" kern="1200" dirty="0" smtClean="0">
                 <a:solidFill>
                   <a:schemeClr val="tx1"/>
                 </a:solidFill>
+                <a:effectLst/>
                 <a:latin typeface="+mn-lt"/>
                 <a:ea typeface="+mn-ea"/>
                 <a:cs typeface="+mn-cs"/>
               </a:rPr>
-              <a:t>The deeper I got into TDD, the more I felt that my own journey had been less of a wax-on, wax-off process of gradual mastery than a series of blind alleys. I remember thinking ‘If only someone had told me that!’ far more often than I thought ‘Wow, a door has opened.’ I decided it must be possible to present TDD in a way that gets straight to the good stuff and avoids all the pitfalls.”</a:t>
-            </a:r>
+              <a:t>Разработка, основанная на тестировании (test-driven development) – это отличная практическая идея, но некоторые разработчики не могут преодолеть концептуальную пропасть, с которой у них ассоциируется слово </a:t>
+            </a:r>
+            <a:r>
+              <a:rPr lang="ru-RU" sz="1200" b="0" i="1" kern="1200" dirty="0" smtClean="0">
+                <a:solidFill>
+                  <a:schemeClr val="tx1"/>
+                </a:solidFill>
+                <a:effectLst/>
+                <a:latin typeface="+mn-lt"/>
+                <a:ea typeface="+mn-ea"/>
+                <a:cs typeface="+mn-cs"/>
+              </a:rPr>
+              <a:t>тестирование</a:t>
+            </a:r>
+            <a:r>
+              <a:rPr lang="ru-RU" sz="1200" b="0" i="0" kern="1200" dirty="0" smtClean="0">
+                <a:solidFill>
+                  <a:schemeClr val="tx1"/>
+                </a:solidFill>
+                <a:effectLst/>
+                <a:latin typeface="+mn-lt"/>
+                <a:ea typeface="+mn-ea"/>
+                <a:cs typeface="+mn-cs"/>
+              </a:rPr>
+              <a:t>. </a:t>
+            </a:r>
+          </a:p>
+          <a:p>
+            <a:endParaRPr lang="ru-RU" sz="1200" b="0" i="0" kern="1200" dirty="0" smtClean="0">
+              <a:solidFill>
+                <a:schemeClr val="tx1"/>
+              </a:solidFill>
+              <a:effectLst/>
+              <a:latin typeface="+mn-lt"/>
+              <a:ea typeface="+mn-ea"/>
+              <a:cs typeface="+mn-cs"/>
+            </a:endParaRPr>
+          </a:p>
+          <a:p>
+            <a:r>
+              <a:rPr lang="ru-RU" sz="1200" b="0" i="0" kern="1200" dirty="0" smtClean="0">
+                <a:solidFill>
+                  <a:schemeClr val="tx1"/>
+                </a:solidFill>
+                <a:effectLst/>
+                <a:latin typeface="+mn-lt"/>
+                <a:ea typeface="+mn-ea"/>
+                <a:cs typeface="+mn-cs"/>
+              </a:rPr>
+              <a:t>Тестирование, выполняемое разработчиком – это очевидно полезная вещь. Тестирование на ранней стадии, например, во время написания кода – еще лучше, особенно когда оно приводит к повышению качества кода. Напишите тесты заранее – и вы имеете шанс выиграть «голубую ленту» победителя регаты. Дополнительные возможности для проверки функционирования кода и его предварительной отладки, без всякого сомнения, повышают скорость разработки.</a:t>
+            </a:r>
+          </a:p>
+          <a:p>
+            <a:endParaRPr lang="ru-RU" sz="1200" b="0" i="0" kern="1200" dirty="0" smtClean="0">
+              <a:solidFill>
+                <a:schemeClr val="tx1"/>
+              </a:solidFill>
+              <a:effectLst/>
+              <a:latin typeface="+mn-lt"/>
+              <a:ea typeface="+mn-ea"/>
+              <a:cs typeface="+mn-cs"/>
+            </a:endParaRPr>
+          </a:p>
+          <a:p>
+            <a:r>
+              <a:rPr lang="ru-RU" sz="1200" b="0" i="0" kern="1200" dirty="0" smtClean="0">
+                <a:solidFill>
+                  <a:schemeClr val="tx1"/>
+                </a:solidFill>
+                <a:effectLst/>
+                <a:latin typeface="+mn-lt"/>
+                <a:ea typeface="+mn-ea"/>
+                <a:cs typeface="+mn-cs"/>
+              </a:rPr>
+              <a:t>Но даже зная все это, мы еще очень далеки от того времени, когда написание тестов </a:t>
+            </a:r>
+            <a:r>
+              <a:rPr lang="ru-RU" sz="1200" b="0" i="1" kern="1200" dirty="0" smtClean="0">
+                <a:solidFill>
+                  <a:schemeClr val="tx1"/>
+                </a:solidFill>
+                <a:effectLst/>
+                <a:latin typeface="+mn-lt"/>
+                <a:ea typeface="+mn-ea"/>
+                <a:cs typeface="+mn-cs"/>
+              </a:rPr>
+              <a:t>до</a:t>
+            </a:r>
+            <a:r>
+              <a:rPr lang="ru-RU" sz="1200" b="0" i="0" kern="1200" dirty="0" smtClean="0">
+                <a:solidFill>
+                  <a:schemeClr val="tx1"/>
+                </a:solidFill>
+                <a:effectLst/>
+                <a:latin typeface="+mn-lt"/>
+                <a:ea typeface="+mn-ea"/>
+                <a:cs typeface="+mn-cs"/>
+              </a:rPr>
+              <a:t> написания кода станет общим стандартом. Точно так же как TDD стало следующим этапом эволюции развития экстремального программирования (eXP) и выдвинуло на первый план инфраструктуры для unit-тестирования, следующий скачок эволюции будет сделан с того уровня, где находится TDD. В этом месяце я предлагаю сделать подобный скачок в эволюции от TDD к его интуитивному родственнику: behavior-driven development (BDD) – разработке, основанной на функциональности (поведении).</a:t>
+            </a:r>
+            <a:endParaRPr lang="ru-RU" sz="1200" b="0" i="0" u="none" strike="noStrike" kern="1200" baseline="0" dirty="0" smtClean="0">
+              <a:solidFill>
+                <a:schemeClr val="tx1"/>
+              </a:solidFill>
+              <a:latin typeface="+mn-lt"/>
+              <a:ea typeface="+mn-ea"/>
+              <a:cs typeface="+mn-cs"/>
+            </a:endParaRPr>
+          </a:p>
+          <a:p>
+            <a:endParaRPr lang="ru-RU" sz="1200" b="0" i="0" kern="1200" dirty="0" smtClean="0">
+              <a:solidFill>
+                <a:schemeClr val="tx1"/>
+              </a:solidFill>
+              <a:effectLst/>
+              <a:latin typeface="+mn-lt"/>
+              <a:ea typeface="+mn-ea"/>
+              <a:cs typeface="+mn-cs"/>
+            </a:endParaRPr>
+          </a:p>
+          <a:p>
+            <a:endParaRPr lang="ru-RU" dirty="0" smtClean="0"/>
+          </a:p>
+          <a:p>
             <a:endParaRPr lang="ru-RU" dirty="0"/>
           </a:p>
         </p:txBody>
@@ -1804,6 +2872,40 @@
           <a:bodyPr/>
           <a:lstStyle/>
           <a:p>
+            <a:r>
+              <a:rPr lang="en-US" sz="1200" b="0" i="0" u="none" strike="noStrike" kern="1200" baseline="0" dirty="0" smtClean="0">
+                <a:solidFill>
+                  <a:schemeClr val="tx1"/>
+                </a:solidFill>
+                <a:latin typeface="+mn-lt"/>
+                <a:ea typeface="+mn-ea"/>
+                <a:cs typeface="+mn-cs"/>
+              </a:rPr>
+              <a:t>I had a problem. While using and teaching agile practices like test-driven development (TDD) on projects in different environments, I kept coming across the same confusion and misunderstandings. </a:t>
+            </a:r>
+          </a:p>
+          <a:p>
+            <a:endParaRPr lang="en-US" sz="1200" b="0" i="0" u="none" strike="noStrike" kern="1200" baseline="0" dirty="0" smtClean="0">
+              <a:solidFill>
+                <a:schemeClr val="tx1"/>
+              </a:solidFill>
+              <a:latin typeface="+mn-lt"/>
+              <a:ea typeface="+mn-ea"/>
+              <a:cs typeface="+mn-cs"/>
+            </a:endParaRPr>
+          </a:p>
+          <a:p>
+            <a:r>
+              <a:rPr lang="en-US" sz="1200" b="0" i="0" u="none" strike="noStrike" kern="1200" baseline="0" dirty="0" smtClean="0">
+                <a:solidFill>
+                  <a:schemeClr val="tx1"/>
+                </a:solidFill>
+                <a:latin typeface="+mn-lt"/>
+                <a:ea typeface="+mn-ea"/>
+                <a:cs typeface="+mn-cs"/>
+              </a:rPr>
+              <a:t>Programmers wanted to know where to start, what to test and what not to test, how much to test in one go, what to call their tests, and how to understand why a test fails.</a:t>
+            </a:r>
             <a:endParaRPr lang="ru-RU" dirty="0"/>
           </a:p>
         </p:txBody>
@@ -1889,329 +2991,57 @@
           <a:lstStyle/>
           <a:p>
             <a:r>
-              <a:rPr lang="ru-RU" sz="1200" b="0" i="0" kern="1200" dirty="0" smtClean="0">
+              <a:rPr lang="en-US" sz="1200" b="0" i="0" u="none" strike="noStrike" kern="1200" baseline="0" dirty="0" smtClean="0">
                 <a:solidFill>
                   <a:schemeClr val="tx1"/>
                 </a:solidFill>
-                <a:effectLst/>
                 <a:latin typeface="+mn-lt"/>
                 <a:ea typeface="+mn-ea"/>
                 <a:cs typeface="+mn-cs"/>
               </a:rPr>
-              <a:t>Мышление в терминах функциональности (того, что код должен делать), приводит к подходу, когда сначала пишутся классы для проверки спецификации, которые, в свою очередь, могут оказаться очень эффективным инструментом реализации</a:t>
-            </a:r>
-            <a:endParaRPr lang="en-US" sz="1200" b="0" i="0" kern="1200" dirty="0" smtClean="0">
+              <a:t>I had a problem. While using and teaching agile practices like test-driven development (TDD) on projects in different environments, I kept coming across the same confusion and misunderstandings. </a:t>
+            </a:r>
+          </a:p>
+          <a:p>
+            <a:endParaRPr lang="en-US" sz="1200" b="0" i="0" u="none" strike="noStrike" kern="1200" baseline="0" dirty="0" smtClean="0">
               <a:solidFill>
                 <a:schemeClr val="tx1"/>
               </a:solidFill>
-              <a:effectLst/>
               <a:latin typeface="+mn-lt"/>
               <a:ea typeface="+mn-ea"/>
               <a:cs typeface="+mn-cs"/>
             </a:endParaRPr>
           </a:p>
           <a:p>
-            <a:endParaRPr lang="en-US" sz="1200" b="0" i="0" kern="1200" dirty="0" smtClean="0">
+            <a:r>
+              <a:rPr lang="en-US" sz="1200" b="0" i="0" u="none" strike="noStrike" kern="1200" baseline="0" dirty="0" smtClean="0">
+                <a:solidFill>
+                  <a:schemeClr val="tx1"/>
+                </a:solidFill>
+                <a:latin typeface="+mn-lt"/>
+                <a:ea typeface="+mn-ea"/>
+                <a:cs typeface="+mn-cs"/>
+              </a:rPr>
+              <a:t>Programmers wanted to know where to start, what to test and what not to test, how much to test in one go, what to call their tests, and how to understand why a test fails.</a:t>
+            </a:r>
+            <a:endParaRPr lang="ru-RU" sz="1200" b="0" i="0" u="none" strike="noStrike" kern="1200" baseline="0" dirty="0" smtClean="0">
               <a:solidFill>
                 <a:schemeClr val="tx1"/>
               </a:solidFill>
-              <a:effectLst/>
               <a:latin typeface="+mn-lt"/>
               <a:ea typeface="+mn-ea"/>
               <a:cs typeface="+mn-cs"/>
             </a:endParaRPr>
           </a:p>
           <a:p>
-            <a:r>
-              <a:rPr lang="en-US" sz="1200" b="0" i="0" kern="1200" dirty="0" smtClean="0">
-                <a:solidFill>
-                  <a:schemeClr val="tx1"/>
-                </a:solidFill>
-                <a:effectLst/>
-                <a:latin typeface="+mn-lt"/>
-                <a:ea typeface="+mn-ea"/>
-                <a:cs typeface="+mn-cs"/>
-                <a:hlinkClick r:id="rId3"/>
-              </a:rPr>
-              <a:t>BDD</a:t>
-            </a:r>
-            <a:r>
-              <a:rPr lang="en-US" sz="1200" b="0" i="0" kern="1200" dirty="0" smtClean="0">
-                <a:solidFill>
-                  <a:schemeClr val="tx1"/>
-                </a:solidFill>
-                <a:effectLst/>
-                <a:latin typeface="+mn-lt"/>
-                <a:ea typeface="+mn-ea"/>
-                <a:cs typeface="+mn-cs"/>
-              </a:rPr>
-              <a:t> aims to bridge the gap between the differing views of computer systems held by Business users and Technologists. It is deeply rooted in the success of </a:t>
-            </a:r>
-            <a:r>
-              <a:rPr lang="en-US" sz="1200" b="0" i="0" kern="1200" dirty="0" smtClean="0">
-                <a:solidFill>
-                  <a:schemeClr val="tx1"/>
-                </a:solidFill>
-                <a:effectLst/>
-                <a:latin typeface="+mn-lt"/>
-                <a:ea typeface="+mn-ea"/>
-                <a:cs typeface="+mn-cs"/>
-                <a:hlinkClick r:id="rId4"/>
-              </a:rPr>
-              <a:t>TDD</a:t>
-            </a:r>
-            <a:r>
-              <a:rPr lang="en-US" sz="1200" b="0" i="0" kern="1200" dirty="0" smtClean="0">
-                <a:solidFill>
-                  <a:schemeClr val="tx1"/>
-                </a:solidFill>
-                <a:effectLst/>
-                <a:latin typeface="+mn-lt"/>
-                <a:ea typeface="+mn-ea"/>
-                <a:cs typeface="+mn-cs"/>
-              </a:rPr>
-              <a:t> and is influenced by ideas like </a:t>
-            </a:r>
-            <a:r>
-              <a:rPr lang="en-US" sz="1200" b="0" i="0" kern="1200" dirty="0" smtClean="0">
-                <a:solidFill>
-                  <a:schemeClr val="tx1"/>
-                </a:solidFill>
-                <a:effectLst/>
-                <a:latin typeface="+mn-lt"/>
-                <a:ea typeface="+mn-ea"/>
-                <a:cs typeface="+mn-cs"/>
-                <a:hlinkClick r:id="rId5"/>
-              </a:rPr>
-              <a:t>Domain </a:t>
-            </a:r>
-            <a:r>
-              <a:rPr lang="en-US" sz="1200" b="0" i="0" kern="1200" dirty="0" smtClean="0">
-                <a:solidFill>
-                  <a:srgbClr val="FF0000"/>
-                </a:solidFill>
-                <a:effectLst/>
-                <a:latin typeface="+mn-lt"/>
-                <a:ea typeface="+mn-ea"/>
-                <a:cs typeface="+mn-cs"/>
-                <a:hlinkClick r:id="rId5"/>
-              </a:rPr>
-              <a:t>Driven</a:t>
-            </a:r>
-            <a:r>
-              <a:rPr lang="en-US" sz="1200" b="0" i="0" kern="1200" dirty="0" smtClean="0">
-                <a:solidFill>
-                  <a:schemeClr val="tx1"/>
-                </a:solidFill>
-                <a:effectLst/>
-                <a:latin typeface="+mn-lt"/>
-                <a:ea typeface="+mn-ea"/>
-                <a:cs typeface="+mn-cs"/>
-                <a:hlinkClick r:id="rId5"/>
-              </a:rPr>
-              <a:t> Design</a:t>
-            </a:r>
-            <a:r>
-              <a:rPr lang="en-US" sz="1200" b="0" i="0" kern="1200" dirty="0" smtClean="0">
-                <a:solidFill>
-                  <a:schemeClr val="tx1"/>
-                </a:solidFill>
-                <a:effectLst/>
-                <a:latin typeface="+mn-lt"/>
-                <a:ea typeface="+mn-ea"/>
-                <a:cs typeface="+mn-cs"/>
-              </a:rPr>
-              <a:t>. Its focus is on minimizing the hurdles between specification, design, implementation and confirmation of the </a:t>
-            </a:r>
-            <a:r>
-              <a:rPr lang="en-US" sz="1200" b="0" i="0" kern="1200" dirty="0" err="1" smtClean="0">
-                <a:solidFill>
-                  <a:schemeClr val="tx1"/>
-                </a:solidFill>
-                <a:effectLst/>
-                <a:latin typeface="+mn-lt"/>
-                <a:ea typeface="+mn-ea"/>
-                <a:cs typeface="+mn-cs"/>
-              </a:rPr>
-              <a:t>behaviour</a:t>
-            </a:r>
-            <a:r>
-              <a:rPr lang="en-US" sz="1200" b="0" i="0" kern="1200" dirty="0" smtClean="0">
-                <a:solidFill>
-                  <a:schemeClr val="tx1"/>
-                </a:solidFill>
-                <a:effectLst/>
-                <a:latin typeface="+mn-lt"/>
-                <a:ea typeface="+mn-ea"/>
-                <a:cs typeface="+mn-cs"/>
-              </a:rPr>
-              <a:t> of a system. Thus enabling the incremental delivery of business systems, and in particular in allowing teams new to agile development to quickly get up to speed using </a:t>
-            </a:r>
-            <a:r>
-              <a:rPr lang="en-US" sz="1200" b="0" i="0" kern="1200" dirty="0" smtClean="0">
-                <a:solidFill>
-                  <a:srgbClr val="FF0000"/>
-                </a:solidFill>
-                <a:effectLst/>
-                <a:latin typeface="+mn-lt"/>
-                <a:ea typeface="+mn-ea"/>
-                <a:cs typeface="+mn-cs"/>
-              </a:rPr>
-              <a:t>these</a:t>
-            </a:r>
-            <a:r>
-              <a:rPr lang="en-US" sz="1200" b="0" i="0" kern="1200" dirty="0" smtClean="0">
-                <a:solidFill>
-                  <a:schemeClr val="tx1"/>
-                </a:solidFill>
-                <a:effectLst/>
-                <a:latin typeface="+mn-lt"/>
-                <a:ea typeface="+mn-ea"/>
-                <a:cs typeface="+mn-cs"/>
-              </a:rPr>
-              <a:t> extremely productive techniques.</a:t>
-            </a:r>
-          </a:p>
-          <a:p>
-            <a:endParaRPr lang="en-US" sz="1200" b="0" i="0" kern="1200" dirty="0" smtClean="0">
+            <a:endParaRPr lang="en-US" sz="1200" b="0" i="0" u="none" strike="noStrike" kern="1200" baseline="0" dirty="0" smtClean="0">
               <a:solidFill>
                 <a:schemeClr val="tx1"/>
               </a:solidFill>
-              <a:effectLst/>
               <a:latin typeface="+mn-lt"/>
               <a:ea typeface="+mn-ea"/>
               <a:cs typeface="+mn-cs"/>
             </a:endParaRPr>
-          </a:p>
-          <a:p>
-            <a:r>
-              <a:rPr lang="en-US" sz="1200" b="0" i="0" kern="1200" dirty="0" smtClean="0">
-                <a:solidFill>
-                  <a:schemeClr val="tx1"/>
-                </a:solidFill>
-                <a:effectLst/>
-                <a:latin typeface="+mn-lt"/>
-                <a:ea typeface="+mn-ea"/>
-                <a:cs typeface="+mn-cs"/>
-                <a:hlinkClick r:id="rId3"/>
-              </a:rPr>
-              <a:t>BDD</a:t>
-            </a:r>
-            <a:r>
-              <a:rPr lang="en-US" sz="1200" b="0" i="0" kern="1200" dirty="0" smtClean="0">
-                <a:solidFill>
-                  <a:schemeClr val="tx1"/>
-                </a:solidFill>
-                <a:effectLst/>
-                <a:latin typeface="+mn-lt"/>
-                <a:ea typeface="+mn-ea"/>
-                <a:cs typeface="+mn-cs"/>
-              </a:rPr>
-              <a:t> relies on the use of a very specific (and small) vocabulary to minimize miscommunication and to ensure that everyone – the business, developers, testers, analysts and managers – are not only on the same page but using the same words. It must be stressed that </a:t>
-            </a:r>
-            <a:r>
-              <a:rPr lang="en-US" sz="1200" b="0" i="0" kern="1200" dirty="0" smtClean="0">
-                <a:solidFill>
-                  <a:schemeClr val="tx1"/>
-                </a:solidFill>
-                <a:effectLst/>
-                <a:latin typeface="+mn-lt"/>
-                <a:ea typeface="+mn-ea"/>
-                <a:cs typeface="+mn-cs"/>
-                <a:hlinkClick r:id="rId3"/>
-              </a:rPr>
-              <a:t>BDD</a:t>
-            </a:r>
-            <a:r>
-              <a:rPr lang="en-US" sz="1200" b="0" i="0" kern="1200" dirty="0" smtClean="0">
-                <a:solidFill>
-                  <a:schemeClr val="tx1"/>
-                </a:solidFill>
-                <a:effectLst/>
-                <a:latin typeface="+mn-lt"/>
-                <a:ea typeface="+mn-ea"/>
-                <a:cs typeface="+mn-cs"/>
-              </a:rPr>
-              <a:t> is a rephrasing of existing good practice, it is not a radically new departure. Its aim is to bring together existing, well-established techniques under a common banner and with a consistent and unambiguous terminology. In fact, </a:t>
-            </a:r>
-            <a:r>
-              <a:rPr lang="en-US" sz="1200" b="0" i="0" kern="1200" dirty="0" smtClean="0">
-                <a:solidFill>
-                  <a:schemeClr val="tx1"/>
-                </a:solidFill>
-                <a:effectLst/>
-                <a:latin typeface="+mn-lt"/>
-                <a:ea typeface="+mn-ea"/>
-                <a:cs typeface="+mn-cs"/>
-                <a:hlinkClick r:id="rId6"/>
-              </a:rPr>
-              <a:t>“Getting the Words Right”</a:t>
-            </a:r>
-            <a:r>
-              <a:rPr lang="en-US" sz="1200" b="0" i="0" kern="1200" dirty="0" smtClean="0">
-                <a:solidFill>
-                  <a:schemeClr val="tx1"/>
-                </a:solidFill>
-                <a:effectLst/>
-                <a:latin typeface="+mn-lt"/>
-                <a:ea typeface="+mn-ea"/>
-                <a:cs typeface="+mn-cs"/>
-              </a:rPr>
-              <a:t> was the starting point for the development of </a:t>
-            </a:r>
-            <a:r>
-              <a:rPr lang="en-US" sz="1200" b="0" i="0" kern="1200" dirty="0" smtClean="0">
-                <a:solidFill>
-                  <a:schemeClr val="tx1"/>
-                </a:solidFill>
-                <a:effectLst/>
-                <a:latin typeface="+mn-lt"/>
-                <a:ea typeface="+mn-ea"/>
-                <a:cs typeface="+mn-cs"/>
-                <a:hlinkClick r:id="rId3"/>
-              </a:rPr>
-              <a:t>BDD</a:t>
-            </a:r>
-            <a:r>
-              <a:rPr lang="en-US" sz="1200" b="0" i="0" kern="1200" dirty="0" smtClean="0">
-                <a:solidFill>
-                  <a:schemeClr val="tx1"/>
-                </a:solidFill>
-                <a:effectLst/>
-                <a:latin typeface="+mn-lt"/>
-                <a:ea typeface="+mn-ea"/>
-                <a:cs typeface="+mn-cs"/>
-              </a:rPr>
-              <a:t>, and is still very much at its core. </a:t>
-            </a:r>
-            <a:r>
-              <a:rPr lang="en-US" sz="1200" b="0" i="0" kern="1200" dirty="0" smtClean="0">
-                <a:solidFill>
-                  <a:schemeClr val="tx1"/>
-                </a:solidFill>
-                <a:effectLst/>
-                <a:latin typeface="+mn-lt"/>
-                <a:ea typeface="+mn-ea"/>
-                <a:cs typeface="+mn-cs"/>
-                <a:hlinkClick r:id="rId6"/>
-              </a:rPr>
-              <a:t>“Getting the Words Right”</a:t>
-            </a:r>
-            <a:r>
-              <a:rPr lang="en-US" sz="1200" b="0" i="0" kern="1200" dirty="0" smtClean="0">
-                <a:solidFill>
-                  <a:schemeClr val="tx1"/>
-                </a:solidFill>
-                <a:effectLst/>
-                <a:latin typeface="+mn-lt"/>
-                <a:ea typeface="+mn-ea"/>
-                <a:cs typeface="+mn-cs"/>
-              </a:rPr>
-              <a:t> is intended to produce a vocabulary that is accurate, accessible, descriptive and consistent.</a:t>
-            </a:r>
-          </a:p>
-          <a:p>
-            <a:endParaRPr lang="ru-RU" dirty="0"/>
           </a:p>
         </p:txBody>
       </p:sp>
@@ -2432,7 +3262,7 @@
           <a:p>
             <a:fld id="{7793EDCB-5B64-3143-AFED-AA1357A092FA}" type="datetimeFigureOut">
               <a:rPr lang="en-US" smtClean="0"/>
-              <a:t>12/10/2012</a:t>
+              <a:t>12/11/2012</a:t>
             </a:fld>
             <a:endParaRPr lang="en-US"/>
           </a:p>
@@ -2602,7 +3432,7 @@
           <a:p>
             <a:fld id="{7793EDCB-5B64-3143-AFED-AA1357A092FA}" type="datetimeFigureOut">
               <a:rPr lang="en-US" smtClean="0"/>
-              <a:t>12/10/2012</a:t>
+              <a:t>12/11/2012</a:t>
             </a:fld>
             <a:endParaRPr lang="en-US"/>
           </a:p>
@@ -2782,7 +3612,7 @@
           <a:p>
             <a:fld id="{7793EDCB-5B64-3143-AFED-AA1357A092FA}" type="datetimeFigureOut">
               <a:rPr lang="en-US" smtClean="0"/>
-              <a:t>12/10/2012</a:t>
+              <a:t>12/11/2012</a:t>
             </a:fld>
             <a:endParaRPr lang="en-US"/>
           </a:p>
@@ -5825,7 +6655,7 @@
           <a:p>
             <a:fld id="{7793EDCB-5B64-3143-AFED-AA1357A092FA}" type="datetimeFigureOut">
               <a:rPr lang="en-US" smtClean="0"/>
-              <a:t>12/10/2012</a:t>
+              <a:t>12/11/2012</a:t>
             </a:fld>
             <a:endParaRPr lang="en-US"/>
           </a:p>
@@ -8517,7 +9347,7 @@
                   <a:spcPct val="0"/>
                 </a:spcAft>
               </a:pPr>
-              <a:t>10.12.2012</a:t>
+              <a:t>11.12.2012</a:t>
             </a:fld>
             <a:endParaRPr lang="ru-RU">
               <a:solidFill>
@@ -8878,7 +9708,7 @@
           <a:p>
             <a:fld id="{7793EDCB-5B64-3143-AFED-AA1357A092FA}" type="datetimeFigureOut">
               <a:rPr lang="en-US" smtClean="0"/>
-              <a:t>12/10/2012</a:t>
+              <a:t>12/11/2012</a:t>
             </a:fld>
             <a:endParaRPr lang="en-US"/>
           </a:p>
@@ -13848,7 +14678,7 @@
           <a:p>
             <a:fld id="{7793EDCB-5B64-3143-AFED-AA1357A092FA}" type="datetimeFigureOut">
               <a:rPr lang="en-US" smtClean="0"/>
-              <a:t>12/10/2012</a:t>
+              <a:t>12/11/2012</a:t>
             </a:fld>
             <a:endParaRPr lang="en-US"/>
           </a:p>
@@ -15466,7 +16296,7 @@
           <a:p>
             <a:fld id="{7793EDCB-5B64-3143-AFED-AA1357A092FA}" type="datetimeFigureOut">
               <a:rPr lang="en-US" smtClean="0"/>
-              <a:t>12/10/2012</a:t>
+              <a:t>12/11/2012</a:t>
             </a:fld>
             <a:endParaRPr lang="en-US"/>
           </a:p>
@@ -15584,7 +16414,7 @@
           <a:p>
             <a:fld id="{7793EDCB-5B64-3143-AFED-AA1357A092FA}" type="datetimeFigureOut">
               <a:rPr lang="en-US" smtClean="0"/>
-              <a:t>12/10/2012</a:t>
+              <a:t>12/11/2012</a:t>
             </a:fld>
             <a:endParaRPr lang="en-US"/>
           </a:p>
@@ -15679,7 +16509,7 @@
           <a:p>
             <a:fld id="{7793EDCB-5B64-3143-AFED-AA1357A092FA}" type="datetimeFigureOut">
               <a:rPr lang="en-US" smtClean="0"/>
-              <a:t>12/10/2012</a:t>
+              <a:t>12/11/2012</a:t>
             </a:fld>
             <a:endParaRPr lang="en-US"/>
           </a:p>
@@ -15956,7 +16786,7 @@
           <a:p>
             <a:fld id="{7793EDCB-5B64-3143-AFED-AA1357A092FA}" type="datetimeFigureOut">
               <a:rPr lang="en-US" smtClean="0"/>
-              <a:t>12/10/2012</a:t>
+              <a:t>12/11/2012</a:t>
             </a:fld>
             <a:endParaRPr lang="en-US"/>
           </a:p>
@@ -16209,7 +17039,7 @@
           <a:p>
             <a:fld id="{7793EDCB-5B64-3143-AFED-AA1357A092FA}" type="datetimeFigureOut">
               <a:rPr lang="en-US" smtClean="0"/>
-              <a:t>12/10/2012</a:t>
+              <a:t>12/11/2012</a:t>
             </a:fld>
             <a:endParaRPr lang="en-US"/>
           </a:p>
@@ -16422,7 +17252,7 @@
           <a:p>
             <a:fld id="{7793EDCB-5B64-3143-AFED-AA1357A092FA}" type="datetimeFigureOut">
               <a:rPr lang="en-US" smtClean="0"/>
-              <a:t>12/10/2012</a:t>
+              <a:t>12/11/2012</a:t>
             </a:fld>
             <a:endParaRPr lang="en-US"/>
           </a:p>
@@ -16900,7 +17730,7 @@
               </a14:hiddenLine>
             </a:ext>
             <a:ext uri="{FAA26D3D-D897-4be2-8F04-BA451C77F1D7}">
-              <ma14:placeholderFlag xmlns="" xmlns:ma14="http://schemas.microsoft.com/office/mac/drawingml/2011/main" val="1"/>
+              <ma14:placeholderFlag xmlns:ma14="http://schemas.microsoft.com/office/mac/drawingml/2011/main" xmlns="" val="1"/>
             </a:ext>
           </a:extLst>
         </p:spPr>
@@ -16961,7 +17791,7 @@
               </a14:hiddenLine>
             </a:ext>
             <a:ext uri="{FAA26D3D-D897-4be2-8F04-BA451C77F1D7}">
-              <ma14:placeholderFlag xmlns="" xmlns:ma14="http://schemas.microsoft.com/office/mac/drawingml/2011/main" val="1"/>
+              <ma14:placeholderFlag xmlns:ma14="http://schemas.microsoft.com/office/mac/drawingml/2011/main" xmlns="" val="1"/>
             </a:ext>
           </a:extLst>
         </p:spPr>
@@ -17887,7 +18717,7 @@
               </a14:hiddenLine>
             </a:ext>
             <a:ext uri="{FAA26D3D-D897-4be2-8F04-BA451C77F1D7}">
-              <ma14:placeholderFlag xmlns="" xmlns:ma14="http://schemas.microsoft.com/office/mac/drawingml/2011/main" val="1"/>
+              <ma14:placeholderFlag xmlns:ma14="http://schemas.microsoft.com/office/mac/drawingml/2011/main" xmlns="" val="1"/>
             </a:ext>
           </a:extLst>
         </p:spPr>
@@ -18295,7 +19125,7 @@
               </a14:hiddenLine>
             </a:ext>
             <a:ext uri="{FAA26D3D-D897-4be2-8F04-BA451C77F1D7}">
-              <ma14:placeholderFlag xmlns="" xmlns:ma14="http://schemas.microsoft.com/office/mac/drawingml/2011/main" val="1"/>
+              <ma14:placeholderFlag xmlns:ma14="http://schemas.microsoft.com/office/mac/drawingml/2011/main" xmlns="" val="1"/>
             </a:ext>
           </a:extLst>
         </p:spPr>
@@ -19119,6 +19949,965 @@
           <a:lstStyle/>
           <a:p>
             <a:r>
+              <a:rPr lang="ru-RU" dirty="0"/>
+              <a:t>Что такое </a:t>
+            </a:r>
+            <a:r>
+              <a:rPr lang="en-US" dirty="0"/>
+              <a:t>BDD?</a:t>
+            </a:r>
+          </a:p>
+        </p:txBody>
+      </p:sp>
+      <p:sp>
+        <p:nvSpPr>
+          <p:cNvPr id="8" name="Rectangle 4"/>
+          <p:cNvSpPr>
+            <a:spLocks noChangeArrowheads="1"/>
+          </p:cNvSpPr>
+          <p:nvPr>
+            <p:custDataLst>
+              <p:tags r:id="rId1"/>
+            </p:custDataLst>
+          </p:nvPr>
+        </p:nvSpPr>
+        <p:spPr bwMode="auto">
+          <a:xfrm>
+            <a:off x="2286000" y="1785700"/>
+            <a:ext cx="4572000" cy="3286601"/>
+          </a:xfrm>
+          <a:prstGeom prst="rect">
+            <a:avLst/>
+          </a:prstGeom>
+          <a:noFill/>
+          <a:ln w="19050">
+            <a:noFill/>
+            <a:miter lim="800000"/>
+            <a:headEnd/>
+            <a:tailEnd/>
+          </a:ln>
+        </p:spPr>
+        <p:txBody>
+          <a:bodyPr wrap="square" lIns="93296" tIns="144000" rIns="93296" bIns="93296">
+            <a:spAutoFit/>
+          </a:bodyPr>
+          <a:lstStyle/>
+          <a:p>
+            <a:pPr defTabSz="803275">
+              <a:buClr>
+                <a:srgbClr val="FF6600"/>
+              </a:buClr>
+              <a:buSzPct val="125000"/>
+            </a:pPr>
+            <a:r>
+              <a:rPr lang="ru-RU" dirty="0">
+                <a:solidFill>
+                  <a:schemeClr val="accent4"/>
+                </a:solidFill>
+                <a:latin typeface="Arial" pitchFamily="34" charset="0"/>
+                <a:cs typeface="Arial" pitchFamily="34" charset="0"/>
+              </a:rPr>
+              <a:t>Программисты </a:t>
+            </a:r>
+            <a:r>
+              <a:rPr lang="ru-RU" dirty="0" smtClean="0">
+                <a:solidFill>
+                  <a:schemeClr val="accent4"/>
+                </a:solidFill>
+                <a:latin typeface="Arial" pitchFamily="34" charset="0"/>
+                <a:cs typeface="Arial" pitchFamily="34" charset="0"/>
+              </a:rPr>
+              <a:t>не понимают</a:t>
+            </a:r>
+            <a:r>
+              <a:rPr lang="en-US" dirty="0" smtClean="0">
+                <a:solidFill>
+                  <a:schemeClr val="accent4"/>
+                </a:solidFill>
+                <a:latin typeface="Arial" pitchFamily="34" charset="0"/>
+                <a:cs typeface="Arial" pitchFamily="34" charset="0"/>
+              </a:rPr>
+              <a:t>:</a:t>
+            </a:r>
+          </a:p>
+          <a:p>
+            <a:pPr defTabSz="803275">
+              <a:buClr>
+                <a:srgbClr val="FF6600"/>
+              </a:buClr>
+              <a:buSzPct val="125000"/>
+            </a:pPr>
+            <a:endParaRPr lang="en-US" dirty="0" smtClean="0">
+              <a:solidFill>
+                <a:schemeClr val="accent4"/>
+              </a:solidFill>
+              <a:latin typeface="Arial" pitchFamily="34" charset="0"/>
+              <a:cs typeface="Arial" pitchFamily="34" charset="0"/>
+            </a:endParaRPr>
+          </a:p>
+          <a:p>
+            <a:pPr marL="285750" indent="-285750" defTabSz="803275">
+              <a:buClr>
+                <a:srgbClr val="FF6600"/>
+              </a:buClr>
+              <a:buSzPct val="125000"/>
+              <a:buFont typeface="Wingdings" pitchFamily="2" charset="2"/>
+              <a:buChar char="§"/>
+            </a:pPr>
+            <a:r>
+              <a:rPr lang="en-US" dirty="0" smtClean="0">
+                <a:solidFill>
+                  <a:schemeClr val="accent4"/>
+                </a:solidFill>
+                <a:latin typeface="Arial" pitchFamily="34" charset="0"/>
+                <a:cs typeface="Arial" pitchFamily="34" charset="0"/>
+              </a:rPr>
+              <a:t>C</a:t>
+            </a:r>
+            <a:r>
+              <a:rPr lang="ru-RU" dirty="0" smtClean="0">
+                <a:solidFill>
+                  <a:schemeClr val="accent4"/>
+                </a:solidFill>
+                <a:latin typeface="Arial" pitchFamily="34" charset="0"/>
+                <a:cs typeface="Arial" pitchFamily="34" charset="0"/>
+              </a:rPr>
+              <a:t> </a:t>
+            </a:r>
+            <a:r>
+              <a:rPr lang="ru-RU" dirty="0">
+                <a:solidFill>
+                  <a:schemeClr val="accent4"/>
+                </a:solidFill>
+                <a:latin typeface="Arial" pitchFamily="34" charset="0"/>
+                <a:cs typeface="Arial" pitchFamily="34" charset="0"/>
+              </a:rPr>
+              <a:t>чего </a:t>
+            </a:r>
+            <a:r>
+              <a:rPr lang="ru-RU" dirty="0" smtClean="0">
+                <a:solidFill>
+                  <a:schemeClr val="accent4"/>
+                </a:solidFill>
+                <a:latin typeface="Arial" pitchFamily="34" charset="0"/>
+                <a:cs typeface="Arial" pitchFamily="34" charset="0"/>
+              </a:rPr>
+              <a:t>начать писать тест</a:t>
+            </a:r>
+            <a:r>
+              <a:rPr lang="en-US" dirty="0" smtClean="0">
+                <a:solidFill>
+                  <a:schemeClr val="accent4"/>
+                </a:solidFill>
+                <a:latin typeface="Arial" pitchFamily="34" charset="0"/>
+                <a:cs typeface="Arial" pitchFamily="34" charset="0"/>
+              </a:rPr>
+              <a:t>?</a:t>
+            </a:r>
+          </a:p>
+          <a:p>
+            <a:pPr defTabSz="803275">
+              <a:buClr>
+                <a:srgbClr val="FF6600"/>
+              </a:buClr>
+              <a:buSzPct val="125000"/>
+            </a:pPr>
+            <a:endParaRPr lang="en-US" dirty="0" smtClean="0">
+              <a:solidFill>
+                <a:schemeClr val="accent4"/>
+              </a:solidFill>
+              <a:latin typeface="Arial" pitchFamily="34" charset="0"/>
+              <a:cs typeface="Arial" pitchFamily="34" charset="0"/>
+            </a:endParaRPr>
+          </a:p>
+          <a:p>
+            <a:pPr marL="285750" indent="-285750" defTabSz="803275">
+              <a:buClr>
+                <a:srgbClr val="FF6600"/>
+              </a:buClr>
+              <a:buSzPct val="125000"/>
+              <a:buFont typeface="Wingdings" pitchFamily="2" charset="2"/>
+              <a:buChar char="§"/>
+            </a:pPr>
+            <a:r>
+              <a:rPr lang="ru-RU" dirty="0">
+                <a:solidFill>
+                  <a:schemeClr val="accent4"/>
+                </a:solidFill>
+                <a:latin typeface="Arial" pitchFamily="34" charset="0"/>
+                <a:cs typeface="Arial" pitchFamily="34" charset="0"/>
+              </a:rPr>
+              <a:t>Ч</a:t>
+            </a:r>
+            <a:r>
+              <a:rPr lang="ru-RU" dirty="0" smtClean="0">
+                <a:solidFill>
+                  <a:schemeClr val="accent4"/>
+                </a:solidFill>
+                <a:latin typeface="Arial" pitchFamily="34" charset="0"/>
+                <a:cs typeface="Arial" pitchFamily="34" charset="0"/>
+              </a:rPr>
+              <a:t>то тестировать а что нет</a:t>
+            </a:r>
+            <a:r>
+              <a:rPr lang="en-US" dirty="0" smtClean="0">
+                <a:solidFill>
+                  <a:schemeClr val="accent4"/>
+                </a:solidFill>
+                <a:latin typeface="Arial" pitchFamily="34" charset="0"/>
+                <a:cs typeface="Arial" pitchFamily="34" charset="0"/>
+              </a:rPr>
+              <a:t>?</a:t>
+            </a:r>
+          </a:p>
+          <a:p>
+            <a:pPr marL="285750" indent="-285750" defTabSz="803275">
+              <a:buClr>
+                <a:srgbClr val="FF6600"/>
+              </a:buClr>
+              <a:buSzPct val="125000"/>
+              <a:buFont typeface="Wingdings" pitchFamily="2" charset="2"/>
+              <a:buChar char="§"/>
+            </a:pPr>
+            <a:endParaRPr lang="en-US" dirty="0" smtClean="0">
+              <a:solidFill>
+                <a:schemeClr val="accent4"/>
+              </a:solidFill>
+              <a:latin typeface="Arial" pitchFamily="34" charset="0"/>
+              <a:cs typeface="Arial" pitchFamily="34" charset="0"/>
+            </a:endParaRPr>
+          </a:p>
+          <a:p>
+            <a:pPr marL="285750" indent="-285750" defTabSz="803275">
+              <a:buClr>
+                <a:srgbClr val="FF6600"/>
+              </a:buClr>
+              <a:buSzPct val="125000"/>
+              <a:buFont typeface="Wingdings" pitchFamily="2" charset="2"/>
+              <a:buChar char="§"/>
+            </a:pPr>
+            <a:r>
+              <a:rPr lang="ru-RU" dirty="0">
+                <a:solidFill>
+                  <a:schemeClr val="accent4"/>
+                </a:solidFill>
+                <a:latin typeface="Arial" pitchFamily="34" charset="0"/>
+                <a:cs typeface="Arial" pitchFamily="34" charset="0"/>
+              </a:rPr>
+              <a:t>К</a:t>
+            </a:r>
+            <a:r>
+              <a:rPr lang="ru-RU" dirty="0" smtClean="0">
+                <a:solidFill>
+                  <a:schemeClr val="accent4"/>
+                </a:solidFill>
+                <a:latin typeface="Arial" pitchFamily="34" charset="0"/>
+                <a:cs typeface="Arial" pitchFamily="34" charset="0"/>
+              </a:rPr>
+              <a:t>ак много тестировать в одном тесте</a:t>
+            </a:r>
+            <a:r>
+              <a:rPr lang="en-US" dirty="0" smtClean="0">
+                <a:solidFill>
+                  <a:schemeClr val="accent4"/>
+                </a:solidFill>
+                <a:latin typeface="Arial" pitchFamily="34" charset="0"/>
+                <a:cs typeface="Arial" pitchFamily="34" charset="0"/>
+              </a:rPr>
+              <a:t>?</a:t>
+            </a:r>
+          </a:p>
+          <a:p>
+            <a:pPr marL="285750" indent="-285750" defTabSz="803275">
+              <a:buClr>
+                <a:srgbClr val="FF6600"/>
+              </a:buClr>
+              <a:buSzPct val="125000"/>
+              <a:buFont typeface="Wingdings" pitchFamily="2" charset="2"/>
+              <a:buChar char="§"/>
+            </a:pPr>
+            <a:endParaRPr lang="en-US" dirty="0" smtClean="0">
+              <a:solidFill>
+                <a:schemeClr val="accent4"/>
+              </a:solidFill>
+              <a:latin typeface="Arial" pitchFamily="34" charset="0"/>
+              <a:cs typeface="Arial" pitchFamily="34" charset="0"/>
+            </a:endParaRPr>
+          </a:p>
+          <a:p>
+            <a:pPr marL="285750" indent="-285750" defTabSz="803275">
+              <a:buClr>
+                <a:srgbClr val="FF6600"/>
+              </a:buClr>
+              <a:buSzPct val="125000"/>
+              <a:buFont typeface="Wingdings" pitchFamily="2" charset="2"/>
+              <a:buChar char="§"/>
+            </a:pPr>
+            <a:r>
+              <a:rPr lang="ru-RU" dirty="0" smtClean="0">
+                <a:solidFill>
+                  <a:schemeClr val="accent4"/>
+                </a:solidFill>
+                <a:latin typeface="Arial" pitchFamily="34" charset="0"/>
+                <a:cs typeface="Arial" pitchFamily="34" charset="0"/>
+              </a:rPr>
+              <a:t>Как именовать тесты</a:t>
+            </a:r>
+            <a:r>
+              <a:rPr lang="en-US" dirty="0" smtClean="0">
+                <a:solidFill>
+                  <a:schemeClr val="accent4"/>
+                </a:solidFill>
+                <a:latin typeface="Arial" pitchFamily="34" charset="0"/>
+                <a:cs typeface="Arial" pitchFamily="34" charset="0"/>
+              </a:rPr>
+              <a:t>?</a:t>
+            </a:r>
+          </a:p>
+          <a:p>
+            <a:pPr marL="285750" indent="-285750" defTabSz="803275">
+              <a:buClr>
+                <a:srgbClr val="FF6600"/>
+              </a:buClr>
+              <a:buSzPct val="125000"/>
+              <a:buFont typeface="Wingdings" pitchFamily="2" charset="2"/>
+              <a:buChar char="§"/>
+            </a:pPr>
+            <a:endParaRPr lang="en-US" dirty="0" smtClean="0">
+              <a:solidFill>
+                <a:schemeClr val="accent4"/>
+              </a:solidFill>
+              <a:latin typeface="Arial" pitchFamily="34" charset="0"/>
+              <a:cs typeface="Arial" pitchFamily="34" charset="0"/>
+            </a:endParaRPr>
+          </a:p>
+          <a:p>
+            <a:pPr marL="285750" indent="-285750" defTabSz="803275">
+              <a:buClr>
+                <a:srgbClr val="FF6600"/>
+              </a:buClr>
+              <a:buSzPct val="125000"/>
+              <a:buFont typeface="Wingdings" pitchFamily="2" charset="2"/>
+              <a:buChar char="§"/>
+            </a:pPr>
+            <a:r>
+              <a:rPr lang="ru-RU" dirty="0" smtClean="0">
+                <a:solidFill>
+                  <a:schemeClr val="accent4"/>
+                </a:solidFill>
+                <a:latin typeface="Arial" pitchFamily="34" charset="0"/>
+                <a:cs typeface="Arial" pitchFamily="34" charset="0"/>
+              </a:rPr>
+              <a:t>Как </a:t>
+            </a:r>
+            <a:r>
+              <a:rPr lang="ru-RU" dirty="0">
+                <a:solidFill>
+                  <a:schemeClr val="accent4"/>
+                </a:solidFill>
+                <a:latin typeface="Arial" pitchFamily="34" charset="0"/>
+                <a:cs typeface="Arial" pitchFamily="34" charset="0"/>
+              </a:rPr>
+              <a:t>понять, почему тест не </a:t>
+            </a:r>
+            <a:r>
+              <a:rPr lang="ru-RU" dirty="0" smtClean="0">
+                <a:solidFill>
+                  <a:schemeClr val="accent4"/>
+                </a:solidFill>
+                <a:latin typeface="Arial" pitchFamily="34" charset="0"/>
+                <a:cs typeface="Arial" pitchFamily="34" charset="0"/>
+              </a:rPr>
+              <a:t>пройден</a:t>
+            </a:r>
+            <a:r>
+              <a:rPr lang="en-US" dirty="0" smtClean="0">
+                <a:solidFill>
+                  <a:schemeClr val="accent4"/>
+                </a:solidFill>
+                <a:latin typeface="Arial" pitchFamily="34" charset="0"/>
+                <a:cs typeface="Arial" pitchFamily="34" charset="0"/>
+              </a:rPr>
+              <a:t>?</a:t>
+            </a:r>
+            <a:endParaRPr lang="ru-RU" dirty="0" smtClean="0">
+              <a:solidFill>
+                <a:schemeClr val="accent4"/>
+              </a:solidFill>
+              <a:latin typeface="Arial" pitchFamily="34" charset="0"/>
+              <a:cs typeface="Arial" pitchFamily="34" charset="0"/>
+            </a:endParaRPr>
+          </a:p>
+        </p:txBody>
+      </p:sp>
+    </p:spTree>
+    <p:extLst>
+      <p:ext uri="{BB962C8B-B14F-4D97-AF65-F5344CB8AC3E}">
+        <p14:creationId xmlns:p14="http://schemas.microsoft.com/office/powerpoint/2010/main" val="2627344295"/>
+      </p:ext>
+    </p:extLst>
+  </p:cSld>
+  <p:clrMapOvr>
+    <a:masterClrMapping/>
+  </p:clrMapOvr>
+  <mc:AlternateContent xmlns:mc="http://schemas.openxmlformats.org/markup-compatibility/2006" xmlns:p14="http://schemas.microsoft.com/office/powerpoint/2010/main">
+    <mc:Choice Requires="p14">
+      <p:transition p14:dur="0"/>
+    </mc:Choice>
+    <mc:Fallback xmlns="">
+      <p:transition xmlns:p14="http://schemas.microsoft.com/office/powerpoint/2010/main"/>
+    </mc:Fallback>
+  </mc:AlternateContent>
+  <p:timing>
+    <p:tnLst>
+      <p:par>
+        <p:cTn id="1" dur="indefinite" restart="never" nodeType="tmRoot"/>
+      </p:par>
+    </p:tnLst>
+  </p:timing>
+</p:sld>
+</file>
+
+<file path=ppt/slides/slide11.xml><?xml version="1.0" encoding="utf-8"?>
+<p:sld xmlns:a="http://schemas.openxmlformats.org/drawingml/2006/main" xmlns:r="http://schemas.openxmlformats.org/officeDocument/2006/relationships" xmlns:p="http://schemas.openxmlformats.org/presentationml/2006/main">
+  <p:cSld>
+    <p:spTree>
+      <p:nvGrpSpPr>
+        <p:cNvPr id="1" name=""/>
+        <p:cNvGrpSpPr/>
+        <p:nvPr/>
+      </p:nvGrpSpPr>
+      <p:grpSpPr>
+        <a:xfrm>
+          <a:off x="0" y="0"/>
+          <a:ext cx="0" cy="0"/>
+          <a:chOff x="0" y="0"/>
+          <a:chExt cx="0" cy="0"/>
+        </a:xfrm>
+      </p:grpSpPr>
+      <p:sp>
+        <p:nvSpPr>
+          <p:cNvPr id="2" name="Title 1"/>
+          <p:cNvSpPr>
+            <a:spLocks noGrp="1"/>
+          </p:cNvSpPr>
+          <p:nvPr>
+            <p:ph type="title"/>
+          </p:nvPr>
+        </p:nvSpPr>
+        <p:spPr/>
+        <p:txBody>
+          <a:bodyPr/>
+          <a:lstStyle/>
+          <a:p>
+            <a:r>
+              <a:rPr lang="ru-RU" dirty="0"/>
+              <a:t>Что такое </a:t>
+            </a:r>
+            <a:r>
+              <a:rPr lang="en-US" dirty="0"/>
+              <a:t>BDD?</a:t>
+            </a:r>
+          </a:p>
+        </p:txBody>
+      </p:sp>
+      <p:sp>
+        <p:nvSpPr>
+          <p:cNvPr id="8" name="Rectangle 4"/>
+          <p:cNvSpPr>
+            <a:spLocks noChangeArrowheads="1"/>
+          </p:cNvSpPr>
+          <p:nvPr>
+            <p:custDataLst>
+              <p:tags r:id="rId1"/>
+            </p:custDataLst>
+          </p:nvPr>
+        </p:nvSpPr>
+        <p:spPr bwMode="auto">
+          <a:xfrm>
+            <a:off x="2286000" y="1785700"/>
+            <a:ext cx="4572000" cy="516612"/>
+          </a:xfrm>
+          <a:prstGeom prst="rect">
+            <a:avLst/>
+          </a:prstGeom>
+          <a:noFill/>
+          <a:ln w="19050">
+            <a:noFill/>
+            <a:miter lim="800000"/>
+            <a:headEnd/>
+            <a:tailEnd/>
+          </a:ln>
+        </p:spPr>
+        <p:txBody>
+          <a:bodyPr wrap="square" lIns="93296" tIns="144000" rIns="93296" bIns="93296">
+            <a:spAutoFit/>
+          </a:bodyPr>
+          <a:lstStyle/>
+          <a:p>
+            <a:pPr defTabSz="803275">
+              <a:buClr>
+                <a:srgbClr val="FF6600"/>
+              </a:buClr>
+              <a:buSzPct val="125000"/>
+            </a:pPr>
+            <a:r>
+              <a:rPr lang="ru-RU" dirty="0" smtClean="0">
+                <a:solidFill>
+                  <a:schemeClr val="accent4"/>
+                </a:solidFill>
+                <a:latin typeface="Arial" pitchFamily="34" charset="0"/>
+                <a:cs typeface="Arial" pitchFamily="34" charset="0"/>
+              </a:rPr>
+              <a:t>Чем больше я понимал </a:t>
+            </a:r>
+            <a:r>
+              <a:rPr lang="en-US" dirty="0" smtClean="0">
+                <a:solidFill>
+                  <a:schemeClr val="accent4"/>
+                </a:solidFill>
+                <a:latin typeface="Arial" pitchFamily="34" charset="0"/>
+                <a:cs typeface="Arial" pitchFamily="34" charset="0"/>
+              </a:rPr>
+              <a:t>TDD</a:t>
+            </a:r>
+            <a:endParaRPr lang="ru-RU" dirty="0" smtClean="0">
+              <a:solidFill>
+                <a:schemeClr val="accent4"/>
+              </a:solidFill>
+              <a:latin typeface="Arial" pitchFamily="34" charset="0"/>
+              <a:cs typeface="Arial" pitchFamily="34" charset="0"/>
+            </a:endParaRPr>
+          </a:p>
+        </p:txBody>
+      </p:sp>
+    </p:spTree>
+    <p:extLst>
+      <p:ext uri="{BB962C8B-B14F-4D97-AF65-F5344CB8AC3E}">
+        <p14:creationId xmlns:p14="http://schemas.microsoft.com/office/powerpoint/2010/main" val="1533727784"/>
+      </p:ext>
+    </p:extLst>
+  </p:cSld>
+  <p:clrMapOvr>
+    <a:masterClrMapping/>
+  </p:clrMapOvr>
+  <mc:AlternateContent xmlns:mc="http://schemas.openxmlformats.org/markup-compatibility/2006" xmlns:p14="http://schemas.microsoft.com/office/powerpoint/2010/main">
+    <mc:Choice Requires="p14">
+      <p:transition p14:dur="0"/>
+    </mc:Choice>
+    <mc:Fallback xmlns="">
+      <p:transition xmlns:p14="http://schemas.microsoft.com/office/powerpoint/2010/main"/>
+    </mc:Fallback>
+  </mc:AlternateContent>
+  <p:timing>
+    <p:tnLst>
+      <p:par>
+        <p:cTn id="1" dur="indefinite" restart="never" nodeType="tmRoot"/>
+      </p:par>
+    </p:tnLst>
+  </p:timing>
+</p:sld>
+</file>
+
+<file path=ppt/slides/slide12.xml><?xml version="1.0" encoding="utf-8"?>
+<p:sld xmlns:a="http://schemas.openxmlformats.org/drawingml/2006/main" xmlns:r="http://schemas.openxmlformats.org/officeDocument/2006/relationships" xmlns:p="http://schemas.openxmlformats.org/presentationml/2006/main">
+  <p:cSld>
+    <p:spTree>
+      <p:nvGrpSpPr>
+        <p:cNvPr id="1" name=""/>
+        <p:cNvGrpSpPr/>
+        <p:nvPr/>
+      </p:nvGrpSpPr>
+      <p:grpSpPr>
+        <a:xfrm>
+          <a:off x="0" y="0"/>
+          <a:ext cx="0" cy="0"/>
+          <a:chOff x="0" y="0"/>
+          <a:chExt cx="0" cy="0"/>
+        </a:xfrm>
+      </p:grpSpPr>
+      <p:sp>
+        <p:nvSpPr>
+          <p:cNvPr id="2" name="Title 1"/>
+          <p:cNvSpPr>
+            <a:spLocks noGrp="1"/>
+          </p:cNvSpPr>
+          <p:nvPr>
+            <p:ph type="title"/>
+          </p:nvPr>
+        </p:nvSpPr>
+        <p:spPr/>
+        <p:txBody>
+          <a:bodyPr/>
+          <a:lstStyle/>
+          <a:p>
+            <a:r>
+              <a:rPr lang="ru-RU" dirty="0"/>
+              <a:t>Что такое </a:t>
+            </a:r>
+            <a:r>
+              <a:rPr lang="en-US" dirty="0"/>
+              <a:t>BDD?</a:t>
+            </a:r>
+          </a:p>
+        </p:txBody>
+      </p:sp>
+    </p:spTree>
+    <p:extLst>
+      <p:ext uri="{BB962C8B-B14F-4D97-AF65-F5344CB8AC3E}">
+        <p14:creationId xmlns:p14="http://schemas.microsoft.com/office/powerpoint/2010/main" val="976750524"/>
+      </p:ext>
+    </p:extLst>
+  </p:cSld>
+  <p:clrMapOvr>
+    <a:masterClrMapping/>
+  </p:clrMapOvr>
+  <mc:AlternateContent xmlns:mc="http://schemas.openxmlformats.org/markup-compatibility/2006" xmlns:p14="http://schemas.microsoft.com/office/powerpoint/2010/main">
+    <mc:Choice Requires="p14">
+      <p:transition p14:dur="0"/>
+    </mc:Choice>
+    <mc:Fallback xmlns="">
+      <p:transition xmlns:p14="http://schemas.microsoft.com/office/powerpoint/2010/main"/>
+    </mc:Fallback>
+  </mc:AlternateContent>
+  <p:timing>
+    <p:tnLst>
+      <p:par>
+        <p:cTn id="1" dur="indefinite" restart="never" nodeType="tmRoot"/>
+      </p:par>
+    </p:tnLst>
+  </p:timing>
+</p:sld>
+</file>
+
+<file path=ppt/slides/slide13.xml><?xml version="1.0" encoding="utf-8"?>
+<p:sld xmlns:a="http://schemas.openxmlformats.org/drawingml/2006/main" xmlns:r="http://schemas.openxmlformats.org/officeDocument/2006/relationships" xmlns:p="http://schemas.openxmlformats.org/presentationml/2006/main">
+  <p:cSld>
+    <p:spTree>
+      <p:nvGrpSpPr>
+        <p:cNvPr id="1" name=""/>
+        <p:cNvGrpSpPr/>
+        <p:nvPr/>
+      </p:nvGrpSpPr>
+      <p:grpSpPr>
+        <a:xfrm>
+          <a:off x="0" y="0"/>
+          <a:ext cx="0" cy="0"/>
+          <a:chOff x="0" y="0"/>
+          <a:chExt cx="0" cy="0"/>
+        </a:xfrm>
+      </p:grpSpPr>
+      <p:sp>
+        <p:nvSpPr>
+          <p:cNvPr id="2" name="Title 1"/>
+          <p:cNvSpPr>
+            <a:spLocks noGrp="1"/>
+          </p:cNvSpPr>
+          <p:nvPr>
+            <p:ph type="title"/>
+          </p:nvPr>
+        </p:nvSpPr>
+        <p:spPr/>
+        <p:txBody>
+          <a:bodyPr/>
+          <a:lstStyle/>
+          <a:p>
+            <a:r>
+              <a:rPr lang="en-US" dirty="0" smtClean="0"/>
+              <a:t>BDD</a:t>
+            </a:r>
+            <a:endParaRPr lang="en-US" dirty="0"/>
+          </a:p>
+        </p:txBody>
+      </p:sp>
+      <p:sp>
+        <p:nvSpPr>
+          <p:cNvPr id="8" name="Rectangle 4"/>
+          <p:cNvSpPr>
+            <a:spLocks noChangeArrowheads="1"/>
+          </p:cNvSpPr>
+          <p:nvPr>
+            <p:custDataLst>
+              <p:tags r:id="rId1"/>
+            </p:custDataLst>
+          </p:nvPr>
+        </p:nvSpPr>
+        <p:spPr bwMode="auto">
+          <a:xfrm>
+            <a:off x="1066800" y="3170694"/>
+            <a:ext cx="7010400" cy="855166"/>
+          </a:xfrm>
+          <a:prstGeom prst="rect">
+            <a:avLst/>
+          </a:prstGeom>
+          <a:noFill/>
+          <a:ln w="19050">
+            <a:noFill/>
+            <a:miter lim="800000"/>
+            <a:headEnd/>
+            <a:tailEnd/>
+          </a:ln>
+        </p:spPr>
+        <p:txBody>
+          <a:bodyPr wrap="square" lIns="93296" tIns="144000" rIns="93296" bIns="93296">
+            <a:spAutoFit/>
+          </a:bodyPr>
+          <a:lstStyle/>
+          <a:p>
+            <a:pPr algn="ctr" defTabSz="803275">
+              <a:buClr>
+                <a:srgbClr val="FF6600"/>
+              </a:buClr>
+              <a:buSzPct val="125000"/>
+            </a:pPr>
+            <a:r>
+              <a:rPr lang="en-US" sz="4000" dirty="0" smtClean="0">
+                <a:solidFill>
+                  <a:schemeClr val="accent4"/>
+                </a:solidFill>
+                <a:latin typeface="Arial" pitchFamily="34" charset="0"/>
+                <a:cs typeface="Arial" pitchFamily="34" charset="0"/>
+              </a:rPr>
+              <a:t>Test - </a:t>
+            </a:r>
+            <a:r>
+              <a:rPr lang="en-US" sz="4000" dirty="0">
+                <a:solidFill>
+                  <a:schemeClr val="accent4"/>
+                </a:solidFill>
+                <a:latin typeface="Arial" pitchFamily="34" charset="0"/>
+                <a:cs typeface="Arial" pitchFamily="34" charset="0"/>
+              </a:rPr>
+              <a:t>Driven </a:t>
+            </a:r>
+            <a:r>
+              <a:rPr lang="en-US" sz="4000" dirty="0" smtClean="0">
+                <a:solidFill>
+                  <a:schemeClr val="accent4"/>
+                </a:solidFill>
+                <a:latin typeface="Arial" pitchFamily="34" charset="0"/>
+                <a:cs typeface="Arial" pitchFamily="34" charset="0"/>
+              </a:rPr>
+              <a:t>Development</a:t>
+            </a:r>
+          </a:p>
+        </p:txBody>
+      </p:sp>
+    </p:spTree>
+    <p:extLst>
+      <p:ext uri="{BB962C8B-B14F-4D97-AF65-F5344CB8AC3E}">
+        <p14:creationId xmlns:p14="http://schemas.microsoft.com/office/powerpoint/2010/main" val="1252796626"/>
+      </p:ext>
+    </p:extLst>
+  </p:cSld>
+  <p:clrMapOvr>
+    <a:masterClrMapping/>
+  </p:clrMapOvr>
+  <mc:AlternateContent xmlns:mc="http://schemas.openxmlformats.org/markup-compatibility/2006" xmlns:p14="http://schemas.microsoft.com/office/powerpoint/2010/main">
+    <mc:Choice Requires="p14">
+      <p:transition p14:dur="0"/>
+    </mc:Choice>
+    <mc:Fallback xmlns="">
+      <p:transition xmlns:p14="http://schemas.microsoft.com/office/powerpoint/2010/main"/>
+    </mc:Fallback>
+  </mc:AlternateContent>
+  <p:timing>
+    <p:tnLst>
+      <p:par>
+        <p:cTn id="1" dur="indefinite" restart="never" nodeType="tmRoot"/>
+      </p:par>
+    </p:tnLst>
+  </p:timing>
+</p:sld>
+</file>
+
+<file path=ppt/slides/slide14.xml><?xml version="1.0" encoding="utf-8"?>
+<p:sld xmlns:a="http://schemas.openxmlformats.org/drawingml/2006/main" xmlns:r="http://schemas.openxmlformats.org/officeDocument/2006/relationships" xmlns:p="http://schemas.openxmlformats.org/presentationml/2006/main">
+  <p:cSld>
+    <p:spTree>
+      <p:nvGrpSpPr>
+        <p:cNvPr id="1" name=""/>
+        <p:cNvGrpSpPr/>
+        <p:nvPr/>
+      </p:nvGrpSpPr>
+      <p:grpSpPr>
+        <a:xfrm>
+          <a:off x="0" y="0"/>
+          <a:ext cx="0" cy="0"/>
+          <a:chOff x="0" y="0"/>
+          <a:chExt cx="0" cy="0"/>
+        </a:xfrm>
+      </p:grpSpPr>
+      <p:sp>
+        <p:nvSpPr>
+          <p:cNvPr id="2" name="Title 1"/>
+          <p:cNvSpPr>
+            <a:spLocks noGrp="1"/>
+          </p:cNvSpPr>
+          <p:nvPr>
+            <p:ph type="title"/>
+          </p:nvPr>
+        </p:nvSpPr>
+        <p:spPr/>
+        <p:txBody>
+          <a:bodyPr/>
+          <a:lstStyle/>
+          <a:p>
+            <a:r>
+              <a:rPr lang="en-US" dirty="0" smtClean="0"/>
+              <a:t>BDD</a:t>
+            </a:r>
+            <a:endParaRPr lang="en-US" dirty="0"/>
+          </a:p>
+        </p:txBody>
+      </p:sp>
+      <p:sp>
+        <p:nvSpPr>
+          <p:cNvPr id="8" name="Rectangle 4"/>
+          <p:cNvSpPr>
+            <a:spLocks noChangeArrowheads="1"/>
+          </p:cNvSpPr>
+          <p:nvPr>
+            <p:custDataLst>
+              <p:tags r:id="rId1"/>
+            </p:custDataLst>
+          </p:nvPr>
+        </p:nvSpPr>
+        <p:spPr bwMode="auto">
+          <a:xfrm>
+            <a:off x="1066800" y="3170694"/>
+            <a:ext cx="7010400" cy="855166"/>
+          </a:xfrm>
+          <a:prstGeom prst="rect">
+            <a:avLst/>
+          </a:prstGeom>
+          <a:noFill/>
+          <a:ln w="19050">
+            <a:noFill/>
+            <a:miter lim="800000"/>
+            <a:headEnd/>
+            <a:tailEnd/>
+          </a:ln>
+        </p:spPr>
+        <p:txBody>
+          <a:bodyPr wrap="square" lIns="93296" tIns="144000" rIns="93296" bIns="93296">
+            <a:spAutoFit/>
+          </a:bodyPr>
+          <a:lstStyle/>
+          <a:p>
+            <a:pPr algn="ctr" defTabSz="803275">
+              <a:buClr>
+                <a:srgbClr val="FF6600"/>
+              </a:buClr>
+              <a:buSzPct val="125000"/>
+            </a:pPr>
+            <a:r>
+              <a:rPr lang="en-US" sz="4000" b="1" u="sng" dirty="0" smtClean="0">
+                <a:solidFill>
+                  <a:schemeClr val="accent5">
+                    <a:lumMod val="60000"/>
+                    <a:lumOff val="40000"/>
+                  </a:schemeClr>
+                </a:solidFill>
+                <a:latin typeface="Arial" pitchFamily="34" charset="0"/>
+                <a:cs typeface="Arial" pitchFamily="34" charset="0"/>
+              </a:rPr>
+              <a:t>Test</a:t>
+            </a:r>
+            <a:r>
+              <a:rPr lang="en-US" sz="4000" dirty="0" smtClean="0">
+                <a:solidFill>
+                  <a:schemeClr val="accent4"/>
+                </a:solidFill>
+                <a:latin typeface="Arial" pitchFamily="34" charset="0"/>
+                <a:cs typeface="Arial" pitchFamily="34" charset="0"/>
+              </a:rPr>
+              <a:t> - </a:t>
+            </a:r>
+            <a:r>
+              <a:rPr lang="en-US" sz="4000" dirty="0">
+                <a:solidFill>
+                  <a:schemeClr val="accent4"/>
+                </a:solidFill>
+                <a:latin typeface="Arial" pitchFamily="34" charset="0"/>
+                <a:cs typeface="Arial" pitchFamily="34" charset="0"/>
+              </a:rPr>
+              <a:t>Driven </a:t>
+            </a:r>
+            <a:r>
+              <a:rPr lang="en-US" sz="4000" dirty="0" smtClean="0">
+                <a:solidFill>
+                  <a:schemeClr val="accent4"/>
+                </a:solidFill>
+                <a:latin typeface="Arial" pitchFamily="34" charset="0"/>
+                <a:cs typeface="Arial" pitchFamily="34" charset="0"/>
+              </a:rPr>
+              <a:t>Development</a:t>
+            </a:r>
+          </a:p>
+        </p:txBody>
+      </p:sp>
+    </p:spTree>
+    <p:extLst>
+      <p:ext uri="{BB962C8B-B14F-4D97-AF65-F5344CB8AC3E}">
+        <p14:creationId xmlns:p14="http://schemas.microsoft.com/office/powerpoint/2010/main" val="3105447773"/>
+      </p:ext>
+    </p:extLst>
+  </p:cSld>
+  <p:clrMapOvr>
+    <a:masterClrMapping/>
+  </p:clrMapOvr>
+  <mc:AlternateContent xmlns:mc="http://schemas.openxmlformats.org/markup-compatibility/2006" xmlns:p14="http://schemas.microsoft.com/office/powerpoint/2010/main">
+    <mc:Choice Requires="p14">
+      <p:transition p14:dur="0"/>
+    </mc:Choice>
+    <mc:Fallback xmlns="">
+      <p:transition xmlns:p14="http://schemas.microsoft.com/office/powerpoint/2010/main"/>
+    </mc:Fallback>
+  </mc:AlternateContent>
+  <p:timing>
+    <p:tnLst>
+      <p:par>
+        <p:cTn id="1" dur="indefinite" restart="never" nodeType="tmRoot"/>
+      </p:par>
+    </p:tnLst>
+  </p:timing>
+</p:sld>
+</file>
+
+<file path=ppt/slides/slide15.xml><?xml version="1.0" encoding="utf-8"?>
+<p:sld xmlns:a="http://schemas.openxmlformats.org/drawingml/2006/main" xmlns:r="http://schemas.openxmlformats.org/officeDocument/2006/relationships" xmlns:p="http://schemas.openxmlformats.org/presentationml/2006/main">
+  <p:cSld>
+    <p:spTree>
+      <p:nvGrpSpPr>
+        <p:cNvPr id="1" name=""/>
+        <p:cNvGrpSpPr/>
+        <p:nvPr/>
+      </p:nvGrpSpPr>
+      <p:grpSpPr>
+        <a:xfrm>
+          <a:off x="0" y="0"/>
+          <a:ext cx="0" cy="0"/>
+          <a:chOff x="0" y="0"/>
+          <a:chExt cx="0" cy="0"/>
+        </a:xfrm>
+      </p:grpSpPr>
+      <p:sp>
+        <p:nvSpPr>
+          <p:cNvPr id="2" name="Title 1"/>
+          <p:cNvSpPr>
+            <a:spLocks noGrp="1"/>
+          </p:cNvSpPr>
+          <p:nvPr>
+            <p:ph type="title"/>
+          </p:nvPr>
+        </p:nvSpPr>
+        <p:spPr/>
+        <p:txBody>
+          <a:bodyPr/>
+          <a:lstStyle/>
+          <a:p>
+            <a:r>
               <a:rPr lang="en-US" dirty="0" smtClean="0"/>
               <a:t>BDD</a:t>
             </a:r>
@@ -19256,7 +21045,7 @@
 </p:sld>
 </file>
 
-<file path=ppt/slides/slide11.xml><?xml version="1.0" encoding="utf-8"?>
+<file path=ppt/slides/slide16.xml><?xml version="1.0" encoding="utf-8"?>
 <p:sld xmlns:a="http://schemas.openxmlformats.org/drawingml/2006/main" xmlns:r="http://schemas.openxmlformats.org/officeDocument/2006/relationships" xmlns:p="http://schemas.openxmlformats.org/presentationml/2006/main">
   <p:cSld>
     <p:spTree>
@@ -19550,7 +21339,7 @@
 </p:sld>
 </file>
 
-<file path=ppt/slides/slide12.xml><?xml version="1.0" encoding="utf-8"?>
+<file path=ppt/slides/slide17.xml><?xml version="1.0" encoding="utf-8"?>
 <p:sld xmlns:a="http://schemas.openxmlformats.org/drawingml/2006/main" xmlns:r="http://schemas.openxmlformats.org/officeDocument/2006/relationships" xmlns:p="http://schemas.openxmlformats.org/presentationml/2006/main">
   <p:cSld>
     <p:spTree>
@@ -20157,7 +21946,7 @@
 </p:sld>
 </file>
 
-<file path=ppt/slides/slide13.xml><?xml version="1.0" encoding="utf-8"?>
+<file path=ppt/slides/slide18.xml><?xml version="1.0" encoding="utf-8"?>
 <p:sld xmlns:a="http://schemas.openxmlformats.org/drawingml/2006/main" xmlns:r="http://schemas.openxmlformats.org/officeDocument/2006/relationships" xmlns:p="http://schemas.openxmlformats.org/presentationml/2006/main">
   <p:cSld>
     <p:spTree>
@@ -21604,7 +23393,7 @@
 </p:sld>
 </file>
 
-<file path=ppt/slides/slide14.xml><?xml version="1.0" encoding="utf-8"?>
+<file path=ppt/slides/slide19.xml><?xml version="1.0" encoding="utf-8"?>
 <p:sld xmlns:a="http://schemas.openxmlformats.org/drawingml/2006/main" xmlns:r="http://schemas.openxmlformats.org/officeDocument/2006/relationships" xmlns:p="http://schemas.openxmlformats.org/presentationml/2006/main">
   <p:cSld>
     <p:spTree>
@@ -21733,293 +23522,6 @@
       </p:par>
     </p:tnLst>
   </p:timing>
-</p:sld>
-</file>
-
-<file path=ppt/slides/slide15.xml><?xml version="1.0" encoding="utf-8"?>
-<p:sld xmlns:a="http://schemas.openxmlformats.org/drawingml/2006/main" xmlns:r="http://schemas.openxmlformats.org/officeDocument/2006/relationships" xmlns:p="http://schemas.openxmlformats.org/presentationml/2006/main">
-  <p:cSld>
-    <p:spTree>
-      <p:nvGrpSpPr>
-        <p:cNvPr id="1" name=""/>
-        <p:cNvGrpSpPr/>
-        <p:nvPr/>
-      </p:nvGrpSpPr>
-      <p:grpSpPr>
-        <a:xfrm>
-          <a:off x="0" y="0"/>
-          <a:ext cx="0" cy="0"/>
-          <a:chOff x="0" y="0"/>
-          <a:chExt cx="0" cy="0"/>
-        </a:xfrm>
-      </p:grpSpPr>
-      <p:sp>
-        <p:nvSpPr>
-          <p:cNvPr id="7" name="Text Placeholder 6"/>
-          <p:cNvSpPr>
-            <a:spLocks noGrp="1"/>
-          </p:cNvSpPr>
-          <p:nvPr>
-            <p:ph type="body" sz="quarter" idx="20"/>
-          </p:nvPr>
-        </p:nvSpPr>
-        <p:spPr>
-          <a:xfrm>
-            <a:off x="2127250" y="2432649"/>
-            <a:ext cx="6467476" cy="576293"/>
-          </a:xfrm>
-        </p:spPr>
-        <p:txBody>
-          <a:bodyPr/>
-          <a:lstStyle/>
-          <a:p>
-            <a:r>
-              <a:rPr lang="ru-RU" dirty="0" smtClean="0"/>
-              <a:t>Вопросы ?</a:t>
-            </a:r>
-            <a:endParaRPr lang="en-US" dirty="0"/>
-          </a:p>
-        </p:txBody>
-      </p:sp>
-    </p:spTree>
-    <p:extLst>
-      <p:ext uri="{BB962C8B-B14F-4D97-AF65-F5344CB8AC3E}">
-        <p14:creationId xmlns:p14="http://schemas.microsoft.com/office/powerpoint/2010/main" val="2964007123"/>
-      </p:ext>
-    </p:extLst>
-  </p:cSld>
-  <p:clrMapOvr>
-    <a:masterClrMapping/>
-  </p:clrMapOvr>
-  <p:transition>
-    <p:zoom/>
-  </p:transition>
-  <p:timing>
-    <p:tnLst>
-      <p:par>
-        <p:cTn id="1" dur="indefinite" restart="never" nodeType="tmRoot"/>
-      </p:par>
-    </p:tnLst>
-  </p:timing>
-</p:sld>
-</file>
-
-<file path=ppt/slides/slide16.xml><?xml version="1.0" encoding="utf-8"?>
-<p:sld xmlns:a="http://schemas.openxmlformats.org/drawingml/2006/main" xmlns:r="http://schemas.openxmlformats.org/officeDocument/2006/relationships" xmlns:p="http://schemas.openxmlformats.org/presentationml/2006/main">
-  <p:cSld>
-    <p:spTree>
-      <p:nvGrpSpPr>
-        <p:cNvPr id="1" name=""/>
-        <p:cNvGrpSpPr/>
-        <p:nvPr/>
-      </p:nvGrpSpPr>
-      <p:grpSpPr>
-        <a:xfrm>
-          <a:off x="0" y="0"/>
-          <a:ext cx="0" cy="0"/>
-          <a:chOff x="0" y="0"/>
-          <a:chExt cx="0" cy="0"/>
-        </a:xfrm>
-      </p:grpSpPr>
-      <p:sp>
-        <p:nvSpPr>
-          <p:cNvPr id="7" name="Subtitle 6"/>
-          <p:cNvSpPr>
-            <a:spLocks noGrp="1"/>
-          </p:cNvSpPr>
-          <p:nvPr>
-            <p:ph type="subTitle" idx="1"/>
-          </p:nvPr>
-        </p:nvSpPr>
-        <p:spPr/>
-        <p:txBody>
-          <a:bodyPr/>
-          <a:lstStyle/>
-          <a:p>
-            <a:r>
-              <a:rPr lang="en-US" dirty="0">
-                <a:latin typeface="Arial" charset="0"/>
-              </a:rPr>
-              <a:t>Разработка через </a:t>
-            </a:r>
-            <a:r>
-              <a:rPr lang="en-US" dirty="0" smtClean="0">
-                <a:latin typeface="Arial" charset="0"/>
-              </a:rPr>
-              <a:t>тестирование</a:t>
-            </a:r>
-            <a:r>
-              <a:rPr lang="en-US" dirty="0">
-                <a:latin typeface="Arial" charset="0"/>
-              </a:rPr>
-              <a:t/>
-            </a:r>
-            <a:br>
-              <a:rPr lang="en-US" dirty="0">
-                <a:latin typeface="Arial" charset="0"/>
-              </a:rPr>
-            </a:br>
-            <a:endParaRPr lang="en-US" dirty="0"/>
-          </a:p>
-        </p:txBody>
-      </p:sp>
-      <p:sp>
-        <p:nvSpPr>
-          <p:cNvPr id="8" name="Text Placeholder 7"/>
-          <p:cNvSpPr>
-            <a:spLocks noGrp="1"/>
-          </p:cNvSpPr>
-          <p:nvPr>
-            <p:ph type="body" sz="quarter" idx="11"/>
-          </p:nvPr>
-        </p:nvSpPr>
-        <p:spPr/>
-        <p:txBody>
-          <a:bodyPr>
-            <a:normAutofit/>
-          </a:bodyPr>
-          <a:lstStyle/>
-          <a:p>
-            <a:r>
-              <a:rPr lang="en-US" dirty="0" err="1"/>
-              <a:t>git</a:t>
-            </a:r>
-            <a:r>
-              <a:rPr lang="en-US" dirty="0"/>
-              <a:t> clone </a:t>
-            </a:r>
-            <a:r>
-              <a:rPr lang="en-US" dirty="0" err="1"/>
-              <a:t>git</a:t>
-            </a:r>
-            <a:r>
-              <a:rPr lang="en-US" dirty="0"/>
-              <a:t>://</a:t>
-            </a:r>
-            <a:r>
-              <a:rPr lang="en-US" dirty="0" err="1"/>
-              <a:t>github.com</a:t>
-            </a:r>
-            <a:r>
-              <a:rPr lang="en-US" dirty="0"/>
-              <a:t>/</a:t>
-            </a:r>
-            <a:r>
-              <a:rPr lang="en-US" dirty="0" err="1"/>
-              <a:t>ivan-dyachenko</a:t>
-            </a:r>
-            <a:r>
-              <a:rPr lang="en-US" dirty="0"/>
-              <a:t>/</a:t>
-            </a:r>
-            <a:r>
-              <a:rPr lang="en-US" dirty="0" err="1"/>
-              <a:t>Trainings.git</a:t>
-            </a:r>
-            <a:endParaRPr lang="en-US" dirty="0"/>
-          </a:p>
-        </p:txBody>
-      </p:sp>
-      <p:sp>
-        <p:nvSpPr>
-          <p:cNvPr id="9" name="Text Placeholder 8"/>
-          <p:cNvSpPr>
-            <a:spLocks noGrp="1"/>
-          </p:cNvSpPr>
-          <p:nvPr>
-            <p:ph type="body" sz="quarter" idx="12"/>
-          </p:nvPr>
-        </p:nvSpPr>
-        <p:spPr/>
-        <p:txBody>
-          <a:bodyPr/>
-          <a:lstStyle/>
-          <a:p>
-            <a:r>
-              <a:rPr lang="en-US" dirty="0" err="1" smtClean="0"/>
-              <a:t>IDyachenko@luxoft.com</a:t>
-            </a:r>
-            <a:endParaRPr lang="en-US" dirty="0"/>
-          </a:p>
-        </p:txBody>
-      </p:sp>
-      <p:sp>
-        <p:nvSpPr>
-          <p:cNvPr id="10" name="Text Placeholder 9"/>
-          <p:cNvSpPr>
-            <a:spLocks noGrp="1"/>
-          </p:cNvSpPr>
-          <p:nvPr>
-            <p:ph type="body" sz="quarter" idx="13"/>
-          </p:nvPr>
-        </p:nvSpPr>
-        <p:spPr/>
-        <p:txBody>
-          <a:bodyPr>
-            <a:normAutofit/>
-          </a:bodyPr>
-          <a:lstStyle/>
-          <a:p>
-            <a:r>
-              <a:rPr lang="en-US" dirty="0"/>
-              <a:t>https://</a:t>
-            </a:r>
-            <a:r>
-              <a:rPr lang="en-US" dirty="0" err="1"/>
-              <a:t>github.com</a:t>
-            </a:r>
-            <a:r>
-              <a:rPr lang="en-US" dirty="0"/>
-              <a:t>/</a:t>
-            </a:r>
-            <a:r>
-              <a:rPr lang="en-US" dirty="0" err="1"/>
-              <a:t>ivan-dyachenko</a:t>
-            </a:r>
-            <a:r>
-              <a:rPr lang="en-US" dirty="0"/>
-              <a:t>/</a:t>
-            </a:r>
-            <a:r>
-              <a:rPr lang="en-US" dirty="0" smtClean="0"/>
-              <a:t>Trainings</a:t>
-            </a:r>
-            <a:endParaRPr lang="en-US" dirty="0"/>
-          </a:p>
-        </p:txBody>
-      </p:sp>
-      <p:sp>
-        <p:nvSpPr>
-          <p:cNvPr id="11" name="Text Placeholder 10"/>
-          <p:cNvSpPr>
-            <a:spLocks noGrp="1"/>
-          </p:cNvSpPr>
-          <p:nvPr>
-            <p:ph type="body" sz="quarter" idx="14"/>
-          </p:nvPr>
-        </p:nvSpPr>
-        <p:spPr/>
-        <p:txBody>
-          <a:bodyPr/>
-          <a:lstStyle/>
-          <a:p>
-            <a:endParaRPr lang="en-US"/>
-          </a:p>
-        </p:txBody>
-      </p:sp>
-    </p:spTree>
-    <p:extLst>
-      <p:ext uri="{BB962C8B-B14F-4D97-AF65-F5344CB8AC3E}">
-        <p14:creationId xmlns:p14="http://schemas.microsoft.com/office/powerpoint/2010/main" val="1157964761"/>
-      </p:ext>
-    </p:extLst>
-  </p:cSld>
-  <p:clrMapOvr>
-    <a:masterClrMapping/>
-  </p:clrMapOvr>
-  <p:transition>
-    <p:zoom/>
-  </p:transition>
 </p:sld>
 </file>
 
@@ -23989,6 +25491,293 @@
 </p:sld>
 </file>
 
+<file path=ppt/slides/slide20.xml><?xml version="1.0" encoding="utf-8"?>
+<p:sld xmlns:a="http://schemas.openxmlformats.org/drawingml/2006/main" xmlns:r="http://schemas.openxmlformats.org/officeDocument/2006/relationships" xmlns:p="http://schemas.openxmlformats.org/presentationml/2006/main">
+  <p:cSld>
+    <p:spTree>
+      <p:nvGrpSpPr>
+        <p:cNvPr id="1" name=""/>
+        <p:cNvGrpSpPr/>
+        <p:nvPr/>
+      </p:nvGrpSpPr>
+      <p:grpSpPr>
+        <a:xfrm>
+          <a:off x="0" y="0"/>
+          <a:ext cx="0" cy="0"/>
+          <a:chOff x="0" y="0"/>
+          <a:chExt cx="0" cy="0"/>
+        </a:xfrm>
+      </p:grpSpPr>
+      <p:sp>
+        <p:nvSpPr>
+          <p:cNvPr id="7" name="Text Placeholder 6"/>
+          <p:cNvSpPr>
+            <a:spLocks noGrp="1"/>
+          </p:cNvSpPr>
+          <p:nvPr>
+            <p:ph type="body" sz="quarter" idx="20"/>
+          </p:nvPr>
+        </p:nvSpPr>
+        <p:spPr>
+          <a:xfrm>
+            <a:off x="2127250" y="2432649"/>
+            <a:ext cx="6467476" cy="576293"/>
+          </a:xfrm>
+        </p:spPr>
+        <p:txBody>
+          <a:bodyPr/>
+          <a:lstStyle/>
+          <a:p>
+            <a:r>
+              <a:rPr lang="ru-RU" dirty="0" smtClean="0"/>
+              <a:t>Вопросы ?</a:t>
+            </a:r>
+            <a:endParaRPr lang="en-US" dirty="0"/>
+          </a:p>
+        </p:txBody>
+      </p:sp>
+    </p:spTree>
+    <p:extLst>
+      <p:ext uri="{BB962C8B-B14F-4D97-AF65-F5344CB8AC3E}">
+        <p14:creationId xmlns:p14="http://schemas.microsoft.com/office/powerpoint/2010/main" val="2964007123"/>
+      </p:ext>
+    </p:extLst>
+  </p:cSld>
+  <p:clrMapOvr>
+    <a:masterClrMapping/>
+  </p:clrMapOvr>
+  <p:transition>
+    <p:zoom/>
+  </p:transition>
+  <p:timing>
+    <p:tnLst>
+      <p:par>
+        <p:cTn id="1" dur="indefinite" restart="never" nodeType="tmRoot"/>
+      </p:par>
+    </p:tnLst>
+  </p:timing>
+</p:sld>
+</file>
+
+<file path=ppt/slides/slide21.xml><?xml version="1.0" encoding="utf-8"?>
+<p:sld xmlns:a="http://schemas.openxmlformats.org/drawingml/2006/main" xmlns:r="http://schemas.openxmlformats.org/officeDocument/2006/relationships" xmlns:p="http://schemas.openxmlformats.org/presentationml/2006/main">
+  <p:cSld>
+    <p:spTree>
+      <p:nvGrpSpPr>
+        <p:cNvPr id="1" name=""/>
+        <p:cNvGrpSpPr/>
+        <p:nvPr/>
+      </p:nvGrpSpPr>
+      <p:grpSpPr>
+        <a:xfrm>
+          <a:off x="0" y="0"/>
+          <a:ext cx="0" cy="0"/>
+          <a:chOff x="0" y="0"/>
+          <a:chExt cx="0" cy="0"/>
+        </a:xfrm>
+      </p:grpSpPr>
+      <p:sp>
+        <p:nvSpPr>
+          <p:cNvPr id="7" name="Subtitle 6"/>
+          <p:cNvSpPr>
+            <a:spLocks noGrp="1"/>
+          </p:cNvSpPr>
+          <p:nvPr>
+            <p:ph type="subTitle" idx="1"/>
+          </p:nvPr>
+        </p:nvSpPr>
+        <p:spPr/>
+        <p:txBody>
+          <a:bodyPr/>
+          <a:lstStyle/>
+          <a:p>
+            <a:r>
+              <a:rPr lang="en-US" dirty="0">
+                <a:latin typeface="Arial" charset="0"/>
+              </a:rPr>
+              <a:t>Разработка через </a:t>
+            </a:r>
+            <a:r>
+              <a:rPr lang="en-US" dirty="0" smtClean="0">
+                <a:latin typeface="Arial" charset="0"/>
+              </a:rPr>
+              <a:t>тестирование</a:t>
+            </a:r>
+            <a:r>
+              <a:rPr lang="en-US" dirty="0">
+                <a:latin typeface="Arial" charset="0"/>
+              </a:rPr>
+              <a:t/>
+            </a:r>
+            <a:br>
+              <a:rPr lang="en-US" dirty="0">
+                <a:latin typeface="Arial" charset="0"/>
+              </a:rPr>
+            </a:br>
+            <a:endParaRPr lang="en-US" dirty="0"/>
+          </a:p>
+        </p:txBody>
+      </p:sp>
+      <p:sp>
+        <p:nvSpPr>
+          <p:cNvPr id="8" name="Text Placeholder 7"/>
+          <p:cNvSpPr>
+            <a:spLocks noGrp="1"/>
+          </p:cNvSpPr>
+          <p:nvPr>
+            <p:ph type="body" sz="quarter" idx="11"/>
+          </p:nvPr>
+        </p:nvSpPr>
+        <p:spPr/>
+        <p:txBody>
+          <a:bodyPr>
+            <a:normAutofit/>
+          </a:bodyPr>
+          <a:lstStyle/>
+          <a:p>
+            <a:r>
+              <a:rPr lang="en-US" dirty="0" err="1"/>
+              <a:t>git</a:t>
+            </a:r>
+            <a:r>
+              <a:rPr lang="en-US" dirty="0"/>
+              <a:t> clone </a:t>
+            </a:r>
+            <a:r>
+              <a:rPr lang="en-US" dirty="0" err="1"/>
+              <a:t>git</a:t>
+            </a:r>
+            <a:r>
+              <a:rPr lang="en-US" dirty="0"/>
+              <a:t>://</a:t>
+            </a:r>
+            <a:r>
+              <a:rPr lang="en-US" dirty="0" err="1"/>
+              <a:t>github.com</a:t>
+            </a:r>
+            <a:r>
+              <a:rPr lang="en-US" dirty="0"/>
+              <a:t>/</a:t>
+            </a:r>
+            <a:r>
+              <a:rPr lang="en-US" dirty="0" err="1"/>
+              <a:t>ivan-dyachenko</a:t>
+            </a:r>
+            <a:r>
+              <a:rPr lang="en-US" dirty="0"/>
+              <a:t>/</a:t>
+            </a:r>
+            <a:r>
+              <a:rPr lang="en-US" dirty="0" err="1"/>
+              <a:t>Trainings.git</a:t>
+            </a:r>
+            <a:endParaRPr lang="en-US" dirty="0"/>
+          </a:p>
+        </p:txBody>
+      </p:sp>
+      <p:sp>
+        <p:nvSpPr>
+          <p:cNvPr id="9" name="Text Placeholder 8"/>
+          <p:cNvSpPr>
+            <a:spLocks noGrp="1"/>
+          </p:cNvSpPr>
+          <p:nvPr>
+            <p:ph type="body" sz="quarter" idx="12"/>
+          </p:nvPr>
+        </p:nvSpPr>
+        <p:spPr/>
+        <p:txBody>
+          <a:bodyPr/>
+          <a:lstStyle/>
+          <a:p>
+            <a:r>
+              <a:rPr lang="en-US" dirty="0" err="1" smtClean="0"/>
+              <a:t>IDyachenko@luxoft.com</a:t>
+            </a:r>
+            <a:endParaRPr lang="en-US" dirty="0"/>
+          </a:p>
+        </p:txBody>
+      </p:sp>
+      <p:sp>
+        <p:nvSpPr>
+          <p:cNvPr id="10" name="Text Placeholder 9"/>
+          <p:cNvSpPr>
+            <a:spLocks noGrp="1"/>
+          </p:cNvSpPr>
+          <p:nvPr>
+            <p:ph type="body" sz="quarter" idx="13"/>
+          </p:nvPr>
+        </p:nvSpPr>
+        <p:spPr/>
+        <p:txBody>
+          <a:bodyPr>
+            <a:normAutofit/>
+          </a:bodyPr>
+          <a:lstStyle/>
+          <a:p>
+            <a:r>
+              <a:rPr lang="en-US" dirty="0"/>
+              <a:t>https://</a:t>
+            </a:r>
+            <a:r>
+              <a:rPr lang="en-US" dirty="0" err="1"/>
+              <a:t>github.com</a:t>
+            </a:r>
+            <a:r>
+              <a:rPr lang="en-US" dirty="0"/>
+              <a:t>/</a:t>
+            </a:r>
+            <a:r>
+              <a:rPr lang="en-US" dirty="0" err="1"/>
+              <a:t>ivan-dyachenko</a:t>
+            </a:r>
+            <a:r>
+              <a:rPr lang="en-US" dirty="0"/>
+              <a:t>/</a:t>
+            </a:r>
+            <a:r>
+              <a:rPr lang="en-US" dirty="0" smtClean="0"/>
+              <a:t>Trainings</a:t>
+            </a:r>
+            <a:endParaRPr lang="en-US" dirty="0"/>
+          </a:p>
+        </p:txBody>
+      </p:sp>
+      <p:sp>
+        <p:nvSpPr>
+          <p:cNvPr id="11" name="Text Placeholder 10"/>
+          <p:cNvSpPr>
+            <a:spLocks noGrp="1"/>
+          </p:cNvSpPr>
+          <p:nvPr>
+            <p:ph type="body" sz="quarter" idx="14"/>
+          </p:nvPr>
+        </p:nvSpPr>
+        <p:spPr/>
+        <p:txBody>
+          <a:bodyPr/>
+          <a:lstStyle/>
+          <a:p>
+            <a:endParaRPr lang="en-US"/>
+          </a:p>
+        </p:txBody>
+      </p:sp>
+    </p:spTree>
+    <p:extLst>
+      <p:ext uri="{BB962C8B-B14F-4D97-AF65-F5344CB8AC3E}">
+        <p14:creationId xmlns:p14="http://schemas.microsoft.com/office/powerpoint/2010/main" val="1157964761"/>
+      </p:ext>
+    </p:extLst>
+  </p:cSld>
+  <p:clrMapOvr>
+    <a:masterClrMapping/>
+  </p:clrMapOvr>
+  <p:transition>
+    <p:zoom/>
+  </p:transition>
+</p:sld>
+</file>
+
 <file path=ppt/slides/slide3.xml><?xml version="1.0" encoding="utf-8"?>
 <p:sld xmlns:a="http://schemas.openxmlformats.org/drawingml/2006/main" xmlns:r="http://schemas.openxmlformats.org/officeDocument/2006/relationships" xmlns:p="http://schemas.openxmlformats.org/presentationml/2006/main">
   <p:cSld>
@@ -24033,7 +25822,6 @@
               <a:rPr lang="en-US" dirty="0"/>
               <a:t>?</a:t>
             </a:r>
-            <a:endParaRPr lang="en-US" dirty="0"/>
           </a:p>
         </p:txBody>
       </p:sp>
@@ -24107,13 +25895,6 @@
               </a:rPr>
               <a:t>TDD</a:t>
             </a:r>
-            <a:endParaRPr lang="en-US" dirty="0" smtClean="0">
-              <a:solidFill>
-                <a:schemeClr val="accent4"/>
-              </a:solidFill>
-              <a:latin typeface="Arial" pitchFamily="34" charset="0"/>
-              <a:cs typeface="Arial" pitchFamily="34" charset="0"/>
-            </a:endParaRPr>
           </a:p>
         </p:txBody>
       </p:sp>
@@ -24178,10 +25959,17 @@
           <a:lstStyle/>
           <a:p>
             <a:r>
+              <a:rPr lang="ru-RU" dirty="0" smtClean="0"/>
+              <a:t>Что такое </a:t>
+            </a:r>
+            <a:r>
               <a:rPr lang="en-US" dirty="0" smtClean="0"/>
               <a:t>BDD</a:t>
             </a:r>
-            <a:endParaRPr lang="en-US" dirty="0"/>
+            <a:r>
+              <a:rPr lang="en-US" dirty="0"/>
+              <a:t>?</a:t>
+            </a:r>
           </a:p>
         </p:txBody>
       </p:sp>
@@ -24199,8 +25987,8 @@
         </p:nvSpPr>
         <p:spPr bwMode="auto">
           <a:xfrm>
-            <a:off x="914400" y="6096000"/>
-            <a:ext cx="7010400" cy="516612"/>
+            <a:off x="1066800" y="2755196"/>
+            <a:ext cx="7010400" cy="1347609"/>
           </a:xfrm>
           <a:prstGeom prst="rect">
             <a:avLst/>
@@ -24219,115 +26007,109 @@
           </a:bodyPr>
           <a:lstStyle/>
           <a:p>
-            <a:pPr algn="ctr" defTabSz="803275">
+            <a:pPr defTabSz="803275">
               <a:buClr>
                 <a:srgbClr val="FF6600"/>
               </a:buClr>
               <a:buSzPct val="125000"/>
             </a:pPr>
             <a:r>
-              <a:rPr lang="en-US" dirty="0">
-                <a:solidFill>
-                  <a:srgbClr val="004080"/>
-                </a:solidFill>
-                <a:cs typeface="Tahoma" charset="0"/>
-              </a:rPr>
-              <a:t>Behavior Driven Development (BDD</a:t>
+              <a:rPr lang="ru-RU" dirty="0">
+                <a:solidFill>
+                  <a:schemeClr val="accent4"/>
+                </a:solidFill>
+                <a:latin typeface="Arial" pitchFamily="34" charset="0"/>
+                <a:cs typeface="Arial" pitchFamily="34" charset="0"/>
+              </a:rPr>
+              <a:t>Разработка, основанная на тестировании </a:t>
+            </a:r>
+            <a:r>
+              <a:rPr lang="ru-RU" dirty="0" smtClean="0">
+                <a:solidFill>
+                  <a:schemeClr val="accent4"/>
+                </a:solidFill>
+                <a:latin typeface="Arial" pitchFamily="34" charset="0"/>
+                <a:cs typeface="Arial" pitchFamily="34" charset="0"/>
+              </a:rPr>
+              <a:t>(</a:t>
             </a:r>
             <a:r>
               <a:rPr lang="en-US" dirty="0" smtClean="0">
                 <a:solidFill>
-                  <a:srgbClr val="004080"/>
-                </a:solidFill>
-                <a:cs typeface="Tahoma" charset="0"/>
-              </a:rPr>
-              <a:t>)</a:t>
-            </a:r>
-          </a:p>
-        </p:txBody>
-      </p:sp>
-      <p:pic>
-        <p:nvPicPr>
-          <p:cNvPr id="1026" name="Picture 2" descr="http://farm2.static.flickr.com/1120/1403808340_2afb107564.jpg"/>
-          <p:cNvPicPr>
-            <a:picLocks noChangeAspect="1" noChangeArrowheads="1"/>
-          </p:cNvPicPr>
-          <p:nvPr/>
-        </p:nvPicPr>
-        <p:blipFill>
-          <a:blip r:embed="rId4">
-            <a:extLst>
-              <a:ext uri="{28A0092B-C50C-407E-A947-70E740481C1C}">
-                <a14:useLocalDpi xmlns:a14="http://schemas.microsoft.com/office/drawing/2010/main" val="0"/>
-              </a:ext>
-            </a:extLst>
-          </a:blip>
-          <a:srcRect/>
-          <a:stretch>
-            <a:fillRect/>
-          </a:stretch>
-        </p:blipFill>
-        <p:spPr bwMode="auto">
-          <a:xfrm>
-            <a:off x="2190750" y="1843087"/>
-            <a:ext cx="4762500" cy="3171826"/>
-          </a:xfrm>
-          <a:prstGeom prst="rect">
-            <a:avLst/>
-          </a:prstGeom>
-          <a:noFill/>
-          <a:extLst>
-            <a:ext uri="{909E8E84-426E-40DD-AFC4-6F175D3DCCD1}">
-              <a14:hiddenFill xmlns:a14="http://schemas.microsoft.com/office/drawing/2010/main">
-                <a:solidFill>
-                  <a:srgbClr val="FFFFFF"/>
-                </a:solidFill>
-              </a14:hiddenFill>
-            </a:ext>
-          </a:extLst>
-        </p:spPr>
-      </p:pic>
-      <p:sp>
-        <p:nvSpPr>
-          <p:cNvPr id="4" name="Rectangle 3"/>
-          <p:cNvSpPr/>
-          <p:nvPr/>
-        </p:nvSpPr>
-        <p:spPr>
-          <a:xfrm>
-            <a:off x="3823571" y="5149334"/>
-            <a:ext cx="1192058" cy="369332"/>
-          </a:xfrm>
-          <a:prstGeom prst="rect">
-            <a:avLst/>
-          </a:prstGeom>
-        </p:spPr>
-        <p:txBody>
-          <a:bodyPr wrap="none">
-            <a:spAutoFit/>
-          </a:bodyPr>
-          <a:lstStyle/>
-          <a:p>
-            <a:r>
-              <a:rPr lang="en-US" dirty="0">
-                <a:solidFill>
                   <a:schemeClr val="accent4"/>
                 </a:solidFill>
-              </a:rPr>
-              <a:t>Dan North</a:t>
-            </a:r>
-            <a:endParaRPr lang="ru-RU" dirty="0">
-              <a:solidFill>
-                <a:schemeClr val="accent4"/>
-              </a:solidFill>
-            </a:endParaRPr>
+                <a:latin typeface="Arial" pitchFamily="34" charset="0"/>
+                <a:cs typeface="Arial" pitchFamily="34" charset="0"/>
+              </a:rPr>
+              <a:t>T</a:t>
+            </a:r>
+            <a:r>
+              <a:rPr lang="ru-RU" dirty="0" smtClean="0">
+                <a:solidFill>
+                  <a:schemeClr val="accent4"/>
+                </a:solidFill>
+                <a:latin typeface="Arial" pitchFamily="34" charset="0"/>
+                <a:cs typeface="Arial" pitchFamily="34" charset="0"/>
+              </a:rPr>
+              <a:t>est-</a:t>
+            </a:r>
+            <a:r>
+              <a:rPr lang="en-US" dirty="0" smtClean="0">
+                <a:solidFill>
+                  <a:schemeClr val="accent4"/>
+                </a:solidFill>
+                <a:latin typeface="Arial" pitchFamily="34" charset="0"/>
+                <a:cs typeface="Arial" pitchFamily="34" charset="0"/>
+              </a:rPr>
+              <a:t>D</a:t>
+            </a:r>
+            <a:r>
+              <a:rPr lang="ru-RU" dirty="0" smtClean="0">
+                <a:solidFill>
+                  <a:schemeClr val="accent4"/>
+                </a:solidFill>
+                <a:latin typeface="Arial" pitchFamily="34" charset="0"/>
+                <a:cs typeface="Arial" pitchFamily="34" charset="0"/>
+              </a:rPr>
+              <a:t>riven </a:t>
+            </a:r>
+            <a:r>
+              <a:rPr lang="en-US" dirty="0" smtClean="0">
+                <a:solidFill>
+                  <a:schemeClr val="accent4"/>
+                </a:solidFill>
+                <a:latin typeface="Arial" pitchFamily="34" charset="0"/>
+                <a:cs typeface="Arial" pitchFamily="34" charset="0"/>
+              </a:rPr>
+              <a:t>D</a:t>
+            </a:r>
+            <a:r>
+              <a:rPr lang="ru-RU" dirty="0" smtClean="0">
+                <a:solidFill>
+                  <a:schemeClr val="accent4"/>
+                </a:solidFill>
+                <a:latin typeface="Arial" pitchFamily="34" charset="0"/>
+                <a:cs typeface="Arial" pitchFamily="34" charset="0"/>
+              </a:rPr>
+              <a:t>evelopment</a:t>
+            </a:r>
+            <a:r>
+              <a:rPr lang="ru-RU" dirty="0">
+                <a:solidFill>
+                  <a:schemeClr val="accent4"/>
+                </a:solidFill>
+                <a:latin typeface="Arial" pitchFamily="34" charset="0"/>
+                <a:cs typeface="Arial" pitchFamily="34" charset="0"/>
+              </a:rPr>
+              <a:t>) – это отличная практическая идея, но некоторые разработчики не могут преодолеть концептуальную пропасть, с которой у них ассоциируется слово тестирование. </a:t>
+            </a:r>
           </a:p>
         </p:txBody>
       </p:sp>
     </p:spTree>
     <p:extLst>
       <p:ext uri="{BB962C8B-B14F-4D97-AF65-F5344CB8AC3E}">
-        <p14:creationId xmlns:p14="http://schemas.microsoft.com/office/powerpoint/2010/main" val="492294503"/>
+        <p14:creationId xmlns:p14="http://schemas.microsoft.com/office/powerpoint/2010/main" val="1477861218"/>
       </p:ext>
     </p:extLst>
   </p:cSld>
@@ -24386,13 +26168,16 @@
           <a:p>
             <a:r>
               <a:rPr lang="ru-RU" dirty="0" smtClean="0"/>
-              <a:t>Проблемы </a:t>
+              <a:t>Что такое </a:t>
             </a:r>
             <a:r>
               <a:rPr lang="en-US" dirty="0" smtClean="0"/>
-              <a:t>TDD</a:t>
-            </a:r>
-            <a:endParaRPr lang="en-US" dirty="0"/>
+              <a:t>BDD</a:t>
+            </a:r>
+            <a:r>
+              <a:rPr lang="en-US" dirty="0"/>
+              <a:t>?</a:t>
+            </a:r>
           </a:p>
         </p:txBody>
       </p:sp>
@@ -24410,8 +26195,8 @@
         </p:nvSpPr>
         <p:spPr bwMode="auto">
           <a:xfrm>
-            <a:off x="1094433" y="2667000"/>
-            <a:ext cx="7010400" cy="1624608"/>
+            <a:off x="1066800" y="2062698"/>
+            <a:ext cx="7010400" cy="2732604"/>
           </a:xfrm>
           <a:prstGeom prst="rect">
             <a:avLst/>
@@ -24437,61 +26222,15 @@
               <a:buSzPct val="125000"/>
             </a:pPr>
             <a:r>
-              <a:rPr lang="ru-RU" dirty="0" smtClean="0">
+              <a:rPr lang="ru-RU" dirty="0">
                 <a:solidFill>
                   <a:schemeClr val="accent4"/>
                 </a:solidFill>
                 <a:latin typeface="Arial" pitchFamily="34" charset="0"/>
                 <a:cs typeface="Arial" pitchFamily="34" charset="0"/>
               </a:rPr>
-              <a:t>У меня была проблема. При использовании и обучении </a:t>
-            </a:r>
-          </a:p>
-          <a:p>
-            <a:pPr defTabSz="803275">
-              <a:buClr>
-                <a:srgbClr val="FF6600"/>
-              </a:buClr>
-              <a:buSzPct val="125000"/>
-            </a:pPr>
-            <a:r>
-              <a:rPr lang="en-US" dirty="0" smtClean="0">
-                <a:solidFill>
-                  <a:schemeClr val="accent4"/>
-                </a:solidFill>
-                <a:latin typeface="Arial" pitchFamily="34" charset="0"/>
-                <a:cs typeface="Arial" pitchFamily="34" charset="0"/>
-              </a:rPr>
-              <a:t>Test</a:t>
-            </a:r>
-            <a:r>
-              <a:rPr lang="ru-RU" dirty="0" smtClean="0">
-                <a:solidFill>
-                  <a:schemeClr val="accent4"/>
-                </a:solidFill>
-                <a:latin typeface="Arial" pitchFamily="34" charset="0"/>
-                <a:cs typeface="Arial" pitchFamily="34" charset="0"/>
-              </a:rPr>
-              <a:t>-Driven Development (TDD) в разных проектах, я каждый раз сталикивался с непониманием со стороны разработчиков.</a:t>
-            </a:r>
-            <a:r>
-              <a:rPr lang="en-US" dirty="0" smtClean="0">
-                <a:solidFill>
-                  <a:schemeClr val="accent4"/>
-                </a:solidFill>
-                <a:latin typeface="Arial" pitchFamily="34" charset="0"/>
-                <a:cs typeface="Arial" pitchFamily="34" charset="0"/>
-              </a:rPr>
-              <a:t> </a:t>
-            </a:r>
-          </a:p>
-          <a:p>
-            <a:pPr defTabSz="803275">
-              <a:buClr>
-                <a:srgbClr val="FF6600"/>
-              </a:buClr>
-              <a:buSzPct val="125000"/>
-            </a:pPr>
+              <a:t>Тестирование, выполняемое разработчиком – это очевидно полезная вещь. </a:t>
+            </a:r>
             <a:endParaRPr lang="en-US" dirty="0" smtClean="0">
               <a:solidFill>
                 <a:schemeClr val="accent4"/>
@@ -24501,21 +26240,46 @@
             </a:endParaRPr>
           </a:p>
           <a:p>
-            <a:pPr algn="r" defTabSz="803275">
+            <a:pPr defTabSz="803275">
               <a:buClr>
                 <a:srgbClr val="FF6600"/>
               </a:buClr>
               <a:buSzPct val="125000"/>
             </a:pPr>
-            <a:r>
-              <a:rPr lang="en-US" dirty="0" smtClean="0">
+            <a:endParaRPr lang="en-US" dirty="0">
+              <a:solidFill>
+                <a:schemeClr val="accent4"/>
+              </a:solidFill>
+              <a:latin typeface="Arial" pitchFamily="34" charset="0"/>
+              <a:cs typeface="Arial" pitchFamily="34" charset="0"/>
+            </a:endParaRPr>
+          </a:p>
+          <a:p>
+            <a:pPr defTabSz="803275">
+              <a:buClr>
+                <a:srgbClr val="FF6600"/>
+              </a:buClr>
+              <a:buSzPct val="125000"/>
+            </a:pPr>
+            <a:r>
+              <a:rPr lang="ru-RU" dirty="0" smtClean="0">
                 <a:solidFill>
                   <a:schemeClr val="accent4"/>
                 </a:solidFill>
                 <a:latin typeface="Arial" pitchFamily="34" charset="0"/>
                 <a:cs typeface="Arial" pitchFamily="34" charset="0"/>
               </a:rPr>
-              <a:t>- Dan North</a:t>
+              <a:t>Тестирование </a:t>
+            </a:r>
+            <a:r>
+              <a:rPr lang="ru-RU" dirty="0">
+                <a:solidFill>
+                  <a:schemeClr val="accent4"/>
+                </a:solidFill>
+                <a:latin typeface="Arial" pitchFamily="34" charset="0"/>
+                <a:cs typeface="Arial" pitchFamily="34" charset="0"/>
+              </a:rPr>
+              <a:t>на ранней стадии, например, во время написания кода – еще лучше, особенно когда оно приводит к повышению качества кода. </a:t>
             </a:r>
             <a:endParaRPr lang="en-US" dirty="0" smtClean="0">
               <a:solidFill>
@@ -24525,74 +26289,14 @@
               <a:cs typeface="Arial" pitchFamily="34" charset="0"/>
             </a:endParaRPr>
           </a:p>
-        </p:txBody>
-      </p:sp>
-      <p:sp>
-        <p:nvSpPr>
-          <p:cNvPr id="6" name="Rectangle 5"/>
-          <p:cNvSpPr/>
-          <p:nvPr/>
-        </p:nvSpPr>
-        <p:spPr>
-          <a:xfrm>
-            <a:off x="282574" y="6096000"/>
-            <a:ext cx="3751155" cy="923330"/>
-          </a:xfrm>
-          <a:prstGeom prst="rect">
-            <a:avLst/>
-          </a:prstGeom>
-        </p:spPr>
-        <p:txBody>
-          <a:bodyPr wrap="none">
-            <a:spAutoFit/>
-          </a:bodyPr>
-          <a:lstStyle/>
-          <a:p>
-            <a:r>
-              <a:rPr lang="en-US" dirty="0">
-                <a:solidFill>
-                  <a:schemeClr val="accent4"/>
-                </a:solidFill>
-                <a:latin typeface="Arial" pitchFamily="34" charset="0"/>
-                <a:cs typeface="Arial" pitchFamily="34" charset="0"/>
-              </a:rPr>
-              <a:t>Introducing BDD - Dan </a:t>
-            </a:r>
-            <a:r>
-              <a:rPr lang="en-US" dirty="0" smtClean="0">
-                <a:solidFill>
-                  <a:schemeClr val="accent4"/>
-                </a:solidFill>
-                <a:latin typeface="Arial" pitchFamily="34" charset="0"/>
-                <a:cs typeface="Arial" pitchFamily="34" charset="0"/>
-              </a:rPr>
-              <a:t>North</a:t>
-            </a:r>
-          </a:p>
-          <a:p>
-            <a:r>
-              <a:rPr lang="en-US" dirty="0">
-                <a:latin typeface="Arial" pitchFamily="34" charset="0"/>
-                <a:cs typeface="Arial" pitchFamily="34" charset="0"/>
-                <a:hlinkClick r:id="rId4"/>
-              </a:rPr>
-              <a:t>http://</a:t>
-            </a:r>
-            <a:r>
-              <a:rPr lang="en-US" dirty="0" smtClean="0">
-                <a:latin typeface="Arial" pitchFamily="34" charset="0"/>
-                <a:cs typeface="Arial" pitchFamily="34" charset="0"/>
-                <a:hlinkClick r:id="rId4"/>
-              </a:rPr>
-              <a:t>dannorth.net/introducing-bdd</a:t>
-            </a:r>
-            <a:endParaRPr lang="en-US" dirty="0" smtClean="0">
-              <a:latin typeface="Arial" pitchFamily="34" charset="0"/>
-              <a:cs typeface="Arial" pitchFamily="34" charset="0"/>
-            </a:endParaRPr>
-          </a:p>
-          <a:p>
-            <a:endParaRPr lang="ru-RU" dirty="0">
+          <a:p>
+            <a:pPr defTabSz="803275">
+              <a:buClr>
+                <a:srgbClr val="FF6600"/>
+              </a:buClr>
+              <a:buSzPct val="125000"/>
+            </a:pPr>
+            <a:endParaRPr lang="en-US" dirty="0">
               <a:solidFill>
                 <a:schemeClr val="accent4"/>
               </a:solidFill>
@@ -24600,12 +26304,47 @@
               <a:cs typeface="Arial" pitchFamily="34" charset="0"/>
             </a:endParaRPr>
           </a:p>
+          <a:p>
+            <a:pPr defTabSz="803275">
+              <a:buClr>
+                <a:srgbClr val="FF6600"/>
+              </a:buClr>
+              <a:buSzPct val="125000"/>
+            </a:pPr>
+            <a:r>
+              <a:rPr lang="ru-RU" dirty="0" smtClean="0">
+                <a:solidFill>
+                  <a:schemeClr val="accent4"/>
+                </a:solidFill>
+                <a:latin typeface="Arial" pitchFamily="34" charset="0"/>
+                <a:cs typeface="Arial" pitchFamily="34" charset="0"/>
+              </a:rPr>
+              <a:t>Напишите </a:t>
+            </a:r>
+            <a:r>
+              <a:rPr lang="ru-RU" dirty="0">
+                <a:solidFill>
+                  <a:schemeClr val="accent4"/>
+                </a:solidFill>
+                <a:latin typeface="Arial" pitchFamily="34" charset="0"/>
+                <a:cs typeface="Arial" pitchFamily="34" charset="0"/>
+              </a:rPr>
+              <a:t>тесты заранее – и вы имеете шанс выиграть «голубую ленту» победителя регаты. </a:t>
+            </a:r>
+            <a:endParaRPr lang="en-US" dirty="0" smtClean="0">
+              <a:solidFill>
+                <a:schemeClr val="accent4"/>
+              </a:solidFill>
+              <a:latin typeface="Arial" pitchFamily="34" charset="0"/>
+              <a:cs typeface="Arial" pitchFamily="34" charset="0"/>
+            </a:endParaRPr>
+          </a:p>
         </p:txBody>
       </p:sp>
     </p:spTree>
     <p:extLst>
       <p:ext uri="{BB962C8B-B14F-4D97-AF65-F5344CB8AC3E}">
-        <p14:creationId xmlns:p14="http://schemas.microsoft.com/office/powerpoint/2010/main" val="227055620"/>
+        <p14:creationId xmlns:p14="http://schemas.microsoft.com/office/powerpoint/2010/main" val="3996554763"/>
       </p:ext>
     </p:extLst>
   </p:cSld>
@@ -24663,14 +26402,17 @@
           <a:lstStyle/>
           <a:p>
             <a:r>
-              <a:rPr lang="ru-RU" dirty="0"/>
+              <a:rPr lang="ru-RU" dirty="0" smtClean="0"/>
               <a:t>Что такое </a:t>
             </a:r>
             <a:r>
+              <a:rPr lang="en-US" dirty="0" smtClean="0"/>
+              <a:t>BDD</a:t>
+            </a:r>
+            <a:r>
               <a:rPr lang="en-US" dirty="0"/>
-              <a:t>BDD?</a:t>
-            </a:r>
-            <a:endParaRPr lang="en-US" dirty="0"/>
+              <a:t>?</a:t>
+            </a:r>
           </a:p>
         </p:txBody>
       </p:sp>
@@ -24688,8 +26430,8 @@
         </p:nvSpPr>
         <p:spPr bwMode="auto">
           <a:xfrm>
-            <a:off x="2286000" y="1785700"/>
-            <a:ext cx="4572000" cy="3286601"/>
+            <a:off x="1066800" y="2893695"/>
+            <a:ext cx="7010400" cy="1070610"/>
           </a:xfrm>
           <a:prstGeom prst="rect">
             <a:avLst/>
@@ -24722,343 +26464,15 @@
                 <a:latin typeface="Arial" pitchFamily="34" charset="0"/>
                 <a:cs typeface="Arial" pitchFamily="34" charset="0"/>
               </a:rPr>
-              <a:t>Программисты </a:t>
-            </a:r>
-            <a:r>
-              <a:rPr lang="ru-RU" dirty="0" smtClean="0">
-                <a:solidFill>
-                  <a:schemeClr val="accent4"/>
-                </a:solidFill>
-                <a:latin typeface="Arial" pitchFamily="34" charset="0"/>
-                <a:cs typeface="Arial" pitchFamily="34" charset="0"/>
-              </a:rPr>
-              <a:t>не понимают</a:t>
-            </a:r>
-            <a:r>
-              <a:rPr lang="en-US" dirty="0" smtClean="0">
-                <a:solidFill>
-                  <a:schemeClr val="accent4"/>
-                </a:solidFill>
-                <a:latin typeface="Arial" pitchFamily="34" charset="0"/>
-                <a:cs typeface="Arial" pitchFamily="34" charset="0"/>
-              </a:rPr>
-              <a:t>:</a:t>
-            </a:r>
-          </a:p>
-          <a:p>
-            <a:pPr defTabSz="803275">
-              <a:buClr>
-                <a:srgbClr val="FF6600"/>
-              </a:buClr>
-              <a:buSzPct val="125000"/>
-            </a:pPr>
-            <a:endParaRPr lang="en-US" dirty="0" smtClean="0">
-              <a:solidFill>
-                <a:schemeClr val="accent4"/>
-              </a:solidFill>
-              <a:latin typeface="Arial" pitchFamily="34" charset="0"/>
-              <a:cs typeface="Arial" pitchFamily="34" charset="0"/>
-            </a:endParaRPr>
-          </a:p>
-          <a:p>
-            <a:pPr marL="285750" indent="-285750" defTabSz="803275">
-              <a:buClr>
-                <a:srgbClr val="FF6600"/>
-              </a:buClr>
-              <a:buSzPct val="125000"/>
-              <a:buFont typeface="Wingdings" pitchFamily="2" charset="2"/>
-              <a:buChar char="§"/>
-            </a:pPr>
-            <a:r>
-              <a:rPr lang="en-US" dirty="0" smtClean="0">
-                <a:solidFill>
-                  <a:schemeClr val="accent4"/>
-                </a:solidFill>
-                <a:latin typeface="Arial" pitchFamily="34" charset="0"/>
-                <a:cs typeface="Arial" pitchFamily="34" charset="0"/>
-              </a:rPr>
-              <a:t>C</a:t>
-            </a:r>
-            <a:r>
-              <a:rPr lang="ru-RU" dirty="0" smtClean="0">
-                <a:solidFill>
-                  <a:schemeClr val="accent4"/>
-                </a:solidFill>
-                <a:latin typeface="Arial" pitchFamily="34" charset="0"/>
-                <a:cs typeface="Arial" pitchFamily="34" charset="0"/>
-              </a:rPr>
-              <a:t> </a:t>
-            </a:r>
-            <a:r>
-              <a:rPr lang="ru-RU" dirty="0">
-                <a:solidFill>
-                  <a:schemeClr val="accent4"/>
-                </a:solidFill>
-                <a:latin typeface="Arial" pitchFamily="34" charset="0"/>
-                <a:cs typeface="Arial" pitchFamily="34" charset="0"/>
-              </a:rPr>
-              <a:t>чего </a:t>
-            </a:r>
-            <a:r>
-              <a:rPr lang="ru-RU" dirty="0" smtClean="0">
-                <a:solidFill>
-                  <a:schemeClr val="accent4"/>
-                </a:solidFill>
-                <a:latin typeface="Arial" pitchFamily="34" charset="0"/>
-                <a:cs typeface="Arial" pitchFamily="34" charset="0"/>
-              </a:rPr>
-              <a:t>начать писать тест</a:t>
-            </a:r>
-            <a:r>
-              <a:rPr lang="en-US" dirty="0" smtClean="0">
-                <a:solidFill>
-                  <a:schemeClr val="accent4"/>
-                </a:solidFill>
-                <a:latin typeface="Arial" pitchFamily="34" charset="0"/>
-                <a:cs typeface="Arial" pitchFamily="34" charset="0"/>
-              </a:rPr>
-              <a:t>?</a:t>
-            </a:r>
-          </a:p>
-          <a:p>
-            <a:pPr defTabSz="803275">
-              <a:buClr>
-                <a:srgbClr val="FF6600"/>
-              </a:buClr>
-              <a:buSzPct val="125000"/>
-            </a:pPr>
-            <a:endParaRPr lang="en-US" dirty="0" smtClean="0">
-              <a:solidFill>
-                <a:schemeClr val="accent4"/>
-              </a:solidFill>
-              <a:latin typeface="Arial" pitchFamily="34" charset="0"/>
-              <a:cs typeface="Arial" pitchFamily="34" charset="0"/>
-            </a:endParaRPr>
-          </a:p>
-          <a:p>
-            <a:pPr marL="285750" indent="-285750" defTabSz="803275">
-              <a:buClr>
-                <a:srgbClr val="FF6600"/>
-              </a:buClr>
-              <a:buSzPct val="125000"/>
-              <a:buFont typeface="Wingdings" pitchFamily="2" charset="2"/>
-              <a:buChar char="§"/>
-            </a:pPr>
-            <a:r>
-              <a:rPr lang="ru-RU" dirty="0">
-                <a:solidFill>
-                  <a:schemeClr val="accent4"/>
-                </a:solidFill>
-                <a:latin typeface="Arial" pitchFamily="34" charset="0"/>
-                <a:cs typeface="Arial" pitchFamily="34" charset="0"/>
-              </a:rPr>
-              <a:t>Ч</a:t>
-            </a:r>
-            <a:r>
-              <a:rPr lang="ru-RU" dirty="0" smtClean="0">
-                <a:solidFill>
-                  <a:schemeClr val="accent4"/>
-                </a:solidFill>
-                <a:latin typeface="Arial" pitchFamily="34" charset="0"/>
-                <a:cs typeface="Arial" pitchFamily="34" charset="0"/>
-              </a:rPr>
-              <a:t>то тестировать а что нет</a:t>
-            </a:r>
-            <a:r>
-              <a:rPr lang="en-US" dirty="0" smtClean="0">
-                <a:solidFill>
-                  <a:schemeClr val="accent4"/>
-                </a:solidFill>
-                <a:latin typeface="Arial" pitchFamily="34" charset="0"/>
-                <a:cs typeface="Arial" pitchFamily="34" charset="0"/>
-              </a:rPr>
-              <a:t>?</a:t>
-            </a:r>
-          </a:p>
-          <a:p>
-            <a:pPr marL="285750" indent="-285750" defTabSz="803275">
-              <a:buClr>
-                <a:srgbClr val="FF6600"/>
-              </a:buClr>
-              <a:buSzPct val="125000"/>
-              <a:buFont typeface="Wingdings" pitchFamily="2" charset="2"/>
-              <a:buChar char="§"/>
-            </a:pPr>
-            <a:endParaRPr lang="en-US" dirty="0" smtClean="0">
-              <a:solidFill>
-                <a:schemeClr val="accent4"/>
-              </a:solidFill>
-              <a:latin typeface="Arial" pitchFamily="34" charset="0"/>
-              <a:cs typeface="Arial" pitchFamily="34" charset="0"/>
-            </a:endParaRPr>
-          </a:p>
-          <a:p>
-            <a:pPr marL="285750" indent="-285750" defTabSz="803275">
-              <a:buClr>
-                <a:srgbClr val="FF6600"/>
-              </a:buClr>
-              <a:buSzPct val="125000"/>
-              <a:buFont typeface="Wingdings" pitchFamily="2" charset="2"/>
-              <a:buChar char="§"/>
-            </a:pPr>
-            <a:r>
-              <a:rPr lang="ru-RU" dirty="0">
-                <a:solidFill>
-                  <a:schemeClr val="accent4"/>
-                </a:solidFill>
-                <a:latin typeface="Arial" pitchFamily="34" charset="0"/>
-                <a:cs typeface="Arial" pitchFamily="34" charset="0"/>
-              </a:rPr>
-              <a:t>К</a:t>
-            </a:r>
-            <a:r>
-              <a:rPr lang="ru-RU" dirty="0" smtClean="0">
-                <a:solidFill>
-                  <a:schemeClr val="accent4"/>
-                </a:solidFill>
-                <a:latin typeface="Arial" pitchFamily="34" charset="0"/>
-                <a:cs typeface="Arial" pitchFamily="34" charset="0"/>
-              </a:rPr>
-              <a:t>ак много тестировать в одном тесте</a:t>
-            </a:r>
-            <a:r>
-              <a:rPr lang="en-US" dirty="0" smtClean="0">
-                <a:solidFill>
-                  <a:schemeClr val="accent4"/>
-                </a:solidFill>
-                <a:latin typeface="Arial" pitchFamily="34" charset="0"/>
-                <a:cs typeface="Arial" pitchFamily="34" charset="0"/>
-              </a:rPr>
-              <a:t>?</a:t>
-            </a:r>
-          </a:p>
-          <a:p>
-            <a:pPr marL="285750" indent="-285750" defTabSz="803275">
-              <a:buClr>
-                <a:srgbClr val="FF6600"/>
-              </a:buClr>
-              <a:buSzPct val="125000"/>
-              <a:buFont typeface="Wingdings" pitchFamily="2" charset="2"/>
-              <a:buChar char="§"/>
-            </a:pPr>
-            <a:endParaRPr lang="en-US" dirty="0" smtClean="0">
-              <a:solidFill>
-                <a:schemeClr val="accent4"/>
-              </a:solidFill>
-              <a:latin typeface="Arial" pitchFamily="34" charset="0"/>
-              <a:cs typeface="Arial" pitchFamily="34" charset="0"/>
-            </a:endParaRPr>
-          </a:p>
-          <a:p>
-            <a:pPr marL="285750" indent="-285750" defTabSz="803275">
-              <a:buClr>
-                <a:srgbClr val="FF6600"/>
-              </a:buClr>
-              <a:buSzPct val="125000"/>
-              <a:buFont typeface="Wingdings" pitchFamily="2" charset="2"/>
-              <a:buChar char="§"/>
-            </a:pPr>
-            <a:r>
-              <a:rPr lang="ru-RU" dirty="0" smtClean="0">
-                <a:solidFill>
-                  <a:schemeClr val="accent4"/>
-                </a:solidFill>
-                <a:latin typeface="Arial" pitchFamily="34" charset="0"/>
-                <a:cs typeface="Arial" pitchFamily="34" charset="0"/>
-              </a:rPr>
-              <a:t>Как именовать тесты</a:t>
-            </a:r>
-            <a:r>
-              <a:rPr lang="en-US" dirty="0" smtClean="0">
-                <a:solidFill>
-                  <a:schemeClr val="accent4"/>
-                </a:solidFill>
-                <a:latin typeface="Arial" pitchFamily="34" charset="0"/>
-                <a:cs typeface="Arial" pitchFamily="34" charset="0"/>
-              </a:rPr>
-              <a:t>?</a:t>
-            </a:r>
-          </a:p>
-          <a:p>
-            <a:pPr marL="285750" indent="-285750" defTabSz="803275">
-              <a:buClr>
-                <a:srgbClr val="FF6600"/>
-              </a:buClr>
-              <a:buSzPct val="125000"/>
-              <a:buFont typeface="Wingdings" pitchFamily="2" charset="2"/>
-              <a:buChar char="§"/>
-            </a:pPr>
-            <a:endParaRPr lang="en-US" dirty="0" smtClean="0">
-              <a:solidFill>
-                <a:schemeClr val="accent4"/>
-              </a:solidFill>
-              <a:latin typeface="Arial" pitchFamily="34" charset="0"/>
-              <a:cs typeface="Arial" pitchFamily="34" charset="0"/>
-            </a:endParaRPr>
-          </a:p>
-          <a:p>
-            <a:pPr marL="285750" indent="-285750" defTabSz="803275">
-              <a:buClr>
-                <a:srgbClr val="FF6600"/>
-              </a:buClr>
-              <a:buSzPct val="125000"/>
-              <a:buFont typeface="Wingdings" pitchFamily="2" charset="2"/>
-              <a:buChar char="§"/>
-            </a:pPr>
-            <a:r>
-              <a:rPr lang="ru-RU" dirty="0" smtClean="0">
-                <a:solidFill>
-                  <a:schemeClr val="accent4"/>
-                </a:solidFill>
-                <a:latin typeface="Arial" pitchFamily="34" charset="0"/>
-                <a:cs typeface="Arial" pitchFamily="34" charset="0"/>
-              </a:rPr>
-              <a:t>Как </a:t>
-            </a:r>
-            <a:r>
-              <a:rPr lang="ru-RU" dirty="0">
-                <a:solidFill>
-                  <a:schemeClr val="accent4"/>
-                </a:solidFill>
-                <a:latin typeface="Arial" pitchFamily="34" charset="0"/>
-                <a:cs typeface="Arial" pitchFamily="34" charset="0"/>
-              </a:rPr>
-              <a:t>понять, почему тест не </a:t>
-            </a:r>
-            <a:r>
-              <a:rPr lang="ru-RU" dirty="0" smtClean="0">
-                <a:solidFill>
-                  <a:schemeClr val="accent4"/>
-                </a:solidFill>
-                <a:latin typeface="Arial" pitchFamily="34" charset="0"/>
-                <a:cs typeface="Arial" pitchFamily="34" charset="0"/>
-              </a:rPr>
-              <a:t>пройден</a:t>
-            </a:r>
-            <a:r>
-              <a:rPr lang="en-US" dirty="0" smtClean="0">
-                <a:solidFill>
-                  <a:schemeClr val="accent4"/>
-                </a:solidFill>
-                <a:latin typeface="Arial" pitchFamily="34" charset="0"/>
-                <a:cs typeface="Arial" pitchFamily="34" charset="0"/>
-              </a:rPr>
-              <a:t>?</a:t>
-            </a:r>
-            <a:endParaRPr lang="ru-RU" dirty="0" smtClean="0">
-              <a:solidFill>
-                <a:schemeClr val="accent4"/>
-              </a:solidFill>
-              <a:latin typeface="Arial" pitchFamily="34" charset="0"/>
-              <a:cs typeface="Arial" pitchFamily="34" charset="0"/>
-            </a:endParaRPr>
+              <a:t>Дополнительные возможности для проверки функционирования кода и его предварительной отладки, без всякого сомнения, повышают скорость разработки</a:t>
+            </a:r>
           </a:p>
         </p:txBody>
       </p:sp>
     </p:spTree>
     <p:extLst>
       <p:ext uri="{BB962C8B-B14F-4D97-AF65-F5344CB8AC3E}">
-        <p14:creationId xmlns:p14="http://schemas.microsoft.com/office/powerpoint/2010/main" val="2627344295"/>
+        <p14:creationId xmlns:p14="http://schemas.microsoft.com/office/powerpoint/2010/main" val="3090655167"/>
       </p:ext>
     </p:extLst>
   </p:cSld>
@@ -25116,21 +26530,127 @@
           <a:lstStyle/>
           <a:p>
             <a:r>
-              <a:rPr lang="ru-RU" dirty="0"/>
+              <a:rPr lang="ru-RU" dirty="0" smtClean="0"/>
               <a:t>Что такое </a:t>
             </a:r>
             <a:r>
+              <a:rPr lang="en-US" dirty="0" smtClean="0"/>
+              <a:t>BDD</a:t>
+            </a:r>
+            <a:r>
               <a:rPr lang="en-US" dirty="0"/>
-              <a:t>BDD?</a:t>
-            </a:r>
-            <a:endParaRPr lang="en-US" dirty="0"/>
+              <a:t>?</a:t>
+            </a:r>
+          </a:p>
+        </p:txBody>
+      </p:sp>
+      <p:sp>
+        <p:nvSpPr>
+          <p:cNvPr id="8" name="Rectangle 4"/>
+          <p:cNvSpPr>
+            <a:spLocks noChangeArrowheads="1"/>
+          </p:cNvSpPr>
+          <p:nvPr>
+            <p:custDataLst>
+              <p:tags r:id="rId1"/>
+            </p:custDataLst>
+          </p:nvPr>
+        </p:nvSpPr>
+        <p:spPr bwMode="auto">
+          <a:xfrm>
+            <a:off x="1066800" y="2062698"/>
+            <a:ext cx="7010400" cy="2732604"/>
+          </a:xfrm>
+          <a:prstGeom prst="rect">
+            <a:avLst/>
+          </a:prstGeom>
+          <a:noFill/>
+          <a:ln w="19050">
+            <a:noFill/>
+            <a:miter lim="800000"/>
+            <a:headEnd/>
+            <a:tailEnd/>
+          </a:ln>
+        </p:spPr>
+        <p:txBody>
+          <a:bodyPr wrap="square" lIns="93296" tIns="144000" rIns="93296" bIns="93296">
+            <a:spAutoFit/>
+          </a:bodyPr>
+          <a:lstStyle/>
+          <a:p>
+            <a:pPr defTabSz="803275">
+              <a:buClr>
+                <a:srgbClr val="FF6600"/>
+              </a:buClr>
+              <a:buSzPct val="125000"/>
+            </a:pPr>
+            <a:r>
+              <a:rPr lang="ru-RU" dirty="0">
+                <a:solidFill>
+                  <a:schemeClr val="accent4"/>
+                </a:solidFill>
+                <a:latin typeface="Arial" pitchFamily="34" charset="0"/>
+                <a:cs typeface="Arial" pitchFamily="34" charset="0"/>
+              </a:rPr>
+              <a:t>Но даже зная все это, мы еще очень далеки от того времени, когда написание тестов до написания кода станет общим стандартом. </a:t>
+            </a:r>
+            <a:endParaRPr lang="en-US" dirty="0" smtClean="0">
+              <a:solidFill>
+                <a:schemeClr val="accent4"/>
+              </a:solidFill>
+              <a:latin typeface="Arial" pitchFamily="34" charset="0"/>
+              <a:cs typeface="Arial" pitchFamily="34" charset="0"/>
+            </a:endParaRPr>
+          </a:p>
+          <a:p>
+            <a:pPr defTabSz="803275">
+              <a:buClr>
+                <a:srgbClr val="FF6600"/>
+              </a:buClr>
+              <a:buSzPct val="125000"/>
+            </a:pPr>
+            <a:endParaRPr lang="en-US" dirty="0">
+              <a:solidFill>
+                <a:schemeClr val="accent4"/>
+              </a:solidFill>
+              <a:latin typeface="Arial" pitchFamily="34" charset="0"/>
+              <a:cs typeface="Arial" pitchFamily="34" charset="0"/>
+            </a:endParaRPr>
+          </a:p>
+          <a:p>
+            <a:pPr defTabSz="803275">
+              <a:buClr>
+                <a:srgbClr val="FF6600"/>
+              </a:buClr>
+              <a:buSzPct val="125000"/>
+            </a:pPr>
+            <a:r>
+              <a:rPr lang="ru-RU" dirty="0" smtClean="0">
+                <a:solidFill>
+                  <a:schemeClr val="accent4"/>
+                </a:solidFill>
+                <a:latin typeface="Arial" pitchFamily="34" charset="0"/>
+                <a:cs typeface="Arial" pitchFamily="34" charset="0"/>
+              </a:rPr>
+              <a:t>Точно </a:t>
+            </a:r>
+            <a:r>
+              <a:rPr lang="ru-RU" dirty="0">
+                <a:solidFill>
+                  <a:schemeClr val="accent4"/>
+                </a:solidFill>
+                <a:latin typeface="Arial" pitchFamily="34" charset="0"/>
+                <a:cs typeface="Arial" pitchFamily="34" charset="0"/>
+              </a:rPr>
+              <a:t>так же как TDD стало следующим этапом эволюции развития экстремального программирования (eXP) и выдвинуло на первый план инфраструктуры для unit-тестирования, следующий скачок эволюции будет сделан с того уровня, где находится TDD. </a:t>
+            </a:r>
           </a:p>
         </p:txBody>
       </p:sp>
     </p:spTree>
     <p:extLst>
       <p:ext uri="{BB962C8B-B14F-4D97-AF65-F5344CB8AC3E}">
-        <p14:creationId xmlns:p14="http://schemas.microsoft.com/office/powerpoint/2010/main" val="976750524"/>
+        <p14:creationId xmlns:p14="http://schemas.microsoft.com/office/powerpoint/2010/main" val="1690502815"/>
       </p:ext>
     </p:extLst>
   </p:cSld>
@@ -25209,8 +26729,8 @@
         </p:nvSpPr>
         <p:spPr bwMode="auto">
           <a:xfrm>
-            <a:off x="1066800" y="3170694"/>
-            <a:ext cx="7010400" cy="855166"/>
+            <a:off x="914400" y="6096000"/>
+            <a:ext cx="7010400" cy="516612"/>
           </a:xfrm>
           <a:prstGeom prst="rect">
             <a:avLst/>
@@ -25236,41 +26756,100 @@
               <a:buSzPct val="125000"/>
             </a:pPr>
             <a:r>
-              <a:rPr lang="en-US" sz="4000" dirty="0" smtClean="0">
+              <a:rPr lang="en-US" dirty="0">
+                <a:solidFill>
+                  <a:srgbClr val="004080"/>
+                </a:solidFill>
+                <a:cs typeface="Tahoma" charset="0"/>
+              </a:rPr>
+              <a:t>Behavior Driven Development (BDD</a:t>
+            </a:r>
+            <a:r>
+              <a:rPr lang="en-US" dirty="0" smtClean="0">
+                <a:solidFill>
+                  <a:srgbClr val="004080"/>
+                </a:solidFill>
+                <a:cs typeface="Tahoma" charset="0"/>
+              </a:rPr>
+              <a:t>)</a:t>
+            </a:r>
+          </a:p>
+        </p:txBody>
+      </p:sp>
+      <p:pic>
+        <p:nvPicPr>
+          <p:cNvPr id="1026" name="Picture 2" descr="http://farm2.static.flickr.com/1120/1403808340_2afb107564.jpg"/>
+          <p:cNvPicPr>
+            <a:picLocks noChangeAspect="1" noChangeArrowheads="1"/>
+          </p:cNvPicPr>
+          <p:nvPr/>
+        </p:nvPicPr>
+        <p:blipFill>
+          <a:blip r:embed="rId4">
+            <a:extLst>
+              <a:ext uri="{28A0092B-C50C-407E-A947-70E740481C1C}">
+                <a14:useLocalDpi xmlns:a14="http://schemas.microsoft.com/office/drawing/2010/main" val="0"/>
+              </a:ext>
+            </a:extLst>
+          </a:blip>
+          <a:srcRect/>
+          <a:stretch>
+            <a:fillRect/>
+          </a:stretch>
+        </p:blipFill>
+        <p:spPr bwMode="auto">
+          <a:xfrm>
+            <a:off x="2190750" y="1843087"/>
+            <a:ext cx="4762500" cy="3171826"/>
+          </a:xfrm>
+          <a:prstGeom prst="rect">
+            <a:avLst/>
+          </a:prstGeom>
+          <a:noFill/>
+          <a:extLst>
+            <a:ext uri="{909E8E84-426E-40DD-AFC4-6F175D3DCCD1}">
+              <a14:hiddenFill xmlns:a14="http://schemas.microsoft.com/office/drawing/2010/main">
+                <a:solidFill>
+                  <a:srgbClr val="FFFFFF"/>
+                </a:solidFill>
+              </a14:hiddenFill>
+            </a:ext>
+          </a:extLst>
+        </p:spPr>
+      </p:pic>
+      <p:sp>
+        <p:nvSpPr>
+          <p:cNvPr id="4" name="Rectangle 3"/>
+          <p:cNvSpPr/>
+          <p:nvPr/>
+        </p:nvSpPr>
+        <p:spPr>
+          <a:xfrm>
+            <a:off x="3823571" y="5149334"/>
+            <a:ext cx="1192058" cy="369332"/>
+          </a:xfrm>
+          <a:prstGeom prst="rect">
+            <a:avLst/>
+          </a:prstGeom>
+        </p:spPr>
+        <p:txBody>
+          <a:bodyPr wrap="none">
+            <a:spAutoFit/>
+          </a:bodyPr>
+          <a:lstStyle/>
+          <a:p>
+            <a:r>
+              <a:rPr lang="en-US" dirty="0">
                 <a:solidFill>
                   <a:schemeClr val="accent4"/>
                 </a:solidFill>
-                <a:latin typeface="Arial" pitchFamily="34" charset="0"/>
-                <a:cs typeface="Arial" pitchFamily="34" charset="0"/>
-              </a:rPr>
-              <a:t>Test - </a:t>
-            </a:r>
-            <a:r>
-              <a:rPr lang="en-US" sz="4000" dirty="0">
-                <a:solidFill>
-                  <a:schemeClr val="accent4"/>
-                </a:solidFill>
-                <a:latin typeface="Arial" pitchFamily="34" charset="0"/>
-                <a:cs typeface="Arial" pitchFamily="34" charset="0"/>
-              </a:rPr>
-              <a:t>Driven </a:t>
-            </a:r>
-            <a:r>
-              <a:rPr lang="en-US" sz="4000" dirty="0" smtClean="0">
-                <a:solidFill>
-                  <a:schemeClr val="accent4"/>
-                </a:solidFill>
-                <a:latin typeface="Arial" pitchFamily="34" charset="0"/>
-                <a:cs typeface="Arial" pitchFamily="34" charset="0"/>
-              </a:rPr>
-              <a:t>Development</a:t>
-            </a:r>
-            <a:endParaRPr lang="en-US" sz="4000" dirty="0" smtClean="0">
+              </a:rPr>
+              <a:t>Dan North</a:t>
+            </a:r>
+            <a:endParaRPr lang="ru-RU" dirty="0">
               <a:solidFill>
                 <a:schemeClr val="accent4"/>
               </a:solidFill>
-              <a:latin typeface="Arial" pitchFamily="34" charset="0"/>
-              <a:cs typeface="Arial" pitchFamily="34" charset="0"/>
             </a:endParaRPr>
           </a:p>
         </p:txBody>
@@ -25278,7 +26857,7 @@
     </p:spTree>
     <p:extLst>
       <p:ext uri="{BB962C8B-B14F-4D97-AF65-F5344CB8AC3E}">
-        <p14:creationId xmlns:p14="http://schemas.microsoft.com/office/powerpoint/2010/main" val="1252796626"/>
+        <p14:creationId xmlns:p14="http://schemas.microsoft.com/office/powerpoint/2010/main" val="492294503"/>
       </p:ext>
     </p:extLst>
   </p:cSld>
@@ -25336,8 +26915,12 @@
           <a:lstStyle/>
           <a:p>
             <a:r>
+              <a:rPr lang="ru-RU" dirty="0" smtClean="0"/>
+              <a:t>Проблемы </a:t>
+            </a:r>
+            <a:r>
               <a:rPr lang="en-US" dirty="0" smtClean="0"/>
-              <a:t>BDD</a:t>
+              <a:t>TDD</a:t>
             </a:r>
             <a:endParaRPr lang="en-US" dirty="0"/>
           </a:p>
@@ -25357,8 +26940,8 @@
         </p:nvSpPr>
         <p:spPr bwMode="auto">
           <a:xfrm>
-            <a:off x="1066800" y="3170694"/>
-            <a:ext cx="7010400" cy="855166"/>
+            <a:off x="1094433" y="2667000"/>
+            <a:ext cx="7010400" cy="1624608"/>
           </a:xfrm>
           <a:prstGeom prst="rect">
             <a:avLst/>
@@ -25377,56 +26960,69 @@
           </a:bodyPr>
           <a:lstStyle/>
           <a:p>
-            <a:pPr algn="ctr" defTabSz="803275">
+            <a:pPr defTabSz="803275">
               <a:buClr>
                 <a:srgbClr val="FF6600"/>
               </a:buClr>
               <a:buSzPct val="125000"/>
             </a:pPr>
             <a:r>
-              <a:rPr lang="en-US" sz="4000" b="1" u="sng" dirty="0" smtClean="0">
-                <a:solidFill>
-                  <a:schemeClr val="accent5">
-                    <a:lumMod val="60000"/>
-                    <a:lumOff val="40000"/>
-                  </a:schemeClr>
+              <a:rPr lang="ru-RU" dirty="0" smtClean="0">
+                <a:solidFill>
+                  <a:schemeClr val="accent4"/>
                 </a:solidFill>
                 <a:latin typeface="Arial" pitchFamily="34" charset="0"/>
                 <a:cs typeface="Arial" pitchFamily="34" charset="0"/>
               </a:rPr>
-              <a:t>Test</a:t>
-            </a:r>
-            <a:r>
-              <a:rPr lang="en-US" sz="4000" dirty="0" smtClean="0">
+              <a:t>У меня была проблема. При использовании и обучении </a:t>
+            </a:r>
+          </a:p>
+          <a:p>
+            <a:pPr defTabSz="803275">
+              <a:buClr>
+                <a:srgbClr val="FF6600"/>
+              </a:buClr>
+              <a:buSzPct val="125000"/>
+            </a:pPr>
+            <a:r>
+              <a:rPr lang="en-US" dirty="0" smtClean="0">
                 <a:solidFill>
                   <a:schemeClr val="accent4"/>
                 </a:solidFill>
                 <a:latin typeface="Arial" pitchFamily="34" charset="0"/>
                 <a:cs typeface="Arial" pitchFamily="34" charset="0"/>
               </a:rPr>
-              <a:t> - </a:t>
-            </a:r>
-            <a:r>
-              <a:rPr lang="en-US" sz="4000" dirty="0">
+              <a:t>Test</a:t>
+            </a:r>
+            <a:r>
+              <a:rPr lang="ru-RU" dirty="0" smtClean="0">
                 <a:solidFill>
                   <a:schemeClr val="accent4"/>
                 </a:solidFill>
                 <a:latin typeface="Arial" pitchFamily="34" charset="0"/>
                 <a:cs typeface="Arial" pitchFamily="34" charset="0"/>
               </a:rPr>
-              <a:t>Driven </a:t>
-            </a:r>
-            <a:r>
-              <a:rPr lang="en-US" sz="4000" dirty="0" smtClean="0">
+              <a:t>-Driven Development (TDD) в разных проектах, я каждый раз сталикивался с непониманием со стороны разработчиков.</a:t>
+            </a:r>
+            <a:r>
+              <a:rPr lang="en-US" dirty="0" smtClean="0">
                 <a:solidFill>
                   <a:schemeClr val="accent4"/>
                 </a:solidFill>
                 <a:latin typeface="Arial" pitchFamily="34" charset="0"/>
                 <a:cs typeface="Arial" pitchFamily="34" charset="0"/>
               </a:rPr>
-              <a:t>Development</a:t>
-            </a:r>
-            <a:endParaRPr lang="en-US" sz="4000" dirty="0" smtClean="0">
+              <a:t> </a:t>
+            </a:r>
+          </a:p>
+          <a:p>
+            <a:pPr defTabSz="803275">
+              <a:buClr>
+                <a:srgbClr val="FF6600"/>
+              </a:buClr>
+              <a:buSzPct val="125000"/>
+            </a:pPr>
+            <a:endParaRPr lang="en-US" dirty="0" smtClean="0">
               <a:solidFill>
                 <a:schemeClr val="accent4"/>
               </a:solidFill>
@@ -25434,12 +27030,105 @@
               <a:cs typeface="Arial" pitchFamily="34" charset="0"/>
             </a:endParaRPr>
           </a:p>
+          <a:p>
+            <a:pPr algn="r" defTabSz="803275">
+              <a:buClr>
+                <a:srgbClr val="FF6600"/>
+              </a:buClr>
+              <a:buSzPct val="125000"/>
+            </a:pPr>
+            <a:r>
+              <a:rPr lang="en-US" dirty="0" smtClean="0">
+                <a:solidFill>
+                  <a:schemeClr val="accent4"/>
+                </a:solidFill>
+                <a:latin typeface="Arial" pitchFamily="34" charset="0"/>
+                <a:cs typeface="Arial" pitchFamily="34" charset="0"/>
+              </a:rPr>
+              <a:t>- Dan North</a:t>
+            </a:r>
+          </a:p>
+        </p:txBody>
+      </p:sp>
+      <p:sp>
+        <p:nvSpPr>
+          <p:cNvPr id="6" name="Rectangle 5"/>
+          <p:cNvSpPr/>
+          <p:nvPr/>
+        </p:nvSpPr>
+        <p:spPr>
+          <a:xfrm>
+            <a:off x="282574" y="6096000"/>
+            <a:ext cx="3751155" cy="923330"/>
+          </a:xfrm>
+          <a:prstGeom prst="rect">
+            <a:avLst/>
+          </a:prstGeom>
+        </p:spPr>
+        <p:txBody>
+          <a:bodyPr wrap="none">
+            <a:spAutoFit/>
+          </a:bodyPr>
+          <a:lstStyle/>
+          <a:p>
+            <a:r>
+              <a:rPr lang="en-US" dirty="0">
+                <a:solidFill>
+                  <a:schemeClr val="accent4"/>
+                </a:solidFill>
+                <a:latin typeface="Arial" pitchFamily="34" charset="0"/>
+                <a:cs typeface="Arial" pitchFamily="34" charset="0"/>
+              </a:rPr>
+              <a:t>Introducing BDD - Dan </a:t>
+            </a:r>
+            <a:r>
+              <a:rPr lang="en-US" dirty="0" smtClean="0">
+                <a:solidFill>
+                  <a:schemeClr val="accent4"/>
+                </a:solidFill>
+                <a:latin typeface="Arial" pitchFamily="34" charset="0"/>
+                <a:cs typeface="Arial" pitchFamily="34" charset="0"/>
+              </a:rPr>
+              <a:t>North</a:t>
+            </a:r>
+          </a:p>
+          <a:p>
+            <a:r>
+              <a:rPr lang="en-US" dirty="0">
+                <a:latin typeface="Arial" pitchFamily="34" charset="0"/>
+                <a:cs typeface="Arial" pitchFamily="34" charset="0"/>
+                <a:hlinkClick r:id="rId4"/>
+              </a:rPr>
+              <a:t>http://</a:t>
+            </a:r>
+            <a:r>
+              <a:rPr lang="en-US" dirty="0" smtClean="0">
+                <a:latin typeface="Arial" pitchFamily="34" charset="0"/>
+                <a:cs typeface="Arial" pitchFamily="34" charset="0"/>
+                <a:hlinkClick r:id="rId4"/>
+              </a:rPr>
+              <a:t>dannorth.net/introducing-bdd</a:t>
+            </a:r>
+            <a:endParaRPr lang="en-US" dirty="0" smtClean="0">
+              <a:latin typeface="Arial" pitchFamily="34" charset="0"/>
+              <a:cs typeface="Arial" pitchFamily="34" charset="0"/>
+            </a:endParaRPr>
+          </a:p>
+          <a:p>
+            <a:endParaRPr lang="ru-RU" dirty="0">
+              <a:solidFill>
+                <a:schemeClr val="accent4"/>
+              </a:solidFill>
+              <a:latin typeface="Arial" pitchFamily="34" charset="0"/>
+              <a:cs typeface="Arial" pitchFamily="34" charset="0"/>
+            </a:endParaRPr>
+          </a:p>
         </p:txBody>
       </p:sp>
     </p:spTree>
     <p:extLst>
       <p:ext uri="{BB962C8B-B14F-4D97-AF65-F5344CB8AC3E}">
-        <p14:creationId xmlns:p14="http://schemas.microsoft.com/office/powerpoint/2010/main" val="3105447773"/>
+        <p14:creationId xmlns:p14="http://schemas.microsoft.com/office/powerpoint/2010/main" val="227055620"/>
       </p:ext>
     </p:extLst>
   </p:cSld>
@@ -25465,6 +27154,41 @@
 </file>
 
 <file path=ppt/tags/tag1.xml><?xml version="1.0" encoding="utf-8"?>
+<p:tagLst xmlns:a="http://schemas.openxmlformats.org/drawingml/2006/main" xmlns:r="http://schemas.openxmlformats.org/officeDocument/2006/relationships" xmlns:p="http://schemas.openxmlformats.org/presentationml/2006/main">
+  <p:tag name="LTOP" val=" 238.25"/>
+  <p:tag name="LLEFT" val=" 144.125"/>
+</p:tagLst>
+</file>
+
+<file path=ppt/tags/tag10.xml><?xml version="1.0" encoding="utf-8"?>
+<p:tagLst xmlns:a="http://schemas.openxmlformats.org/drawingml/2006/main" xmlns:r="http://schemas.openxmlformats.org/officeDocument/2006/relationships" xmlns:p="http://schemas.openxmlformats.org/presentationml/2006/main">
+  <p:tag name="LTOP" val=" 238.25"/>
+  <p:tag name="LLEFT" val=" 144.125"/>
+</p:tagLst>
+</file>
+
+<file path=ppt/tags/tag11.xml><?xml version="1.0" encoding="utf-8"?>
+<p:tagLst xmlns:a="http://schemas.openxmlformats.org/drawingml/2006/main" xmlns:r="http://schemas.openxmlformats.org/officeDocument/2006/relationships" xmlns:p="http://schemas.openxmlformats.org/presentationml/2006/main">
+  <p:tag name="LTOP" val=" 238.25"/>
+  <p:tag name="LLEFT" val=" 144.125"/>
+</p:tagLst>
+</file>
+
+<file path=ppt/tags/tag12.xml><?xml version="1.0" encoding="utf-8"?>
+<p:tagLst xmlns:a="http://schemas.openxmlformats.org/drawingml/2006/main" xmlns:r="http://schemas.openxmlformats.org/officeDocument/2006/relationships" xmlns:p="http://schemas.openxmlformats.org/presentationml/2006/main">
+  <p:tag name="LTOP" val=" 238.25"/>
+  <p:tag name="LLEFT" val=" 144.125"/>
+</p:tagLst>
+</file>
+
+<file path=ppt/tags/tag13.xml><?xml version="1.0" encoding="utf-8"?>
+<p:tagLst xmlns:a="http://schemas.openxmlformats.org/drawingml/2006/main" xmlns:r="http://schemas.openxmlformats.org/officeDocument/2006/relationships" xmlns:p="http://schemas.openxmlformats.org/presentationml/2006/main">
+  <p:tag name="LTOP" val=" 238.25"/>
+  <p:tag name="LLEFT" val=" 144.125"/>
+</p:tagLst>
+</file>
+
+<file path=ppt/tags/tag14.xml><?xml version="1.0" encoding="utf-8"?>
 <p:tagLst xmlns:a="http://schemas.openxmlformats.org/drawingml/2006/main" xmlns:r="http://schemas.openxmlformats.org/officeDocument/2006/relationships" xmlns:p="http://schemas.openxmlformats.org/presentationml/2006/main">
   <p:tag name="LTOP" val=" 238.25"/>
   <p:tag name="LLEFT" val=" 144.125"/>

--- a/Test Driven Development/materials/pptx/7. TDD-BDD.pptx
+++ b/Test Driven Development/materials/pptx/7. TDD-BDD.pptx
@@ -214,7 +214,7 @@
           <a:p>
             <a:fld id="{B946ECE3-FD69-FE4C-B5B3-E9526994F809}" type="datetimeFigureOut">
               <a:rPr lang="en-US" smtClean="0"/>
-              <a:t>12/11/2012</a:t>
+              <a:t>12/16/12</a:t>
             </a:fld>
             <a:endParaRPr lang="en-US"/>
           </a:p>
@@ -638,14 +638,6 @@
               </a:rPr>
               <a:t>The deeper I got into TDD, the more I felt that my own journey had been less of a wax-on, wax-off process of gradual mastery than a series of blind alleys. I remember thinking ‘If only someone had told me that!’ far more often than I thought ‘Wow, a door has opened.’ I decided it must be possible to present TDD in a way that gets straight to the good stuff and avoids all the pitfalls.”</a:t>
             </a:r>
-            <a:endParaRPr lang="en-US" sz="1200" b="0" i="0" u="none" strike="noStrike" kern="1200" baseline="0" dirty="0" smtClean="0">
-              <a:solidFill>
-                <a:schemeClr val="tx1"/>
-              </a:solidFill>
-              <a:latin typeface="+mn-lt"/>
-              <a:ea typeface="+mn-ea"/>
-              <a:cs typeface="+mn-cs"/>
-            </a:endParaRPr>
           </a:p>
         </p:txBody>
       </p:sp>
@@ -3262,7 +3254,7 @@
           <a:p>
             <a:fld id="{7793EDCB-5B64-3143-AFED-AA1357A092FA}" type="datetimeFigureOut">
               <a:rPr lang="en-US" smtClean="0"/>
-              <a:t>12/11/2012</a:t>
+              <a:t>12/16/12</a:t>
             </a:fld>
             <a:endParaRPr lang="en-US"/>
           </a:p>
@@ -3432,7 +3424,7 @@
           <a:p>
             <a:fld id="{7793EDCB-5B64-3143-AFED-AA1357A092FA}" type="datetimeFigureOut">
               <a:rPr lang="en-US" smtClean="0"/>
-              <a:t>12/11/2012</a:t>
+              <a:t>12/16/12</a:t>
             </a:fld>
             <a:endParaRPr lang="en-US"/>
           </a:p>
@@ -3612,7 +3604,7 @@
           <a:p>
             <a:fld id="{7793EDCB-5B64-3143-AFED-AA1357A092FA}" type="datetimeFigureOut">
               <a:rPr lang="en-US" smtClean="0"/>
-              <a:t>12/11/2012</a:t>
+              <a:t>12/16/12</a:t>
             </a:fld>
             <a:endParaRPr lang="en-US"/>
           </a:p>
@@ -3724,14 +3716,14 @@
             <a:noFill/>
           </a:ln>
           <a:extLst>
-            <a:ext uri="{909E8E84-426E-40DD-AFC4-6F175D3DCCD1}">
+            <a:ext uri="{909E8E84-426E-40dd-AFC4-6F175D3DCCD1}">
               <a14:hiddenFill xmlns:a14="http://schemas.microsoft.com/office/drawing/2010/main">
                 <a:solidFill>
                   <a:srgbClr val="FFFFFF"/>
                 </a:solidFill>
               </a14:hiddenFill>
             </a:ext>
-            <a:ext uri="{91240B29-F687-4F45-9708-019B960494DF}">
+            <a:ext uri="{91240B29-F687-4f45-9708-019B960494DF}">
               <a14:hiddenLine xmlns:a14="http://schemas.microsoft.com/office/drawing/2010/main" w="9525">
                 <a:solidFill>
                   <a:srgbClr val="000000"/>
@@ -3778,14 +3770,14 @@
             <a:noFill/>
           </a:ln>
           <a:extLst>
-            <a:ext uri="{909E8E84-426E-40DD-AFC4-6F175D3DCCD1}">
+            <a:ext uri="{909E8E84-426E-40dd-AFC4-6F175D3DCCD1}">
               <a14:hiddenFill xmlns:a14="http://schemas.microsoft.com/office/drawing/2010/main">
                 <a:solidFill>
                   <a:srgbClr val="FFFFFF"/>
                 </a:solidFill>
               </a14:hiddenFill>
             </a:ext>
-            <a:ext uri="{91240B29-F687-4F45-9708-019B960494DF}">
+            <a:ext uri="{91240B29-F687-4f45-9708-019B960494DF}">
               <a14:hiddenLine xmlns:a14="http://schemas.microsoft.com/office/drawing/2010/main" w="9525">
                 <a:solidFill>
                   <a:srgbClr val="000000"/>
@@ -3880,7 +3872,7 @@
   <p:clrMapOvr>
     <a:masterClrMapping/>
   </p:clrMapOvr>
-  <p:transition spd="slow">
+  <p:transition xmlns:p14="http://schemas.microsoft.com/office/powerpoint/2010/main" spd="slow">
     <p:fade/>
   </p:transition>
 </p:sldLayout>
@@ -4109,7 +4101,7 @@
   <p:clrMapOvr>
     <a:masterClrMapping/>
   </p:clrMapOvr>
-  <p:transition spd="slow">
+  <p:transition xmlns:p14="http://schemas.microsoft.com/office/powerpoint/2010/main" spd="slow">
     <p:fade/>
   </p:transition>
 </p:sldLayout>
@@ -4351,7 +4343,7 @@
   <p:clrMapOvr>
     <a:masterClrMapping/>
   </p:clrMapOvr>
-  <p:transition spd="slow">
+  <p:transition xmlns:p14="http://schemas.microsoft.com/office/powerpoint/2010/main" spd="slow">
     <p:fade/>
   </p:transition>
 </p:sldLayout>
@@ -4765,7 +4757,7 @@
   <p:clrMapOvr>
     <a:masterClrMapping/>
   </p:clrMapOvr>
-  <p:transition spd="slow">
+  <p:transition xmlns:p14="http://schemas.microsoft.com/office/powerpoint/2010/main" spd="slow">
     <p:fade/>
   </p:transition>
 </p:sldLayout>
@@ -5135,7 +5127,7 @@
   <p:clrMapOvr>
     <a:masterClrMapping/>
   </p:clrMapOvr>
-  <p:transition spd="slow">
+  <p:transition xmlns:p14="http://schemas.microsoft.com/office/powerpoint/2010/main" spd="slow">
     <p:fade/>
   </p:transition>
 </p:sldLayout>
@@ -5805,7 +5797,7 @@
   <p:clrMapOvr>
     <a:masterClrMapping/>
   </p:clrMapOvr>
-  <p:transition spd="slow">
+  <p:transition xmlns:p14="http://schemas.microsoft.com/office/powerpoint/2010/main" spd="slow">
     <p:fade/>
   </p:transition>
 </p:sldLayout>
@@ -6130,7 +6122,7 @@
   <p:clrMapOvr>
     <a:masterClrMapping/>
   </p:clrMapOvr>
-  <p:transition spd="slow">
+  <p:transition xmlns:p14="http://schemas.microsoft.com/office/powerpoint/2010/main" spd="slow">
     <p:fade/>
   </p:transition>
 </p:sldLayout>
@@ -6540,7 +6532,7 @@
   <p:clrMapOvr>
     <a:masterClrMapping/>
   </p:clrMapOvr>
-  <p:transition spd="slow">
+  <p:transition xmlns:p14="http://schemas.microsoft.com/office/powerpoint/2010/main" spd="slow">
     <p:fade/>
   </p:transition>
 </p:sldLayout>
@@ -6655,7 +6647,7 @@
           <a:p>
             <a:fld id="{7793EDCB-5B64-3143-AFED-AA1357A092FA}" type="datetimeFigureOut">
               <a:rPr lang="en-US" smtClean="0"/>
-              <a:t>12/11/2012</a:t>
+              <a:t>12/16/12</a:t>
             </a:fld>
             <a:endParaRPr lang="en-US"/>
           </a:p>
@@ -7035,7 +7027,7 @@
   <p:clrMapOvr>
     <a:masterClrMapping/>
   </p:clrMapOvr>
-  <p:transition spd="slow">
+  <p:transition xmlns:p14="http://schemas.microsoft.com/office/powerpoint/2010/main" spd="slow">
     <p:fade/>
   </p:transition>
 </p:sldLayout>
@@ -7445,7 +7437,7 @@
   <p:clrMapOvr>
     <a:masterClrMapping/>
   </p:clrMapOvr>
-  <p:transition spd="slow">
+  <p:transition xmlns:p14="http://schemas.microsoft.com/office/powerpoint/2010/main" spd="slow">
     <p:fade/>
   </p:transition>
 </p:sldLayout>
@@ -7770,7 +7762,7 @@
   <p:clrMapOvr>
     <a:masterClrMapping/>
   </p:clrMapOvr>
-  <p:transition spd="slow">
+  <p:transition xmlns:p14="http://schemas.microsoft.com/office/powerpoint/2010/main" spd="slow">
     <p:fade/>
   </p:transition>
 </p:sldLayout>
@@ -8095,7 +8087,7 @@
   <p:clrMapOvr>
     <a:masterClrMapping/>
   </p:clrMapOvr>
-  <p:transition spd="slow">
+  <p:transition xmlns:p14="http://schemas.microsoft.com/office/powerpoint/2010/main" spd="slow">
     <p:fade/>
   </p:transition>
 </p:sldLayout>
@@ -8505,7 +8497,7 @@
   <p:clrMapOvr>
     <a:masterClrMapping/>
   </p:clrMapOvr>
-  <p:transition spd="slow">
+  <p:transition xmlns:p14="http://schemas.microsoft.com/office/powerpoint/2010/main" spd="slow">
     <p:fade/>
   </p:transition>
 </p:sldLayout>
@@ -8915,7 +8907,7 @@
   <p:clrMapOvr>
     <a:masterClrMapping/>
   </p:clrMapOvr>
-  <p:transition spd="slow">
+  <p:transition xmlns:p14="http://schemas.microsoft.com/office/powerpoint/2010/main" spd="slow">
     <p:fade/>
   </p:transition>
 </p:sldLayout>
@@ -9107,7 +9099,7 @@
   <p:clrMapOvr>
     <a:masterClrMapping/>
   </p:clrMapOvr>
-  <p:transition spd="slow">
+  <p:transition xmlns:p14="http://schemas.microsoft.com/office/powerpoint/2010/main" spd="slow">
     <p:fade/>
   </p:transition>
 </p:sldLayout>
@@ -9193,7 +9185,7 @@
   <p:clrMapOvr>
     <a:masterClrMapping/>
   </p:clrMapOvr>
-  <p:transition spd="slow">
+  <p:transition xmlns:p14="http://schemas.microsoft.com/office/powerpoint/2010/main" spd="slow">
     <p:fade/>
   </p:transition>
 </p:sldLayout>
@@ -9347,7 +9339,7 @@
                   <a:spcPct val="0"/>
                 </a:spcAft>
               </a:pPr>
-              <a:t>11.12.2012</a:t>
+              <a:t>12/16/12</a:t>
             </a:fld>
             <a:endParaRPr lang="ru-RU">
               <a:solidFill>
@@ -9517,7 +9509,7 @@
   <p:clrMapOvr>
     <a:masterClrMapping/>
   </p:clrMapOvr>
-  <p:transition spd="slow">
+  <p:transition xmlns:p14="http://schemas.microsoft.com/office/powerpoint/2010/main" spd="slow">
     <p:fade/>
   </p:transition>
 </p:sldLayout>
@@ -9708,7 +9700,7 @@
           <a:p>
             <a:fld id="{7793EDCB-5B64-3143-AFED-AA1357A092FA}" type="datetimeFigureOut">
               <a:rPr lang="en-US" smtClean="0"/>
-              <a:t>12/11/2012</a:t>
+              <a:t>12/16/12</a:t>
             </a:fld>
             <a:endParaRPr lang="en-US"/>
           </a:p>
@@ -9951,14 +9943,14 @@
             <a:noFill/>
           </a:ln>
           <a:extLst>
-            <a:ext uri="{909E8E84-426E-40DD-AFC4-6F175D3DCCD1}">
+            <a:ext uri="{909E8E84-426E-40dd-AFC4-6F175D3DCCD1}">
               <a14:hiddenFill xmlns:a14="http://schemas.microsoft.com/office/drawing/2010/main">
                 <a:solidFill>
                   <a:srgbClr val="FFFFFF"/>
                 </a:solidFill>
               </a14:hiddenFill>
             </a:ext>
-            <a:ext uri="{91240B29-F687-4F45-9708-019B960494DF}">
+            <a:ext uri="{91240B29-F687-4f45-9708-019B960494DF}">
               <a14:hiddenLine xmlns:a14="http://schemas.microsoft.com/office/drawing/2010/main" w="9525">
                 <a:solidFill>
                   <a:srgbClr val="000000"/>
@@ -10094,14 +10086,14 @@
             <a:noFill/>
           </a:ln>
           <a:extLst>
-            <a:ext uri="{909E8E84-426E-40DD-AFC4-6F175D3DCCD1}">
+            <a:ext uri="{909E8E84-426E-40dd-AFC4-6F175D3DCCD1}">
               <a14:hiddenFill xmlns:a14="http://schemas.microsoft.com/office/drawing/2010/main">
                 <a:solidFill>
                   <a:srgbClr val="FFFFFF"/>
                 </a:solidFill>
               </a14:hiddenFill>
             </a:ext>
-            <a:ext uri="{91240B29-F687-4F45-9708-019B960494DF}">
+            <a:ext uri="{91240B29-F687-4f45-9708-019B960494DF}">
               <a14:hiddenLine xmlns:a14="http://schemas.microsoft.com/office/drawing/2010/main" w="9525">
                 <a:solidFill>
                   <a:srgbClr val="000000"/>
@@ -10148,14 +10140,14 @@
             <a:noFill/>
           </a:ln>
           <a:extLst>
-            <a:ext uri="{909E8E84-426E-40DD-AFC4-6F175D3DCCD1}">
+            <a:ext uri="{909E8E84-426E-40dd-AFC4-6F175D3DCCD1}">
               <a14:hiddenFill xmlns:a14="http://schemas.microsoft.com/office/drawing/2010/main">
                 <a:solidFill>
                   <a:srgbClr val="FFFFFF"/>
                 </a:solidFill>
               </a14:hiddenFill>
             </a:ext>
-            <a:ext uri="{91240B29-F687-4F45-9708-019B960494DF}">
+            <a:ext uri="{91240B29-F687-4f45-9708-019B960494DF}">
               <a14:hiddenLine xmlns:a14="http://schemas.microsoft.com/office/drawing/2010/main" w="9525">
                 <a:solidFill>
                   <a:srgbClr val="000000"/>
@@ -10424,7 +10416,7 @@
   <p:clrMapOvr>
     <a:masterClrMapping/>
   </p:clrMapOvr>
-  <p:transition>
+  <p:transition xmlns:p14="http://schemas.microsoft.com/office/powerpoint/2010/main">
     <p:zoom/>
   </p:transition>
 </p:sldLayout>
@@ -10653,7 +10645,7 @@
   <p:clrMapOvr>
     <a:masterClrMapping/>
   </p:clrMapOvr>
-  <p:transition spd="slow">
+  <p:transition xmlns:p14="http://schemas.microsoft.com/office/powerpoint/2010/main" spd="slow">
     <p:fade/>
   </p:transition>
 </p:sldLayout>
@@ -10710,14 +10702,14 @@
             <a:noFill/>
           </a:ln>
           <a:extLst>
-            <a:ext uri="{909E8E84-426E-40DD-AFC4-6F175D3DCCD1}">
+            <a:ext uri="{909E8E84-426E-40dd-AFC4-6F175D3DCCD1}">
               <a14:hiddenFill xmlns:a14="http://schemas.microsoft.com/office/drawing/2010/main">
                 <a:solidFill>
                   <a:srgbClr val="FFFFFF"/>
                 </a:solidFill>
               </a14:hiddenFill>
             </a:ext>
-            <a:ext uri="{91240B29-F687-4F45-9708-019B960494DF}">
+            <a:ext uri="{91240B29-F687-4f45-9708-019B960494DF}">
               <a14:hiddenLine xmlns:a14="http://schemas.microsoft.com/office/drawing/2010/main" w="9525">
                 <a:solidFill>
                   <a:srgbClr val="000000"/>
@@ -10853,14 +10845,14 @@
             <a:noFill/>
           </a:ln>
           <a:extLst>
-            <a:ext uri="{909E8E84-426E-40DD-AFC4-6F175D3DCCD1}">
+            <a:ext uri="{909E8E84-426E-40dd-AFC4-6F175D3DCCD1}">
               <a14:hiddenFill xmlns:a14="http://schemas.microsoft.com/office/drawing/2010/main">
                 <a:solidFill>
                   <a:srgbClr val="FFFFFF"/>
                 </a:solidFill>
               </a14:hiddenFill>
             </a:ext>
-            <a:ext uri="{91240B29-F687-4F45-9708-019B960494DF}">
+            <a:ext uri="{91240B29-F687-4f45-9708-019B960494DF}">
               <a14:hiddenLine xmlns:a14="http://schemas.microsoft.com/office/drawing/2010/main" w="9525">
                 <a:solidFill>
                   <a:srgbClr val="000000"/>
@@ -10907,14 +10899,14 @@
             <a:noFill/>
           </a:ln>
           <a:extLst>
-            <a:ext uri="{909E8E84-426E-40DD-AFC4-6F175D3DCCD1}">
+            <a:ext uri="{909E8E84-426E-40dd-AFC4-6F175D3DCCD1}">
               <a14:hiddenFill xmlns:a14="http://schemas.microsoft.com/office/drawing/2010/main">
                 <a:solidFill>
                   <a:srgbClr val="FFFFFF"/>
                 </a:solidFill>
               </a14:hiddenFill>
             </a:ext>
-            <a:ext uri="{91240B29-F687-4F45-9708-019B960494DF}">
+            <a:ext uri="{91240B29-F687-4f45-9708-019B960494DF}">
               <a14:hiddenLine xmlns:a14="http://schemas.microsoft.com/office/drawing/2010/main" w="9525">
                 <a:solidFill>
                   <a:srgbClr val="000000"/>
@@ -11183,7 +11175,7 @@
   <p:clrMapOvr>
     <a:masterClrMapping/>
   </p:clrMapOvr>
-  <p:transition>
+  <p:transition xmlns:p14="http://schemas.microsoft.com/office/powerpoint/2010/main">
     <p:zoom/>
   </p:transition>
 </p:sldLayout>
@@ -11240,14 +11232,14 @@
             <a:noFill/>
           </a:ln>
           <a:extLst>
-            <a:ext uri="{909E8E84-426E-40DD-AFC4-6F175D3DCCD1}">
+            <a:ext uri="{909E8E84-426E-40dd-AFC4-6F175D3DCCD1}">
               <a14:hiddenFill xmlns:a14="http://schemas.microsoft.com/office/drawing/2010/main">
                 <a:solidFill>
                   <a:srgbClr val="FFFFFF"/>
                 </a:solidFill>
               </a14:hiddenFill>
             </a:ext>
-            <a:ext uri="{91240B29-F687-4F45-9708-019B960494DF}">
+            <a:ext uri="{91240B29-F687-4f45-9708-019B960494DF}">
               <a14:hiddenLine xmlns:a14="http://schemas.microsoft.com/office/drawing/2010/main" w="9525">
                 <a:solidFill>
                   <a:srgbClr val="000000"/>
@@ -11383,14 +11375,14 @@
             <a:noFill/>
           </a:ln>
           <a:extLst>
-            <a:ext uri="{909E8E84-426E-40DD-AFC4-6F175D3DCCD1}">
+            <a:ext uri="{909E8E84-426E-40dd-AFC4-6F175D3DCCD1}">
               <a14:hiddenFill xmlns:a14="http://schemas.microsoft.com/office/drawing/2010/main">
                 <a:solidFill>
                   <a:srgbClr val="FFFFFF"/>
                 </a:solidFill>
               </a14:hiddenFill>
             </a:ext>
-            <a:ext uri="{91240B29-F687-4F45-9708-019B960494DF}">
+            <a:ext uri="{91240B29-F687-4f45-9708-019B960494DF}">
               <a14:hiddenLine xmlns:a14="http://schemas.microsoft.com/office/drawing/2010/main" w="9525">
                 <a:solidFill>
                   <a:srgbClr val="000000"/>
@@ -11437,14 +11429,14 @@
             <a:noFill/>
           </a:ln>
           <a:extLst>
-            <a:ext uri="{909E8E84-426E-40DD-AFC4-6F175D3DCCD1}">
+            <a:ext uri="{909E8E84-426E-40dd-AFC4-6F175D3DCCD1}">
               <a14:hiddenFill xmlns:a14="http://schemas.microsoft.com/office/drawing/2010/main">
                 <a:solidFill>
                   <a:srgbClr val="FFFFFF"/>
                 </a:solidFill>
               </a14:hiddenFill>
             </a:ext>
-            <a:ext uri="{91240B29-F687-4F45-9708-019B960494DF}">
+            <a:ext uri="{91240B29-F687-4f45-9708-019B960494DF}">
               <a14:hiddenLine xmlns:a14="http://schemas.microsoft.com/office/drawing/2010/main" w="9525">
                 <a:solidFill>
                   <a:srgbClr val="000000"/>
@@ -11713,7 +11705,7 @@
   <p:clrMapOvr>
     <a:masterClrMapping/>
   </p:clrMapOvr>
-  <p:transition>
+  <p:transition xmlns:p14="http://schemas.microsoft.com/office/powerpoint/2010/main">
     <p:zoom/>
   </p:transition>
   <p:hf hdr="0" ftr="0" dt="0"/>
@@ -11825,14 +11817,14 @@
             <a:noFill/>
           </a:ln>
           <a:extLst>
-            <a:ext uri="{909E8E84-426E-40DD-AFC4-6F175D3DCCD1}">
+            <a:ext uri="{909E8E84-426E-40dd-AFC4-6F175D3DCCD1}">
               <a14:hiddenFill xmlns:a14="http://schemas.microsoft.com/office/drawing/2010/main">
                 <a:solidFill>
                   <a:srgbClr val="FFFFFF"/>
                 </a:solidFill>
               </a14:hiddenFill>
             </a:ext>
-            <a:ext uri="{91240B29-F687-4F45-9708-019B960494DF}">
+            <a:ext uri="{91240B29-F687-4f45-9708-019B960494DF}">
               <a14:hiddenLine xmlns:a14="http://schemas.microsoft.com/office/drawing/2010/main" w="9525">
                 <a:solidFill>
                   <a:srgbClr val="000000"/>
@@ -11879,14 +11871,14 @@
             <a:noFill/>
           </a:ln>
           <a:extLst>
-            <a:ext uri="{909E8E84-426E-40DD-AFC4-6F175D3DCCD1}">
+            <a:ext uri="{909E8E84-426E-40dd-AFC4-6F175D3DCCD1}">
               <a14:hiddenFill xmlns:a14="http://schemas.microsoft.com/office/drawing/2010/main">
                 <a:solidFill>
                   <a:srgbClr val="FFFFFF"/>
                 </a:solidFill>
               </a14:hiddenFill>
             </a:ext>
-            <a:ext uri="{91240B29-F687-4F45-9708-019B960494DF}">
+            <a:ext uri="{91240B29-F687-4f45-9708-019B960494DF}">
               <a14:hiddenLine xmlns:a14="http://schemas.microsoft.com/office/drawing/2010/main" w="9525">
                 <a:solidFill>
                   <a:srgbClr val="000000"/>
@@ -11990,14 +11982,14 @@
             <a:noFill/>
           </a:ln>
           <a:extLst>
-            <a:ext uri="{909E8E84-426E-40DD-AFC4-6F175D3DCCD1}">
+            <a:ext uri="{909E8E84-426E-40dd-AFC4-6F175D3DCCD1}">
               <a14:hiddenFill xmlns:a14="http://schemas.microsoft.com/office/drawing/2010/main">
                 <a:solidFill>
                   <a:srgbClr val="FFFFFF"/>
                 </a:solidFill>
               </a14:hiddenFill>
             </a:ext>
-            <a:ext uri="{91240B29-F687-4F45-9708-019B960494DF}">
+            <a:ext uri="{91240B29-F687-4f45-9708-019B960494DF}">
               <a14:hiddenLine xmlns:a14="http://schemas.microsoft.com/office/drawing/2010/main" w="9525">
                 <a:solidFill>
                   <a:srgbClr val="000000"/>
@@ -12109,7 +12101,7 @@
   <p:clrMapOvr>
     <a:masterClrMapping/>
   </p:clrMapOvr>
-  <p:transition>
+  <p:transition xmlns:p14="http://schemas.microsoft.com/office/powerpoint/2010/main">
     <p:zoom/>
   </p:transition>
   <p:hf hdr="0" ftr="0" dt="0"/>
@@ -12223,7 +12215,7 @@
   <p:clrMapOvr>
     <a:masterClrMapping/>
   </p:clrMapOvr>
-  <p:transition>
+  <p:transition xmlns:p14="http://schemas.microsoft.com/office/powerpoint/2010/main">
     <p:zoom/>
   </p:transition>
   <p:hf hdr="0" ftr="0" dt="0"/>
@@ -13500,7 +13492,7 @@
   <p:clrMapOvr>
     <a:masterClrMapping/>
   </p:clrMapOvr>
-  <p:transition>
+  <p:transition xmlns:p14="http://schemas.microsoft.com/office/powerpoint/2010/main">
     <p:zoom/>
   </p:transition>
   <p:hf hdr="0" ftr="0" dt="0"/>
@@ -14301,7 +14293,7 @@
   <p:clrMapOvr>
     <a:masterClrMapping/>
   </p:clrMapOvr>
-  <p:transition>
+  <p:transition xmlns:p14="http://schemas.microsoft.com/office/powerpoint/2010/main">
     <p:zoom/>
   </p:transition>
   <p:hf hdr="0" ftr="0" dt="0"/>
@@ -14444,7 +14436,7 @@
   <p:clrMapOvr>
     <a:masterClrMapping/>
   </p:clrMapOvr>
-  <p:transition>
+  <p:transition xmlns:p14="http://schemas.microsoft.com/office/powerpoint/2010/main">
     <p:zoom/>
   </p:transition>
   <p:hf hdr="0" ftr="0" dt="0"/>
@@ -14678,7 +14670,7 @@
           <a:p>
             <a:fld id="{7793EDCB-5B64-3143-AFED-AA1357A092FA}" type="datetimeFigureOut">
               <a:rPr lang="en-US" smtClean="0"/>
-              <a:t>12/11/2012</a:t>
+              <a:t>12/16/12</a:t>
             </a:fld>
             <a:endParaRPr lang="en-US"/>
           </a:p>
@@ -14885,7 +14877,7 @@
   <p:clrMapOvr>
     <a:masterClrMapping/>
   </p:clrMapOvr>
-  <p:transition>
+  <p:transition xmlns:p14="http://schemas.microsoft.com/office/powerpoint/2010/main">
     <p:zoom/>
   </p:transition>
   <p:hf hdr="0" ftr="0" dt="0"/>
@@ -15036,7 +15028,7 @@
   <p:clrMapOvr>
     <a:masterClrMapping/>
   </p:clrMapOvr>
-  <p:transition>
+  <p:transition xmlns:p14="http://schemas.microsoft.com/office/powerpoint/2010/main">
     <p:zoom/>
   </p:transition>
   <p:hf hdr="0" ftr="0" dt="0"/>
@@ -15094,14 +15086,14 @@
             <a:noFill/>
           </a:ln>
           <a:extLst>
-            <a:ext uri="{909E8E84-426E-40DD-AFC4-6F175D3DCCD1}">
+            <a:ext uri="{909E8E84-426E-40dd-AFC4-6F175D3DCCD1}">
               <a14:hiddenFill xmlns:a14="http://schemas.microsoft.com/office/drawing/2010/main">
                 <a:solidFill>
                   <a:srgbClr val="FFFFFF"/>
                 </a:solidFill>
               </a14:hiddenFill>
             </a:ext>
-            <a:ext uri="{91240B29-F687-4F45-9708-019B960494DF}">
+            <a:ext uri="{91240B29-F687-4f45-9708-019B960494DF}">
               <a14:hiddenLine xmlns:a14="http://schemas.microsoft.com/office/drawing/2010/main" w="9525">
                 <a:solidFill>
                   <a:srgbClr val="000000"/>
@@ -15204,14 +15196,14 @@
             <a:noFill/>
           </a:ln>
           <a:extLst>
-            <a:ext uri="{909E8E84-426E-40DD-AFC4-6F175D3DCCD1}">
+            <a:ext uri="{909E8E84-426E-40dd-AFC4-6F175D3DCCD1}">
               <a14:hiddenFill xmlns:a14="http://schemas.microsoft.com/office/drawing/2010/main">
                 <a:solidFill>
                   <a:srgbClr val="FFFFFF"/>
                 </a:solidFill>
               </a14:hiddenFill>
             </a:ext>
-            <a:ext uri="{91240B29-F687-4F45-9708-019B960494DF}">
+            <a:ext uri="{91240B29-F687-4f45-9708-019B960494DF}">
               <a14:hiddenLine xmlns:a14="http://schemas.microsoft.com/office/drawing/2010/main" w="9525">
                 <a:solidFill>
                   <a:srgbClr val="000000"/>
@@ -15258,14 +15250,14 @@
             <a:noFill/>
           </a:ln>
           <a:extLst>
-            <a:ext uri="{909E8E84-426E-40DD-AFC4-6F175D3DCCD1}">
+            <a:ext uri="{909E8E84-426E-40dd-AFC4-6F175D3DCCD1}">
               <a14:hiddenFill xmlns:a14="http://schemas.microsoft.com/office/drawing/2010/main">
                 <a:solidFill>
                   <a:srgbClr val="FFFFFF"/>
                 </a:solidFill>
               </a14:hiddenFill>
             </a:ext>
-            <a:ext uri="{91240B29-F687-4F45-9708-019B960494DF}">
+            <a:ext uri="{91240B29-F687-4f45-9708-019B960494DF}">
               <a14:hiddenLine xmlns:a14="http://schemas.microsoft.com/office/drawing/2010/main" w="9525">
                 <a:solidFill>
                   <a:srgbClr val="000000"/>
@@ -15568,7 +15560,7 @@
   <p:clrMapOvr>
     <a:masterClrMapping/>
   </p:clrMapOvr>
-  <p:transition>
+  <p:transition xmlns:p14="http://schemas.microsoft.com/office/powerpoint/2010/main">
     <p:zoom/>
   </p:transition>
   <p:hf hdr="0" ftr="0" dt="0"/>
@@ -15798,7 +15790,7 @@
   <p:clrMapOvr>
     <a:masterClrMapping/>
   </p:clrMapOvr>
-  <p:transition spd="slow">
+  <p:transition xmlns:p14="http://schemas.microsoft.com/office/powerpoint/2010/main" spd="slow">
     <p:fade/>
   </p:transition>
 </p:sldLayout>
@@ -16296,7 +16288,7 @@
           <a:p>
             <a:fld id="{7793EDCB-5B64-3143-AFED-AA1357A092FA}" type="datetimeFigureOut">
               <a:rPr lang="en-US" smtClean="0"/>
-              <a:t>12/11/2012</a:t>
+              <a:t>12/16/12</a:t>
             </a:fld>
             <a:endParaRPr lang="en-US"/>
           </a:p>
@@ -16414,7 +16406,7 @@
           <a:p>
             <a:fld id="{7793EDCB-5B64-3143-AFED-AA1357A092FA}" type="datetimeFigureOut">
               <a:rPr lang="en-US" smtClean="0"/>
-              <a:t>12/11/2012</a:t>
+              <a:t>12/16/12</a:t>
             </a:fld>
             <a:endParaRPr lang="en-US"/>
           </a:p>
@@ -16509,7 +16501,7 @@
           <a:p>
             <a:fld id="{7793EDCB-5B64-3143-AFED-AA1357A092FA}" type="datetimeFigureOut">
               <a:rPr lang="en-US" smtClean="0"/>
-              <a:t>12/11/2012</a:t>
+              <a:t>12/16/12</a:t>
             </a:fld>
             <a:endParaRPr lang="en-US"/>
           </a:p>
@@ -16786,7 +16778,7 @@
           <a:p>
             <a:fld id="{7793EDCB-5B64-3143-AFED-AA1357A092FA}" type="datetimeFigureOut">
               <a:rPr lang="en-US" smtClean="0"/>
-              <a:t>12/11/2012</a:t>
+              <a:t>12/16/12</a:t>
             </a:fld>
             <a:endParaRPr lang="en-US"/>
           </a:p>
@@ -17039,7 +17031,7 @@
           <a:p>
             <a:fld id="{7793EDCB-5B64-3143-AFED-AA1357A092FA}" type="datetimeFigureOut">
               <a:rPr lang="en-US" smtClean="0"/>
-              <a:t>12/11/2012</a:t>
+              <a:t>12/16/12</a:t>
             </a:fld>
             <a:endParaRPr lang="en-US"/>
           </a:p>
@@ -17252,7 +17244,7 @@
           <a:p>
             <a:fld id="{7793EDCB-5B64-3143-AFED-AA1357A092FA}" type="datetimeFigureOut">
               <a:rPr lang="en-US" smtClean="0"/>
-              <a:t>12/11/2012</a:t>
+              <a:t>12/16/12</a:t>
             </a:fld>
             <a:endParaRPr lang="en-US"/>
           </a:p>
@@ -17669,14 +17661,14 @@
             <a:noFill/>
           </a:ln>
           <a:extLst>
-            <a:ext uri="{909E8E84-426E-40DD-AFC4-6F175D3DCCD1}">
+            <a:ext uri="{909E8E84-426E-40dd-AFC4-6F175D3DCCD1}">
               <a14:hiddenFill xmlns:a14="http://schemas.microsoft.com/office/drawing/2010/main">
                 <a:solidFill>
                   <a:srgbClr val="FFFFFF"/>
                 </a:solidFill>
               </a14:hiddenFill>
             </a:ext>
-            <a:ext uri="{91240B29-F687-4F45-9708-019B960494DF}">
+            <a:ext uri="{91240B29-F687-4f45-9708-019B960494DF}">
               <a14:hiddenLine xmlns:a14="http://schemas.microsoft.com/office/drawing/2010/main" w="9525">
                 <a:solidFill>
                   <a:srgbClr val="000000"/>
@@ -17712,14 +17704,14 @@
             <a:noFill/>
           </a:ln>
           <a:extLst>
-            <a:ext uri="{909E8E84-426E-40DD-AFC4-6F175D3DCCD1}">
+            <a:ext uri="{909E8E84-426E-40dd-AFC4-6F175D3DCCD1}">
               <a14:hiddenFill xmlns:a14="http://schemas.microsoft.com/office/drawing/2010/main">
                 <a:solidFill>
                   <a:srgbClr val="FFFFFF"/>
                 </a:solidFill>
               </a14:hiddenFill>
             </a:ext>
-            <a:ext uri="{91240B29-F687-4F45-9708-019B960494DF}">
+            <a:ext uri="{91240B29-F687-4f45-9708-019B960494DF}">
               <a14:hiddenLine xmlns:a14="http://schemas.microsoft.com/office/drawing/2010/main" w="9525">
                 <a:solidFill>
                   <a:srgbClr val="000000"/>
@@ -17730,7 +17722,7 @@
               </a14:hiddenLine>
             </a:ext>
             <a:ext uri="{FAA26D3D-D897-4be2-8F04-BA451C77F1D7}">
-              <ma14:placeholderFlag xmlns:ma14="http://schemas.microsoft.com/office/mac/drawingml/2011/main" xmlns="" val="1"/>
+              <ma14:placeholderFlag xmlns:ma14="http://schemas.microsoft.com/office/mac/drawingml/2011/main" val="1"/>
             </a:ext>
           </a:extLst>
         </p:spPr>
@@ -17773,14 +17765,14 @@
             <a:noFill/>
           </a:ln>
           <a:extLst>
-            <a:ext uri="{909E8E84-426E-40DD-AFC4-6F175D3DCCD1}">
+            <a:ext uri="{909E8E84-426E-40dd-AFC4-6F175D3DCCD1}">
               <a14:hiddenFill xmlns:a14="http://schemas.microsoft.com/office/drawing/2010/main">
                 <a:solidFill>
                   <a:srgbClr val="FFFFFF"/>
                 </a:solidFill>
               </a14:hiddenFill>
             </a:ext>
-            <a:ext uri="{91240B29-F687-4F45-9708-019B960494DF}">
+            <a:ext uri="{91240B29-F687-4f45-9708-019B960494DF}">
               <a14:hiddenLine xmlns:a14="http://schemas.microsoft.com/office/drawing/2010/main" w="9525">
                 <a:solidFill>
                   <a:srgbClr val="000000"/>
@@ -17791,7 +17783,7 @@
               </a14:hiddenLine>
             </a:ext>
             <a:ext uri="{FAA26D3D-D897-4be2-8F04-BA451C77F1D7}">
-              <ma14:placeholderFlag xmlns:ma14="http://schemas.microsoft.com/office/mac/drawingml/2011/main" xmlns="" val="1"/>
+              <ma14:placeholderFlag xmlns:ma14="http://schemas.microsoft.com/office/mac/drawingml/2011/main" val="1"/>
             </a:ext>
           </a:extLst>
         </p:spPr>
@@ -17873,14 +17865,14 @@
             <a:noFill/>
           </a:ln>
           <a:extLst>
-            <a:ext uri="{909E8E84-426E-40DD-AFC4-6F175D3DCCD1}">
+            <a:ext uri="{909E8E84-426E-40dd-AFC4-6F175D3DCCD1}">
               <a14:hiddenFill xmlns:a14="http://schemas.microsoft.com/office/drawing/2010/main">
                 <a:solidFill>
                   <a:srgbClr val="FFFFFF"/>
                 </a:solidFill>
               </a14:hiddenFill>
             </a:ext>
-            <a:ext uri="{91240B29-F687-4F45-9708-019B960494DF}">
+            <a:ext uri="{91240B29-F687-4f45-9708-019B960494DF}">
               <a14:hiddenLine xmlns:a14="http://schemas.microsoft.com/office/drawing/2010/main" w="9525">
                 <a:solidFill>
                   <a:srgbClr val="000000"/>
@@ -18106,14 +18098,14 @@
             <a:noFill/>
           </a:ln>
           <a:extLst>
-            <a:ext uri="{909E8E84-426E-40DD-AFC4-6F175D3DCCD1}">
+            <a:ext uri="{909E8E84-426E-40dd-AFC4-6F175D3DCCD1}">
               <a14:hiddenFill xmlns:a14="http://schemas.microsoft.com/office/drawing/2010/main">
                 <a:solidFill>
                   <a:srgbClr val="FFFFFF"/>
                 </a:solidFill>
               </a14:hiddenFill>
             </a:ext>
-            <a:ext uri="{91240B29-F687-4F45-9708-019B960494DF}">
+            <a:ext uri="{91240B29-F687-4f45-9708-019B960494DF}">
               <a14:hiddenLine xmlns:a14="http://schemas.microsoft.com/office/drawing/2010/main" w="9525">
                 <a:solidFill>
                   <a:srgbClr val="000000"/>
@@ -18157,7 +18149,7 @@
     <p:sldLayoutId id="2147483681" r:id="rId20"/>
     <p:sldLayoutId id="2147483693" r:id="rId21"/>
   </p:sldLayoutIdLst>
-  <p:transition spd="slow">
+  <p:transition xmlns:p14="http://schemas.microsoft.com/office/powerpoint/2010/main" spd="slow">
     <p:fade/>
   </p:transition>
   <p:hf hdr="0" ftr="0" dt="0"/>
@@ -18699,14 +18691,14 @@
             <a:noFill/>
           </a:ln>
           <a:extLst>
-            <a:ext uri="{909E8E84-426E-40DD-AFC4-6F175D3DCCD1}">
+            <a:ext uri="{909E8E84-426E-40dd-AFC4-6F175D3DCCD1}">
               <a14:hiddenFill xmlns:a14="http://schemas.microsoft.com/office/drawing/2010/main">
                 <a:solidFill>
                   <a:srgbClr val="FFFFFF"/>
                 </a:solidFill>
               </a14:hiddenFill>
             </a:ext>
-            <a:ext uri="{91240B29-F687-4F45-9708-019B960494DF}">
+            <a:ext uri="{91240B29-F687-4f45-9708-019B960494DF}">
               <a14:hiddenLine xmlns:a14="http://schemas.microsoft.com/office/drawing/2010/main" w="9525">
                 <a:solidFill>
                   <a:srgbClr val="000000"/>
@@ -18717,7 +18709,7 @@
               </a14:hiddenLine>
             </a:ext>
             <a:ext uri="{FAA26D3D-D897-4be2-8F04-BA451C77F1D7}">
-              <ma14:placeholderFlag xmlns:ma14="http://schemas.microsoft.com/office/mac/drawingml/2011/main" xmlns="" val="1"/>
+              <ma14:placeholderFlag xmlns:ma14="http://schemas.microsoft.com/office/mac/drawingml/2011/main" val="1"/>
             </a:ext>
           </a:extLst>
         </p:spPr>
@@ -18938,14 +18930,14 @@
             <a:noFill/>
           </a:ln>
           <a:extLst>
-            <a:ext uri="{909E8E84-426E-40DD-AFC4-6F175D3DCCD1}">
+            <a:ext uri="{909E8E84-426E-40dd-AFC4-6F175D3DCCD1}">
               <a14:hiddenFill xmlns:a14="http://schemas.microsoft.com/office/drawing/2010/main">
                 <a:solidFill>
                   <a:srgbClr val="FFFFFF"/>
                 </a:solidFill>
               </a14:hiddenFill>
             </a:ext>
-            <a:ext uri="{91240B29-F687-4F45-9708-019B960494DF}">
+            <a:ext uri="{91240B29-F687-4f45-9708-019B960494DF}">
               <a14:hiddenLine xmlns:a14="http://schemas.microsoft.com/office/drawing/2010/main" w="9525">
                 <a:solidFill>
                   <a:srgbClr val="000000"/>
@@ -19107,14 +19099,14 @@
             <a:noFill/>
           </a:ln>
           <a:extLst>
-            <a:ext uri="{909E8E84-426E-40DD-AFC4-6F175D3DCCD1}">
+            <a:ext uri="{909E8E84-426E-40dd-AFC4-6F175D3DCCD1}">
               <a14:hiddenFill xmlns:a14="http://schemas.microsoft.com/office/drawing/2010/main">
                 <a:solidFill>
                   <a:srgbClr val="FFFFFF"/>
                 </a:solidFill>
               </a14:hiddenFill>
             </a:ext>
-            <a:ext uri="{91240B29-F687-4F45-9708-019B960494DF}">
+            <a:ext uri="{91240B29-F687-4f45-9708-019B960494DF}">
               <a14:hiddenLine xmlns:a14="http://schemas.microsoft.com/office/drawing/2010/main" w="9525">
                 <a:solidFill>
                   <a:srgbClr val="000000"/>
@@ -19125,7 +19117,7 @@
               </a14:hiddenLine>
             </a:ext>
             <a:ext uri="{FAA26D3D-D897-4be2-8F04-BA451C77F1D7}">
-              <ma14:placeholderFlag xmlns:ma14="http://schemas.microsoft.com/office/mac/drawingml/2011/main" xmlns="" val="1"/>
+              <ma14:placeholderFlag xmlns:ma14="http://schemas.microsoft.com/office/mac/drawingml/2011/main" val="1"/>
             </a:ext>
           </a:extLst>
         </p:spPr>
@@ -19359,14 +19351,14 @@
             <a:noFill/>
           </a:ln>
           <a:extLst>
-            <a:ext uri="{909E8E84-426E-40DD-AFC4-6F175D3DCCD1}">
+            <a:ext uri="{909E8E84-426E-40dd-AFC4-6F175D3DCCD1}">
               <a14:hiddenFill xmlns:a14="http://schemas.microsoft.com/office/drawing/2010/main">
                 <a:solidFill>
                   <a:srgbClr val="FFFFFF"/>
                 </a:solidFill>
               </a14:hiddenFill>
             </a:ext>
-            <a:ext uri="{91240B29-F687-4F45-9708-019B960494DF}">
+            <a:ext uri="{91240B29-F687-4f45-9708-019B960494DF}">
               <a14:hiddenLine xmlns:a14="http://schemas.microsoft.com/office/drawing/2010/main" w="9525">
                 <a:solidFill>
                   <a:srgbClr val="000000"/>
@@ -19396,13 +19388,13 @@
     <p:sldLayoutId id="2147483705" r:id="rId11"/>
     <p:sldLayoutId id="2147483706" r:id="rId12"/>
   </p:sldLayoutIdLst>
-  <p:transition spd="slow">
+  <p:transition xmlns:p14="http://schemas.microsoft.com/office/powerpoint/2010/main" spd="slow">
     <p:fade/>
   </p:transition>
   <p:timing>
     <p:tnLst>
       <p:par>
-        <p:cTn id="1" dur="indefinite" restart="never" nodeType="tmRoot"/>
+        <p:cTn xmlns:p14="http://schemas.microsoft.com/office/powerpoint/2010/main" id="1" dur="indefinite" restart="never" nodeType="tmRoot"/>
       </p:par>
     </p:tnLst>
   </p:timing>
@@ -19903,13 +19895,18 @@
   <p:clrMapOvr>
     <a:masterClrMapping/>
   </p:clrMapOvr>
-  <p:transition>
-    <p:zoom/>
-  </p:transition>
+  <mc:AlternateContent xmlns:mc="http://schemas.openxmlformats.org/markup-compatibility/2006">
+    <mc:Choice xmlns:p14="http://schemas.microsoft.com/office/powerpoint/2010/main" Requires="p14">
+      <p:transition p14:dur="0"/>
+    </mc:Choice>
+    <mc:Fallback>
+      <p:transition xmlns:p14="http://schemas.microsoft.com/office/powerpoint/2010/main"/>
+    </mc:Fallback>
+  </mc:AlternateContent>
   <p:timing>
     <p:tnLst>
       <p:par>
-        <p:cTn id="1" dur="indefinite" restart="never" nodeType="tmRoot"/>
+        <p:cTn xmlns:p14="http://schemas.microsoft.com/office/powerpoint/2010/main" id="1" dur="indefinite" restart="never" nodeType="tmRoot"/>
       </p:par>
     </p:tnLst>
   </p:timing>
@@ -20350,18 +20347,18 @@
   <p:clrMapOvr>
     <a:masterClrMapping/>
   </p:clrMapOvr>
-  <mc:AlternateContent xmlns:mc="http://schemas.openxmlformats.org/markup-compatibility/2006" xmlns:p14="http://schemas.microsoft.com/office/powerpoint/2010/main">
-    <mc:Choice Requires="p14">
+  <mc:AlternateContent xmlns:mc="http://schemas.openxmlformats.org/markup-compatibility/2006">
+    <mc:Choice xmlns:p14="http://schemas.microsoft.com/office/powerpoint/2010/main" Requires="p14">
       <p:transition p14:dur="0"/>
     </mc:Choice>
-    <mc:Fallback xmlns="">
+    <mc:Fallback>
       <p:transition xmlns:p14="http://schemas.microsoft.com/office/powerpoint/2010/main"/>
     </mc:Fallback>
   </mc:AlternateContent>
   <p:timing>
     <p:tnLst>
       <p:par>
-        <p:cTn id="1" dur="indefinite" restart="never" nodeType="tmRoot"/>
+        <p:cTn xmlns:p14="http://schemas.microsoft.com/office/powerpoint/2010/main" id="1" dur="indefinite" restart="never" nodeType="tmRoot"/>
       </p:par>
     </p:tnLst>
   </p:timing>
@@ -20491,18 +20488,18 @@
   <p:clrMapOvr>
     <a:masterClrMapping/>
   </p:clrMapOvr>
-  <mc:AlternateContent xmlns:mc="http://schemas.openxmlformats.org/markup-compatibility/2006" xmlns:p14="http://schemas.microsoft.com/office/powerpoint/2010/main">
-    <mc:Choice Requires="p14">
+  <mc:AlternateContent xmlns:mc="http://schemas.openxmlformats.org/markup-compatibility/2006">
+    <mc:Choice xmlns:p14="http://schemas.microsoft.com/office/powerpoint/2010/main" Requires="p14">
       <p:transition p14:dur="0"/>
     </mc:Choice>
-    <mc:Fallback xmlns="">
+    <mc:Fallback>
       <p:transition xmlns:p14="http://schemas.microsoft.com/office/powerpoint/2010/main"/>
     </mc:Fallback>
   </mc:AlternateContent>
   <p:timing>
     <p:tnLst>
       <p:par>
-        <p:cTn id="1" dur="indefinite" restart="never" nodeType="tmRoot"/>
+        <p:cTn xmlns:p14="http://schemas.microsoft.com/office/powerpoint/2010/main" id="1" dur="indefinite" restart="never" nodeType="tmRoot"/>
       </p:par>
     </p:tnLst>
   </p:timing>
@@ -20562,18 +20559,18 @@
   <p:clrMapOvr>
     <a:masterClrMapping/>
   </p:clrMapOvr>
-  <mc:AlternateContent xmlns:mc="http://schemas.openxmlformats.org/markup-compatibility/2006" xmlns:p14="http://schemas.microsoft.com/office/powerpoint/2010/main">
-    <mc:Choice Requires="p14">
+  <mc:AlternateContent xmlns:mc="http://schemas.openxmlformats.org/markup-compatibility/2006">
+    <mc:Choice xmlns:p14="http://schemas.microsoft.com/office/powerpoint/2010/main" Requires="p14">
       <p:transition p14:dur="0"/>
     </mc:Choice>
-    <mc:Fallback xmlns="">
+    <mc:Fallback>
       <p:transition xmlns:p14="http://schemas.microsoft.com/office/powerpoint/2010/main"/>
     </mc:Fallback>
   </mc:AlternateContent>
   <p:timing>
     <p:tnLst>
       <p:par>
-        <p:cTn id="1" dur="indefinite" restart="never" nodeType="tmRoot"/>
+        <p:cTn xmlns:p14="http://schemas.microsoft.com/office/powerpoint/2010/main" id="1" dur="indefinite" restart="never" nodeType="tmRoot"/>
       </p:par>
     </p:tnLst>
   </p:timing>
@@ -20703,18 +20700,18 @@
   <p:clrMapOvr>
     <a:masterClrMapping/>
   </p:clrMapOvr>
-  <mc:AlternateContent xmlns:mc="http://schemas.openxmlformats.org/markup-compatibility/2006" xmlns:p14="http://schemas.microsoft.com/office/powerpoint/2010/main">
-    <mc:Choice Requires="p14">
+  <mc:AlternateContent xmlns:mc="http://schemas.openxmlformats.org/markup-compatibility/2006">
+    <mc:Choice xmlns:p14="http://schemas.microsoft.com/office/powerpoint/2010/main" Requires="p14">
       <p:transition p14:dur="0"/>
     </mc:Choice>
-    <mc:Fallback xmlns="">
+    <mc:Fallback>
       <p:transition xmlns:p14="http://schemas.microsoft.com/office/powerpoint/2010/main"/>
     </mc:Fallback>
   </mc:AlternateContent>
   <p:timing>
     <p:tnLst>
       <p:par>
-        <p:cTn id="1" dur="indefinite" restart="never" nodeType="tmRoot"/>
+        <p:cTn xmlns:p14="http://schemas.microsoft.com/office/powerpoint/2010/main" id="1" dur="indefinite" restart="never" nodeType="tmRoot"/>
       </p:par>
     </p:tnLst>
   </p:timing>
@@ -20857,18 +20854,18 @@
   <p:clrMapOvr>
     <a:masterClrMapping/>
   </p:clrMapOvr>
-  <mc:AlternateContent xmlns:mc="http://schemas.openxmlformats.org/markup-compatibility/2006" xmlns:p14="http://schemas.microsoft.com/office/powerpoint/2010/main">
-    <mc:Choice Requires="p14">
+  <mc:AlternateContent xmlns:mc="http://schemas.openxmlformats.org/markup-compatibility/2006">
+    <mc:Choice xmlns:p14="http://schemas.microsoft.com/office/powerpoint/2010/main" Requires="p14">
       <p:transition p14:dur="0"/>
     </mc:Choice>
-    <mc:Fallback xmlns="">
+    <mc:Fallback>
       <p:transition xmlns:p14="http://schemas.microsoft.com/office/powerpoint/2010/main"/>
     </mc:Fallback>
   </mc:AlternateContent>
   <p:timing>
     <p:tnLst>
       <p:par>
-        <p:cTn id="1" dur="indefinite" restart="never" nodeType="tmRoot"/>
+        <p:cTn xmlns:p14="http://schemas.microsoft.com/office/powerpoint/2010/main" id="1" dur="indefinite" restart="never" nodeType="tmRoot"/>
       </p:par>
     </p:tnLst>
   </p:timing>
@@ -21007,7 +21004,7 @@
           </a:prstGeom>
           <a:noFill/>
           <a:extLst>
-            <a:ext uri="{909E8E84-426E-40DD-AFC4-6F175D3DCCD1}">
+            <a:ext uri="{909E8E84-426E-40dd-AFC4-6F175D3DCCD1}">
               <a14:hiddenFill xmlns:a14="http://schemas.microsoft.com/office/drawing/2010/main">
                 <a:solidFill>
                   <a:srgbClr val="FFFFFF"/>
@@ -21027,18 +21024,18 @@
   <p:clrMapOvr>
     <a:masterClrMapping/>
   </p:clrMapOvr>
-  <mc:AlternateContent xmlns:mc="http://schemas.openxmlformats.org/markup-compatibility/2006" xmlns:p14="http://schemas.microsoft.com/office/powerpoint/2010/main">
-    <mc:Choice Requires="p14">
+  <mc:AlternateContent xmlns:mc="http://schemas.openxmlformats.org/markup-compatibility/2006">
+    <mc:Choice xmlns:p14="http://schemas.microsoft.com/office/powerpoint/2010/main" Requires="p14">
       <p:transition p14:dur="0"/>
     </mc:Choice>
-    <mc:Fallback xmlns="">
+    <mc:Fallback>
       <p:transition xmlns:p14="http://schemas.microsoft.com/office/powerpoint/2010/main"/>
     </mc:Fallback>
   </mc:AlternateContent>
   <p:timing>
     <p:tnLst>
       <p:par>
-        <p:cTn id="1" dur="indefinite" restart="never" nodeType="tmRoot"/>
+        <p:cTn xmlns:p14="http://schemas.microsoft.com/office/powerpoint/2010/main" id="1" dur="indefinite" restart="never" nodeType="tmRoot"/>
       </p:par>
     </p:tnLst>
   </p:timing>
@@ -21093,7 +21090,7 @@
           </a:prstGeom>
           <a:noFill/>
           <a:extLst>
-            <a:ext uri="{909E8E84-426E-40DD-AFC4-6F175D3DCCD1}">
+            <a:ext uri="{909E8E84-426E-40dd-AFC4-6F175D3DCCD1}">
               <a14:hiddenFill xmlns:a14="http://schemas.microsoft.com/office/drawing/2010/main">
                 <a:solidFill>
                   <a:srgbClr val="FFFFFF"/>
@@ -21208,7 +21205,7 @@
           </a:prstGeom>
           <a:noFill/>
           <a:extLst>
-            <a:ext uri="{909E8E84-426E-40DD-AFC4-6F175D3DCCD1}">
+            <a:ext uri="{909E8E84-426E-40dd-AFC4-6F175D3DCCD1}">
               <a14:hiddenFill xmlns:a14="http://schemas.microsoft.com/office/drawing/2010/main">
                 <a:solidFill>
                   <a:srgbClr val="FFFFFF"/>
@@ -21249,7 +21246,7 @@
           </a:prstGeom>
           <a:noFill/>
           <a:extLst>
-            <a:ext uri="{909E8E84-426E-40DD-AFC4-6F175D3DCCD1}">
+            <a:ext uri="{909E8E84-426E-40dd-AFC4-6F175D3DCCD1}">
               <a14:hiddenFill xmlns:a14="http://schemas.microsoft.com/office/drawing/2010/main">
                 <a:solidFill>
                   <a:srgbClr val="FFFFFF"/>
@@ -21321,18 +21318,18 @@
   <p:clrMapOvr>
     <a:masterClrMapping/>
   </p:clrMapOvr>
-  <mc:AlternateContent xmlns:mc="http://schemas.openxmlformats.org/markup-compatibility/2006" xmlns:p14="http://schemas.microsoft.com/office/powerpoint/2010/main">
-    <mc:Choice Requires="p14">
+  <mc:AlternateContent xmlns:mc="http://schemas.openxmlformats.org/markup-compatibility/2006">
+    <mc:Choice xmlns:p14="http://schemas.microsoft.com/office/powerpoint/2010/main" Requires="p14">
       <p:transition p14:dur="0"/>
     </mc:Choice>
-    <mc:Fallback xmlns="">
+    <mc:Fallback>
       <p:transition xmlns:p14="http://schemas.microsoft.com/office/powerpoint/2010/main"/>
     </mc:Fallback>
   </mc:AlternateContent>
   <p:timing>
     <p:tnLst>
       <p:par>
-        <p:cTn id="1" dur="indefinite" restart="never" nodeType="tmRoot"/>
+        <p:cTn xmlns:p14="http://schemas.microsoft.com/office/powerpoint/2010/main" id="1" dur="indefinite" restart="never" nodeType="tmRoot"/>
       </p:par>
     </p:tnLst>
   </p:timing>
@@ -21928,18 +21925,18 @@
   <p:clrMapOvr>
     <a:masterClrMapping/>
   </p:clrMapOvr>
-  <mc:AlternateContent xmlns:mc="http://schemas.openxmlformats.org/markup-compatibility/2006" xmlns:p14="http://schemas.microsoft.com/office/powerpoint/2010/main">
-    <mc:Choice Requires="p14">
+  <mc:AlternateContent xmlns:mc="http://schemas.openxmlformats.org/markup-compatibility/2006">
+    <mc:Choice xmlns:p14="http://schemas.microsoft.com/office/powerpoint/2010/main" Requires="p14">
       <p:transition p14:dur="0"/>
     </mc:Choice>
-    <mc:Fallback xmlns="">
+    <mc:Fallback>
       <p:transition xmlns:p14="http://schemas.microsoft.com/office/powerpoint/2010/main"/>
     </mc:Fallback>
   </mc:AlternateContent>
   <p:timing>
     <p:tnLst>
       <p:par>
-        <p:cTn id="1" dur="indefinite" restart="never" nodeType="tmRoot"/>
+        <p:cTn xmlns:p14="http://schemas.microsoft.com/office/powerpoint/2010/main" id="1" dur="indefinite" restart="never" nodeType="tmRoot"/>
       </p:par>
     </p:tnLst>
   </p:timing>
@@ -23375,18 +23372,18 @@
   <p:clrMapOvr>
     <a:masterClrMapping/>
   </p:clrMapOvr>
-  <mc:AlternateContent xmlns:mc="http://schemas.openxmlformats.org/markup-compatibility/2006" xmlns:p14="http://schemas.microsoft.com/office/powerpoint/2010/main">
-    <mc:Choice Requires="p14">
+  <mc:AlternateContent xmlns:mc="http://schemas.openxmlformats.org/markup-compatibility/2006">
+    <mc:Choice xmlns:p14="http://schemas.microsoft.com/office/powerpoint/2010/main" Requires="p14">
       <p:transition p14:dur="0"/>
     </mc:Choice>
-    <mc:Fallback xmlns="">
+    <mc:Fallback>
       <p:transition xmlns:p14="http://schemas.microsoft.com/office/powerpoint/2010/main"/>
     </mc:Fallback>
   </mc:AlternateContent>
   <p:timing>
     <p:tnLst>
       <p:par>
-        <p:cTn id="1" dur="indefinite" restart="never" nodeType="tmRoot"/>
+        <p:cTn xmlns:p14="http://schemas.microsoft.com/office/powerpoint/2010/main" id="1" dur="indefinite" restart="never" nodeType="tmRoot"/>
       </p:par>
     </p:tnLst>
   </p:timing>
@@ -23507,18 +23504,18 @@
   <p:clrMapOvr>
     <a:masterClrMapping/>
   </p:clrMapOvr>
-  <mc:AlternateContent xmlns:mc="http://schemas.openxmlformats.org/markup-compatibility/2006" xmlns:p14="http://schemas.microsoft.com/office/powerpoint/2010/main">
-    <mc:Choice Requires="p14">
+  <mc:AlternateContent xmlns:mc="http://schemas.openxmlformats.org/markup-compatibility/2006">
+    <mc:Choice xmlns:p14="http://schemas.microsoft.com/office/powerpoint/2010/main" Requires="p14">
       <p:transition p14:dur="0"/>
     </mc:Choice>
-    <mc:Fallback xmlns="">
+    <mc:Fallback>
       <p:transition xmlns:p14="http://schemas.microsoft.com/office/powerpoint/2010/main"/>
     </mc:Fallback>
   </mc:AlternateContent>
   <p:timing>
     <p:tnLst>
       <p:par>
-        <p:cTn id="1" dur="indefinite" restart="never" nodeType="tmRoot"/>
+        <p:cTn xmlns:p14="http://schemas.microsoft.com/office/powerpoint/2010/main" id="1" dur="indefinite" restart="never" nodeType="tmRoot"/>
       </p:par>
     </p:tnLst>
   </p:timing>
@@ -25478,13 +25475,18 @@
   <p:clrMapOvr>
     <a:masterClrMapping/>
   </p:clrMapOvr>
-  <p:transition spd="slow">
-    <p:fade/>
-  </p:transition>
+  <mc:AlternateContent xmlns:mc="http://schemas.openxmlformats.org/markup-compatibility/2006">
+    <mc:Choice xmlns:p14="http://schemas.microsoft.com/office/powerpoint/2010/main" Requires="p14">
+      <p:transition p14:dur="0"/>
+    </mc:Choice>
+    <mc:Fallback>
+      <p:transition xmlns:p14="http://schemas.microsoft.com/office/powerpoint/2010/main"/>
+    </mc:Fallback>
+  </mc:AlternateContent>
   <p:timing>
     <p:tnLst>
       <p:par>
-        <p:cTn id="1" dur="indefinite" restart="never" nodeType="tmRoot"/>
+        <p:cTn xmlns:p14="http://schemas.microsoft.com/office/powerpoint/2010/main" id="1" dur="indefinite" restart="never" nodeType="tmRoot"/>
       </p:par>
     </p:tnLst>
   </p:timing>
@@ -25546,13 +25548,18 @@
   <p:clrMapOvr>
     <a:masterClrMapping/>
   </p:clrMapOvr>
-  <p:transition>
-    <p:zoom/>
-  </p:transition>
+  <mc:AlternateContent xmlns:mc="http://schemas.openxmlformats.org/markup-compatibility/2006">
+    <mc:Choice xmlns:p14="http://schemas.microsoft.com/office/powerpoint/2010/main" Requires="p14">
+      <p:transition p14:dur="0"/>
+    </mc:Choice>
+    <mc:Fallback>
+      <p:transition xmlns:p14="http://schemas.microsoft.com/office/powerpoint/2010/main"/>
+    </mc:Fallback>
+  </mc:AlternateContent>
   <p:timing>
     <p:tnLst>
       <p:par>
-        <p:cTn id="1" dur="indefinite" restart="never" nodeType="tmRoot"/>
+        <p:cTn xmlns:p14="http://schemas.microsoft.com/office/powerpoint/2010/main" id="1" dur="indefinite" restart="never" nodeType="tmRoot"/>
       </p:par>
     </p:tnLst>
   </p:timing>
@@ -25772,9 +25779,14 @@
   <p:clrMapOvr>
     <a:masterClrMapping/>
   </p:clrMapOvr>
-  <p:transition>
-    <p:zoom/>
-  </p:transition>
+  <mc:AlternateContent xmlns:mc="http://schemas.openxmlformats.org/markup-compatibility/2006">
+    <mc:Choice xmlns:p14="http://schemas.microsoft.com/office/powerpoint/2010/main" Requires="p14">
+      <p:transition p14:dur="0"/>
+    </mc:Choice>
+    <mc:Fallback>
+      <p:transition xmlns:p14="http://schemas.microsoft.com/office/powerpoint/2010/main"/>
+    </mc:Fallback>
+  </mc:AlternateContent>
 </p:sld>
 </file>
 
@@ -25908,18 +25920,18 @@
   <p:clrMapOvr>
     <a:masterClrMapping/>
   </p:clrMapOvr>
-  <mc:AlternateContent xmlns:mc="http://schemas.openxmlformats.org/markup-compatibility/2006" xmlns:p14="http://schemas.microsoft.com/office/powerpoint/2010/main">
-    <mc:Choice Requires="p14">
+  <mc:AlternateContent xmlns:mc="http://schemas.openxmlformats.org/markup-compatibility/2006">
+    <mc:Choice xmlns:p14="http://schemas.microsoft.com/office/powerpoint/2010/main" Requires="p14">
       <p:transition p14:dur="0"/>
     </mc:Choice>
-    <mc:Fallback xmlns="">
+    <mc:Fallback>
       <p:transition xmlns:p14="http://schemas.microsoft.com/office/powerpoint/2010/main"/>
     </mc:Fallback>
   </mc:AlternateContent>
   <p:timing>
     <p:tnLst>
       <p:par>
-        <p:cTn id="1" dur="indefinite" restart="never" nodeType="tmRoot"/>
+        <p:cTn xmlns:p14="http://schemas.microsoft.com/office/powerpoint/2010/main" id="1" dur="indefinite" restart="never" nodeType="tmRoot"/>
       </p:par>
     </p:tnLst>
   </p:timing>
@@ -26116,18 +26128,18 @@
   <p:clrMapOvr>
     <a:masterClrMapping/>
   </p:clrMapOvr>
-  <mc:AlternateContent xmlns:mc="http://schemas.openxmlformats.org/markup-compatibility/2006" xmlns:p14="http://schemas.microsoft.com/office/powerpoint/2010/main">
-    <mc:Choice Requires="p14">
+  <mc:AlternateContent xmlns:mc="http://schemas.openxmlformats.org/markup-compatibility/2006">
+    <mc:Choice xmlns:p14="http://schemas.microsoft.com/office/powerpoint/2010/main" Requires="p14">
       <p:transition p14:dur="0"/>
     </mc:Choice>
-    <mc:Fallback xmlns="">
+    <mc:Fallback>
       <p:transition xmlns:p14="http://schemas.microsoft.com/office/powerpoint/2010/main"/>
     </mc:Fallback>
   </mc:AlternateContent>
   <p:timing>
     <p:tnLst>
       <p:par>
-        <p:cTn id="1" dur="indefinite" restart="never" nodeType="tmRoot"/>
+        <p:cTn xmlns:p14="http://schemas.microsoft.com/office/powerpoint/2010/main" id="1" dur="indefinite" restart="never" nodeType="tmRoot"/>
       </p:par>
     </p:tnLst>
   </p:timing>
@@ -26351,18 +26363,18 @@
   <p:clrMapOvr>
     <a:masterClrMapping/>
   </p:clrMapOvr>
-  <mc:AlternateContent xmlns:mc="http://schemas.openxmlformats.org/markup-compatibility/2006" xmlns:p14="http://schemas.microsoft.com/office/powerpoint/2010/main">
-    <mc:Choice Requires="p14">
+  <mc:AlternateContent xmlns:mc="http://schemas.openxmlformats.org/markup-compatibility/2006">
+    <mc:Choice xmlns:p14="http://schemas.microsoft.com/office/powerpoint/2010/main" Requires="p14">
       <p:transition p14:dur="0"/>
     </mc:Choice>
-    <mc:Fallback xmlns="">
+    <mc:Fallback>
       <p:transition xmlns:p14="http://schemas.microsoft.com/office/powerpoint/2010/main"/>
     </mc:Fallback>
   </mc:AlternateContent>
   <p:timing>
     <p:tnLst>
       <p:par>
-        <p:cTn id="1" dur="indefinite" restart="never" nodeType="tmRoot"/>
+        <p:cTn xmlns:p14="http://schemas.microsoft.com/office/powerpoint/2010/main" id="1" dur="indefinite" restart="never" nodeType="tmRoot"/>
       </p:par>
     </p:tnLst>
   </p:timing>
@@ -26479,18 +26491,18 @@
   <p:clrMapOvr>
     <a:masterClrMapping/>
   </p:clrMapOvr>
-  <mc:AlternateContent xmlns:mc="http://schemas.openxmlformats.org/markup-compatibility/2006" xmlns:p14="http://schemas.microsoft.com/office/powerpoint/2010/main">
-    <mc:Choice Requires="p14">
+  <mc:AlternateContent xmlns:mc="http://schemas.openxmlformats.org/markup-compatibility/2006">
+    <mc:Choice xmlns:p14="http://schemas.microsoft.com/office/powerpoint/2010/main" Requires="p14">
       <p:transition p14:dur="0"/>
     </mc:Choice>
-    <mc:Fallback xmlns="">
+    <mc:Fallback>
       <p:transition xmlns:p14="http://schemas.microsoft.com/office/powerpoint/2010/main"/>
     </mc:Fallback>
   </mc:AlternateContent>
   <p:timing>
     <p:tnLst>
       <p:par>
-        <p:cTn id="1" dur="indefinite" restart="never" nodeType="tmRoot"/>
+        <p:cTn xmlns:p14="http://schemas.microsoft.com/office/powerpoint/2010/main" id="1" dur="indefinite" restart="never" nodeType="tmRoot"/>
       </p:par>
     </p:tnLst>
   </p:timing>
@@ -26657,18 +26669,18 @@
   <p:clrMapOvr>
     <a:masterClrMapping/>
   </p:clrMapOvr>
-  <mc:AlternateContent xmlns:mc="http://schemas.openxmlformats.org/markup-compatibility/2006" xmlns:p14="http://schemas.microsoft.com/office/powerpoint/2010/main">
-    <mc:Choice Requires="p14">
+  <mc:AlternateContent xmlns:mc="http://schemas.openxmlformats.org/markup-compatibility/2006">
+    <mc:Choice xmlns:p14="http://schemas.microsoft.com/office/powerpoint/2010/main" Requires="p14">
       <p:transition p14:dur="0"/>
     </mc:Choice>
-    <mc:Fallback xmlns="">
+    <mc:Fallback>
       <p:transition xmlns:p14="http://schemas.microsoft.com/office/powerpoint/2010/main"/>
     </mc:Fallback>
   </mc:AlternateContent>
   <p:timing>
     <p:tnLst>
       <p:par>
-        <p:cTn id="1" dur="indefinite" restart="never" nodeType="tmRoot"/>
+        <p:cTn xmlns:p14="http://schemas.microsoft.com/office/powerpoint/2010/main" id="1" dur="indefinite" restart="never" nodeType="tmRoot"/>
       </p:par>
     </p:tnLst>
   </p:timing>
@@ -26807,7 +26819,7 @@
           </a:prstGeom>
           <a:noFill/>
           <a:extLst>
-            <a:ext uri="{909E8E84-426E-40DD-AFC4-6F175D3DCCD1}">
+            <a:ext uri="{909E8E84-426E-40dd-AFC4-6F175D3DCCD1}">
               <a14:hiddenFill xmlns:a14="http://schemas.microsoft.com/office/drawing/2010/main">
                 <a:solidFill>
                   <a:srgbClr val="FFFFFF"/>
@@ -26864,18 +26876,18 @@
   <p:clrMapOvr>
     <a:masterClrMapping/>
   </p:clrMapOvr>
-  <mc:AlternateContent xmlns:mc="http://schemas.openxmlformats.org/markup-compatibility/2006" xmlns:p14="http://schemas.microsoft.com/office/powerpoint/2010/main">
-    <mc:Choice Requires="p14">
+  <mc:AlternateContent xmlns:mc="http://schemas.openxmlformats.org/markup-compatibility/2006">
+    <mc:Choice xmlns:p14="http://schemas.microsoft.com/office/powerpoint/2010/main" Requires="p14">
       <p:transition p14:dur="0"/>
     </mc:Choice>
-    <mc:Fallback xmlns="">
+    <mc:Fallback>
       <p:transition xmlns:p14="http://schemas.microsoft.com/office/powerpoint/2010/main"/>
     </mc:Fallback>
   </mc:AlternateContent>
   <p:timing>
     <p:tnLst>
       <p:par>
-        <p:cTn id="1" dur="indefinite" restart="never" nodeType="tmRoot"/>
+        <p:cTn xmlns:p14="http://schemas.microsoft.com/office/powerpoint/2010/main" id="1" dur="indefinite" restart="never" nodeType="tmRoot"/>
       </p:par>
     </p:tnLst>
   </p:timing>
@@ -27135,18 +27147,18 @@
   <p:clrMapOvr>
     <a:masterClrMapping/>
   </p:clrMapOvr>
-  <mc:AlternateContent xmlns:mc="http://schemas.openxmlformats.org/markup-compatibility/2006" xmlns:p14="http://schemas.microsoft.com/office/powerpoint/2010/main">
-    <mc:Choice Requires="p14">
+  <mc:AlternateContent xmlns:mc="http://schemas.openxmlformats.org/markup-compatibility/2006">
+    <mc:Choice xmlns:p14="http://schemas.microsoft.com/office/powerpoint/2010/main" Requires="p14">
       <p:transition p14:dur="0"/>
     </mc:Choice>
-    <mc:Fallback xmlns="">
+    <mc:Fallback>
       <p:transition xmlns:p14="http://schemas.microsoft.com/office/powerpoint/2010/main"/>
     </mc:Fallback>
   </mc:AlternateContent>
   <p:timing>
     <p:tnLst>
       <p:par>
-        <p:cTn id="1" dur="indefinite" restart="never" nodeType="tmRoot"/>
+        <p:cTn xmlns:p14="http://schemas.microsoft.com/office/powerpoint/2010/main" id="1" dur="indefinite" restart="never" nodeType="tmRoot"/>
       </p:par>
     </p:tnLst>
   </p:timing>

--- a/Test Driven Development/materials/pptx/7. TDD-BDD.pptx
+++ b/Test Driven Development/materials/pptx/7. TDD-BDD.pptx
@@ -19767,9 +19767,16 @@
             <p:ph type="title"/>
           </p:nvPr>
         </p:nvSpPr>
-        <p:spPr/>
-        <p:txBody>
-          <a:bodyPr/>
+        <p:spPr>
+          <a:xfrm>
+            <a:off x="3886200" y="2427157"/>
+            <a:ext cx="4862264" cy="1752957"/>
+          </a:xfrm>
+        </p:spPr>
+        <p:txBody>
+          <a:bodyPr>
+            <a:normAutofit/>
+          </a:bodyPr>
           <a:lstStyle/>
           <a:p>
             <a:r>
@@ -19790,10 +19797,16 @@
               </a:rPr>
             </a:br>
             <a:r>
+              <a:rPr lang="en-US" dirty="0">
+                <a:latin typeface="Arial" charset="0"/>
+              </a:rPr>
+              <a:t> </a:t>
+            </a:r>
+            <a:r>
               <a:rPr lang="en-US" dirty="0" smtClean="0">
                 <a:latin typeface="Arial" charset="0"/>
               </a:rPr>
-              <a:t>Integration Tests</a:t>
+              <a:t>BDD</a:t>
             </a:r>
             <a:endParaRPr lang="en-US" dirty="0"/>
           </a:p>
@@ -19820,8 +19833,9 @@
             </a:r>
             <a:r>
               <a:rPr lang="en-US" dirty="0"/>
-              <a:t>3</a:t>
-            </a:r>
+              <a:t>7</a:t>
+            </a:r>
+            <a:endParaRPr lang="en-US" dirty="0"/>
           </a:p>
         </p:txBody>
       </p:sp>
@@ -19895,11 +19909,11 @@
   <p:clrMapOvr>
     <a:masterClrMapping/>
   </p:clrMapOvr>
-  <mc:AlternateContent xmlns:mc="http://schemas.openxmlformats.org/markup-compatibility/2006">
-    <mc:Choice xmlns:p14="http://schemas.microsoft.com/office/powerpoint/2010/main" Requires="p14">
+  <mc:AlternateContent xmlns:mc="http://schemas.openxmlformats.org/markup-compatibility/2006" xmlns:p14="http://schemas.microsoft.com/office/powerpoint/2010/main">
+    <mc:Choice Requires="p14">
       <p:transition p14:dur="0"/>
     </mc:Choice>
-    <mc:Fallback>
+    <mc:Fallback xmlns="">
       <p:transition xmlns:p14="http://schemas.microsoft.com/office/powerpoint/2010/main"/>
     </mc:Fallback>
   </mc:AlternateContent>
@@ -20347,11 +20361,11 @@
   <p:clrMapOvr>
     <a:masterClrMapping/>
   </p:clrMapOvr>
-  <mc:AlternateContent xmlns:mc="http://schemas.openxmlformats.org/markup-compatibility/2006">
-    <mc:Choice xmlns:p14="http://schemas.microsoft.com/office/powerpoint/2010/main" Requires="p14">
+  <mc:AlternateContent xmlns:mc="http://schemas.openxmlformats.org/markup-compatibility/2006" xmlns:p14="http://schemas.microsoft.com/office/powerpoint/2010/main">
+    <mc:Choice Requires="p14">
       <p:transition p14:dur="0"/>
     </mc:Choice>
-    <mc:Fallback>
+    <mc:Fallback xmlns="">
       <p:transition xmlns:p14="http://schemas.microsoft.com/office/powerpoint/2010/main"/>
     </mc:Fallback>
   </mc:AlternateContent>
@@ -20488,11 +20502,11 @@
   <p:clrMapOvr>
     <a:masterClrMapping/>
   </p:clrMapOvr>
-  <mc:AlternateContent xmlns:mc="http://schemas.openxmlformats.org/markup-compatibility/2006">
-    <mc:Choice xmlns:p14="http://schemas.microsoft.com/office/powerpoint/2010/main" Requires="p14">
+  <mc:AlternateContent xmlns:mc="http://schemas.openxmlformats.org/markup-compatibility/2006" xmlns:p14="http://schemas.microsoft.com/office/powerpoint/2010/main">
+    <mc:Choice Requires="p14">
       <p:transition p14:dur="0"/>
     </mc:Choice>
-    <mc:Fallback>
+    <mc:Fallback xmlns="">
       <p:transition xmlns:p14="http://schemas.microsoft.com/office/powerpoint/2010/main"/>
     </mc:Fallback>
   </mc:AlternateContent>
@@ -20559,11 +20573,11 @@
   <p:clrMapOvr>
     <a:masterClrMapping/>
   </p:clrMapOvr>
-  <mc:AlternateContent xmlns:mc="http://schemas.openxmlformats.org/markup-compatibility/2006">
-    <mc:Choice xmlns:p14="http://schemas.microsoft.com/office/powerpoint/2010/main" Requires="p14">
+  <mc:AlternateContent xmlns:mc="http://schemas.openxmlformats.org/markup-compatibility/2006" xmlns:p14="http://schemas.microsoft.com/office/powerpoint/2010/main">
+    <mc:Choice Requires="p14">
       <p:transition p14:dur="0"/>
     </mc:Choice>
-    <mc:Fallback>
+    <mc:Fallback xmlns="">
       <p:transition xmlns:p14="http://schemas.microsoft.com/office/powerpoint/2010/main"/>
     </mc:Fallback>
   </mc:AlternateContent>
@@ -20700,11 +20714,11 @@
   <p:clrMapOvr>
     <a:masterClrMapping/>
   </p:clrMapOvr>
-  <mc:AlternateContent xmlns:mc="http://schemas.openxmlformats.org/markup-compatibility/2006">
-    <mc:Choice xmlns:p14="http://schemas.microsoft.com/office/powerpoint/2010/main" Requires="p14">
+  <mc:AlternateContent xmlns:mc="http://schemas.openxmlformats.org/markup-compatibility/2006" xmlns:p14="http://schemas.microsoft.com/office/powerpoint/2010/main">
+    <mc:Choice Requires="p14">
       <p:transition p14:dur="0"/>
     </mc:Choice>
-    <mc:Fallback>
+    <mc:Fallback xmlns="">
       <p:transition xmlns:p14="http://schemas.microsoft.com/office/powerpoint/2010/main"/>
     </mc:Fallback>
   </mc:AlternateContent>
@@ -20854,11 +20868,11 @@
   <p:clrMapOvr>
     <a:masterClrMapping/>
   </p:clrMapOvr>
-  <mc:AlternateContent xmlns:mc="http://schemas.openxmlformats.org/markup-compatibility/2006">
-    <mc:Choice xmlns:p14="http://schemas.microsoft.com/office/powerpoint/2010/main" Requires="p14">
+  <mc:AlternateContent xmlns:mc="http://schemas.openxmlformats.org/markup-compatibility/2006" xmlns:p14="http://schemas.microsoft.com/office/powerpoint/2010/main">
+    <mc:Choice Requires="p14">
       <p:transition p14:dur="0"/>
     </mc:Choice>
-    <mc:Fallback>
+    <mc:Fallback xmlns="">
       <p:transition xmlns:p14="http://schemas.microsoft.com/office/powerpoint/2010/main"/>
     </mc:Fallback>
   </mc:AlternateContent>
@@ -21024,11 +21038,11 @@
   <p:clrMapOvr>
     <a:masterClrMapping/>
   </p:clrMapOvr>
-  <mc:AlternateContent xmlns:mc="http://schemas.openxmlformats.org/markup-compatibility/2006">
-    <mc:Choice xmlns:p14="http://schemas.microsoft.com/office/powerpoint/2010/main" Requires="p14">
+  <mc:AlternateContent xmlns:mc="http://schemas.openxmlformats.org/markup-compatibility/2006" xmlns:p14="http://schemas.microsoft.com/office/powerpoint/2010/main">
+    <mc:Choice Requires="p14">
       <p:transition p14:dur="0"/>
     </mc:Choice>
-    <mc:Fallback>
+    <mc:Fallback xmlns="">
       <p:transition xmlns:p14="http://schemas.microsoft.com/office/powerpoint/2010/main"/>
     </mc:Fallback>
   </mc:AlternateContent>
@@ -21318,11 +21332,11 @@
   <p:clrMapOvr>
     <a:masterClrMapping/>
   </p:clrMapOvr>
-  <mc:AlternateContent xmlns:mc="http://schemas.openxmlformats.org/markup-compatibility/2006">
-    <mc:Choice xmlns:p14="http://schemas.microsoft.com/office/powerpoint/2010/main" Requires="p14">
+  <mc:AlternateContent xmlns:mc="http://schemas.openxmlformats.org/markup-compatibility/2006" xmlns:p14="http://schemas.microsoft.com/office/powerpoint/2010/main">
+    <mc:Choice Requires="p14">
       <p:transition p14:dur="0"/>
     </mc:Choice>
-    <mc:Fallback>
+    <mc:Fallback xmlns="">
       <p:transition xmlns:p14="http://schemas.microsoft.com/office/powerpoint/2010/main"/>
     </mc:Fallback>
   </mc:AlternateContent>
@@ -21925,11 +21939,11 @@
   <p:clrMapOvr>
     <a:masterClrMapping/>
   </p:clrMapOvr>
-  <mc:AlternateContent xmlns:mc="http://schemas.openxmlformats.org/markup-compatibility/2006">
-    <mc:Choice xmlns:p14="http://schemas.microsoft.com/office/powerpoint/2010/main" Requires="p14">
+  <mc:AlternateContent xmlns:mc="http://schemas.openxmlformats.org/markup-compatibility/2006" xmlns:p14="http://schemas.microsoft.com/office/powerpoint/2010/main">
+    <mc:Choice Requires="p14">
       <p:transition p14:dur="0"/>
     </mc:Choice>
-    <mc:Fallback>
+    <mc:Fallback xmlns="">
       <p:transition xmlns:p14="http://schemas.microsoft.com/office/powerpoint/2010/main"/>
     </mc:Fallback>
   </mc:AlternateContent>
@@ -23372,11 +23386,11 @@
   <p:clrMapOvr>
     <a:masterClrMapping/>
   </p:clrMapOvr>
-  <mc:AlternateContent xmlns:mc="http://schemas.openxmlformats.org/markup-compatibility/2006">
-    <mc:Choice xmlns:p14="http://schemas.microsoft.com/office/powerpoint/2010/main" Requires="p14">
+  <mc:AlternateContent xmlns:mc="http://schemas.openxmlformats.org/markup-compatibility/2006" xmlns:p14="http://schemas.microsoft.com/office/powerpoint/2010/main">
+    <mc:Choice Requires="p14">
       <p:transition p14:dur="0"/>
     </mc:Choice>
-    <mc:Fallback>
+    <mc:Fallback xmlns="">
       <p:transition xmlns:p14="http://schemas.microsoft.com/office/powerpoint/2010/main"/>
     </mc:Fallback>
   </mc:AlternateContent>
@@ -23504,11 +23518,11 @@
   <p:clrMapOvr>
     <a:masterClrMapping/>
   </p:clrMapOvr>
-  <mc:AlternateContent xmlns:mc="http://schemas.openxmlformats.org/markup-compatibility/2006">
-    <mc:Choice xmlns:p14="http://schemas.microsoft.com/office/powerpoint/2010/main" Requires="p14">
+  <mc:AlternateContent xmlns:mc="http://schemas.openxmlformats.org/markup-compatibility/2006" xmlns:p14="http://schemas.microsoft.com/office/powerpoint/2010/main">
+    <mc:Choice Requires="p14">
       <p:transition p14:dur="0"/>
     </mc:Choice>
-    <mc:Fallback>
+    <mc:Fallback xmlns="">
       <p:transition xmlns:p14="http://schemas.microsoft.com/office/powerpoint/2010/main"/>
     </mc:Fallback>
   </mc:AlternateContent>
@@ -25475,11 +25489,11 @@
   <p:clrMapOvr>
     <a:masterClrMapping/>
   </p:clrMapOvr>
-  <mc:AlternateContent xmlns:mc="http://schemas.openxmlformats.org/markup-compatibility/2006">
-    <mc:Choice xmlns:p14="http://schemas.microsoft.com/office/powerpoint/2010/main" Requires="p14">
+  <mc:AlternateContent xmlns:mc="http://schemas.openxmlformats.org/markup-compatibility/2006" xmlns:p14="http://schemas.microsoft.com/office/powerpoint/2010/main">
+    <mc:Choice Requires="p14">
       <p:transition p14:dur="0"/>
     </mc:Choice>
-    <mc:Fallback>
+    <mc:Fallback xmlns="">
       <p:transition xmlns:p14="http://schemas.microsoft.com/office/powerpoint/2010/main"/>
     </mc:Fallback>
   </mc:AlternateContent>
@@ -25548,11 +25562,11 @@
   <p:clrMapOvr>
     <a:masterClrMapping/>
   </p:clrMapOvr>
-  <mc:AlternateContent xmlns:mc="http://schemas.openxmlformats.org/markup-compatibility/2006">
-    <mc:Choice xmlns:p14="http://schemas.microsoft.com/office/powerpoint/2010/main" Requires="p14">
+  <mc:AlternateContent xmlns:mc="http://schemas.openxmlformats.org/markup-compatibility/2006" xmlns:p14="http://schemas.microsoft.com/office/powerpoint/2010/main">
+    <mc:Choice Requires="p14">
       <p:transition p14:dur="0"/>
     </mc:Choice>
-    <mc:Fallback>
+    <mc:Fallback xmlns="">
       <p:transition xmlns:p14="http://schemas.microsoft.com/office/powerpoint/2010/main"/>
     </mc:Fallback>
   </mc:AlternateContent>
@@ -25779,11 +25793,11 @@
   <p:clrMapOvr>
     <a:masterClrMapping/>
   </p:clrMapOvr>
-  <mc:AlternateContent xmlns:mc="http://schemas.openxmlformats.org/markup-compatibility/2006">
-    <mc:Choice xmlns:p14="http://schemas.microsoft.com/office/powerpoint/2010/main" Requires="p14">
+  <mc:AlternateContent xmlns:mc="http://schemas.openxmlformats.org/markup-compatibility/2006" xmlns:p14="http://schemas.microsoft.com/office/powerpoint/2010/main">
+    <mc:Choice Requires="p14">
       <p:transition p14:dur="0"/>
     </mc:Choice>
-    <mc:Fallback>
+    <mc:Fallback xmlns="">
       <p:transition xmlns:p14="http://schemas.microsoft.com/office/powerpoint/2010/main"/>
     </mc:Fallback>
   </mc:AlternateContent>
@@ -25920,11 +25934,11 @@
   <p:clrMapOvr>
     <a:masterClrMapping/>
   </p:clrMapOvr>
-  <mc:AlternateContent xmlns:mc="http://schemas.openxmlformats.org/markup-compatibility/2006">
-    <mc:Choice xmlns:p14="http://schemas.microsoft.com/office/powerpoint/2010/main" Requires="p14">
+  <mc:AlternateContent xmlns:mc="http://schemas.openxmlformats.org/markup-compatibility/2006" xmlns:p14="http://schemas.microsoft.com/office/powerpoint/2010/main">
+    <mc:Choice Requires="p14">
       <p:transition p14:dur="0"/>
     </mc:Choice>
-    <mc:Fallback>
+    <mc:Fallback xmlns="">
       <p:transition xmlns:p14="http://schemas.microsoft.com/office/powerpoint/2010/main"/>
     </mc:Fallback>
   </mc:AlternateContent>
@@ -25999,8 +26013,8 @@
         </p:nvSpPr>
         <p:spPr bwMode="auto">
           <a:xfrm>
-            <a:off x="1066800" y="2755196"/>
-            <a:ext cx="7010400" cy="1347609"/>
+            <a:off x="762000" y="2755196"/>
+            <a:ext cx="7620000" cy="1347609"/>
           </a:xfrm>
           <a:prstGeom prst="rect">
             <a:avLst/>
@@ -26128,11 +26142,11 @@
   <p:clrMapOvr>
     <a:masterClrMapping/>
   </p:clrMapOvr>
-  <mc:AlternateContent xmlns:mc="http://schemas.openxmlformats.org/markup-compatibility/2006">
-    <mc:Choice xmlns:p14="http://schemas.microsoft.com/office/powerpoint/2010/main" Requires="p14">
+  <mc:AlternateContent xmlns:mc="http://schemas.openxmlformats.org/markup-compatibility/2006" xmlns:p14="http://schemas.microsoft.com/office/powerpoint/2010/main">
+    <mc:Choice Requires="p14">
       <p:transition p14:dur="0"/>
     </mc:Choice>
-    <mc:Fallback>
+    <mc:Fallback xmlns="">
       <p:transition xmlns:p14="http://schemas.microsoft.com/office/powerpoint/2010/main"/>
     </mc:Fallback>
   </mc:AlternateContent>
@@ -26363,11 +26377,11 @@
   <p:clrMapOvr>
     <a:masterClrMapping/>
   </p:clrMapOvr>
-  <mc:AlternateContent xmlns:mc="http://schemas.openxmlformats.org/markup-compatibility/2006">
-    <mc:Choice xmlns:p14="http://schemas.microsoft.com/office/powerpoint/2010/main" Requires="p14">
+  <mc:AlternateContent xmlns:mc="http://schemas.openxmlformats.org/markup-compatibility/2006" xmlns:p14="http://schemas.microsoft.com/office/powerpoint/2010/main">
+    <mc:Choice Requires="p14">
       <p:transition p14:dur="0"/>
     </mc:Choice>
-    <mc:Fallback>
+    <mc:Fallback xmlns="">
       <p:transition xmlns:p14="http://schemas.microsoft.com/office/powerpoint/2010/main"/>
     </mc:Fallback>
   </mc:AlternateContent>
@@ -26462,7 +26476,7 @@
           </a:bodyPr>
           <a:lstStyle/>
           <a:p>
-            <a:pPr defTabSz="803275">
+            <a:pPr algn="ctr" defTabSz="803275">
               <a:buClr>
                 <a:srgbClr val="FF6600"/>
               </a:buClr>
@@ -26491,11 +26505,11 @@
   <p:clrMapOvr>
     <a:masterClrMapping/>
   </p:clrMapOvr>
-  <mc:AlternateContent xmlns:mc="http://schemas.openxmlformats.org/markup-compatibility/2006">
-    <mc:Choice xmlns:p14="http://schemas.microsoft.com/office/powerpoint/2010/main" Requires="p14">
+  <mc:AlternateContent xmlns:mc="http://schemas.openxmlformats.org/markup-compatibility/2006" xmlns:p14="http://schemas.microsoft.com/office/powerpoint/2010/main">
+    <mc:Choice Requires="p14">
       <p:transition p14:dur="0"/>
     </mc:Choice>
-    <mc:Fallback>
+    <mc:Fallback xmlns="">
       <p:transition xmlns:p14="http://schemas.microsoft.com/office/powerpoint/2010/main"/>
     </mc:Fallback>
   </mc:AlternateContent>
@@ -26570,8 +26584,8 @@
         </p:nvSpPr>
         <p:spPr bwMode="auto">
           <a:xfrm>
-            <a:off x="1066800" y="2062698"/>
-            <a:ext cx="7010400" cy="2732604"/>
+            <a:off x="849313" y="2339697"/>
+            <a:ext cx="7445375" cy="2178606"/>
           </a:xfrm>
           <a:prstGeom prst="rect">
             <a:avLst/>
@@ -26669,11 +26683,11 @@
   <p:clrMapOvr>
     <a:masterClrMapping/>
   </p:clrMapOvr>
-  <mc:AlternateContent xmlns:mc="http://schemas.openxmlformats.org/markup-compatibility/2006">
-    <mc:Choice xmlns:p14="http://schemas.microsoft.com/office/powerpoint/2010/main" Requires="p14">
+  <mc:AlternateContent xmlns:mc="http://schemas.openxmlformats.org/markup-compatibility/2006" xmlns:p14="http://schemas.microsoft.com/office/powerpoint/2010/main">
+    <mc:Choice Requires="p14">
       <p:transition p14:dur="0"/>
     </mc:Choice>
-    <mc:Fallback>
+    <mc:Fallback xmlns="">
       <p:transition xmlns:p14="http://schemas.microsoft.com/office/powerpoint/2010/main"/>
     </mc:Fallback>
   </mc:AlternateContent>
@@ -26876,11 +26890,11 @@
   <p:clrMapOvr>
     <a:masterClrMapping/>
   </p:clrMapOvr>
-  <mc:AlternateContent xmlns:mc="http://schemas.openxmlformats.org/markup-compatibility/2006">
-    <mc:Choice xmlns:p14="http://schemas.microsoft.com/office/powerpoint/2010/main" Requires="p14">
+  <mc:AlternateContent xmlns:mc="http://schemas.openxmlformats.org/markup-compatibility/2006" xmlns:p14="http://schemas.microsoft.com/office/powerpoint/2010/main">
+    <mc:Choice Requires="p14">
       <p:transition p14:dur="0"/>
     </mc:Choice>
-    <mc:Fallback>
+    <mc:Fallback xmlns="">
       <p:transition xmlns:p14="http://schemas.microsoft.com/office/powerpoint/2010/main"/>
     </mc:Fallback>
   </mc:AlternateContent>
@@ -27147,11 +27161,11 @@
   <p:clrMapOvr>
     <a:masterClrMapping/>
   </p:clrMapOvr>
-  <mc:AlternateContent xmlns:mc="http://schemas.openxmlformats.org/markup-compatibility/2006">
-    <mc:Choice xmlns:p14="http://schemas.microsoft.com/office/powerpoint/2010/main" Requires="p14">
+  <mc:AlternateContent xmlns:mc="http://schemas.openxmlformats.org/markup-compatibility/2006" xmlns:p14="http://schemas.microsoft.com/office/powerpoint/2010/main">
+    <mc:Choice Requires="p14">
       <p:transition p14:dur="0"/>
     </mc:Choice>
-    <mc:Fallback>
+    <mc:Fallback xmlns="">
       <p:transition xmlns:p14="http://schemas.microsoft.com/office/powerpoint/2010/main"/>
     </mc:Fallback>
   </mc:AlternateContent>
